--- a/Refactoring - Java/Refactoring.pptx
+++ b/Refactoring - Java/Refactoring.pptx
@@ -4,8 +4,15 @@
   <p:sldMasterIdLst>
     <p:sldMasterId id="2147483672" r:id="rId1"/>
   </p:sldMasterIdLst>
+  <p:notesMasterIdLst>
+    <p:notesMasterId r:id="rId7"/>
+  </p:notesMasterIdLst>
   <p:sldIdLst>
     <p:sldId id="256" r:id="rId2"/>
+    <p:sldId id="260" r:id="rId3"/>
+    <p:sldId id="257" r:id="rId4"/>
+    <p:sldId id="258" r:id="rId5"/>
+    <p:sldId id="259" r:id="rId6"/>
   </p:sldIdLst>
   <p:sldSz cx="12192000" cy="6858000"/>
   <p:notesSz cx="6858000" cy="9144000"/>
@@ -104,7 +111,5883 @@
       </a:defRPr>
     </a:lvl9pPr>
   </p:defaultTextStyle>
+  <p:extLst>
+    <p:ext uri="{EFAFB233-063F-42B5-8137-9DF3F51BA10A}">
+      <p15:sldGuideLst xmlns:p15="http://schemas.microsoft.com/office/powerpoint/2012/main"/>
+    </p:ext>
+  </p:extLst>
 </p:presentation>
+</file>
+
+<file path=ppt/diagrams/colors1.xml><?xml version="1.0" encoding="utf-8"?>
+<dgm:colorsDef xmlns:dgm="http://schemas.openxmlformats.org/drawingml/2006/diagram" xmlns:a="http://schemas.openxmlformats.org/drawingml/2006/main" uniqueId="urn:microsoft.com/office/officeart/2005/8/colors/accent1_2">
+  <dgm:title val=""/>
+  <dgm:desc val=""/>
+  <dgm:catLst>
+    <dgm:cat type="accent1" pri="11200"/>
+  </dgm:catLst>
+  <dgm:styleLbl name="node0">
+    <dgm:fillClrLst meth="repeat">
+      <a:schemeClr val="accent1"/>
+    </dgm:fillClrLst>
+    <dgm:linClrLst meth="repeat">
+      <a:schemeClr val="lt1"/>
+    </dgm:linClrLst>
+    <dgm:effectClrLst/>
+    <dgm:txLinClrLst/>
+    <dgm:txFillClrLst/>
+    <dgm:txEffectClrLst/>
+  </dgm:styleLbl>
+  <dgm:styleLbl name="alignNode1">
+    <dgm:fillClrLst meth="repeat">
+      <a:schemeClr val="accent1"/>
+    </dgm:fillClrLst>
+    <dgm:linClrLst meth="repeat">
+      <a:schemeClr val="accent1"/>
+    </dgm:linClrLst>
+    <dgm:effectClrLst/>
+    <dgm:txLinClrLst/>
+    <dgm:txFillClrLst/>
+    <dgm:txEffectClrLst/>
+  </dgm:styleLbl>
+  <dgm:styleLbl name="node1">
+    <dgm:fillClrLst meth="repeat">
+      <a:schemeClr val="accent1"/>
+    </dgm:fillClrLst>
+    <dgm:linClrLst meth="repeat">
+      <a:schemeClr val="lt1"/>
+    </dgm:linClrLst>
+    <dgm:effectClrLst/>
+    <dgm:txLinClrLst/>
+    <dgm:txFillClrLst/>
+    <dgm:txEffectClrLst/>
+  </dgm:styleLbl>
+  <dgm:styleLbl name="lnNode1">
+    <dgm:fillClrLst meth="repeat">
+      <a:schemeClr val="accent1"/>
+    </dgm:fillClrLst>
+    <dgm:linClrLst meth="repeat">
+      <a:schemeClr val="lt1"/>
+    </dgm:linClrLst>
+    <dgm:effectClrLst/>
+    <dgm:txLinClrLst/>
+    <dgm:txFillClrLst/>
+    <dgm:txEffectClrLst/>
+  </dgm:styleLbl>
+  <dgm:styleLbl name="vennNode1">
+    <dgm:fillClrLst meth="repeat">
+      <a:schemeClr val="accent1">
+        <a:alpha val="50000"/>
+      </a:schemeClr>
+    </dgm:fillClrLst>
+    <dgm:linClrLst meth="repeat">
+      <a:schemeClr val="lt1"/>
+    </dgm:linClrLst>
+    <dgm:effectClrLst/>
+    <dgm:txLinClrLst/>
+    <dgm:txFillClrLst/>
+    <dgm:txEffectClrLst/>
+  </dgm:styleLbl>
+  <dgm:styleLbl name="node2">
+    <dgm:fillClrLst meth="repeat">
+      <a:schemeClr val="accent1"/>
+    </dgm:fillClrLst>
+    <dgm:linClrLst meth="repeat">
+      <a:schemeClr val="lt1"/>
+    </dgm:linClrLst>
+    <dgm:effectClrLst/>
+    <dgm:txLinClrLst/>
+    <dgm:txFillClrLst/>
+    <dgm:txEffectClrLst/>
+  </dgm:styleLbl>
+  <dgm:styleLbl name="node3">
+    <dgm:fillClrLst meth="repeat">
+      <a:schemeClr val="accent1"/>
+    </dgm:fillClrLst>
+    <dgm:linClrLst meth="repeat">
+      <a:schemeClr val="lt1"/>
+    </dgm:linClrLst>
+    <dgm:effectClrLst/>
+    <dgm:txLinClrLst/>
+    <dgm:txFillClrLst/>
+    <dgm:txEffectClrLst/>
+  </dgm:styleLbl>
+  <dgm:styleLbl name="node4">
+    <dgm:fillClrLst meth="repeat">
+      <a:schemeClr val="accent1"/>
+    </dgm:fillClrLst>
+    <dgm:linClrLst meth="repeat">
+      <a:schemeClr val="lt1"/>
+    </dgm:linClrLst>
+    <dgm:effectClrLst/>
+    <dgm:txLinClrLst/>
+    <dgm:txFillClrLst/>
+    <dgm:txEffectClrLst/>
+  </dgm:styleLbl>
+  <dgm:styleLbl name="fgImgPlace1">
+    <dgm:fillClrLst meth="repeat">
+      <a:schemeClr val="accent1">
+        <a:tint val="50000"/>
+      </a:schemeClr>
+    </dgm:fillClrLst>
+    <dgm:linClrLst meth="repeat">
+      <a:schemeClr val="lt1"/>
+    </dgm:linClrLst>
+    <dgm:effectClrLst/>
+    <dgm:txLinClrLst/>
+    <dgm:txFillClrLst meth="repeat">
+      <a:schemeClr val="lt1"/>
+    </dgm:txFillClrLst>
+    <dgm:txEffectClrLst/>
+  </dgm:styleLbl>
+  <dgm:styleLbl name="alignImgPlace1">
+    <dgm:fillClrLst meth="repeat">
+      <a:schemeClr val="accent1">
+        <a:tint val="50000"/>
+      </a:schemeClr>
+    </dgm:fillClrLst>
+    <dgm:linClrLst meth="repeat">
+      <a:schemeClr val="lt1"/>
+    </dgm:linClrLst>
+    <dgm:effectClrLst/>
+    <dgm:txLinClrLst/>
+    <dgm:txFillClrLst meth="repeat">
+      <a:schemeClr val="lt1"/>
+    </dgm:txFillClrLst>
+    <dgm:txEffectClrLst/>
+  </dgm:styleLbl>
+  <dgm:styleLbl name="bgImgPlace1">
+    <dgm:fillClrLst meth="repeat">
+      <a:schemeClr val="accent1">
+        <a:tint val="50000"/>
+      </a:schemeClr>
+    </dgm:fillClrLst>
+    <dgm:linClrLst meth="repeat">
+      <a:schemeClr val="lt1"/>
+    </dgm:linClrLst>
+    <dgm:effectClrLst/>
+    <dgm:txLinClrLst/>
+    <dgm:txFillClrLst meth="repeat">
+      <a:schemeClr val="lt1"/>
+    </dgm:txFillClrLst>
+    <dgm:txEffectClrLst/>
+  </dgm:styleLbl>
+  <dgm:styleLbl name="sibTrans2D1">
+    <dgm:fillClrLst meth="repeat">
+      <a:schemeClr val="accent1">
+        <a:tint val="60000"/>
+      </a:schemeClr>
+    </dgm:fillClrLst>
+    <dgm:linClrLst meth="repeat">
+      <a:schemeClr val="accent1">
+        <a:tint val="60000"/>
+      </a:schemeClr>
+    </dgm:linClrLst>
+    <dgm:effectClrLst/>
+    <dgm:txLinClrLst/>
+    <dgm:txFillClrLst/>
+    <dgm:txEffectClrLst/>
+  </dgm:styleLbl>
+  <dgm:styleLbl name="fgSibTrans2D1">
+    <dgm:fillClrLst meth="repeat">
+      <a:schemeClr val="accent1">
+        <a:tint val="60000"/>
+      </a:schemeClr>
+    </dgm:fillClrLst>
+    <dgm:linClrLst meth="repeat">
+      <a:schemeClr val="accent1">
+        <a:tint val="60000"/>
+      </a:schemeClr>
+    </dgm:linClrLst>
+    <dgm:effectClrLst/>
+    <dgm:txLinClrLst/>
+    <dgm:txFillClrLst/>
+    <dgm:txEffectClrLst/>
+  </dgm:styleLbl>
+  <dgm:styleLbl name="bgSibTrans2D1">
+    <dgm:fillClrLst meth="repeat">
+      <a:schemeClr val="accent1">
+        <a:tint val="60000"/>
+      </a:schemeClr>
+    </dgm:fillClrLst>
+    <dgm:linClrLst meth="repeat">
+      <a:schemeClr val="accent1">
+        <a:tint val="60000"/>
+      </a:schemeClr>
+    </dgm:linClrLst>
+    <dgm:effectClrLst/>
+    <dgm:txLinClrLst/>
+    <dgm:txFillClrLst/>
+    <dgm:txEffectClrLst/>
+  </dgm:styleLbl>
+  <dgm:styleLbl name="sibTrans1D1">
+    <dgm:fillClrLst meth="repeat">
+      <a:schemeClr val="accent1"/>
+    </dgm:fillClrLst>
+    <dgm:linClrLst meth="repeat">
+      <a:schemeClr val="accent1"/>
+    </dgm:linClrLst>
+    <dgm:effectClrLst/>
+    <dgm:txLinClrLst/>
+    <dgm:txFillClrLst meth="repeat">
+      <a:schemeClr val="tx1"/>
+    </dgm:txFillClrLst>
+    <dgm:txEffectClrLst/>
+  </dgm:styleLbl>
+  <dgm:styleLbl name="callout">
+    <dgm:fillClrLst meth="repeat">
+      <a:schemeClr val="accent1"/>
+    </dgm:fillClrLst>
+    <dgm:linClrLst meth="repeat">
+      <a:schemeClr val="accent1">
+        <a:tint val="50000"/>
+      </a:schemeClr>
+    </dgm:linClrLst>
+    <dgm:effectClrLst/>
+    <dgm:txLinClrLst/>
+    <dgm:txFillClrLst meth="repeat">
+      <a:schemeClr val="tx1"/>
+    </dgm:txFillClrLst>
+    <dgm:txEffectClrLst/>
+  </dgm:styleLbl>
+  <dgm:styleLbl name="asst0">
+    <dgm:fillClrLst meth="repeat">
+      <a:schemeClr val="accent1"/>
+    </dgm:fillClrLst>
+    <dgm:linClrLst meth="repeat">
+      <a:schemeClr val="lt1"/>
+    </dgm:linClrLst>
+    <dgm:effectClrLst/>
+    <dgm:txLinClrLst/>
+    <dgm:txFillClrLst/>
+    <dgm:txEffectClrLst/>
+  </dgm:styleLbl>
+  <dgm:styleLbl name="asst1">
+    <dgm:fillClrLst meth="repeat">
+      <a:schemeClr val="accent1"/>
+    </dgm:fillClrLst>
+    <dgm:linClrLst meth="repeat">
+      <a:schemeClr val="lt1"/>
+    </dgm:linClrLst>
+    <dgm:effectClrLst/>
+    <dgm:txLinClrLst/>
+    <dgm:txFillClrLst/>
+    <dgm:txEffectClrLst/>
+  </dgm:styleLbl>
+  <dgm:styleLbl name="asst2">
+    <dgm:fillClrLst meth="repeat">
+      <a:schemeClr val="accent1"/>
+    </dgm:fillClrLst>
+    <dgm:linClrLst meth="repeat">
+      <a:schemeClr val="lt1"/>
+    </dgm:linClrLst>
+    <dgm:effectClrLst/>
+    <dgm:txLinClrLst/>
+    <dgm:txFillClrLst/>
+    <dgm:txEffectClrLst/>
+  </dgm:styleLbl>
+  <dgm:styleLbl name="asst3">
+    <dgm:fillClrLst meth="repeat">
+      <a:schemeClr val="accent1"/>
+    </dgm:fillClrLst>
+    <dgm:linClrLst meth="repeat">
+      <a:schemeClr val="lt1"/>
+    </dgm:linClrLst>
+    <dgm:effectClrLst/>
+    <dgm:txLinClrLst/>
+    <dgm:txFillClrLst/>
+    <dgm:txEffectClrLst/>
+  </dgm:styleLbl>
+  <dgm:styleLbl name="asst4">
+    <dgm:fillClrLst meth="repeat">
+      <a:schemeClr val="accent1"/>
+    </dgm:fillClrLst>
+    <dgm:linClrLst meth="repeat">
+      <a:schemeClr val="lt1"/>
+    </dgm:linClrLst>
+    <dgm:effectClrLst/>
+    <dgm:txLinClrLst/>
+    <dgm:txFillClrLst/>
+    <dgm:txEffectClrLst/>
+  </dgm:styleLbl>
+  <dgm:styleLbl name="parChTrans2D1">
+    <dgm:fillClrLst meth="repeat">
+      <a:schemeClr val="accent1">
+        <a:tint val="60000"/>
+      </a:schemeClr>
+    </dgm:fillClrLst>
+    <dgm:linClrLst meth="repeat">
+      <a:schemeClr val="accent1">
+        <a:tint val="60000"/>
+      </a:schemeClr>
+    </dgm:linClrLst>
+    <dgm:effectClrLst/>
+    <dgm:txLinClrLst/>
+    <dgm:txFillClrLst meth="repeat">
+      <a:schemeClr val="lt1"/>
+    </dgm:txFillClrLst>
+    <dgm:txEffectClrLst/>
+  </dgm:styleLbl>
+  <dgm:styleLbl name="parChTrans2D2">
+    <dgm:fillClrLst meth="repeat">
+      <a:schemeClr val="accent1"/>
+    </dgm:fillClrLst>
+    <dgm:linClrLst meth="repeat">
+      <a:schemeClr val="accent1"/>
+    </dgm:linClrLst>
+    <dgm:effectClrLst/>
+    <dgm:txLinClrLst/>
+    <dgm:txFillClrLst meth="repeat">
+      <a:schemeClr val="lt1"/>
+    </dgm:txFillClrLst>
+    <dgm:txEffectClrLst/>
+  </dgm:styleLbl>
+  <dgm:styleLbl name="parChTrans2D3">
+    <dgm:fillClrLst meth="repeat">
+      <a:schemeClr val="accent1"/>
+    </dgm:fillClrLst>
+    <dgm:linClrLst meth="repeat">
+      <a:schemeClr val="accent1"/>
+    </dgm:linClrLst>
+    <dgm:effectClrLst/>
+    <dgm:txLinClrLst/>
+    <dgm:txFillClrLst meth="repeat">
+      <a:schemeClr val="lt1"/>
+    </dgm:txFillClrLst>
+    <dgm:txEffectClrLst/>
+  </dgm:styleLbl>
+  <dgm:styleLbl name="parChTrans2D4">
+    <dgm:fillClrLst meth="repeat">
+      <a:schemeClr val="accent1"/>
+    </dgm:fillClrLst>
+    <dgm:linClrLst meth="repeat">
+      <a:schemeClr val="accent1"/>
+    </dgm:linClrLst>
+    <dgm:effectClrLst/>
+    <dgm:txLinClrLst/>
+    <dgm:txFillClrLst meth="repeat">
+      <a:schemeClr val="lt1"/>
+    </dgm:txFillClrLst>
+    <dgm:txEffectClrLst/>
+  </dgm:styleLbl>
+  <dgm:styleLbl name="parChTrans1D1">
+    <dgm:fillClrLst meth="repeat">
+      <a:schemeClr val="accent1"/>
+    </dgm:fillClrLst>
+    <dgm:linClrLst meth="repeat">
+      <a:schemeClr val="accent1">
+        <a:shade val="60000"/>
+      </a:schemeClr>
+    </dgm:linClrLst>
+    <dgm:effectClrLst/>
+    <dgm:txLinClrLst/>
+    <dgm:txFillClrLst meth="repeat">
+      <a:schemeClr val="tx1"/>
+    </dgm:txFillClrLst>
+    <dgm:txEffectClrLst/>
+  </dgm:styleLbl>
+  <dgm:styleLbl name="parChTrans1D2">
+    <dgm:fillClrLst meth="repeat">
+      <a:schemeClr val="accent1"/>
+    </dgm:fillClrLst>
+    <dgm:linClrLst meth="repeat">
+      <a:schemeClr val="accent1">
+        <a:shade val="60000"/>
+      </a:schemeClr>
+    </dgm:linClrLst>
+    <dgm:effectClrLst/>
+    <dgm:txLinClrLst/>
+    <dgm:txFillClrLst meth="repeat">
+      <a:schemeClr val="tx1"/>
+    </dgm:txFillClrLst>
+    <dgm:txEffectClrLst/>
+  </dgm:styleLbl>
+  <dgm:styleLbl name="parChTrans1D3">
+    <dgm:fillClrLst meth="repeat">
+      <a:schemeClr val="accent1"/>
+    </dgm:fillClrLst>
+    <dgm:linClrLst meth="repeat">
+      <a:schemeClr val="accent1">
+        <a:shade val="80000"/>
+      </a:schemeClr>
+    </dgm:linClrLst>
+    <dgm:effectClrLst/>
+    <dgm:txLinClrLst/>
+    <dgm:txFillClrLst meth="repeat">
+      <a:schemeClr val="tx1"/>
+    </dgm:txFillClrLst>
+    <dgm:txEffectClrLst/>
+  </dgm:styleLbl>
+  <dgm:styleLbl name="parChTrans1D4">
+    <dgm:fillClrLst meth="repeat">
+      <a:schemeClr val="accent1"/>
+    </dgm:fillClrLst>
+    <dgm:linClrLst meth="repeat">
+      <a:schemeClr val="accent1">
+        <a:shade val="80000"/>
+      </a:schemeClr>
+    </dgm:linClrLst>
+    <dgm:effectClrLst/>
+    <dgm:txLinClrLst/>
+    <dgm:txFillClrLst meth="repeat">
+      <a:schemeClr val="tx1"/>
+    </dgm:txFillClrLst>
+    <dgm:txEffectClrLst/>
+  </dgm:styleLbl>
+  <dgm:styleLbl name="fgAcc1">
+    <dgm:fillClrLst meth="repeat">
+      <a:schemeClr val="lt1">
+        <a:alpha val="90000"/>
+      </a:schemeClr>
+    </dgm:fillClrLst>
+    <dgm:linClrLst meth="repeat">
+      <a:schemeClr val="accent1"/>
+    </dgm:linClrLst>
+    <dgm:effectClrLst/>
+    <dgm:txLinClrLst/>
+    <dgm:txFillClrLst meth="repeat">
+      <a:schemeClr val="dk1"/>
+    </dgm:txFillClrLst>
+    <dgm:txEffectClrLst/>
+  </dgm:styleLbl>
+  <dgm:styleLbl name="conFgAcc1">
+    <dgm:fillClrLst meth="repeat">
+      <a:schemeClr val="lt1">
+        <a:alpha val="90000"/>
+      </a:schemeClr>
+    </dgm:fillClrLst>
+    <dgm:linClrLst meth="repeat">
+      <a:schemeClr val="accent1"/>
+    </dgm:linClrLst>
+    <dgm:effectClrLst/>
+    <dgm:txLinClrLst/>
+    <dgm:txFillClrLst meth="repeat">
+      <a:schemeClr val="dk1"/>
+    </dgm:txFillClrLst>
+    <dgm:txEffectClrLst/>
+  </dgm:styleLbl>
+  <dgm:styleLbl name="alignAcc1">
+    <dgm:fillClrLst meth="repeat">
+      <a:schemeClr val="lt1">
+        <a:alpha val="90000"/>
+      </a:schemeClr>
+    </dgm:fillClrLst>
+    <dgm:linClrLst meth="repeat">
+      <a:schemeClr val="accent1"/>
+    </dgm:linClrLst>
+    <dgm:effectClrLst/>
+    <dgm:txLinClrLst/>
+    <dgm:txFillClrLst meth="repeat">
+      <a:schemeClr val="dk1"/>
+    </dgm:txFillClrLst>
+    <dgm:txEffectClrLst/>
+  </dgm:styleLbl>
+  <dgm:styleLbl name="trAlignAcc1">
+    <dgm:fillClrLst meth="repeat">
+      <a:schemeClr val="lt1">
+        <a:alpha val="40000"/>
+      </a:schemeClr>
+    </dgm:fillClrLst>
+    <dgm:linClrLst meth="repeat">
+      <a:schemeClr val="accent1"/>
+    </dgm:linClrLst>
+    <dgm:effectClrLst/>
+    <dgm:txLinClrLst/>
+    <dgm:txFillClrLst meth="repeat">
+      <a:schemeClr val="dk1"/>
+    </dgm:txFillClrLst>
+    <dgm:txEffectClrLst/>
+  </dgm:styleLbl>
+  <dgm:styleLbl name="bgAcc1">
+    <dgm:fillClrLst meth="repeat">
+      <a:schemeClr val="lt1">
+        <a:alpha val="90000"/>
+      </a:schemeClr>
+    </dgm:fillClrLst>
+    <dgm:linClrLst meth="repeat">
+      <a:schemeClr val="accent1"/>
+    </dgm:linClrLst>
+    <dgm:effectClrLst/>
+    <dgm:txLinClrLst/>
+    <dgm:txFillClrLst meth="repeat">
+      <a:schemeClr val="dk1"/>
+    </dgm:txFillClrLst>
+    <dgm:txEffectClrLst/>
+  </dgm:styleLbl>
+  <dgm:styleLbl name="solidFgAcc1">
+    <dgm:fillClrLst meth="repeat">
+      <a:schemeClr val="lt1"/>
+    </dgm:fillClrLst>
+    <dgm:linClrLst meth="repeat">
+      <a:schemeClr val="accent1"/>
+    </dgm:linClrLst>
+    <dgm:effectClrLst/>
+    <dgm:txLinClrLst/>
+    <dgm:txFillClrLst meth="repeat">
+      <a:schemeClr val="dk1"/>
+    </dgm:txFillClrLst>
+    <dgm:txEffectClrLst/>
+  </dgm:styleLbl>
+  <dgm:styleLbl name="solidAlignAcc1">
+    <dgm:fillClrLst meth="repeat">
+      <a:schemeClr val="lt1"/>
+    </dgm:fillClrLst>
+    <dgm:linClrLst meth="repeat">
+      <a:schemeClr val="accent1"/>
+    </dgm:linClrLst>
+    <dgm:effectClrLst/>
+    <dgm:txLinClrLst/>
+    <dgm:txFillClrLst meth="repeat">
+      <a:schemeClr val="dk1"/>
+    </dgm:txFillClrLst>
+    <dgm:txEffectClrLst/>
+  </dgm:styleLbl>
+  <dgm:styleLbl name="solidBgAcc1">
+    <dgm:fillClrLst meth="repeat">
+      <a:schemeClr val="lt1"/>
+    </dgm:fillClrLst>
+    <dgm:linClrLst meth="repeat">
+      <a:schemeClr val="accent1"/>
+    </dgm:linClrLst>
+    <dgm:effectClrLst/>
+    <dgm:txLinClrLst/>
+    <dgm:txFillClrLst meth="repeat">
+      <a:schemeClr val="dk1"/>
+    </dgm:txFillClrLst>
+    <dgm:txEffectClrLst/>
+  </dgm:styleLbl>
+  <dgm:styleLbl name="fgAccFollowNode1">
+    <dgm:fillClrLst meth="repeat">
+      <a:schemeClr val="accent1">
+        <a:alpha val="90000"/>
+        <a:tint val="40000"/>
+      </a:schemeClr>
+    </dgm:fillClrLst>
+    <dgm:linClrLst meth="repeat">
+      <a:schemeClr val="accent1">
+        <a:alpha val="90000"/>
+        <a:tint val="40000"/>
+      </a:schemeClr>
+    </dgm:linClrLst>
+    <dgm:effectClrLst/>
+    <dgm:txLinClrLst/>
+    <dgm:txFillClrLst meth="repeat">
+      <a:schemeClr val="dk1"/>
+    </dgm:txFillClrLst>
+    <dgm:txEffectClrLst/>
+  </dgm:styleLbl>
+  <dgm:styleLbl name="alignAccFollowNode1">
+    <dgm:fillClrLst meth="repeat">
+      <a:schemeClr val="accent1">
+        <a:alpha val="90000"/>
+        <a:tint val="40000"/>
+      </a:schemeClr>
+    </dgm:fillClrLst>
+    <dgm:linClrLst meth="repeat">
+      <a:schemeClr val="accent1">
+        <a:alpha val="90000"/>
+        <a:tint val="40000"/>
+      </a:schemeClr>
+    </dgm:linClrLst>
+    <dgm:effectClrLst/>
+    <dgm:txLinClrLst/>
+    <dgm:txFillClrLst meth="repeat">
+      <a:schemeClr val="dk1"/>
+    </dgm:txFillClrLst>
+    <dgm:txEffectClrLst/>
+  </dgm:styleLbl>
+  <dgm:styleLbl name="bgAccFollowNode1">
+    <dgm:fillClrLst meth="repeat">
+      <a:schemeClr val="accent1">
+        <a:alpha val="90000"/>
+        <a:tint val="40000"/>
+      </a:schemeClr>
+    </dgm:fillClrLst>
+    <dgm:linClrLst meth="repeat">
+      <a:schemeClr val="accent1">
+        <a:alpha val="90000"/>
+        <a:tint val="40000"/>
+      </a:schemeClr>
+    </dgm:linClrLst>
+    <dgm:effectClrLst/>
+    <dgm:txLinClrLst/>
+    <dgm:txFillClrLst meth="repeat">
+      <a:schemeClr val="dk1"/>
+    </dgm:txFillClrLst>
+    <dgm:txEffectClrLst/>
+  </dgm:styleLbl>
+  <dgm:styleLbl name="fgAcc0">
+    <dgm:fillClrLst meth="repeat">
+      <a:schemeClr val="lt1">
+        <a:alpha val="90000"/>
+      </a:schemeClr>
+    </dgm:fillClrLst>
+    <dgm:linClrLst meth="repeat">
+      <a:schemeClr val="accent1"/>
+    </dgm:linClrLst>
+    <dgm:effectClrLst/>
+    <dgm:txLinClrLst/>
+    <dgm:txFillClrLst meth="repeat">
+      <a:schemeClr val="dk1"/>
+    </dgm:txFillClrLst>
+    <dgm:txEffectClrLst/>
+  </dgm:styleLbl>
+  <dgm:styleLbl name="fgAcc2">
+    <dgm:fillClrLst meth="repeat">
+      <a:schemeClr val="lt1">
+        <a:alpha val="90000"/>
+      </a:schemeClr>
+    </dgm:fillClrLst>
+    <dgm:linClrLst meth="repeat">
+      <a:schemeClr val="accent1"/>
+    </dgm:linClrLst>
+    <dgm:effectClrLst/>
+    <dgm:txLinClrLst/>
+    <dgm:txFillClrLst meth="repeat">
+      <a:schemeClr val="dk1"/>
+    </dgm:txFillClrLst>
+    <dgm:txEffectClrLst/>
+  </dgm:styleLbl>
+  <dgm:styleLbl name="fgAcc3">
+    <dgm:fillClrLst meth="repeat">
+      <a:schemeClr val="lt1">
+        <a:alpha val="90000"/>
+      </a:schemeClr>
+    </dgm:fillClrLst>
+    <dgm:linClrLst meth="repeat">
+      <a:schemeClr val="accent1"/>
+    </dgm:linClrLst>
+    <dgm:effectClrLst/>
+    <dgm:txLinClrLst/>
+    <dgm:txFillClrLst meth="repeat">
+      <a:schemeClr val="dk1"/>
+    </dgm:txFillClrLst>
+    <dgm:txEffectClrLst/>
+  </dgm:styleLbl>
+  <dgm:styleLbl name="fgAcc4">
+    <dgm:fillClrLst meth="repeat">
+      <a:schemeClr val="lt1">
+        <a:alpha val="90000"/>
+      </a:schemeClr>
+    </dgm:fillClrLst>
+    <dgm:linClrLst meth="repeat">
+      <a:schemeClr val="accent1"/>
+    </dgm:linClrLst>
+    <dgm:effectClrLst/>
+    <dgm:txLinClrLst/>
+    <dgm:txFillClrLst meth="repeat">
+      <a:schemeClr val="dk1"/>
+    </dgm:txFillClrLst>
+    <dgm:txEffectClrLst/>
+  </dgm:styleLbl>
+  <dgm:styleLbl name="bgShp">
+    <dgm:fillClrLst meth="repeat">
+      <a:schemeClr val="accent1">
+        <a:tint val="40000"/>
+      </a:schemeClr>
+    </dgm:fillClrLst>
+    <dgm:linClrLst meth="repeat">
+      <a:schemeClr val="accent1"/>
+    </dgm:linClrLst>
+    <dgm:effectClrLst/>
+    <dgm:txLinClrLst/>
+    <dgm:txFillClrLst meth="repeat">
+      <a:schemeClr val="dk1"/>
+    </dgm:txFillClrLst>
+    <dgm:txEffectClrLst/>
+  </dgm:styleLbl>
+  <dgm:styleLbl name="dkBgShp">
+    <dgm:fillClrLst meth="repeat">
+      <a:schemeClr val="accent1">
+        <a:shade val="80000"/>
+      </a:schemeClr>
+    </dgm:fillClrLst>
+    <dgm:linClrLst meth="repeat">
+      <a:schemeClr val="accent1"/>
+    </dgm:linClrLst>
+    <dgm:effectClrLst/>
+    <dgm:txLinClrLst/>
+    <dgm:txFillClrLst meth="repeat">
+      <a:schemeClr val="lt1"/>
+    </dgm:txFillClrLst>
+    <dgm:txEffectClrLst/>
+  </dgm:styleLbl>
+  <dgm:styleLbl name="trBgShp">
+    <dgm:fillClrLst meth="repeat">
+      <a:schemeClr val="accent1">
+        <a:tint val="50000"/>
+        <a:alpha val="40000"/>
+      </a:schemeClr>
+    </dgm:fillClrLst>
+    <dgm:linClrLst meth="repeat">
+      <a:schemeClr val="accent1"/>
+    </dgm:linClrLst>
+    <dgm:effectClrLst/>
+    <dgm:txLinClrLst/>
+    <dgm:txFillClrLst meth="repeat">
+      <a:schemeClr val="lt1"/>
+    </dgm:txFillClrLst>
+    <dgm:txEffectClrLst/>
+  </dgm:styleLbl>
+  <dgm:styleLbl name="fgShp">
+    <dgm:fillClrLst meth="repeat">
+      <a:schemeClr val="accent1">
+        <a:tint val="60000"/>
+      </a:schemeClr>
+    </dgm:fillClrLst>
+    <dgm:linClrLst meth="repeat">
+      <a:schemeClr val="lt1"/>
+    </dgm:linClrLst>
+    <dgm:effectClrLst/>
+    <dgm:txLinClrLst/>
+    <dgm:txFillClrLst meth="repeat">
+      <a:schemeClr val="dk1"/>
+    </dgm:txFillClrLst>
+    <dgm:txEffectClrLst/>
+  </dgm:styleLbl>
+  <dgm:styleLbl name="revTx">
+    <dgm:fillClrLst meth="repeat">
+      <a:schemeClr val="lt1">
+        <a:alpha val="0"/>
+      </a:schemeClr>
+    </dgm:fillClrLst>
+    <dgm:linClrLst meth="repeat">
+      <a:schemeClr val="dk1">
+        <a:alpha val="0"/>
+      </a:schemeClr>
+    </dgm:linClrLst>
+    <dgm:effectClrLst/>
+    <dgm:txLinClrLst/>
+    <dgm:txFillClrLst meth="repeat">
+      <a:schemeClr val="tx1"/>
+    </dgm:txFillClrLst>
+    <dgm:txEffectClrLst/>
+  </dgm:styleLbl>
+</dgm:colorsDef>
+</file>
+
+<file path=ppt/diagrams/colors2.xml><?xml version="1.0" encoding="utf-8"?>
+<dgm:colorsDef xmlns:dgm="http://schemas.openxmlformats.org/drawingml/2006/diagram" xmlns:a="http://schemas.openxmlformats.org/drawingml/2006/main" uniqueId="urn:microsoft.com/office/officeart/2005/8/colors/accent1_2">
+  <dgm:title val=""/>
+  <dgm:desc val=""/>
+  <dgm:catLst>
+    <dgm:cat type="accent1" pri="11200"/>
+  </dgm:catLst>
+  <dgm:styleLbl name="node0">
+    <dgm:fillClrLst meth="repeat">
+      <a:schemeClr val="accent1"/>
+    </dgm:fillClrLst>
+    <dgm:linClrLst meth="repeat">
+      <a:schemeClr val="lt1"/>
+    </dgm:linClrLst>
+    <dgm:effectClrLst/>
+    <dgm:txLinClrLst/>
+    <dgm:txFillClrLst/>
+    <dgm:txEffectClrLst/>
+  </dgm:styleLbl>
+  <dgm:styleLbl name="alignNode1">
+    <dgm:fillClrLst meth="repeat">
+      <a:schemeClr val="accent1"/>
+    </dgm:fillClrLst>
+    <dgm:linClrLst meth="repeat">
+      <a:schemeClr val="accent1"/>
+    </dgm:linClrLst>
+    <dgm:effectClrLst/>
+    <dgm:txLinClrLst/>
+    <dgm:txFillClrLst/>
+    <dgm:txEffectClrLst/>
+  </dgm:styleLbl>
+  <dgm:styleLbl name="node1">
+    <dgm:fillClrLst meth="repeat">
+      <a:schemeClr val="accent1"/>
+    </dgm:fillClrLst>
+    <dgm:linClrLst meth="repeat">
+      <a:schemeClr val="lt1"/>
+    </dgm:linClrLst>
+    <dgm:effectClrLst/>
+    <dgm:txLinClrLst/>
+    <dgm:txFillClrLst/>
+    <dgm:txEffectClrLst/>
+  </dgm:styleLbl>
+  <dgm:styleLbl name="lnNode1">
+    <dgm:fillClrLst meth="repeat">
+      <a:schemeClr val="accent1"/>
+    </dgm:fillClrLst>
+    <dgm:linClrLst meth="repeat">
+      <a:schemeClr val="lt1"/>
+    </dgm:linClrLst>
+    <dgm:effectClrLst/>
+    <dgm:txLinClrLst/>
+    <dgm:txFillClrLst/>
+    <dgm:txEffectClrLst/>
+  </dgm:styleLbl>
+  <dgm:styleLbl name="vennNode1">
+    <dgm:fillClrLst meth="repeat">
+      <a:schemeClr val="accent1">
+        <a:alpha val="50000"/>
+      </a:schemeClr>
+    </dgm:fillClrLst>
+    <dgm:linClrLst meth="repeat">
+      <a:schemeClr val="lt1"/>
+    </dgm:linClrLst>
+    <dgm:effectClrLst/>
+    <dgm:txLinClrLst/>
+    <dgm:txFillClrLst/>
+    <dgm:txEffectClrLst/>
+  </dgm:styleLbl>
+  <dgm:styleLbl name="node2">
+    <dgm:fillClrLst meth="repeat">
+      <a:schemeClr val="accent1"/>
+    </dgm:fillClrLst>
+    <dgm:linClrLst meth="repeat">
+      <a:schemeClr val="lt1"/>
+    </dgm:linClrLst>
+    <dgm:effectClrLst/>
+    <dgm:txLinClrLst/>
+    <dgm:txFillClrLst/>
+    <dgm:txEffectClrLst/>
+  </dgm:styleLbl>
+  <dgm:styleLbl name="node3">
+    <dgm:fillClrLst meth="repeat">
+      <a:schemeClr val="accent1"/>
+    </dgm:fillClrLst>
+    <dgm:linClrLst meth="repeat">
+      <a:schemeClr val="lt1"/>
+    </dgm:linClrLst>
+    <dgm:effectClrLst/>
+    <dgm:txLinClrLst/>
+    <dgm:txFillClrLst/>
+    <dgm:txEffectClrLst/>
+  </dgm:styleLbl>
+  <dgm:styleLbl name="node4">
+    <dgm:fillClrLst meth="repeat">
+      <a:schemeClr val="accent1"/>
+    </dgm:fillClrLst>
+    <dgm:linClrLst meth="repeat">
+      <a:schemeClr val="lt1"/>
+    </dgm:linClrLst>
+    <dgm:effectClrLst/>
+    <dgm:txLinClrLst/>
+    <dgm:txFillClrLst/>
+    <dgm:txEffectClrLst/>
+  </dgm:styleLbl>
+  <dgm:styleLbl name="fgImgPlace1">
+    <dgm:fillClrLst meth="repeat">
+      <a:schemeClr val="accent1">
+        <a:tint val="50000"/>
+      </a:schemeClr>
+    </dgm:fillClrLst>
+    <dgm:linClrLst meth="repeat">
+      <a:schemeClr val="lt1"/>
+    </dgm:linClrLst>
+    <dgm:effectClrLst/>
+    <dgm:txLinClrLst/>
+    <dgm:txFillClrLst meth="repeat">
+      <a:schemeClr val="lt1"/>
+    </dgm:txFillClrLst>
+    <dgm:txEffectClrLst/>
+  </dgm:styleLbl>
+  <dgm:styleLbl name="alignImgPlace1">
+    <dgm:fillClrLst meth="repeat">
+      <a:schemeClr val="accent1">
+        <a:tint val="50000"/>
+      </a:schemeClr>
+    </dgm:fillClrLst>
+    <dgm:linClrLst meth="repeat">
+      <a:schemeClr val="lt1"/>
+    </dgm:linClrLst>
+    <dgm:effectClrLst/>
+    <dgm:txLinClrLst/>
+    <dgm:txFillClrLst meth="repeat">
+      <a:schemeClr val="lt1"/>
+    </dgm:txFillClrLst>
+    <dgm:txEffectClrLst/>
+  </dgm:styleLbl>
+  <dgm:styleLbl name="bgImgPlace1">
+    <dgm:fillClrLst meth="repeat">
+      <a:schemeClr val="accent1">
+        <a:tint val="50000"/>
+      </a:schemeClr>
+    </dgm:fillClrLst>
+    <dgm:linClrLst meth="repeat">
+      <a:schemeClr val="lt1"/>
+    </dgm:linClrLst>
+    <dgm:effectClrLst/>
+    <dgm:txLinClrLst/>
+    <dgm:txFillClrLst meth="repeat">
+      <a:schemeClr val="lt1"/>
+    </dgm:txFillClrLst>
+    <dgm:txEffectClrLst/>
+  </dgm:styleLbl>
+  <dgm:styleLbl name="sibTrans2D1">
+    <dgm:fillClrLst meth="repeat">
+      <a:schemeClr val="accent1">
+        <a:tint val="60000"/>
+      </a:schemeClr>
+    </dgm:fillClrLst>
+    <dgm:linClrLst meth="repeat">
+      <a:schemeClr val="accent1">
+        <a:tint val="60000"/>
+      </a:schemeClr>
+    </dgm:linClrLst>
+    <dgm:effectClrLst/>
+    <dgm:txLinClrLst/>
+    <dgm:txFillClrLst/>
+    <dgm:txEffectClrLst/>
+  </dgm:styleLbl>
+  <dgm:styleLbl name="fgSibTrans2D1">
+    <dgm:fillClrLst meth="repeat">
+      <a:schemeClr val="accent1">
+        <a:tint val="60000"/>
+      </a:schemeClr>
+    </dgm:fillClrLst>
+    <dgm:linClrLst meth="repeat">
+      <a:schemeClr val="accent1">
+        <a:tint val="60000"/>
+      </a:schemeClr>
+    </dgm:linClrLst>
+    <dgm:effectClrLst/>
+    <dgm:txLinClrLst/>
+    <dgm:txFillClrLst/>
+    <dgm:txEffectClrLst/>
+  </dgm:styleLbl>
+  <dgm:styleLbl name="bgSibTrans2D1">
+    <dgm:fillClrLst meth="repeat">
+      <a:schemeClr val="accent1">
+        <a:tint val="60000"/>
+      </a:schemeClr>
+    </dgm:fillClrLst>
+    <dgm:linClrLst meth="repeat">
+      <a:schemeClr val="accent1">
+        <a:tint val="60000"/>
+      </a:schemeClr>
+    </dgm:linClrLst>
+    <dgm:effectClrLst/>
+    <dgm:txLinClrLst/>
+    <dgm:txFillClrLst/>
+    <dgm:txEffectClrLst/>
+  </dgm:styleLbl>
+  <dgm:styleLbl name="sibTrans1D1">
+    <dgm:fillClrLst meth="repeat">
+      <a:schemeClr val="accent1"/>
+    </dgm:fillClrLst>
+    <dgm:linClrLst meth="repeat">
+      <a:schemeClr val="accent1"/>
+    </dgm:linClrLst>
+    <dgm:effectClrLst/>
+    <dgm:txLinClrLst/>
+    <dgm:txFillClrLst meth="repeat">
+      <a:schemeClr val="tx1"/>
+    </dgm:txFillClrLst>
+    <dgm:txEffectClrLst/>
+  </dgm:styleLbl>
+  <dgm:styleLbl name="callout">
+    <dgm:fillClrLst meth="repeat">
+      <a:schemeClr val="accent1"/>
+    </dgm:fillClrLst>
+    <dgm:linClrLst meth="repeat">
+      <a:schemeClr val="accent1">
+        <a:tint val="50000"/>
+      </a:schemeClr>
+    </dgm:linClrLst>
+    <dgm:effectClrLst/>
+    <dgm:txLinClrLst/>
+    <dgm:txFillClrLst meth="repeat">
+      <a:schemeClr val="tx1"/>
+    </dgm:txFillClrLst>
+    <dgm:txEffectClrLst/>
+  </dgm:styleLbl>
+  <dgm:styleLbl name="asst0">
+    <dgm:fillClrLst meth="repeat">
+      <a:schemeClr val="accent1"/>
+    </dgm:fillClrLst>
+    <dgm:linClrLst meth="repeat">
+      <a:schemeClr val="lt1"/>
+    </dgm:linClrLst>
+    <dgm:effectClrLst/>
+    <dgm:txLinClrLst/>
+    <dgm:txFillClrLst/>
+    <dgm:txEffectClrLst/>
+  </dgm:styleLbl>
+  <dgm:styleLbl name="asst1">
+    <dgm:fillClrLst meth="repeat">
+      <a:schemeClr val="accent1"/>
+    </dgm:fillClrLst>
+    <dgm:linClrLst meth="repeat">
+      <a:schemeClr val="lt1"/>
+    </dgm:linClrLst>
+    <dgm:effectClrLst/>
+    <dgm:txLinClrLst/>
+    <dgm:txFillClrLst/>
+    <dgm:txEffectClrLst/>
+  </dgm:styleLbl>
+  <dgm:styleLbl name="asst2">
+    <dgm:fillClrLst meth="repeat">
+      <a:schemeClr val="accent1"/>
+    </dgm:fillClrLst>
+    <dgm:linClrLst meth="repeat">
+      <a:schemeClr val="lt1"/>
+    </dgm:linClrLst>
+    <dgm:effectClrLst/>
+    <dgm:txLinClrLst/>
+    <dgm:txFillClrLst/>
+    <dgm:txEffectClrLst/>
+  </dgm:styleLbl>
+  <dgm:styleLbl name="asst3">
+    <dgm:fillClrLst meth="repeat">
+      <a:schemeClr val="accent1"/>
+    </dgm:fillClrLst>
+    <dgm:linClrLst meth="repeat">
+      <a:schemeClr val="lt1"/>
+    </dgm:linClrLst>
+    <dgm:effectClrLst/>
+    <dgm:txLinClrLst/>
+    <dgm:txFillClrLst/>
+    <dgm:txEffectClrLst/>
+  </dgm:styleLbl>
+  <dgm:styleLbl name="asst4">
+    <dgm:fillClrLst meth="repeat">
+      <a:schemeClr val="accent1"/>
+    </dgm:fillClrLst>
+    <dgm:linClrLst meth="repeat">
+      <a:schemeClr val="lt1"/>
+    </dgm:linClrLst>
+    <dgm:effectClrLst/>
+    <dgm:txLinClrLst/>
+    <dgm:txFillClrLst/>
+    <dgm:txEffectClrLst/>
+  </dgm:styleLbl>
+  <dgm:styleLbl name="parChTrans2D1">
+    <dgm:fillClrLst meth="repeat">
+      <a:schemeClr val="accent1">
+        <a:tint val="60000"/>
+      </a:schemeClr>
+    </dgm:fillClrLst>
+    <dgm:linClrLst meth="repeat">
+      <a:schemeClr val="accent1">
+        <a:tint val="60000"/>
+      </a:schemeClr>
+    </dgm:linClrLst>
+    <dgm:effectClrLst/>
+    <dgm:txLinClrLst/>
+    <dgm:txFillClrLst meth="repeat">
+      <a:schemeClr val="lt1"/>
+    </dgm:txFillClrLst>
+    <dgm:txEffectClrLst/>
+  </dgm:styleLbl>
+  <dgm:styleLbl name="parChTrans2D2">
+    <dgm:fillClrLst meth="repeat">
+      <a:schemeClr val="accent1"/>
+    </dgm:fillClrLst>
+    <dgm:linClrLst meth="repeat">
+      <a:schemeClr val="accent1"/>
+    </dgm:linClrLst>
+    <dgm:effectClrLst/>
+    <dgm:txLinClrLst/>
+    <dgm:txFillClrLst meth="repeat">
+      <a:schemeClr val="lt1"/>
+    </dgm:txFillClrLst>
+    <dgm:txEffectClrLst/>
+  </dgm:styleLbl>
+  <dgm:styleLbl name="parChTrans2D3">
+    <dgm:fillClrLst meth="repeat">
+      <a:schemeClr val="accent1"/>
+    </dgm:fillClrLst>
+    <dgm:linClrLst meth="repeat">
+      <a:schemeClr val="accent1"/>
+    </dgm:linClrLst>
+    <dgm:effectClrLst/>
+    <dgm:txLinClrLst/>
+    <dgm:txFillClrLst meth="repeat">
+      <a:schemeClr val="lt1"/>
+    </dgm:txFillClrLst>
+    <dgm:txEffectClrLst/>
+  </dgm:styleLbl>
+  <dgm:styleLbl name="parChTrans2D4">
+    <dgm:fillClrLst meth="repeat">
+      <a:schemeClr val="accent1"/>
+    </dgm:fillClrLst>
+    <dgm:linClrLst meth="repeat">
+      <a:schemeClr val="accent1"/>
+    </dgm:linClrLst>
+    <dgm:effectClrLst/>
+    <dgm:txLinClrLst/>
+    <dgm:txFillClrLst meth="repeat">
+      <a:schemeClr val="lt1"/>
+    </dgm:txFillClrLst>
+    <dgm:txEffectClrLst/>
+  </dgm:styleLbl>
+  <dgm:styleLbl name="parChTrans1D1">
+    <dgm:fillClrLst meth="repeat">
+      <a:schemeClr val="accent1"/>
+    </dgm:fillClrLst>
+    <dgm:linClrLst meth="repeat">
+      <a:schemeClr val="accent1">
+        <a:shade val="60000"/>
+      </a:schemeClr>
+    </dgm:linClrLst>
+    <dgm:effectClrLst/>
+    <dgm:txLinClrLst/>
+    <dgm:txFillClrLst meth="repeat">
+      <a:schemeClr val="tx1"/>
+    </dgm:txFillClrLst>
+    <dgm:txEffectClrLst/>
+  </dgm:styleLbl>
+  <dgm:styleLbl name="parChTrans1D2">
+    <dgm:fillClrLst meth="repeat">
+      <a:schemeClr val="accent1"/>
+    </dgm:fillClrLst>
+    <dgm:linClrLst meth="repeat">
+      <a:schemeClr val="accent1">
+        <a:shade val="60000"/>
+      </a:schemeClr>
+    </dgm:linClrLst>
+    <dgm:effectClrLst/>
+    <dgm:txLinClrLst/>
+    <dgm:txFillClrLst meth="repeat">
+      <a:schemeClr val="tx1"/>
+    </dgm:txFillClrLst>
+    <dgm:txEffectClrLst/>
+  </dgm:styleLbl>
+  <dgm:styleLbl name="parChTrans1D3">
+    <dgm:fillClrLst meth="repeat">
+      <a:schemeClr val="accent1"/>
+    </dgm:fillClrLst>
+    <dgm:linClrLst meth="repeat">
+      <a:schemeClr val="accent1">
+        <a:shade val="80000"/>
+      </a:schemeClr>
+    </dgm:linClrLst>
+    <dgm:effectClrLst/>
+    <dgm:txLinClrLst/>
+    <dgm:txFillClrLst meth="repeat">
+      <a:schemeClr val="tx1"/>
+    </dgm:txFillClrLst>
+    <dgm:txEffectClrLst/>
+  </dgm:styleLbl>
+  <dgm:styleLbl name="parChTrans1D4">
+    <dgm:fillClrLst meth="repeat">
+      <a:schemeClr val="accent1"/>
+    </dgm:fillClrLst>
+    <dgm:linClrLst meth="repeat">
+      <a:schemeClr val="accent1">
+        <a:shade val="80000"/>
+      </a:schemeClr>
+    </dgm:linClrLst>
+    <dgm:effectClrLst/>
+    <dgm:txLinClrLst/>
+    <dgm:txFillClrLst meth="repeat">
+      <a:schemeClr val="tx1"/>
+    </dgm:txFillClrLst>
+    <dgm:txEffectClrLst/>
+  </dgm:styleLbl>
+  <dgm:styleLbl name="fgAcc1">
+    <dgm:fillClrLst meth="repeat">
+      <a:schemeClr val="lt1">
+        <a:alpha val="90000"/>
+      </a:schemeClr>
+    </dgm:fillClrLst>
+    <dgm:linClrLst meth="repeat">
+      <a:schemeClr val="accent1"/>
+    </dgm:linClrLst>
+    <dgm:effectClrLst/>
+    <dgm:txLinClrLst/>
+    <dgm:txFillClrLst meth="repeat">
+      <a:schemeClr val="dk1"/>
+    </dgm:txFillClrLst>
+    <dgm:txEffectClrLst/>
+  </dgm:styleLbl>
+  <dgm:styleLbl name="conFgAcc1">
+    <dgm:fillClrLst meth="repeat">
+      <a:schemeClr val="lt1">
+        <a:alpha val="90000"/>
+      </a:schemeClr>
+    </dgm:fillClrLst>
+    <dgm:linClrLst meth="repeat">
+      <a:schemeClr val="accent1"/>
+    </dgm:linClrLst>
+    <dgm:effectClrLst/>
+    <dgm:txLinClrLst/>
+    <dgm:txFillClrLst meth="repeat">
+      <a:schemeClr val="dk1"/>
+    </dgm:txFillClrLst>
+    <dgm:txEffectClrLst/>
+  </dgm:styleLbl>
+  <dgm:styleLbl name="alignAcc1">
+    <dgm:fillClrLst meth="repeat">
+      <a:schemeClr val="lt1">
+        <a:alpha val="90000"/>
+      </a:schemeClr>
+    </dgm:fillClrLst>
+    <dgm:linClrLst meth="repeat">
+      <a:schemeClr val="accent1"/>
+    </dgm:linClrLst>
+    <dgm:effectClrLst/>
+    <dgm:txLinClrLst/>
+    <dgm:txFillClrLst meth="repeat">
+      <a:schemeClr val="dk1"/>
+    </dgm:txFillClrLst>
+    <dgm:txEffectClrLst/>
+  </dgm:styleLbl>
+  <dgm:styleLbl name="trAlignAcc1">
+    <dgm:fillClrLst meth="repeat">
+      <a:schemeClr val="lt1">
+        <a:alpha val="40000"/>
+      </a:schemeClr>
+    </dgm:fillClrLst>
+    <dgm:linClrLst meth="repeat">
+      <a:schemeClr val="accent1"/>
+    </dgm:linClrLst>
+    <dgm:effectClrLst/>
+    <dgm:txLinClrLst/>
+    <dgm:txFillClrLst meth="repeat">
+      <a:schemeClr val="dk1"/>
+    </dgm:txFillClrLst>
+    <dgm:txEffectClrLst/>
+  </dgm:styleLbl>
+  <dgm:styleLbl name="bgAcc1">
+    <dgm:fillClrLst meth="repeat">
+      <a:schemeClr val="lt1">
+        <a:alpha val="90000"/>
+      </a:schemeClr>
+    </dgm:fillClrLst>
+    <dgm:linClrLst meth="repeat">
+      <a:schemeClr val="accent1"/>
+    </dgm:linClrLst>
+    <dgm:effectClrLst/>
+    <dgm:txLinClrLst/>
+    <dgm:txFillClrLst meth="repeat">
+      <a:schemeClr val="dk1"/>
+    </dgm:txFillClrLst>
+    <dgm:txEffectClrLst/>
+  </dgm:styleLbl>
+  <dgm:styleLbl name="solidFgAcc1">
+    <dgm:fillClrLst meth="repeat">
+      <a:schemeClr val="lt1"/>
+    </dgm:fillClrLst>
+    <dgm:linClrLst meth="repeat">
+      <a:schemeClr val="accent1"/>
+    </dgm:linClrLst>
+    <dgm:effectClrLst/>
+    <dgm:txLinClrLst/>
+    <dgm:txFillClrLst meth="repeat">
+      <a:schemeClr val="dk1"/>
+    </dgm:txFillClrLst>
+    <dgm:txEffectClrLst/>
+  </dgm:styleLbl>
+  <dgm:styleLbl name="solidAlignAcc1">
+    <dgm:fillClrLst meth="repeat">
+      <a:schemeClr val="lt1"/>
+    </dgm:fillClrLst>
+    <dgm:linClrLst meth="repeat">
+      <a:schemeClr val="accent1"/>
+    </dgm:linClrLst>
+    <dgm:effectClrLst/>
+    <dgm:txLinClrLst/>
+    <dgm:txFillClrLst meth="repeat">
+      <a:schemeClr val="dk1"/>
+    </dgm:txFillClrLst>
+    <dgm:txEffectClrLst/>
+  </dgm:styleLbl>
+  <dgm:styleLbl name="solidBgAcc1">
+    <dgm:fillClrLst meth="repeat">
+      <a:schemeClr val="lt1"/>
+    </dgm:fillClrLst>
+    <dgm:linClrLst meth="repeat">
+      <a:schemeClr val="accent1"/>
+    </dgm:linClrLst>
+    <dgm:effectClrLst/>
+    <dgm:txLinClrLst/>
+    <dgm:txFillClrLst meth="repeat">
+      <a:schemeClr val="dk1"/>
+    </dgm:txFillClrLst>
+    <dgm:txEffectClrLst/>
+  </dgm:styleLbl>
+  <dgm:styleLbl name="fgAccFollowNode1">
+    <dgm:fillClrLst meth="repeat">
+      <a:schemeClr val="accent1">
+        <a:alpha val="90000"/>
+        <a:tint val="40000"/>
+      </a:schemeClr>
+    </dgm:fillClrLst>
+    <dgm:linClrLst meth="repeat">
+      <a:schemeClr val="accent1">
+        <a:alpha val="90000"/>
+        <a:tint val="40000"/>
+      </a:schemeClr>
+    </dgm:linClrLst>
+    <dgm:effectClrLst/>
+    <dgm:txLinClrLst/>
+    <dgm:txFillClrLst meth="repeat">
+      <a:schemeClr val="dk1"/>
+    </dgm:txFillClrLst>
+    <dgm:txEffectClrLst/>
+  </dgm:styleLbl>
+  <dgm:styleLbl name="alignAccFollowNode1">
+    <dgm:fillClrLst meth="repeat">
+      <a:schemeClr val="accent1">
+        <a:alpha val="90000"/>
+        <a:tint val="40000"/>
+      </a:schemeClr>
+    </dgm:fillClrLst>
+    <dgm:linClrLst meth="repeat">
+      <a:schemeClr val="accent1">
+        <a:alpha val="90000"/>
+        <a:tint val="40000"/>
+      </a:schemeClr>
+    </dgm:linClrLst>
+    <dgm:effectClrLst/>
+    <dgm:txLinClrLst/>
+    <dgm:txFillClrLst meth="repeat">
+      <a:schemeClr val="dk1"/>
+    </dgm:txFillClrLst>
+    <dgm:txEffectClrLst/>
+  </dgm:styleLbl>
+  <dgm:styleLbl name="bgAccFollowNode1">
+    <dgm:fillClrLst meth="repeat">
+      <a:schemeClr val="accent1">
+        <a:alpha val="90000"/>
+        <a:tint val="40000"/>
+      </a:schemeClr>
+    </dgm:fillClrLst>
+    <dgm:linClrLst meth="repeat">
+      <a:schemeClr val="accent1">
+        <a:alpha val="90000"/>
+        <a:tint val="40000"/>
+      </a:schemeClr>
+    </dgm:linClrLst>
+    <dgm:effectClrLst/>
+    <dgm:txLinClrLst/>
+    <dgm:txFillClrLst meth="repeat">
+      <a:schemeClr val="dk1"/>
+    </dgm:txFillClrLst>
+    <dgm:txEffectClrLst/>
+  </dgm:styleLbl>
+  <dgm:styleLbl name="fgAcc0">
+    <dgm:fillClrLst meth="repeat">
+      <a:schemeClr val="lt1">
+        <a:alpha val="90000"/>
+      </a:schemeClr>
+    </dgm:fillClrLst>
+    <dgm:linClrLst meth="repeat">
+      <a:schemeClr val="accent1"/>
+    </dgm:linClrLst>
+    <dgm:effectClrLst/>
+    <dgm:txLinClrLst/>
+    <dgm:txFillClrLst meth="repeat">
+      <a:schemeClr val="dk1"/>
+    </dgm:txFillClrLst>
+    <dgm:txEffectClrLst/>
+  </dgm:styleLbl>
+  <dgm:styleLbl name="fgAcc2">
+    <dgm:fillClrLst meth="repeat">
+      <a:schemeClr val="lt1">
+        <a:alpha val="90000"/>
+      </a:schemeClr>
+    </dgm:fillClrLst>
+    <dgm:linClrLst meth="repeat">
+      <a:schemeClr val="accent1"/>
+    </dgm:linClrLst>
+    <dgm:effectClrLst/>
+    <dgm:txLinClrLst/>
+    <dgm:txFillClrLst meth="repeat">
+      <a:schemeClr val="dk1"/>
+    </dgm:txFillClrLst>
+    <dgm:txEffectClrLst/>
+  </dgm:styleLbl>
+  <dgm:styleLbl name="fgAcc3">
+    <dgm:fillClrLst meth="repeat">
+      <a:schemeClr val="lt1">
+        <a:alpha val="90000"/>
+      </a:schemeClr>
+    </dgm:fillClrLst>
+    <dgm:linClrLst meth="repeat">
+      <a:schemeClr val="accent1"/>
+    </dgm:linClrLst>
+    <dgm:effectClrLst/>
+    <dgm:txLinClrLst/>
+    <dgm:txFillClrLst meth="repeat">
+      <a:schemeClr val="dk1"/>
+    </dgm:txFillClrLst>
+    <dgm:txEffectClrLst/>
+  </dgm:styleLbl>
+  <dgm:styleLbl name="fgAcc4">
+    <dgm:fillClrLst meth="repeat">
+      <a:schemeClr val="lt1">
+        <a:alpha val="90000"/>
+      </a:schemeClr>
+    </dgm:fillClrLst>
+    <dgm:linClrLst meth="repeat">
+      <a:schemeClr val="accent1"/>
+    </dgm:linClrLst>
+    <dgm:effectClrLst/>
+    <dgm:txLinClrLst/>
+    <dgm:txFillClrLst meth="repeat">
+      <a:schemeClr val="dk1"/>
+    </dgm:txFillClrLst>
+    <dgm:txEffectClrLst/>
+  </dgm:styleLbl>
+  <dgm:styleLbl name="bgShp">
+    <dgm:fillClrLst meth="repeat">
+      <a:schemeClr val="accent1">
+        <a:tint val="40000"/>
+      </a:schemeClr>
+    </dgm:fillClrLst>
+    <dgm:linClrLst meth="repeat">
+      <a:schemeClr val="accent1"/>
+    </dgm:linClrLst>
+    <dgm:effectClrLst/>
+    <dgm:txLinClrLst/>
+    <dgm:txFillClrLst meth="repeat">
+      <a:schemeClr val="dk1"/>
+    </dgm:txFillClrLst>
+    <dgm:txEffectClrLst/>
+  </dgm:styleLbl>
+  <dgm:styleLbl name="dkBgShp">
+    <dgm:fillClrLst meth="repeat">
+      <a:schemeClr val="accent1">
+        <a:shade val="80000"/>
+      </a:schemeClr>
+    </dgm:fillClrLst>
+    <dgm:linClrLst meth="repeat">
+      <a:schemeClr val="accent1"/>
+    </dgm:linClrLst>
+    <dgm:effectClrLst/>
+    <dgm:txLinClrLst/>
+    <dgm:txFillClrLst meth="repeat">
+      <a:schemeClr val="lt1"/>
+    </dgm:txFillClrLst>
+    <dgm:txEffectClrLst/>
+  </dgm:styleLbl>
+  <dgm:styleLbl name="trBgShp">
+    <dgm:fillClrLst meth="repeat">
+      <a:schemeClr val="accent1">
+        <a:tint val="50000"/>
+        <a:alpha val="40000"/>
+      </a:schemeClr>
+    </dgm:fillClrLst>
+    <dgm:linClrLst meth="repeat">
+      <a:schemeClr val="accent1"/>
+    </dgm:linClrLst>
+    <dgm:effectClrLst/>
+    <dgm:txLinClrLst/>
+    <dgm:txFillClrLst meth="repeat">
+      <a:schemeClr val="lt1"/>
+    </dgm:txFillClrLst>
+    <dgm:txEffectClrLst/>
+  </dgm:styleLbl>
+  <dgm:styleLbl name="fgShp">
+    <dgm:fillClrLst meth="repeat">
+      <a:schemeClr val="accent1">
+        <a:tint val="60000"/>
+      </a:schemeClr>
+    </dgm:fillClrLst>
+    <dgm:linClrLst meth="repeat">
+      <a:schemeClr val="lt1"/>
+    </dgm:linClrLst>
+    <dgm:effectClrLst/>
+    <dgm:txLinClrLst/>
+    <dgm:txFillClrLst meth="repeat">
+      <a:schemeClr val="dk1"/>
+    </dgm:txFillClrLst>
+    <dgm:txEffectClrLst/>
+  </dgm:styleLbl>
+  <dgm:styleLbl name="revTx">
+    <dgm:fillClrLst meth="repeat">
+      <a:schemeClr val="lt1">
+        <a:alpha val="0"/>
+      </a:schemeClr>
+    </dgm:fillClrLst>
+    <dgm:linClrLst meth="repeat">
+      <a:schemeClr val="dk1">
+        <a:alpha val="0"/>
+      </a:schemeClr>
+    </dgm:linClrLst>
+    <dgm:effectClrLst/>
+    <dgm:txLinClrLst/>
+    <dgm:txFillClrLst meth="repeat">
+      <a:schemeClr val="tx1"/>
+    </dgm:txFillClrLst>
+    <dgm:txEffectClrLst/>
+  </dgm:styleLbl>
+</dgm:colorsDef>
+</file>
+
+<file path=ppt/diagrams/data1.xml><?xml version="1.0" encoding="utf-8"?>
+<dgm:dataModel xmlns:dgm="http://schemas.openxmlformats.org/drawingml/2006/diagram" xmlns:a="http://schemas.openxmlformats.org/drawingml/2006/main">
+  <dgm:ptLst>
+    <dgm:pt modelId="{52D3A2B1-8566-477D-A062-C60269166A5F}" type="doc">
+      <dgm:prSet loTypeId="urn:microsoft.com/office/officeart/2005/8/layout/pyramid1" loCatId="pyramid" qsTypeId="urn:microsoft.com/office/officeart/2005/8/quickstyle/simple1" qsCatId="simple" csTypeId="urn:microsoft.com/office/officeart/2005/8/colors/accent1_2" csCatId="accent1" phldr="1"/>
+      <dgm:spPr/>
+    </dgm:pt>
+    <dgm:pt modelId="{DA399535-8B7C-4706-BAB8-9F8AB76E5812}">
+      <dgm:prSet phldrT="[Text]" custT="1">
+        <dgm:style>
+          <a:lnRef idx="3">
+            <a:schemeClr val="lt1"/>
+          </a:lnRef>
+          <a:fillRef idx="1">
+            <a:schemeClr val="accent1"/>
+          </a:fillRef>
+          <a:effectRef idx="1">
+            <a:schemeClr val="accent1"/>
+          </a:effectRef>
+          <a:fontRef idx="minor">
+            <a:schemeClr val="lt1"/>
+          </a:fontRef>
+        </dgm:style>
+      </dgm:prSet>
+      <dgm:spPr/>
+      <dgm:t>
+        <a:bodyPr/>
+        <a:lstStyle/>
+        <a:p>
+          <a:r>
+            <a:rPr lang="en-US" sz="3600" dirty="0" smtClean="0">
+              <a:solidFill>
+                <a:schemeClr val="bg1"/>
+              </a:solidFill>
+            </a:rPr>
+            <a:t>Code </a:t>
+          </a:r>
+          <a:endParaRPr lang="en-US" sz="3600" dirty="0">
+            <a:solidFill>
+              <a:schemeClr val="bg1"/>
+            </a:solidFill>
+          </a:endParaRPr>
+        </a:p>
+      </dgm:t>
+    </dgm:pt>
+    <dgm:pt modelId="{648B6C44-04AC-455F-9731-D2D8CB9FF40B}" type="parTrans" cxnId="{68F564B7-48B7-4B57-A944-157B6E920078}">
+      <dgm:prSet/>
+      <dgm:spPr/>
+      <dgm:t>
+        <a:bodyPr/>
+        <a:lstStyle/>
+        <a:p>
+          <a:endParaRPr lang="en-US"/>
+        </a:p>
+      </dgm:t>
+    </dgm:pt>
+    <dgm:pt modelId="{2BB0A65F-B92C-4106-A9A2-CDDF27EA8627}" type="sibTrans" cxnId="{68F564B7-48B7-4B57-A944-157B6E920078}">
+      <dgm:prSet/>
+      <dgm:spPr/>
+      <dgm:t>
+        <a:bodyPr/>
+        <a:lstStyle/>
+        <a:p>
+          <a:endParaRPr lang="en-US"/>
+        </a:p>
+      </dgm:t>
+    </dgm:pt>
+    <dgm:pt modelId="{C3BE4DF2-24BD-4882-A574-67A60B5D6554}">
+      <dgm:prSet phldrT="[Text]" custT="1">
+        <dgm:style>
+          <a:lnRef idx="3">
+            <a:schemeClr val="lt1"/>
+          </a:lnRef>
+          <a:fillRef idx="1">
+            <a:schemeClr val="accent1"/>
+          </a:fillRef>
+          <a:effectRef idx="1">
+            <a:schemeClr val="accent1"/>
+          </a:effectRef>
+          <a:fontRef idx="minor">
+            <a:schemeClr val="lt1"/>
+          </a:fontRef>
+        </dgm:style>
+      </dgm:prSet>
+      <dgm:spPr/>
+      <dgm:t>
+        <a:bodyPr/>
+        <a:lstStyle/>
+        <a:p>
+          <a:r>
+            <a:rPr lang="en-US" sz="3600" dirty="0" smtClean="0">
+              <a:solidFill>
+                <a:schemeClr val="bg1"/>
+              </a:solidFill>
+            </a:rPr>
+            <a:t>Design</a:t>
+          </a:r>
+          <a:endParaRPr lang="en-US" sz="3600" dirty="0">
+            <a:solidFill>
+              <a:schemeClr val="bg1"/>
+            </a:solidFill>
+          </a:endParaRPr>
+        </a:p>
+      </dgm:t>
+    </dgm:pt>
+    <dgm:pt modelId="{8D085121-CD3D-4BDB-A33B-0B72A8D5AD3A}" type="parTrans" cxnId="{92AC0CA4-3D05-4536-80FC-FA4AC97A8932}">
+      <dgm:prSet/>
+      <dgm:spPr/>
+      <dgm:t>
+        <a:bodyPr/>
+        <a:lstStyle/>
+        <a:p>
+          <a:endParaRPr lang="en-US"/>
+        </a:p>
+      </dgm:t>
+    </dgm:pt>
+    <dgm:pt modelId="{1251C647-5718-4E38-9249-7B6DB535C95C}" type="sibTrans" cxnId="{92AC0CA4-3D05-4536-80FC-FA4AC97A8932}">
+      <dgm:prSet/>
+      <dgm:spPr/>
+      <dgm:t>
+        <a:bodyPr/>
+        <a:lstStyle/>
+        <a:p>
+          <a:endParaRPr lang="en-US"/>
+        </a:p>
+      </dgm:t>
+    </dgm:pt>
+    <dgm:pt modelId="{0BF78044-2E2F-4C50-B41F-A444CA42A733}">
+      <dgm:prSet phldrT="[Text]" custT="1">
+        <dgm:style>
+          <a:lnRef idx="3">
+            <a:schemeClr val="lt1"/>
+          </a:lnRef>
+          <a:fillRef idx="1">
+            <a:schemeClr val="accent1"/>
+          </a:fillRef>
+          <a:effectRef idx="1">
+            <a:schemeClr val="accent1"/>
+          </a:effectRef>
+          <a:fontRef idx="minor">
+            <a:schemeClr val="lt1"/>
+          </a:fontRef>
+        </dgm:style>
+      </dgm:prSet>
+      <dgm:spPr/>
+      <dgm:t>
+        <a:bodyPr/>
+        <a:lstStyle/>
+        <a:p>
+          <a:r>
+            <a:rPr lang="en-US" sz="3600" dirty="0" smtClean="0">
+              <a:solidFill>
+                <a:schemeClr val="bg1"/>
+              </a:solidFill>
+            </a:rPr>
+            <a:t>Requirement</a:t>
+          </a:r>
+          <a:endParaRPr lang="en-US" sz="3600" dirty="0">
+            <a:solidFill>
+              <a:schemeClr val="bg1"/>
+            </a:solidFill>
+          </a:endParaRPr>
+        </a:p>
+      </dgm:t>
+    </dgm:pt>
+    <dgm:pt modelId="{5E46AF55-C072-479E-9D57-1F788DB19060}" type="parTrans" cxnId="{530F5633-ECAB-4AD7-8FAD-094C8E76D4A7}">
+      <dgm:prSet/>
+      <dgm:spPr/>
+      <dgm:t>
+        <a:bodyPr/>
+        <a:lstStyle/>
+        <a:p>
+          <a:endParaRPr lang="en-US"/>
+        </a:p>
+      </dgm:t>
+    </dgm:pt>
+    <dgm:pt modelId="{4240EC2A-3A1F-4DC9-9FCA-5EFB91F9C3E5}" type="sibTrans" cxnId="{530F5633-ECAB-4AD7-8FAD-094C8E76D4A7}">
+      <dgm:prSet/>
+      <dgm:spPr/>
+      <dgm:t>
+        <a:bodyPr/>
+        <a:lstStyle/>
+        <a:p>
+          <a:endParaRPr lang="en-US"/>
+        </a:p>
+      </dgm:t>
+    </dgm:pt>
+    <dgm:pt modelId="{29EF8752-3312-4A56-8AEC-2531E6F8FF89}" type="pres">
+      <dgm:prSet presAssocID="{52D3A2B1-8566-477D-A062-C60269166A5F}" presName="Name0" presStyleCnt="0">
+        <dgm:presLayoutVars>
+          <dgm:dir/>
+          <dgm:animLvl val="lvl"/>
+          <dgm:resizeHandles val="exact"/>
+        </dgm:presLayoutVars>
+      </dgm:prSet>
+      <dgm:spPr/>
+    </dgm:pt>
+    <dgm:pt modelId="{CE97F141-57A6-49BC-88E2-2A16D6C9D336}" type="pres">
+      <dgm:prSet presAssocID="{DA399535-8B7C-4706-BAB8-9F8AB76E5812}" presName="Name8" presStyleCnt="0"/>
+      <dgm:spPr/>
+    </dgm:pt>
+    <dgm:pt modelId="{D4770C52-86E8-4CFA-ADFA-2C41C4743CB3}" type="pres">
+      <dgm:prSet presAssocID="{DA399535-8B7C-4706-BAB8-9F8AB76E5812}" presName="level" presStyleLbl="node1" presStyleIdx="0" presStyleCnt="3" custScaleX="300000">
+        <dgm:presLayoutVars>
+          <dgm:chMax val="1"/>
+          <dgm:bulletEnabled val="1"/>
+        </dgm:presLayoutVars>
+      </dgm:prSet>
+      <dgm:spPr/>
+    </dgm:pt>
+    <dgm:pt modelId="{F101BFF7-2DD0-46E4-AD9A-F85E7A76CE66}" type="pres">
+      <dgm:prSet presAssocID="{DA399535-8B7C-4706-BAB8-9F8AB76E5812}" presName="levelTx" presStyleLbl="revTx" presStyleIdx="0" presStyleCnt="0">
+        <dgm:presLayoutVars>
+          <dgm:chMax val="1"/>
+          <dgm:bulletEnabled val="1"/>
+        </dgm:presLayoutVars>
+      </dgm:prSet>
+      <dgm:spPr/>
+    </dgm:pt>
+    <dgm:pt modelId="{2DEB1522-2401-4C66-ABD2-C48C1906371C}" type="pres">
+      <dgm:prSet presAssocID="{C3BE4DF2-24BD-4882-A574-67A60B5D6554}" presName="Name8" presStyleCnt="0"/>
+      <dgm:spPr/>
+    </dgm:pt>
+    <dgm:pt modelId="{08E1D2DA-8A93-48ED-BAC3-70ECA00B1B24}" type="pres">
+      <dgm:prSet presAssocID="{C3BE4DF2-24BD-4882-A574-67A60B5D6554}" presName="level" presStyleLbl="node1" presStyleIdx="1" presStyleCnt="3" custScaleX="150000">
+        <dgm:presLayoutVars>
+          <dgm:chMax val="1"/>
+          <dgm:bulletEnabled val="1"/>
+        </dgm:presLayoutVars>
+      </dgm:prSet>
+      <dgm:spPr/>
+    </dgm:pt>
+    <dgm:pt modelId="{B9ECD879-7479-44D7-98C0-9307791E9330}" type="pres">
+      <dgm:prSet presAssocID="{C3BE4DF2-24BD-4882-A574-67A60B5D6554}" presName="levelTx" presStyleLbl="revTx" presStyleIdx="0" presStyleCnt="0">
+        <dgm:presLayoutVars>
+          <dgm:chMax val="1"/>
+          <dgm:bulletEnabled val="1"/>
+        </dgm:presLayoutVars>
+      </dgm:prSet>
+      <dgm:spPr/>
+    </dgm:pt>
+    <dgm:pt modelId="{0D9B4C07-F30E-4705-9F8A-212FDA449081}" type="pres">
+      <dgm:prSet presAssocID="{0BF78044-2E2F-4C50-B41F-A444CA42A733}" presName="Name8" presStyleCnt="0"/>
+      <dgm:spPr/>
+    </dgm:pt>
+    <dgm:pt modelId="{849450E4-0DD8-48E5-8DFC-F74691C4C36C}" type="pres">
+      <dgm:prSet presAssocID="{0BF78044-2E2F-4C50-B41F-A444CA42A733}" presName="level" presStyleLbl="node1" presStyleIdx="2" presStyleCnt="3">
+        <dgm:presLayoutVars>
+          <dgm:chMax val="1"/>
+          <dgm:bulletEnabled val="1"/>
+        </dgm:presLayoutVars>
+      </dgm:prSet>
+      <dgm:spPr/>
+      <dgm:t>
+        <a:bodyPr/>
+        <a:lstStyle/>
+        <a:p>
+          <a:endParaRPr lang="en-US"/>
+        </a:p>
+      </dgm:t>
+    </dgm:pt>
+    <dgm:pt modelId="{4A67F398-9920-43E1-8987-22EDC0388466}" type="pres">
+      <dgm:prSet presAssocID="{0BF78044-2E2F-4C50-B41F-A444CA42A733}" presName="levelTx" presStyleLbl="revTx" presStyleIdx="0" presStyleCnt="0">
+        <dgm:presLayoutVars>
+          <dgm:chMax val="1"/>
+          <dgm:bulletEnabled val="1"/>
+        </dgm:presLayoutVars>
+      </dgm:prSet>
+      <dgm:spPr/>
+      <dgm:t>
+        <a:bodyPr/>
+        <a:lstStyle/>
+        <a:p>
+          <a:endParaRPr lang="en-US"/>
+        </a:p>
+      </dgm:t>
+    </dgm:pt>
+  </dgm:ptLst>
+  <dgm:cxnLst>
+    <dgm:cxn modelId="{D57651BF-A02E-48BE-9BB0-E8D36FE37FAA}" type="presOf" srcId="{0BF78044-2E2F-4C50-B41F-A444CA42A733}" destId="{4A67F398-9920-43E1-8987-22EDC0388466}" srcOrd="1" destOrd="0" presId="urn:microsoft.com/office/officeart/2005/8/layout/pyramid1"/>
+    <dgm:cxn modelId="{68F564B7-48B7-4B57-A944-157B6E920078}" srcId="{52D3A2B1-8566-477D-A062-C60269166A5F}" destId="{DA399535-8B7C-4706-BAB8-9F8AB76E5812}" srcOrd="0" destOrd="0" parTransId="{648B6C44-04AC-455F-9731-D2D8CB9FF40B}" sibTransId="{2BB0A65F-B92C-4106-A9A2-CDDF27EA8627}"/>
+    <dgm:cxn modelId="{92AC0CA4-3D05-4536-80FC-FA4AC97A8932}" srcId="{52D3A2B1-8566-477D-A062-C60269166A5F}" destId="{C3BE4DF2-24BD-4882-A574-67A60B5D6554}" srcOrd="1" destOrd="0" parTransId="{8D085121-CD3D-4BDB-A33B-0B72A8D5AD3A}" sibTransId="{1251C647-5718-4E38-9249-7B6DB535C95C}"/>
+    <dgm:cxn modelId="{530F5633-ECAB-4AD7-8FAD-094C8E76D4A7}" srcId="{52D3A2B1-8566-477D-A062-C60269166A5F}" destId="{0BF78044-2E2F-4C50-B41F-A444CA42A733}" srcOrd="2" destOrd="0" parTransId="{5E46AF55-C072-479E-9D57-1F788DB19060}" sibTransId="{4240EC2A-3A1F-4DC9-9FCA-5EFB91F9C3E5}"/>
+    <dgm:cxn modelId="{0D7AE9E3-5960-4BCD-B8C8-6D10B03F4DD0}" type="presOf" srcId="{DA399535-8B7C-4706-BAB8-9F8AB76E5812}" destId="{F101BFF7-2DD0-46E4-AD9A-F85E7A76CE66}" srcOrd="1" destOrd="0" presId="urn:microsoft.com/office/officeart/2005/8/layout/pyramid1"/>
+    <dgm:cxn modelId="{A42C5754-28E6-4754-8CCB-29185EDAED5E}" type="presOf" srcId="{C3BE4DF2-24BD-4882-A574-67A60B5D6554}" destId="{08E1D2DA-8A93-48ED-BAC3-70ECA00B1B24}" srcOrd="0" destOrd="0" presId="urn:microsoft.com/office/officeart/2005/8/layout/pyramid1"/>
+    <dgm:cxn modelId="{616C3DBD-DB17-4A6C-A456-C1E975C9FB49}" type="presOf" srcId="{C3BE4DF2-24BD-4882-A574-67A60B5D6554}" destId="{B9ECD879-7479-44D7-98C0-9307791E9330}" srcOrd="1" destOrd="0" presId="urn:microsoft.com/office/officeart/2005/8/layout/pyramid1"/>
+    <dgm:cxn modelId="{5EB835C1-DDAB-4299-89AA-CD304443FFD5}" type="presOf" srcId="{DA399535-8B7C-4706-BAB8-9F8AB76E5812}" destId="{D4770C52-86E8-4CFA-ADFA-2C41C4743CB3}" srcOrd="0" destOrd="0" presId="urn:microsoft.com/office/officeart/2005/8/layout/pyramid1"/>
+    <dgm:cxn modelId="{21A24FEB-CDCB-4001-87DD-2B49EC97AC19}" type="presOf" srcId="{52D3A2B1-8566-477D-A062-C60269166A5F}" destId="{29EF8752-3312-4A56-8AEC-2531E6F8FF89}" srcOrd="0" destOrd="0" presId="urn:microsoft.com/office/officeart/2005/8/layout/pyramid1"/>
+    <dgm:cxn modelId="{95FFB460-9755-453A-88D8-B7A2D7552D42}" type="presOf" srcId="{0BF78044-2E2F-4C50-B41F-A444CA42A733}" destId="{849450E4-0DD8-48E5-8DFC-F74691C4C36C}" srcOrd="0" destOrd="0" presId="urn:microsoft.com/office/officeart/2005/8/layout/pyramid1"/>
+    <dgm:cxn modelId="{BBCF993A-DBE4-4D70-B125-D08E77CEC4BC}" type="presParOf" srcId="{29EF8752-3312-4A56-8AEC-2531E6F8FF89}" destId="{CE97F141-57A6-49BC-88E2-2A16D6C9D336}" srcOrd="0" destOrd="0" presId="urn:microsoft.com/office/officeart/2005/8/layout/pyramid1"/>
+    <dgm:cxn modelId="{A61CFFA9-120F-4E4E-8E49-663349862E8B}" type="presParOf" srcId="{CE97F141-57A6-49BC-88E2-2A16D6C9D336}" destId="{D4770C52-86E8-4CFA-ADFA-2C41C4743CB3}" srcOrd="0" destOrd="0" presId="urn:microsoft.com/office/officeart/2005/8/layout/pyramid1"/>
+    <dgm:cxn modelId="{4C964DC4-707E-4F4F-87A1-3DDE3845875B}" type="presParOf" srcId="{CE97F141-57A6-49BC-88E2-2A16D6C9D336}" destId="{F101BFF7-2DD0-46E4-AD9A-F85E7A76CE66}" srcOrd="1" destOrd="0" presId="urn:microsoft.com/office/officeart/2005/8/layout/pyramid1"/>
+    <dgm:cxn modelId="{03A08FFD-2116-4AFD-9EC8-A0E95A478547}" type="presParOf" srcId="{29EF8752-3312-4A56-8AEC-2531E6F8FF89}" destId="{2DEB1522-2401-4C66-ABD2-C48C1906371C}" srcOrd="1" destOrd="0" presId="urn:microsoft.com/office/officeart/2005/8/layout/pyramid1"/>
+    <dgm:cxn modelId="{CC41CD53-D898-4FBC-AF5F-C9B6A922A46B}" type="presParOf" srcId="{2DEB1522-2401-4C66-ABD2-C48C1906371C}" destId="{08E1D2DA-8A93-48ED-BAC3-70ECA00B1B24}" srcOrd="0" destOrd="0" presId="urn:microsoft.com/office/officeart/2005/8/layout/pyramid1"/>
+    <dgm:cxn modelId="{463D3379-C2B5-4F0E-A3D5-9DD37A5DEA66}" type="presParOf" srcId="{2DEB1522-2401-4C66-ABD2-C48C1906371C}" destId="{B9ECD879-7479-44D7-98C0-9307791E9330}" srcOrd="1" destOrd="0" presId="urn:microsoft.com/office/officeart/2005/8/layout/pyramid1"/>
+    <dgm:cxn modelId="{B9BB602F-6C9B-4CF3-A5B1-EABC0A980639}" type="presParOf" srcId="{29EF8752-3312-4A56-8AEC-2531E6F8FF89}" destId="{0D9B4C07-F30E-4705-9F8A-212FDA449081}" srcOrd="2" destOrd="0" presId="urn:microsoft.com/office/officeart/2005/8/layout/pyramid1"/>
+    <dgm:cxn modelId="{933A65CF-B637-4E09-AAB5-75B32101974B}" type="presParOf" srcId="{0D9B4C07-F30E-4705-9F8A-212FDA449081}" destId="{849450E4-0DD8-48E5-8DFC-F74691C4C36C}" srcOrd="0" destOrd="0" presId="urn:microsoft.com/office/officeart/2005/8/layout/pyramid1"/>
+    <dgm:cxn modelId="{4D94852E-E7A0-49A1-8C32-C925C36C9A9D}" type="presParOf" srcId="{0D9B4C07-F30E-4705-9F8A-212FDA449081}" destId="{4A67F398-9920-43E1-8987-22EDC0388466}" srcOrd="1" destOrd="0" presId="urn:microsoft.com/office/officeart/2005/8/layout/pyramid1"/>
+  </dgm:cxnLst>
+  <dgm:bg/>
+  <dgm:whole/>
+  <dgm:extLst>
+    <a:ext uri="http://schemas.microsoft.com/office/drawing/2008/diagram">
+      <dsp:dataModelExt xmlns:dsp="http://schemas.microsoft.com/office/drawing/2008/diagram" relId="rId7" minVer="http://schemas.openxmlformats.org/drawingml/2006/diagram"/>
+    </a:ext>
+  </dgm:extLst>
+</dgm:dataModel>
+</file>
+
+<file path=ppt/diagrams/data2.xml><?xml version="1.0" encoding="utf-8"?>
+<dgm:dataModel xmlns:dgm="http://schemas.openxmlformats.org/drawingml/2006/diagram" xmlns:a="http://schemas.openxmlformats.org/drawingml/2006/main">
+  <dgm:ptLst>
+    <dgm:pt modelId="{1DB02C94-6D0A-412D-84FD-0511C64A4D05}" type="doc">
+      <dgm:prSet loTypeId="urn:microsoft.com/office/officeart/2005/8/layout/hList6" loCatId="list" qsTypeId="urn:microsoft.com/office/officeart/2005/8/quickstyle/simple1" qsCatId="simple" csTypeId="urn:microsoft.com/office/officeart/2005/8/colors/accent1_2" csCatId="accent1" phldr="1"/>
+      <dgm:spPr/>
+      <dgm:t>
+        <a:bodyPr/>
+        <a:lstStyle/>
+        <a:p>
+          <a:endParaRPr lang="en-US"/>
+        </a:p>
+      </dgm:t>
+    </dgm:pt>
+    <dgm:pt modelId="{FFC710AF-BE06-4546-B3F8-260D14E025FE}">
+      <dgm:prSet phldrT="[Text]"/>
+      <dgm:spPr/>
+      <dgm:t>
+        <a:bodyPr/>
+        <a:lstStyle/>
+        <a:p>
+          <a:r>
+            <a:rPr lang="en-US" dirty="0" smtClean="0"/>
+            <a:t>Clear Requirement</a:t>
+          </a:r>
+          <a:endParaRPr lang="en-US" dirty="0"/>
+        </a:p>
+      </dgm:t>
+    </dgm:pt>
+    <dgm:pt modelId="{9EFADE72-9542-42E7-8662-55F9F7EE9308}" type="parTrans" cxnId="{763965DB-81D8-4AD5-9BE6-0A7626606B06}">
+      <dgm:prSet/>
+      <dgm:spPr/>
+      <dgm:t>
+        <a:bodyPr/>
+        <a:lstStyle/>
+        <a:p>
+          <a:endParaRPr lang="en-US"/>
+        </a:p>
+      </dgm:t>
+    </dgm:pt>
+    <dgm:pt modelId="{2D47853C-A918-414F-9D71-CE4F508878D2}" type="sibTrans" cxnId="{763965DB-81D8-4AD5-9BE6-0A7626606B06}">
+      <dgm:prSet/>
+      <dgm:spPr/>
+      <dgm:t>
+        <a:bodyPr/>
+        <a:lstStyle/>
+        <a:p>
+          <a:endParaRPr lang="en-US"/>
+        </a:p>
+      </dgm:t>
+    </dgm:pt>
+    <dgm:pt modelId="{3DB9FA12-2479-48AD-9ED8-C858B6392985}">
+      <dgm:prSet phldrT="[Text]"/>
+      <dgm:spPr/>
+      <dgm:t>
+        <a:bodyPr/>
+        <a:lstStyle/>
+        <a:p>
+          <a:r>
+            <a:rPr lang="en-US" dirty="0" smtClean="0"/>
+            <a:t>Now</a:t>
+          </a:r>
+          <a:endParaRPr lang="en-US" dirty="0"/>
+        </a:p>
+      </dgm:t>
+    </dgm:pt>
+    <dgm:pt modelId="{C4AD0F7B-E2D8-4537-9FFA-0E9CB5B97D53}" type="parTrans" cxnId="{BBEE3B78-613F-418F-A354-338157B168F4}">
+      <dgm:prSet/>
+      <dgm:spPr/>
+      <dgm:t>
+        <a:bodyPr/>
+        <a:lstStyle/>
+        <a:p>
+          <a:endParaRPr lang="en-US"/>
+        </a:p>
+      </dgm:t>
+    </dgm:pt>
+    <dgm:pt modelId="{58C51E6B-6C6D-4ED7-A24E-72D5B2B2FA1F}" type="sibTrans" cxnId="{BBEE3B78-613F-418F-A354-338157B168F4}">
+      <dgm:prSet/>
+      <dgm:spPr/>
+      <dgm:t>
+        <a:bodyPr/>
+        <a:lstStyle/>
+        <a:p>
+          <a:endParaRPr lang="en-US"/>
+        </a:p>
+      </dgm:t>
+    </dgm:pt>
+    <dgm:pt modelId="{B002C434-F9A2-4D3F-B071-6B92859C5C3A}">
+      <dgm:prSet phldrT="[Text]"/>
+      <dgm:spPr/>
+      <dgm:t>
+        <a:bodyPr/>
+        <a:lstStyle/>
+        <a:p>
+          <a:r>
+            <a:rPr lang="en-US" dirty="0" smtClean="0"/>
+            <a:t>For see future</a:t>
+          </a:r>
+          <a:endParaRPr lang="en-US" dirty="0"/>
+        </a:p>
+      </dgm:t>
+    </dgm:pt>
+    <dgm:pt modelId="{722A1745-7A02-43E1-B352-786397920958}" type="parTrans" cxnId="{12146F37-C2FA-45E4-BB44-11E16B0936E1}">
+      <dgm:prSet/>
+      <dgm:spPr/>
+      <dgm:t>
+        <a:bodyPr/>
+        <a:lstStyle/>
+        <a:p>
+          <a:endParaRPr lang="en-US"/>
+        </a:p>
+      </dgm:t>
+    </dgm:pt>
+    <dgm:pt modelId="{8F6855DE-6982-4F0B-8D4E-0CC5E31864BD}" type="sibTrans" cxnId="{12146F37-C2FA-45E4-BB44-11E16B0936E1}">
+      <dgm:prSet/>
+      <dgm:spPr/>
+      <dgm:t>
+        <a:bodyPr/>
+        <a:lstStyle/>
+        <a:p>
+          <a:endParaRPr lang="en-US"/>
+        </a:p>
+      </dgm:t>
+    </dgm:pt>
+    <dgm:pt modelId="{44AE89FE-9198-4D83-9D80-E2A74D9328A0}">
+      <dgm:prSet phldrT="[Text]"/>
+      <dgm:spPr/>
+      <dgm:t>
+        <a:bodyPr/>
+        <a:lstStyle/>
+        <a:p>
+          <a:r>
+            <a:rPr lang="en-US" dirty="0" smtClean="0"/>
+            <a:t>Design Carefully</a:t>
+          </a:r>
+          <a:endParaRPr lang="en-US" dirty="0"/>
+        </a:p>
+      </dgm:t>
+    </dgm:pt>
+    <dgm:pt modelId="{A7F9773C-E8DE-4F89-BCFE-0FA8AA58AEEA}" type="parTrans" cxnId="{A4C4C4CE-9650-4BB3-84C0-9B5F81D96C41}">
+      <dgm:prSet/>
+      <dgm:spPr/>
+      <dgm:t>
+        <a:bodyPr/>
+        <a:lstStyle/>
+        <a:p>
+          <a:endParaRPr lang="en-US"/>
+        </a:p>
+      </dgm:t>
+    </dgm:pt>
+    <dgm:pt modelId="{7F5CAB40-038F-4FE1-A229-91709E248C9F}" type="sibTrans" cxnId="{A4C4C4CE-9650-4BB3-84C0-9B5F81D96C41}">
+      <dgm:prSet/>
+      <dgm:spPr/>
+      <dgm:t>
+        <a:bodyPr/>
+        <a:lstStyle/>
+        <a:p>
+          <a:endParaRPr lang="en-US"/>
+        </a:p>
+      </dgm:t>
+    </dgm:pt>
+    <dgm:pt modelId="{ADA0B851-47B2-40E3-9E18-28BDF3BD66E1}">
+      <dgm:prSet phldrT="[Text]"/>
+      <dgm:spPr/>
+      <dgm:t>
+        <a:bodyPr/>
+        <a:lstStyle/>
+        <a:p>
+          <a:r>
+            <a:rPr lang="en-US" dirty="0" smtClean="0"/>
+            <a:t>Simple</a:t>
+          </a:r>
+          <a:endParaRPr lang="en-US" dirty="0"/>
+        </a:p>
+      </dgm:t>
+    </dgm:pt>
+    <dgm:pt modelId="{37CBFDB6-498E-43DD-A422-B95A35B4689F}" type="parTrans" cxnId="{9F91E1A7-A833-4E66-85B2-EF37609A57EC}">
+      <dgm:prSet/>
+      <dgm:spPr/>
+      <dgm:t>
+        <a:bodyPr/>
+        <a:lstStyle/>
+        <a:p>
+          <a:endParaRPr lang="en-US"/>
+        </a:p>
+      </dgm:t>
+    </dgm:pt>
+    <dgm:pt modelId="{6A2EF445-0C52-465D-A8FA-95AAB3277BD0}" type="sibTrans" cxnId="{9F91E1A7-A833-4E66-85B2-EF37609A57EC}">
+      <dgm:prSet/>
+      <dgm:spPr/>
+      <dgm:t>
+        <a:bodyPr/>
+        <a:lstStyle/>
+        <a:p>
+          <a:endParaRPr lang="en-US"/>
+        </a:p>
+      </dgm:t>
+    </dgm:pt>
+    <dgm:pt modelId="{42B991CD-841F-4373-842E-0CC43A0D03F9}">
+      <dgm:prSet phldrT="[Text]"/>
+      <dgm:spPr/>
+      <dgm:t>
+        <a:bodyPr/>
+        <a:lstStyle/>
+        <a:p>
+          <a:r>
+            <a:rPr lang="en-US" dirty="0" smtClean="0"/>
+            <a:t>Flexible</a:t>
+          </a:r>
+          <a:endParaRPr lang="en-US" dirty="0"/>
+        </a:p>
+      </dgm:t>
+    </dgm:pt>
+    <dgm:pt modelId="{62AAD356-BE7D-4137-B6E9-018F7E5387A3}" type="parTrans" cxnId="{5728EEF1-A07E-4ACC-9D95-86BB713BF9DE}">
+      <dgm:prSet/>
+      <dgm:spPr/>
+      <dgm:t>
+        <a:bodyPr/>
+        <a:lstStyle/>
+        <a:p>
+          <a:endParaRPr lang="en-US"/>
+        </a:p>
+      </dgm:t>
+    </dgm:pt>
+    <dgm:pt modelId="{38FEC578-2541-4533-9FF0-E9C54B53A091}" type="sibTrans" cxnId="{5728EEF1-A07E-4ACC-9D95-86BB713BF9DE}">
+      <dgm:prSet/>
+      <dgm:spPr/>
+      <dgm:t>
+        <a:bodyPr/>
+        <a:lstStyle/>
+        <a:p>
+          <a:endParaRPr lang="en-US"/>
+        </a:p>
+      </dgm:t>
+    </dgm:pt>
+    <dgm:pt modelId="{4A8C3E17-9596-4479-8226-8FB6146A8C3A}">
+      <dgm:prSet phldrT="[Text]"/>
+      <dgm:spPr/>
+      <dgm:t>
+        <a:bodyPr/>
+        <a:lstStyle/>
+        <a:p>
+          <a:r>
+            <a:rPr lang="en-US" dirty="0" smtClean="0"/>
+            <a:t>Code Clearly</a:t>
+          </a:r>
+          <a:endParaRPr lang="en-US" dirty="0"/>
+        </a:p>
+      </dgm:t>
+    </dgm:pt>
+    <dgm:pt modelId="{ED439DBF-4EB5-4D07-8BF0-E06F61032DB4}" type="parTrans" cxnId="{0119DB89-397E-43C7-ADFA-1BE0C970F739}">
+      <dgm:prSet/>
+      <dgm:spPr/>
+      <dgm:t>
+        <a:bodyPr/>
+        <a:lstStyle/>
+        <a:p>
+          <a:endParaRPr lang="en-US"/>
+        </a:p>
+      </dgm:t>
+    </dgm:pt>
+    <dgm:pt modelId="{F383AFE4-E7FC-479B-943A-46DCF4BF3934}" type="sibTrans" cxnId="{0119DB89-397E-43C7-ADFA-1BE0C970F739}">
+      <dgm:prSet/>
+      <dgm:spPr/>
+      <dgm:t>
+        <a:bodyPr/>
+        <a:lstStyle/>
+        <a:p>
+          <a:endParaRPr lang="en-US"/>
+        </a:p>
+      </dgm:t>
+    </dgm:pt>
+    <dgm:pt modelId="{0E04E175-E31E-4F8E-9A33-709EB746C910}">
+      <dgm:prSet phldrT="[Text]"/>
+      <dgm:spPr/>
+      <dgm:t>
+        <a:bodyPr/>
+        <a:lstStyle/>
+        <a:p>
+          <a:r>
+            <a:rPr lang="en-US" dirty="0" smtClean="0"/>
+            <a:t>Simple</a:t>
+          </a:r>
+          <a:endParaRPr lang="en-US" dirty="0"/>
+        </a:p>
+      </dgm:t>
+    </dgm:pt>
+    <dgm:pt modelId="{C3E6C5E5-F755-4D94-826E-C619AAD7D94B}" type="parTrans" cxnId="{F126C646-FDC7-4CB4-8EFD-545217E9504B}">
+      <dgm:prSet/>
+      <dgm:spPr/>
+      <dgm:t>
+        <a:bodyPr/>
+        <a:lstStyle/>
+        <a:p>
+          <a:endParaRPr lang="en-US"/>
+        </a:p>
+      </dgm:t>
+    </dgm:pt>
+    <dgm:pt modelId="{CAB9FA5C-81B3-4E1F-A8F1-5B7C1C540B64}" type="sibTrans" cxnId="{F126C646-FDC7-4CB4-8EFD-545217E9504B}">
+      <dgm:prSet/>
+      <dgm:spPr/>
+      <dgm:t>
+        <a:bodyPr/>
+        <a:lstStyle/>
+        <a:p>
+          <a:endParaRPr lang="en-US"/>
+        </a:p>
+      </dgm:t>
+    </dgm:pt>
+    <dgm:pt modelId="{1A84B515-318F-416B-9CAC-30A18F4DCF4E}">
+      <dgm:prSet phldrT="[Text]"/>
+      <dgm:spPr/>
+      <dgm:t>
+        <a:bodyPr/>
+        <a:lstStyle/>
+        <a:p>
+          <a:r>
+            <a:rPr lang="en-US" dirty="0" smtClean="0"/>
+            <a:t>De-dupe</a:t>
+          </a:r>
+          <a:endParaRPr lang="en-US" dirty="0"/>
+        </a:p>
+      </dgm:t>
+    </dgm:pt>
+    <dgm:pt modelId="{0185E872-534A-408D-8B41-91A4CD366A08}" type="parTrans" cxnId="{759591DB-6798-4B66-AFE1-15FA3EDF3EA7}">
+      <dgm:prSet/>
+      <dgm:spPr/>
+      <dgm:t>
+        <a:bodyPr/>
+        <a:lstStyle/>
+        <a:p>
+          <a:endParaRPr lang="en-US"/>
+        </a:p>
+      </dgm:t>
+    </dgm:pt>
+    <dgm:pt modelId="{C0C565EB-2C38-4899-B16C-DB638AE8DA4B}" type="sibTrans" cxnId="{759591DB-6798-4B66-AFE1-15FA3EDF3EA7}">
+      <dgm:prSet/>
+      <dgm:spPr/>
+      <dgm:t>
+        <a:bodyPr/>
+        <a:lstStyle/>
+        <a:p>
+          <a:endParaRPr lang="en-US"/>
+        </a:p>
+      </dgm:t>
+    </dgm:pt>
+    <dgm:pt modelId="{156C4A1C-BD30-4E7B-A10B-FF17CE3A2473}" type="pres">
+      <dgm:prSet presAssocID="{1DB02C94-6D0A-412D-84FD-0511C64A4D05}" presName="Name0" presStyleCnt="0">
+        <dgm:presLayoutVars>
+          <dgm:dir/>
+          <dgm:resizeHandles val="exact"/>
+        </dgm:presLayoutVars>
+      </dgm:prSet>
+      <dgm:spPr/>
+    </dgm:pt>
+    <dgm:pt modelId="{8D791726-DFC3-4FBB-8601-CC1BFF3930BD}" type="pres">
+      <dgm:prSet presAssocID="{FFC710AF-BE06-4546-B3F8-260D14E025FE}" presName="node" presStyleLbl="node1" presStyleIdx="0" presStyleCnt="3">
+        <dgm:presLayoutVars>
+          <dgm:bulletEnabled val="1"/>
+        </dgm:presLayoutVars>
+      </dgm:prSet>
+      <dgm:spPr/>
+      <dgm:t>
+        <a:bodyPr/>
+        <a:lstStyle/>
+        <a:p>
+          <a:endParaRPr lang="en-US"/>
+        </a:p>
+      </dgm:t>
+    </dgm:pt>
+    <dgm:pt modelId="{D79E1BC1-3BDC-4BDE-A377-061BE051CC4F}" type="pres">
+      <dgm:prSet presAssocID="{2D47853C-A918-414F-9D71-CE4F508878D2}" presName="sibTrans" presStyleCnt="0"/>
+      <dgm:spPr/>
+    </dgm:pt>
+    <dgm:pt modelId="{BA58CAAD-5F31-47EC-A257-D9A92535F846}" type="pres">
+      <dgm:prSet presAssocID="{44AE89FE-9198-4D83-9D80-E2A74D9328A0}" presName="node" presStyleLbl="node1" presStyleIdx="1" presStyleCnt="3">
+        <dgm:presLayoutVars>
+          <dgm:bulletEnabled val="1"/>
+        </dgm:presLayoutVars>
+      </dgm:prSet>
+      <dgm:spPr/>
+      <dgm:t>
+        <a:bodyPr/>
+        <a:lstStyle/>
+        <a:p>
+          <a:endParaRPr lang="en-US"/>
+        </a:p>
+      </dgm:t>
+    </dgm:pt>
+    <dgm:pt modelId="{D76FEC2F-566A-4920-AEA4-21EC74BCD3DA}" type="pres">
+      <dgm:prSet presAssocID="{7F5CAB40-038F-4FE1-A229-91709E248C9F}" presName="sibTrans" presStyleCnt="0"/>
+      <dgm:spPr/>
+    </dgm:pt>
+    <dgm:pt modelId="{C5501FBE-0ECF-47DA-BF5A-9B22A9FC985E}" type="pres">
+      <dgm:prSet presAssocID="{4A8C3E17-9596-4479-8226-8FB6146A8C3A}" presName="node" presStyleLbl="node1" presStyleIdx="2" presStyleCnt="3">
+        <dgm:presLayoutVars>
+          <dgm:bulletEnabled val="1"/>
+        </dgm:presLayoutVars>
+      </dgm:prSet>
+      <dgm:spPr/>
+      <dgm:t>
+        <a:bodyPr/>
+        <a:lstStyle/>
+        <a:p>
+          <a:endParaRPr lang="en-US"/>
+        </a:p>
+      </dgm:t>
+    </dgm:pt>
+  </dgm:ptLst>
+  <dgm:cxnLst>
+    <dgm:cxn modelId="{5728EEF1-A07E-4ACC-9D95-86BB713BF9DE}" srcId="{44AE89FE-9198-4D83-9D80-E2A74D9328A0}" destId="{42B991CD-841F-4373-842E-0CC43A0D03F9}" srcOrd="1" destOrd="0" parTransId="{62AAD356-BE7D-4137-B6E9-018F7E5387A3}" sibTransId="{38FEC578-2541-4533-9FF0-E9C54B53A091}"/>
+    <dgm:cxn modelId="{09E38900-EE4A-491D-8AED-967313126C73}" type="presOf" srcId="{0E04E175-E31E-4F8E-9A33-709EB746C910}" destId="{C5501FBE-0ECF-47DA-BF5A-9B22A9FC985E}" srcOrd="0" destOrd="1" presId="urn:microsoft.com/office/officeart/2005/8/layout/hList6"/>
+    <dgm:cxn modelId="{D0F74F6A-0698-4359-94D5-40856E2C5A7A}" type="presOf" srcId="{42B991CD-841F-4373-842E-0CC43A0D03F9}" destId="{BA58CAAD-5F31-47EC-A257-D9A92535F846}" srcOrd="0" destOrd="2" presId="urn:microsoft.com/office/officeart/2005/8/layout/hList6"/>
+    <dgm:cxn modelId="{F126C646-FDC7-4CB4-8EFD-545217E9504B}" srcId="{4A8C3E17-9596-4479-8226-8FB6146A8C3A}" destId="{0E04E175-E31E-4F8E-9A33-709EB746C910}" srcOrd="0" destOrd="0" parTransId="{C3E6C5E5-F755-4D94-826E-C619AAD7D94B}" sibTransId="{CAB9FA5C-81B3-4E1F-A8F1-5B7C1C540B64}"/>
+    <dgm:cxn modelId="{0119DB89-397E-43C7-ADFA-1BE0C970F739}" srcId="{1DB02C94-6D0A-412D-84FD-0511C64A4D05}" destId="{4A8C3E17-9596-4479-8226-8FB6146A8C3A}" srcOrd="2" destOrd="0" parTransId="{ED439DBF-4EB5-4D07-8BF0-E06F61032DB4}" sibTransId="{F383AFE4-E7FC-479B-943A-46DCF4BF3934}"/>
+    <dgm:cxn modelId="{3BC34B17-C049-412B-AF76-AEB9B38F020E}" type="presOf" srcId="{1A84B515-318F-416B-9CAC-30A18F4DCF4E}" destId="{C5501FBE-0ECF-47DA-BF5A-9B22A9FC985E}" srcOrd="0" destOrd="2" presId="urn:microsoft.com/office/officeart/2005/8/layout/hList6"/>
+    <dgm:cxn modelId="{73F4080D-9A52-4A83-B67C-3D4AD5893D24}" type="presOf" srcId="{ADA0B851-47B2-40E3-9E18-28BDF3BD66E1}" destId="{BA58CAAD-5F31-47EC-A257-D9A92535F846}" srcOrd="0" destOrd="1" presId="urn:microsoft.com/office/officeart/2005/8/layout/hList6"/>
+    <dgm:cxn modelId="{A0A82D97-B1F3-4CDD-9190-8F2F6EA683FB}" type="presOf" srcId="{4A8C3E17-9596-4479-8226-8FB6146A8C3A}" destId="{C5501FBE-0ECF-47DA-BF5A-9B22A9FC985E}" srcOrd="0" destOrd="0" presId="urn:microsoft.com/office/officeart/2005/8/layout/hList6"/>
+    <dgm:cxn modelId="{9F91E1A7-A833-4E66-85B2-EF37609A57EC}" srcId="{44AE89FE-9198-4D83-9D80-E2A74D9328A0}" destId="{ADA0B851-47B2-40E3-9E18-28BDF3BD66E1}" srcOrd="0" destOrd="0" parTransId="{37CBFDB6-498E-43DD-A422-B95A35B4689F}" sibTransId="{6A2EF445-0C52-465D-A8FA-95AAB3277BD0}"/>
+    <dgm:cxn modelId="{BBEE3B78-613F-418F-A354-338157B168F4}" srcId="{FFC710AF-BE06-4546-B3F8-260D14E025FE}" destId="{3DB9FA12-2479-48AD-9ED8-C858B6392985}" srcOrd="0" destOrd="0" parTransId="{C4AD0F7B-E2D8-4537-9FFA-0E9CB5B97D53}" sibTransId="{58C51E6B-6C6D-4ED7-A24E-72D5B2B2FA1F}"/>
+    <dgm:cxn modelId="{A4C4C4CE-9650-4BB3-84C0-9B5F81D96C41}" srcId="{1DB02C94-6D0A-412D-84FD-0511C64A4D05}" destId="{44AE89FE-9198-4D83-9D80-E2A74D9328A0}" srcOrd="1" destOrd="0" parTransId="{A7F9773C-E8DE-4F89-BCFE-0FA8AA58AEEA}" sibTransId="{7F5CAB40-038F-4FE1-A229-91709E248C9F}"/>
+    <dgm:cxn modelId="{18073014-67DD-494E-9D20-CB2F93D4F0BB}" type="presOf" srcId="{FFC710AF-BE06-4546-B3F8-260D14E025FE}" destId="{8D791726-DFC3-4FBB-8601-CC1BFF3930BD}" srcOrd="0" destOrd="0" presId="urn:microsoft.com/office/officeart/2005/8/layout/hList6"/>
+    <dgm:cxn modelId="{759591DB-6798-4B66-AFE1-15FA3EDF3EA7}" srcId="{4A8C3E17-9596-4479-8226-8FB6146A8C3A}" destId="{1A84B515-318F-416B-9CAC-30A18F4DCF4E}" srcOrd="1" destOrd="0" parTransId="{0185E872-534A-408D-8B41-91A4CD366A08}" sibTransId="{C0C565EB-2C38-4899-B16C-DB638AE8DA4B}"/>
+    <dgm:cxn modelId="{A18247F3-7E13-495E-8E11-2E7029B2FA5B}" type="presOf" srcId="{1DB02C94-6D0A-412D-84FD-0511C64A4D05}" destId="{156C4A1C-BD30-4E7B-A10B-FF17CE3A2473}" srcOrd="0" destOrd="0" presId="urn:microsoft.com/office/officeart/2005/8/layout/hList6"/>
+    <dgm:cxn modelId="{4AD4F8B1-BCA8-4199-BDAC-84031A7DCC2F}" type="presOf" srcId="{3DB9FA12-2479-48AD-9ED8-C858B6392985}" destId="{8D791726-DFC3-4FBB-8601-CC1BFF3930BD}" srcOrd="0" destOrd="1" presId="urn:microsoft.com/office/officeart/2005/8/layout/hList6"/>
+    <dgm:cxn modelId="{12146F37-C2FA-45E4-BB44-11E16B0936E1}" srcId="{FFC710AF-BE06-4546-B3F8-260D14E025FE}" destId="{B002C434-F9A2-4D3F-B071-6B92859C5C3A}" srcOrd="1" destOrd="0" parTransId="{722A1745-7A02-43E1-B352-786397920958}" sibTransId="{8F6855DE-6982-4F0B-8D4E-0CC5E31864BD}"/>
+    <dgm:cxn modelId="{18FEC5C8-C74A-4992-B11D-BE3DD47920BF}" type="presOf" srcId="{B002C434-F9A2-4D3F-B071-6B92859C5C3A}" destId="{8D791726-DFC3-4FBB-8601-CC1BFF3930BD}" srcOrd="0" destOrd="2" presId="urn:microsoft.com/office/officeart/2005/8/layout/hList6"/>
+    <dgm:cxn modelId="{8A0D4F25-6C39-45C7-B05F-C92F4777CB29}" type="presOf" srcId="{44AE89FE-9198-4D83-9D80-E2A74D9328A0}" destId="{BA58CAAD-5F31-47EC-A257-D9A92535F846}" srcOrd="0" destOrd="0" presId="urn:microsoft.com/office/officeart/2005/8/layout/hList6"/>
+    <dgm:cxn modelId="{763965DB-81D8-4AD5-9BE6-0A7626606B06}" srcId="{1DB02C94-6D0A-412D-84FD-0511C64A4D05}" destId="{FFC710AF-BE06-4546-B3F8-260D14E025FE}" srcOrd="0" destOrd="0" parTransId="{9EFADE72-9542-42E7-8662-55F9F7EE9308}" sibTransId="{2D47853C-A918-414F-9D71-CE4F508878D2}"/>
+    <dgm:cxn modelId="{77480129-A671-400C-A68C-966F9A51F78F}" type="presParOf" srcId="{156C4A1C-BD30-4E7B-A10B-FF17CE3A2473}" destId="{8D791726-DFC3-4FBB-8601-CC1BFF3930BD}" srcOrd="0" destOrd="0" presId="urn:microsoft.com/office/officeart/2005/8/layout/hList6"/>
+    <dgm:cxn modelId="{4F7F92F9-E42C-498E-8CC1-322E9785721A}" type="presParOf" srcId="{156C4A1C-BD30-4E7B-A10B-FF17CE3A2473}" destId="{D79E1BC1-3BDC-4BDE-A377-061BE051CC4F}" srcOrd="1" destOrd="0" presId="urn:microsoft.com/office/officeart/2005/8/layout/hList6"/>
+    <dgm:cxn modelId="{D4179865-63BD-4CB6-9C19-B8EAAA3CAABD}" type="presParOf" srcId="{156C4A1C-BD30-4E7B-A10B-FF17CE3A2473}" destId="{BA58CAAD-5F31-47EC-A257-D9A92535F846}" srcOrd="2" destOrd="0" presId="urn:microsoft.com/office/officeart/2005/8/layout/hList6"/>
+    <dgm:cxn modelId="{DD11ED26-EEBB-4D45-AFED-C8010640A01E}" type="presParOf" srcId="{156C4A1C-BD30-4E7B-A10B-FF17CE3A2473}" destId="{D76FEC2F-566A-4920-AEA4-21EC74BCD3DA}" srcOrd="3" destOrd="0" presId="urn:microsoft.com/office/officeart/2005/8/layout/hList6"/>
+    <dgm:cxn modelId="{DC708C17-94FF-4279-A3FA-21EC0B8F7C2E}" type="presParOf" srcId="{156C4A1C-BD30-4E7B-A10B-FF17CE3A2473}" destId="{C5501FBE-0ECF-47DA-BF5A-9B22A9FC985E}" srcOrd="4" destOrd="0" presId="urn:microsoft.com/office/officeart/2005/8/layout/hList6"/>
+  </dgm:cxnLst>
+  <dgm:bg/>
+  <dgm:whole/>
+  <dgm:extLst>
+    <a:ext uri="http://schemas.microsoft.com/office/drawing/2008/diagram">
+      <dsp:dataModelExt xmlns:dsp="http://schemas.microsoft.com/office/drawing/2008/diagram" relId="rId7" minVer="http://schemas.openxmlformats.org/drawingml/2006/diagram"/>
+    </a:ext>
+  </dgm:extLst>
+</dgm:dataModel>
+</file>
+
+<file path=ppt/diagrams/drawing1.xml><?xml version="1.0" encoding="utf-8"?>
+<dsp:drawing xmlns:dgm="http://schemas.openxmlformats.org/drawingml/2006/diagram" xmlns:dsp="http://schemas.microsoft.com/office/drawing/2008/diagram" xmlns:a="http://schemas.openxmlformats.org/drawingml/2006/main">
+  <dsp:spTree>
+    <dsp:nvGrpSpPr>
+      <dsp:cNvPr id="0" name=""/>
+      <dsp:cNvGrpSpPr/>
+    </dsp:nvGrpSpPr>
+    <dsp:grpSpPr/>
+    <dsp:sp modelId="{D4770C52-86E8-4CFA-ADFA-2C41C4743CB3}">
+      <dsp:nvSpPr>
+        <dsp:cNvPr id="0" name=""/>
+        <dsp:cNvSpPr/>
+      </dsp:nvSpPr>
+      <dsp:spPr>
+        <a:xfrm>
+          <a:off x="0" y="0"/>
+          <a:ext cx="7704463" cy="1035585"/>
+        </a:xfrm>
+        <a:prstGeom prst="trapezoid">
+          <a:avLst>
+            <a:gd name="adj" fmla="val 123995"/>
+          </a:avLst>
+        </a:prstGeom>
+        <a:solidFill>
+          <a:schemeClr val="accent1"/>
+        </a:solidFill>
+        <a:ln w="22225" cap="rnd" cmpd="sng" algn="ctr">
+          <a:solidFill>
+            <a:schemeClr val="lt1"/>
+          </a:solidFill>
+          <a:prstDash val="solid"/>
+        </a:ln>
+        <a:effectLst/>
+      </dsp:spPr>
+      <dsp:style>
+        <a:lnRef idx="3">
+          <a:schemeClr val="lt1"/>
+        </a:lnRef>
+        <a:fillRef idx="1">
+          <a:schemeClr val="accent1"/>
+        </a:fillRef>
+        <a:effectRef idx="1">
+          <a:schemeClr val="accent1"/>
+        </a:effectRef>
+        <a:fontRef idx="minor">
+          <a:schemeClr val="lt1"/>
+        </a:fontRef>
+      </dsp:style>
+      <dsp:txBody>
+        <a:bodyPr spcFirstLastPara="0" vert="horz" wrap="square" lIns="45720" tIns="45720" rIns="45720" bIns="45720" numCol="1" spcCol="1270" anchor="ctr" anchorCtr="0">
+          <a:noAutofit/>
+        </a:bodyPr>
+        <a:lstStyle/>
+        <a:p>
+          <a:pPr lvl="0" algn="ctr" defTabSz="1600200">
+            <a:lnSpc>
+              <a:spcPct val="90000"/>
+            </a:lnSpc>
+            <a:spcBef>
+              <a:spcPct val="0"/>
+            </a:spcBef>
+            <a:spcAft>
+              <a:spcPct val="35000"/>
+            </a:spcAft>
+          </a:pPr>
+          <a:r>
+            <a:rPr lang="en-US" sz="3600" kern="1200" dirty="0" smtClean="0">
+              <a:solidFill>
+                <a:schemeClr val="bg1"/>
+              </a:solidFill>
+            </a:rPr>
+            <a:t>Code </a:t>
+          </a:r>
+          <a:endParaRPr lang="en-US" sz="3600" kern="1200" dirty="0">
+            <a:solidFill>
+              <a:schemeClr val="bg1"/>
+            </a:solidFill>
+          </a:endParaRPr>
+        </a:p>
+      </dsp:txBody>
+      <dsp:txXfrm>
+        <a:off x="0" y="0"/>
+        <a:ext cx="7704463" cy="1035585"/>
+      </dsp:txXfrm>
+    </dsp:sp>
+    <dsp:sp modelId="{08E1D2DA-8A93-48ED-BAC3-70ECA00B1B24}">
+      <dsp:nvSpPr>
+        <dsp:cNvPr id="0" name=""/>
+        <dsp:cNvSpPr/>
+      </dsp:nvSpPr>
+      <dsp:spPr>
+        <a:xfrm>
+          <a:off x="0" y="1035585"/>
+          <a:ext cx="7704463" cy="1035585"/>
+        </a:xfrm>
+        <a:prstGeom prst="trapezoid">
+          <a:avLst>
+            <a:gd name="adj" fmla="val 123995"/>
+          </a:avLst>
+        </a:prstGeom>
+        <a:solidFill>
+          <a:schemeClr val="accent1"/>
+        </a:solidFill>
+        <a:ln w="22225" cap="rnd" cmpd="sng" algn="ctr">
+          <a:solidFill>
+            <a:schemeClr val="lt1"/>
+          </a:solidFill>
+          <a:prstDash val="solid"/>
+        </a:ln>
+        <a:effectLst/>
+      </dsp:spPr>
+      <dsp:style>
+        <a:lnRef idx="3">
+          <a:schemeClr val="lt1"/>
+        </a:lnRef>
+        <a:fillRef idx="1">
+          <a:schemeClr val="accent1"/>
+        </a:fillRef>
+        <a:effectRef idx="1">
+          <a:schemeClr val="accent1"/>
+        </a:effectRef>
+        <a:fontRef idx="minor">
+          <a:schemeClr val="lt1"/>
+        </a:fontRef>
+      </dsp:style>
+      <dsp:txBody>
+        <a:bodyPr spcFirstLastPara="0" vert="horz" wrap="square" lIns="45720" tIns="45720" rIns="45720" bIns="45720" numCol="1" spcCol="1270" anchor="ctr" anchorCtr="0">
+          <a:noAutofit/>
+        </a:bodyPr>
+        <a:lstStyle/>
+        <a:p>
+          <a:pPr lvl="0" algn="ctr" defTabSz="1600200">
+            <a:lnSpc>
+              <a:spcPct val="90000"/>
+            </a:lnSpc>
+            <a:spcBef>
+              <a:spcPct val="0"/>
+            </a:spcBef>
+            <a:spcAft>
+              <a:spcPct val="35000"/>
+            </a:spcAft>
+          </a:pPr>
+          <a:r>
+            <a:rPr lang="en-US" sz="3600" kern="1200" dirty="0" smtClean="0">
+              <a:solidFill>
+                <a:schemeClr val="bg1"/>
+              </a:solidFill>
+            </a:rPr>
+            <a:t>Design</a:t>
+          </a:r>
+          <a:endParaRPr lang="en-US" sz="3600" kern="1200" dirty="0">
+            <a:solidFill>
+              <a:schemeClr val="bg1"/>
+            </a:solidFill>
+          </a:endParaRPr>
+        </a:p>
+      </dsp:txBody>
+      <dsp:txXfrm>
+        <a:off x="1348281" y="1035585"/>
+        <a:ext cx="5007900" cy="1035585"/>
+      </dsp:txXfrm>
+    </dsp:sp>
+    <dsp:sp modelId="{849450E4-0DD8-48E5-8DFC-F74691C4C36C}">
+      <dsp:nvSpPr>
+        <dsp:cNvPr id="0" name=""/>
+        <dsp:cNvSpPr/>
+      </dsp:nvSpPr>
+      <dsp:spPr>
+        <a:xfrm>
+          <a:off x="0" y="2071171"/>
+          <a:ext cx="7704463" cy="1035585"/>
+        </a:xfrm>
+        <a:prstGeom prst="trapezoid">
+          <a:avLst>
+            <a:gd name="adj" fmla="val 123995"/>
+          </a:avLst>
+        </a:prstGeom>
+        <a:solidFill>
+          <a:schemeClr val="accent1"/>
+        </a:solidFill>
+        <a:ln w="22225" cap="rnd" cmpd="sng" algn="ctr">
+          <a:solidFill>
+            <a:schemeClr val="lt1"/>
+          </a:solidFill>
+          <a:prstDash val="solid"/>
+        </a:ln>
+        <a:effectLst/>
+      </dsp:spPr>
+      <dsp:style>
+        <a:lnRef idx="3">
+          <a:schemeClr val="lt1"/>
+        </a:lnRef>
+        <a:fillRef idx="1">
+          <a:schemeClr val="accent1"/>
+        </a:fillRef>
+        <a:effectRef idx="1">
+          <a:schemeClr val="accent1"/>
+        </a:effectRef>
+        <a:fontRef idx="minor">
+          <a:schemeClr val="lt1"/>
+        </a:fontRef>
+      </dsp:style>
+      <dsp:txBody>
+        <a:bodyPr spcFirstLastPara="0" vert="horz" wrap="square" lIns="45720" tIns="45720" rIns="45720" bIns="45720" numCol="1" spcCol="1270" anchor="ctr" anchorCtr="0">
+          <a:noAutofit/>
+        </a:bodyPr>
+        <a:lstStyle/>
+        <a:p>
+          <a:pPr lvl="0" algn="ctr" defTabSz="1600200">
+            <a:lnSpc>
+              <a:spcPct val="90000"/>
+            </a:lnSpc>
+            <a:spcBef>
+              <a:spcPct val="0"/>
+            </a:spcBef>
+            <a:spcAft>
+              <a:spcPct val="35000"/>
+            </a:spcAft>
+          </a:pPr>
+          <a:r>
+            <a:rPr lang="en-US" sz="3600" kern="1200" dirty="0" smtClean="0">
+              <a:solidFill>
+                <a:schemeClr val="bg1"/>
+              </a:solidFill>
+            </a:rPr>
+            <a:t>Requirement</a:t>
+          </a:r>
+          <a:endParaRPr lang="en-US" sz="3600" kern="1200" dirty="0">
+            <a:solidFill>
+              <a:schemeClr val="bg1"/>
+            </a:solidFill>
+          </a:endParaRPr>
+        </a:p>
+      </dsp:txBody>
+      <dsp:txXfrm>
+        <a:off x="1348281" y="2071171"/>
+        <a:ext cx="5007900" cy="1035585"/>
+      </dsp:txXfrm>
+    </dsp:sp>
+  </dsp:spTree>
+</dsp:drawing>
+</file>
+
+<file path=ppt/diagrams/drawing2.xml><?xml version="1.0" encoding="utf-8"?>
+<dsp:drawing xmlns:dgm="http://schemas.openxmlformats.org/drawingml/2006/diagram" xmlns:dsp="http://schemas.microsoft.com/office/drawing/2008/diagram" xmlns:a="http://schemas.openxmlformats.org/drawingml/2006/main">
+  <dsp:spTree>
+    <dsp:nvGrpSpPr>
+      <dsp:cNvPr id="0" name=""/>
+      <dsp:cNvGrpSpPr/>
+    </dsp:nvGrpSpPr>
+    <dsp:grpSpPr/>
+    <dsp:sp modelId="{8D791726-DFC3-4FBB-8601-CC1BFF3930BD}">
+      <dsp:nvSpPr>
+        <dsp:cNvPr id="0" name=""/>
+        <dsp:cNvSpPr/>
+      </dsp:nvSpPr>
+      <dsp:spPr>
+        <a:xfrm rot="16200000">
+          <a:off x="29006" y="-27783"/>
+          <a:ext cx="3124200" cy="3179766"/>
+        </a:xfrm>
+        <a:prstGeom prst="flowChartManualOperation">
+          <a:avLst/>
+        </a:prstGeom>
+        <a:solidFill>
+          <a:schemeClr val="accent1">
+            <a:hueOff val="0"/>
+            <a:satOff val="0"/>
+            <a:lumOff val="0"/>
+            <a:alphaOff val="0"/>
+          </a:schemeClr>
+        </a:solidFill>
+        <a:ln w="15875" cap="rnd" cmpd="sng" algn="ctr">
+          <a:solidFill>
+            <a:schemeClr val="lt1">
+              <a:hueOff val="0"/>
+              <a:satOff val="0"/>
+              <a:lumOff val="0"/>
+              <a:alphaOff val="0"/>
+            </a:schemeClr>
+          </a:solidFill>
+          <a:prstDash val="solid"/>
+        </a:ln>
+        <a:effectLst/>
+      </dsp:spPr>
+      <dsp:style>
+        <a:lnRef idx="2">
+          <a:scrgbClr r="0" g="0" b="0"/>
+        </a:lnRef>
+        <a:fillRef idx="1">
+          <a:scrgbClr r="0" g="0" b="0"/>
+        </a:fillRef>
+        <a:effectRef idx="0">
+          <a:scrgbClr r="0" g="0" b="0"/>
+        </a:effectRef>
+        <a:fontRef idx="minor">
+          <a:schemeClr val="lt1"/>
+        </a:fontRef>
+      </dsp:style>
+      <dsp:txBody>
+        <a:bodyPr spcFirstLastPara="0" vert="horz" wrap="square" lIns="203200" tIns="0" rIns="203367" bIns="0" numCol="1" spcCol="1270" anchor="t" anchorCtr="0">
+          <a:noAutofit/>
+        </a:bodyPr>
+        <a:lstStyle/>
+        <a:p>
+          <a:pPr lvl="0" algn="l" defTabSz="1422400">
+            <a:lnSpc>
+              <a:spcPct val="90000"/>
+            </a:lnSpc>
+            <a:spcBef>
+              <a:spcPct val="0"/>
+            </a:spcBef>
+            <a:spcAft>
+              <a:spcPct val="35000"/>
+            </a:spcAft>
+          </a:pPr>
+          <a:r>
+            <a:rPr lang="en-US" sz="3200" kern="1200" dirty="0" smtClean="0"/>
+            <a:t>Clear Requirement</a:t>
+          </a:r>
+          <a:endParaRPr lang="en-US" sz="3200" kern="1200" dirty="0"/>
+        </a:p>
+        <a:p>
+          <a:pPr marL="228600" lvl="1" indent="-228600" algn="l" defTabSz="1111250">
+            <a:lnSpc>
+              <a:spcPct val="90000"/>
+            </a:lnSpc>
+            <a:spcBef>
+              <a:spcPct val="0"/>
+            </a:spcBef>
+            <a:spcAft>
+              <a:spcPct val="15000"/>
+            </a:spcAft>
+            <a:buChar char="••"/>
+          </a:pPr>
+          <a:r>
+            <a:rPr lang="en-US" sz="2500" kern="1200" dirty="0" smtClean="0"/>
+            <a:t>Now</a:t>
+          </a:r>
+          <a:endParaRPr lang="en-US" sz="2500" kern="1200" dirty="0"/>
+        </a:p>
+        <a:p>
+          <a:pPr marL="228600" lvl="1" indent="-228600" algn="l" defTabSz="1111250">
+            <a:lnSpc>
+              <a:spcPct val="90000"/>
+            </a:lnSpc>
+            <a:spcBef>
+              <a:spcPct val="0"/>
+            </a:spcBef>
+            <a:spcAft>
+              <a:spcPct val="15000"/>
+            </a:spcAft>
+            <a:buChar char="••"/>
+          </a:pPr>
+          <a:r>
+            <a:rPr lang="en-US" sz="2500" kern="1200" dirty="0" smtClean="0"/>
+            <a:t>For see future</a:t>
+          </a:r>
+          <a:endParaRPr lang="en-US" sz="2500" kern="1200" dirty="0"/>
+        </a:p>
+      </dsp:txBody>
+      <dsp:txXfrm rot="5400000">
+        <a:off x="1223" y="624840"/>
+        <a:ext cx="3179766" cy="1874520"/>
+      </dsp:txXfrm>
+    </dsp:sp>
+    <dsp:sp modelId="{BA58CAAD-5F31-47EC-A257-D9A92535F846}">
+      <dsp:nvSpPr>
+        <dsp:cNvPr id="0" name=""/>
+        <dsp:cNvSpPr/>
+      </dsp:nvSpPr>
+      <dsp:spPr>
+        <a:xfrm rot="16200000">
+          <a:off x="3447256" y="-27783"/>
+          <a:ext cx="3124200" cy="3179766"/>
+        </a:xfrm>
+        <a:prstGeom prst="flowChartManualOperation">
+          <a:avLst/>
+        </a:prstGeom>
+        <a:solidFill>
+          <a:schemeClr val="accent1">
+            <a:hueOff val="0"/>
+            <a:satOff val="0"/>
+            <a:lumOff val="0"/>
+            <a:alphaOff val="0"/>
+          </a:schemeClr>
+        </a:solidFill>
+        <a:ln w="15875" cap="rnd" cmpd="sng" algn="ctr">
+          <a:solidFill>
+            <a:schemeClr val="lt1">
+              <a:hueOff val="0"/>
+              <a:satOff val="0"/>
+              <a:lumOff val="0"/>
+              <a:alphaOff val="0"/>
+            </a:schemeClr>
+          </a:solidFill>
+          <a:prstDash val="solid"/>
+        </a:ln>
+        <a:effectLst/>
+      </dsp:spPr>
+      <dsp:style>
+        <a:lnRef idx="2">
+          <a:scrgbClr r="0" g="0" b="0"/>
+        </a:lnRef>
+        <a:fillRef idx="1">
+          <a:scrgbClr r="0" g="0" b="0"/>
+        </a:fillRef>
+        <a:effectRef idx="0">
+          <a:scrgbClr r="0" g="0" b="0"/>
+        </a:effectRef>
+        <a:fontRef idx="minor">
+          <a:schemeClr val="lt1"/>
+        </a:fontRef>
+      </dsp:style>
+      <dsp:txBody>
+        <a:bodyPr spcFirstLastPara="0" vert="horz" wrap="square" lIns="203200" tIns="0" rIns="203367" bIns="0" numCol="1" spcCol="1270" anchor="t" anchorCtr="0">
+          <a:noAutofit/>
+        </a:bodyPr>
+        <a:lstStyle/>
+        <a:p>
+          <a:pPr lvl="0" algn="l" defTabSz="1422400">
+            <a:lnSpc>
+              <a:spcPct val="90000"/>
+            </a:lnSpc>
+            <a:spcBef>
+              <a:spcPct val="0"/>
+            </a:spcBef>
+            <a:spcAft>
+              <a:spcPct val="35000"/>
+            </a:spcAft>
+          </a:pPr>
+          <a:r>
+            <a:rPr lang="en-US" sz="3200" kern="1200" dirty="0" smtClean="0"/>
+            <a:t>Design Carefully</a:t>
+          </a:r>
+          <a:endParaRPr lang="en-US" sz="3200" kern="1200" dirty="0"/>
+        </a:p>
+        <a:p>
+          <a:pPr marL="228600" lvl="1" indent="-228600" algn="l" defTabSz="1111250">
+            <a:lnSpc>
+              <a:spcPct val="90000"/>
+            </a:lnSpc>
+            <a:spcBef>
+              <a:spcPct val="0"/>
+            </a:spcBef>
+            <a:spcAft>
+              <a:spcPct val="15000"/>
+            </a:spcAft>
+            <a:buChar char="••"/>
+          </a:pPr>
+          <a:r>
+            <a:rPr lang="en-US" sz="2500" kern="1200" dirty="0" smtClean="0"/>
+            <a:t>Simple</a:t>
+          </a:r>
+          <a:endParaRPr lang="en-US" sz="2500" kern="1200" dirty="0"/>
+        </a:p>
+        <a:p>
+          <a:pPr marL="228600" lvl="1" indent="-228600" algn="l" defTabSz="1111250">
+            <a:lnSpc>
+              <a:spcPct val="90000"/>
+            </a:lnSpc>
+            <a:spcBef>
+              <a:spcPct val="0"/>
+            </a:spcBef>
+            <a:spcAft>
+              <a:spcPct val="15000"/>
+            </a:spcAft>
+            <a:buChar char="••"/>
+          </a:pPr>
+          <a:r>
+            <a:rPr lang="en-US" sz="2500" kern="1200" dirty="0" smtClean="0"/>
+            <a:t>Flexible</a:t>
+          </a:r>
+          <a:endParaRPr lang="en-US" sz="2500" kern="1200" dirty="0"/>
+        </a:p>
+      </dsp:txBody>
+      <dsp:txXfrm rot="5400000">
+        <a:off x="3419473" y="624840"/>
+        <a:ext cx="3179766" cy="1874520"/>
+      </dsp:txXfrm>
+    </dsp:sp>
+    <dsp:sp modelId="{C5501FBE-0ECF-47DA-BF5A-9B22A9FC985E}">
+      <dsp:nvSpPr>
+        <dsp:cNvPr id="0" name=""/>
+        <dsp:cNvSpPr/>
+      </dsp:nvSpPr>
+      <dsp:spPr>
+        <a:xfrm rot="16200000">
+          <a:off x="6865505" y="-27783"/>
+          <a:ext cx="3124200" cy="3179766"/>
+        </a:xfrm>
+        <a:prstGeom prst="flowChartManualOperation">
+          <a:avLst/>
+        </a:prstGeom>
+        <a:solidFill>
+          <a:schemeClr val="accent1">
+            <a:hueOff val="0"/>
+            <a:satOff val="0"/>
+            <a:lumOff val="0"/>
+            <a:alphaOff val="0"/>
+          </a:schemeClr>
+        </a:solidFill>
+        <a:ln w="15875" cap="rnd" cmpd="sng" algn="ctr">
+          <a:solidFill>
+            <a:schemeClr val="lt1">
+              <a:hueOff val="0"/>
+              <a:satOff val="0"/>
+              <a:lumOff val="0"/>
+              <a:alphaOff val="0"/>
+            </a:schemeClr>
+          </a:solidFill>
+          <a:prstDash val="solid"/>
+        </a:ln>
+        <a:effectLst/>
+      </dsp:spPr>
+      <dsp:style>
+        <a:lnRef idx="2">
+          <a:scrgbClr r="0" g="0" b="0"/>
+        </a:lnRef>
+        <a:fillRef idx="1">
+          <a:scrgbClr r="0" g="0" b="0"/>
+        </a:fillRef>
+        <a:effectRef idx="0">
+          <a:scrgbClr r="0" g="0" b="0"/>
+        </a:effectRef>
+        <a:fontRef idx="minor">
+          <a:schemeClr val="lt1"/>
+        </a:fontRef>
+      </dsp:style>
+      <dsp:txBody>
+        <a:bodyPr spcFirstLastPara="0" vert="horz" wrap="square" lIns="203200" tIns="0" rIns="203367" bIns="0" numCol="1" spcCol="1270" anchor="t" anchorCtr="0">
+          <a:noAutofit/>
+        </a:bodyPr>
+        <a:lstStyle/>
+        <a:p>
+          <a:pPr lvl="0" algn="l" defTabSz="1422400">
+            <a:lnSpc>
+              <a:spcPct val="90000"/>
+            </a:lnSpc>
+            <a:spcBef>
+              <a:spcPct val="0"/>
+            </a:spcBef>
+            <a:spcAft>
+              <a:spcPct val="35000"/>
+            </a:spcAft>
+          </a:pPr>
+          <a:r>
+            <a:rPr lang="en-US" sz="3200" kern="1200" dirty="0" smtClean="0"/>
+            <a:t>Code Clearly</a:t>
+          </a:r>
+          <a:endParaRPr lang="en-US" sz="3200" kern="1200" dirty="0"/>
+        </a:p>
+        <a:p>
+          <a:pPr marL="228600" lvl="1" indent="-228600" algn="l" defTabSz="1111250">
+            <a:lnSpc>
+              <a:spcPct val="90000"/>
+            </a:lnSpc>
+            <a:spcBef>
+              <a:spcPct val="0"/>
+            </a:spcBef>
+            <a:spcAft>
+              <a:spcPct val="15000"/>
+            </a:spcAft>
+            <a:buChar char="••"/>
+          </a:pPr>
+          <a:r>
+            <a:rPr lang="en-US" sz="2500" kern="1200" dirty="0" smtClean="0"/>
+            <a:t>Simple</a:t>
+          </a:r>
+          <a:endParaRPr lang="en-US" sz="2500" kern="1200" dirty="0"/>
+        </a:p>
+        <a:p>
+          <a:pPr marL="228600" lvl="1" indent="-228600" algn="l" defTabSz="1111250">
+            <a:lnSpc>
+              <a:spcPct val="90000"/>
+            </a:lnSpc>
+            <a:spcBef>
+              <a:spcPct val="0"/>
+            </a:spcBef>
+            <a:spcAft>
+              <a:spcPct val="15000"/>
+            </a:spcAft>
+            <a:buChar char="••"/>
+          </a:pPr>
+          <a:r>
+            <a:rPr lang="en-US" sz="2500" kern="1200" dirty="0" smtClean="0"/>
+            <a:t>De-dupe</a:t>
+          </a:r>
+          <a:endParaRPr lang="en-US" sz="2500" kern="1200" dirty="0"/>
+        </a:p>
+      </dsp:txBody>
+      <dsp:txXfrm rot="5400000">
+        <a:off x="6837722" y="624840"/>
+        <a:ext cx="3179766" cy="1874520"/>
+      </dsp:txXfrm>
+    </dsp:sp>
+  </dsp:spTree>
+</dsp:drawing>
+</file>
+
+<file path=ppt/diagrams/layout1.xml><?xml version="1.0" encoding="utf-8"?>
+<dgm:layoutDef xmlns:dgm="http://schemas.openxmlformats.org/drawingml/2006/diagram" xmlns:a="http://schemas.openxmlformats.org/drawingml/2006/main" uniqueId="urn:microsoft.com/office/officeart/2005/8/layout/pyramid1">
+  <dgm:title val=""/>
+  <dgm:desc val=""/>
+  <dgm:catLst>
+    <dgm:cat type="pyramid" pri="1000"/>
+  </dgm:catLst>
+  <dgm:sampData useDef="1">
+    <dgm:dataModel>
+      <dgm:ptLst/>
+      <dgm:bg/>
+      <dgm:whole/>
+    </dgm:dataModel>
+  </dgm:sampData>
+  <dgm:styleData>
+    <dgm:dataModel>
+      <dgm:ptLst>
+        <dgm:pt modelId="0" type="doc"/>
+        <dgm:pt modelId="1"/>
+        <dgm:pt modelId="2"/>
+      </dgm:ptLst>
+      <dgm:cxnLst>
+        <dgm:cxn modelId="3" srcId="0" destId="1" srcOrd="0" destOrd="0"/>
+        <dgm:cxn modelId="4" srcId="0" destId="2" srcOrd="1" destOrd="0"/>
+      </dgm:cxnLst>
+      <dgm:bg/>
+      <dgm:whole/>
+    </dgm:dataModel>
+  </dgm:styleData>
+  <dgm:clrData>
+    <dgm:dataModel>
+      <dgm:ptLst>
+        <dgm:pt modelId="0" type="doc"/>
+        <dgm:pt modelId="1"/>
+        <dgm:pt modelId="2"/>
+        <dgm:pt modelId="3"/>
+        <dgm:pt modelId="4"/>
+      </dgm:ptLst>
+      <dgm:cxnLst>
+        <dgm:cxn modelId="5" srcId="0" destId="1" srcOrd="0" destOrd="0"/>
+        <dgm:cxn modelId="6" srcId="0" destId="2" srcOrd="1" destOrd="0"/>
+        <dgm:cxn modelId="7" srcId="0" destId="3" srcOrd="2" destOrd="0"/>
+        <dgm:cxn modelId="8" srcId="0" destId="4" srcOrd="3" destOrd="0"/>
+      </dgm:cxnLst>
+      <dgm:bg/>
+      <dgm:whole/>
+    </dgm:dataModel>
+  </dgm:clrData>
+  <dgm:layoutNode name="Name0">
+    <dgm:varLst>
+      <dgm:dir/>
+      <dgm:animLvl val="lvl"/>
+      <dgm:resizeHandles val="exact"/>
+    </dgm:varLst>
+    <dgm:choose name="Name1">
+      <dgm:if name="Name2" func="var" arg="dir" op="equ" val="norm">
+        <dgm:alg type="pyra">
+          <dgm:param type="linDir" val="fromB"/>
+          <dgm:param type="txDir" val="fromT"/>
+          <dgm:param type="pyraAcctPos" val="aft"/>
+          <dgm:param type="pyraAcctTxMar" val="step"/>
+          <dgm:param type="pyraAcctBkgdNode" val="acctBkgd"/>
+          <dgm:param type="pyraAcctTxNode" val="acctTx"/>
+          <dgm:param type="pyraLvlNode" val="level"/>
+        </dgm:alg>
+      </dgm:if>
+      <dgm:else name="Name3">
+        <dgm:alg type="pyra">
+          <dgm:param type="linDir" val="fromB"/>
+          <dgm:param type="txDir" val="fromT"/>
+          <dgm:param type="pyraAcctPos" val="bef"/>
+          <dgm:param type="pyraAcctTxMar" val="step"/>
+          <dgm:param type="pyraAcctBkgdNode" val="acctBkgd"/>
+          <dgm:param type="pyraAcctTxNode" val="acctTx"/>
+          <dgm:param type="pyraLvlNode" val="level"/>
+        </dgm:alg>
+      </dgm:else>
+    </dgm:choose>
+    <dgm:shape xmlns:r="http://schemas.openxmlformats.org/officeDocument/2006/relationships" r:blip="">
+      <dgm:adjLst/>
+    </dgm:shape>
+    <dgm:presOf/>
+    <dgm:choose name="Name4">
+      <dgm:if name="Name5" axis="root des" ptType="all node" func="maxDepth" op="gte" val="2">
+        <dgm:constrLst>
+          <dgm:constr type="primFontSz" for="des" forName="levelTx" op="equ"/>
+          <dgm:constr type="secFontSz" for="des" forName="acctTx" op="equ"/>
+          <dgm:constr type="pyraAcctRatio" val="0.32"/>
+        </dgm:constrLst>
+      </dgm:if>
+      <dgm:else name="Name6">
+        <dgm:constrLst>
+          <dgm:constr type="primFontSz" for="des" forName="levelTx" op="equ"/>
+          <dgm:constr type="secFontSz" for="des" forName="acctTx" op="equ"/>
+          <dgm:constr type="pyraAcctRatio"/>
+        </dgm:constrLst>
+      </dgm:else>
+    </dgm:choose>
+    <dgm:ruleLst/>
+    <dgm:forEach name="Name7" axis="ch" ptType="node">
+      <dgm:layoutNode name="Name8">
+        <dgm:alg type="composite">
+          <dgm:param type="horzAlign" val="none"/>
+        </dgm:alg>
+        <dgm:shape xmlns:r="http://schemas.openxmlformats.org/officeDocument/2006/relationships" r:blip="">
+          <dgm:adjLst/>
+        </dgm:shape>
+        <dgm:presOf/>
+        <dgm:choose name="Name9">
+          <dgm:if name="Name10" axis="self" ptType="node" func="pos" op="equ" val="1">
+            <dgm:constrLst>
+              <dgm:constr type="ctrX" for="ch" forName="acctBkgd" val="1"/>
+              <dgm:constr type="ctrY" for="ch" forName="acctBkgd" val="1"/>
+              <dgm:constr type="w" for="ch" forName="acctBkgd" val="1"/>
+              <dgm:constr type="h" for="ch" forName="acctBkgd" val="1"/>
+              <dgm:constr type="ctrX" for="ch" forName="acctTx" val="1"/>
+              <dgm:constr type="ctrY" for="ch" forName="acctTx" val="1"/>
+              <dgm:constr type="w" for="ch" forName="acctTx" val="1"/>
+              <dgm:constr type="h" for="ch" forName="acctTx" val="1"/>
+              <dgm:constr type="ctrX" for="ch" forName="level" val="1"/>
+              <dgm:constr type="ctrY" for="ch" forName="level" val="1"/>
+              <dgm:constr type="w" for="ch" forName="level" val="1"/>
+              <dgm:constr type="h" for="ch" forName="level" val="1"/>
+              <dgm:constr type="ctrX" for="ch" forName="levelTx" refType="ctrX" refFor="ch" refForName="level"/>
+              <dgm:constr type="ctrY" for="ch" forName="levelTx" refType="ctrY" refFor="ch" refForName="level"/>
+              <dgm:constr type="w" for="ch" forName="levelTx" refType="w" refFor="ch" refForName="level"/>
+              <dgm:constr type="h" for="ch" forName="levelTx" refType="h" refFor="ch" refForName="level"/>
+            </dgm:constrLst>
+          </dgm:if>
+          <dgm:else name="Name11">
+            <dgm:constrLst>
+              <dgm:constr type="ctrX" for="ch" forName="acctBkgd" val="1"/>
+              <dgm:constr type="ctrY" for="ch" forName="acctBkgd" val="1"/>
+              <dgm:constr type="w" for="ch" forName="acctBkgd" val="1"/>
+              <dgm:constr type="h" for="ch" forName="acctBkgd" val="1"/>
+              <dgm:constr type="ctrX" for="ch" forName="acctTx" val="1"/>
+              <dgm:constr type="ctrY" for="ch" forName="acctTx" val="1"/>
+              <dgm:constr type="w" for="ch" forName="acctTx" val="1"/>
+              <dgm:constr type="h" for="ch" forName="acctTx" val="1"/>
+              <dgm:constr type="ctrX" for="ch" forName="level" val="1"/>
+              <dgm:constr type="ctrY" for="ch" forName="level" val="1"/>
+              <dgm:constr type="w" for="ch" forName="level" val="1"/>
+              <dgm:constr type="h" for="ch" forName="level" val="1"/>
+              <dgm:constr type="ctrX" for="ch" forName="levelTx" refType="ctrX" refFor="ch" refForName="level"/>
+              <dgm:constr type="ctrY" for="ch" forName="levelTx" refType="ctrY" refFor="ch" refForName="level"/>
+              <dgm:constr type="w" for="ch" forName="levelTx" refType="w" refFor="ch" refForName="level" fact="0.65"/>
+              <dgm:constr type="h" for="ch" forName="levelTx" refType="h" refFor="ch" refForName="level"/>
+            </dgm:constrLst>
+          </dgm:else>
+        </dgm:choose>
+        <dgm:ruleLst/>
+        <dgm:choose name="Name12">
+          <dgm:if name="Name13" axis="ch" ptType="node" func="cnt" op="gte" val="1">
+            <dgm:layoutNode name="acctBkgd" styleLbl="alignAcc1">
+              <dgm:alg type="sp"/>
+              <dgm:shape xmlns:r="http://schemas.openxmlformats.org/officeDocument/2006/relationships" type="nonIsoscelesTrapezoid" r:blip="">
+                <dgm:adjLst/>
+              </dgm:shape>
+              <dgm:presOf axis="des" ptType="node"/>
+              <dgm:constrLst/>
+              <dgm:ruleLst/>
+            </dgm:layoutNode>
+            <dgm:layoutNode name="acctTx" styleLbl="alignAcc1">
+              <dgm:varLst>
+                <dgm:bulletEnabled val="1"/>
+              </dgm:varLst>
+              <dgm:alg type="tx">
+                <dgm:param type="stBulletLvl" val="1"/>
+                <dgm:param type="txAnchorVertCh" val="mid"/>
+              </dgm:alg>
+              <dgm:shape xmlns:r="http://schemas.openxmlformats.org/officeDocument/2006/relationships" type="nonIsoscelesTrapezoid" r:blip="" hideGeom="1">
+                <dgm:adjLst/>
+              </dgm:shape>
+              <dgm:presOf axis="des" ptType="node"/>
+              <dgm:constrLst>
+                <dgm:constr type="secFontSz" val="65"/>
+                <dgm:constr type="primFontSz" refType="secFontSz"/>
+                <dgm:constr type="tMarg" refType="secFontSz" fact="0.3"/>
+                <dgm:constr type="bMarg" refType="secFontSz" fact="0.3"/>
+                <dgm:constr type="lMarg" refType="secFontSz" fact="0.3"/>
+                <dgm:constr type="rMarg" refType="secFontSz" fact="0.3"/>
+              </dgm:constrLst>
+              <dgm:ruleLst>
+                <dgm:rule type="secFontSz" val="5" fact="NaN" max="NaN"/>
+              </dgm:ruleLst>
+            </dgm:layoutNode>
+          </dgm:if>
+          <dgm:else name="Name14"/>
+        </dgm:choose>
+        <dgm:layoutNode name="level">
+          <dgm:varLst>
+            <dgm:chMax val="1"/>
+            <dgm:bulletEnabled val="1"/>
+          </dgm:varLst>
+          <dgm:alg type="sp"/>
+          <dgm:shape xmlns:r="http://schemas.openxmlformats.org/officeDocument/2006/relationships" type="trapezoid" r:blip="">
+            <dgm:adjLst/>
+          </dgm:shape>
+          <dgm:presOf axis="self"/>
+          <dgm:constrLst>
+            <dgm:constr type="h" val="500"/>
+            <dgm:constr type="w" val="1"/>
+          </dgm:constrLst>
+          <dgm:ruleLst/>
+        </dgm:layoutNode>
+        <dgm:layoutNode name="levelTx" styleLbl="revTx">
+          <dgm:varLst>
+            <dgm:chMax val="1"/>
+            <dgm:bulletEnabled val="1"/>
+          </dgm:varLst>
+          <dgm:alg type="tx"/>
+          <dgm:shape xmlns:r="http://schemas.openxmlformats.org/officeDocument/2006/relationships" type="rect" r:blip="" hideGeom="1">
+            <dgm:adjLst/>
+          </dgm:shape>
+          <dgm:presOf axis="self"/>
+          <dgm:constrLst>
+            <dgm:constr type="tMarg" refType="primFontSz" fact="0.1"/>
+            <dgm:constr type="bMarg" refType="primFontSz" fact="0.1"/>
+            <dgm:constr type="lMarg" refType="primFontSz" fact="0.1"/>
+            <dgm:constr type="rMarg" refType="primFontSz" fact="0.1"/>
+            <dgm:constr type="primFontSz" val="65"/>
+          </dgm:constrLst>
+          <dgm:ruleLst>
+            <dgm:rule type="primFontSz" val="5" fact="NaN" max="NaN"/>
+          </dgm:ruleLst>
+        </dgm:layoutNode>
+      </dgm:layoutNode>
+    </dgm:forEach>
+  </dgm:layoutNode>
+</dgm:layoutDef>
+</file>
+
+<file path=ppt/diagrams/layout2.xml><?xml version="1.0" encoding="utf-8"?>
+<dgm:layoutDef xmlns:dgm="http://schemas.openxmlformats.org/drawingml/2006/diagram" xmlns:a="http://schemas.openxmlformats.org/drawingml/2006/main" uniqueId="urn:microsoft.com/office/officeart/2005/8/layout/hList6">
+  <dgm:title val=""/>
+  <dgm:desc val=""/>
+  <dgm:catLst>
+    <dgm:cat type="list" pri="18000"/>
+  </dgm:catLst>
+  <dgm:sampData>
+    <dgm:dataModel>
+      <dgm:ptLst>
+        <dgm:pt modelId="0" type="doc"/>
+        <dgm:pt modelId="1">
+          <dgm:prSet phldr="1"/>
+        </dgm:pt>
+        <dgm:pt modelId="11">
+          <dgm:prSet phldr="1"/>
+        </dgm:pt>
+        <dgm:pt modelId="12">
+          <dgm:prSet phldr="1"/>
+        </dgm:pt>
+        <dgm:pt modelId="2">
+          <dgm:prSet phldr="1"/>
+        </dgm:pt>
+        <dgm:pt modelId="21">
+          <dgm:prSet phldr="1"/>
+        </dgm:pt>
+        <dgm:pt modelId="22">
+          <dgm:prSet phldr="1"/>
+        </dgm:pt>
+        <dgm:pt modelId="3">
+          <dgm:prSet phldr="1"/>
+        </dgm:pt>
+        <dgm:pt modelId="31">
+          <dgm:prSet phldr="1"/>
+        </dgm:pt>
+        <dgm:pt modelId="32">
+          <dgm:prSet phldr="1"/>
+        </dgm:pt>
+      </dgm:ptLst>
+      <dgm:cxnLst>
+        <dgm:cxn modelId="4" srcId="0" destId="1" srcOrd="0" destOrd="0"/>
+        <dgm:cxn modelId="5" srcId="0" destId="2" srcOrd="1" destOrd="0"/>
+        <dgm:cxn modelId="6" srcId="0" destId="3" srcOrd="2" destOrd="0"/>
+        <dgm:cxn modelId="13" srcId="1" destId="11" srcOrd="0" destOrd="0"/>
+        <dgm:cxn modelId="14" srcId="1" destId="12" srcOrd="1" destOrd="0"/>
+        <dgm:cxn modelId="23" srcId="2" destId="21" srcOrd="0" destOrd="0"/>
+        <dgm:cxn modelId="24" srcId="2" destId="22" srcOrd="1" destOrd="0"/>
+        <dgm:cxn modelId="33" srcId="3" destId="31" srcOrd="0" destOrd="0"/>
+        <dgm:cxn modelId="34" srcId="3" destId="32" srcOrd="1" destOrd="0"/>
+      </dgm:cxnLst>
+      <dgm:bg/>
+      <dgm:whole/>
+    </dgm:dataModel>
+  </dgm:sampData>
+  <dgm:styleData>
+    <dgm:dataModel>
+      <dgm:ptLst>
+        <dgm:pt modelId="0" type="doc"/>
+        <dgm:pt modelId="1"/>
+        <dgm:pt modelId="11"/>
+        <dgm:pt modelId="2"/>
+        <dgm:pt modelId="21"/>
+      </dgm:ptLst>
+      <dgm:cxnLst>
+        <dgm:cxn modelId="4" srcId="0" destId="1" srcOrd="0" destOrd="0"/>
+        <dgm:cxn modelId="5" srcId="0" destId="2" srcOrd="1" destOrd="0"/>
+        <dgm:cxn modelId="13" srcId="1" destId="11" srcOrd="0" destOrd="0"/>
+        <dgm:cxn modelId="23" srcId="2" destId="21" srcOrd="0" destOrd="0"/>
+      </dgm:cxnLst>
+      <dgm:bg/>
+      <dgm:whole/>
+    </dgm:dataModel>
+  </dgm:styleData>
+  <dgm:clrData>
+    <dgm:dataModel>
+      <dgm:ptLst>
+        <dgm:pt modelId="0" type="doc"/>
+        <dgm:pt modelId="1"/>
+        <dgm:pt modelId="11"/>
+        <dgm:pt modelId="2"/>
+        <dgm:pt modelId="21"/>
+        <dgm:pt modelId="3"/>
+        <dgm:pt modelId="31"/>
+        <dgm:pt modelId="4"/>
+        <dgm:pt modelId="41"/>
+      </dgm:ptLst>
+      <dgm:cxnLst>
+        <dgm:cxn modelId="5" srcId="0" destId="1" srcOrd="0" destOrd="0"/>
+        <dgm:cxn modelId="6" srcId="0" destId="2" srcOrd="1" destOrd="0"/>
+        <dgm:cxn modelId="7" srcId="0" destId="3" srcOrd="2" destOrd="0"/>
+        <dgm:cxn modelId="8" srcId="0" destId="4" srcOrd="3" destOrd="0"/>
+        <dgm:cxn modelId="13" srcId="1" destId="11" srcOrd="0" destOrd="0"/>
+        <dgm:cxn modelId="23" srcId="2" destId="21" srcOrd="0" destOrd="0"/>
+        <dgm:cxn modelId="33" srcId="3" destId="31" srcOrd="0" destOrd="0"/>
+        <dgm:cxn modelId="43" srcId="4" destId="41" srcOrd="0" destOrd="0"/>
+      </dgm:cxnLst>
+      <dgm:bg/>
+      <dgm:whole/>
+    </dgm:dataModel>
+  </dgm:clrData>
+  <dgm:layoutNode name="Name0">
+    <dgm:varLst>
+      <dgm:dir/>
+      <dgm:resizeHandles val="exact"/>
+    </dgm:varLst>
+    <dgm:choose name="Name1">
+      <dgm:if name="Name2" func="var" arg="dir" op="equ" val="norm">
+        <dgm:alg type="lin"/>
+      </dgm:if>
+      <dgm:else name="Name3">
+        <dgm:alg type="lin">
+          <dgm:param type="linDir" val="fromR"/>
+        </dgm:alg>
+      </dgm:else>
+    </dgm:choose>
+    <dgm:shape xmlns:r="http://schemas.openxmlformats.org/officeDocument/2006/relationships" r:blip="">
+      <dgm:adjLst/>
+    </dgm:shape>
+    <dgm:presOf/>
+    <dgm:constrLst>
+      <dgm:constr type="h" for="ch" ptType="node" refType="h"/>
+      <dgm:constr type="w" for="ch" ptType="node" refType="w"/>
+      <dgm:constr type="primFontSz" for="ch" ptType="node" op="equ"/>
+      <dgm:constr type="w" for="ch" forName="sibTrans" refType="w" fact="0.075"/>
+    </dgm:constrLst>
+    <dgm:ruleLst/>
+    <dgm:forEach name="nodesForEach" axis="ch" ptType="node">
+      <dgm:layoutNode name="node">
+        <dgm:varLst>
+          <dgm:bulletEnabled val="1"/>
+        </dgm:varLst>
+        <dgm:alg type="tx"/>
+        <dgm:choose name="Name4">
+          <dgm:if name="Name5" func="var" arg="dir" op="equ" val="norm">
+            <dgm:shape xmlns:r="http://schemas.openxmlformats.org/officeDocument/2006/relationships" rot="-90" type="flowChartManualOperation" r:blip="">
+              <dgm:adjLst/>
+            </dgm:shape>
+          </dgm:if>
+          <dgm:else name="Name6">
+            <dgm:shape xmlns:r="http://schemas.openxmlformats.org/officeDocument/2006/relationships" rot="90" type="flowChartManualOperation" r:blip="">
+              <dgm:adjLst/>
+            </dgm:shape>
+          </dgm:else>
+        </dgm:choose>
+        <dgm:presOf axis="desOrSelf" ptType="node"/>
+        <dgm:constrLst>
+          <dgm:constr type="primFontSz" val="65"/>
+          <dgm:constr type="tMarg"/>
+          <dgm:constr type="bMarg"/>
+          <dgm:constr type="lMarg" refType="primFontSz" fact="0.5"/>
+          <dgm:constr type="rMarg" refType="lMarg"/>
+        </dgm:constrLst>
+        <dgm:ruleLst>
+          <dgm:rule type="primFontSz" val="5" fact="NaN" max="NaN"/>
+        </dgm:ruleLst>
+      </dgm:layoutNode>
+      <dgm:forEach name="sibTransForEach" axis="followSib" ptType="sibTrans" cnt="1">
+        <dgm:layoutNode name="sibTrans">
+          <dgm:alg type="sp"/>
+          <dgm:shape xmlns:r="http://schemas.openxmlformats.org/officeDocument/2006/relationships" r:blip="">
+            <dgm:adjLst/>
+          </dgm:shape>
+          <dgm:presOf/>
+          <dgm:constrLst/>
+          <dgm:ruleLst/>
+        </dgm:layoutNode>
+      </dgm:forEach>
+    </dgm:forEach>
+  </dgm:layoutNode>
+</dgm:layoutDef>
+</file>
+
+<file path=ppt/diagrams/quickStyle1.xml><?xml version="1.0" encoding="utf-8"?>
+<dgm:styleDef xmlns:dgm="http://schemas.openxmlformats.org/drawingml/2006/diagram" xmlns:a="http://schemas.openxmlformats.org/drawingml/2006/main" uniqueId="urn:microsoft.com/office/officeart/2005/8/quickstyle/simple1">
+  <dgm:title val=""/>
+  <dgm:desc val=""/>
+  <dgm:catLst>
+    <dgm:cat type="simple" pri="10100"/>
+  </dgm:catLst>
+  <dgm:scene3d>
+    <a:camera prst="orthographicFront"/>
+    <a:lightRig rig="threePt" dir="t"/>
+  </dgm:scene3d>
+  <dgm:styleLbl name="node0">
+    <dgm:scene3d>
+      <a:camera prst="orthographicFront"/>
+      <a:lightRig rig="threePt" dir="t"/>
+    </dgm:scene3d>
+    <dgm:sp3d/>
+    <dgm:txPr/>
+    <dgm:style>
+      <a:lnRef idx="2">
+        <a:scrgbClr r="0" g="0" b="0"/>
+      </a:lnRef>
+      <a:fillRef idx="1">
+        <a:scrgbClr r="0" g="0" b="0"/>
+      </a:fillRef>
+      <a:effectRef idx="0">
+        <a:scrgbClr r="0" g="0" b="0"/>
+      </a:effectRef>
+      <a:fontRef idx="minor">
+        <a:schemeClr val="lt1"/>
+      </a:fontRef>
+    </dgm:style>
+  </dgm:styleLbl>
+  <dgm:styleLbl name="lnNode1">
+    <dgm:scene3d>
+      <a:camera prst="orthographicFront"/>
+      <a:lightRig rig="threePt" dir="t"/>
+    </dgm:scene3d>
+    <dgm:sp3d/>
+    <dgm:txPr/>
+    <dgm:style>
+      <a:lnRef idx="2">
+        <a:scrgbClr r="0" g="0" b="0"/>
+      </a:lnRef>
+      <a:fillRef idx="1">
+        <a:scrgbClr r="0" g="0" b="0"/>
+      </a:fillRef>
+      <a:effectRef idx="0">
+        <a:scrgbClr r="0" g="0" b="0"/>
+      </a:effectRef>
+      <a:fontRef idx="minor">
+        <a:schemeClr val="lt1"/>
+      </a:fontRef>
+    </dgm:style>
+  </dgm:styleLbl>
+  <dgm:styleLbl name="vennNode1">
+    <dgm:scene3d>
+      <a:camera prst="orthographicFront"/>
+      <a:lightRig rig="threePt" dir="t"/>
+    </dgm:scene3d>
+    <dgm:sp3d/>
+    <dgm:txPr/>
+    <dgm:style>
+      <a:lnRef idx="2">
+        <a:scrgbClr r="0" g="0" b="0"/>
+      </a:lnRef>
+      <a:fillRef idx="1">
+        <a:scrgbClr r="0" g="0" b="0"/>
+      </a:fillRef>
+      <a:effectRef idx="0">
+        <a:scrgbClr r="0" g="0" b="0"/>
+      </a:effectRef>
+      <a:fontRef idx="minor">
+        <a:schemeClr val="tx1"/>
+      </a:fontRef>
+    </dgm:style>
+  </dgm:styleLbl>
+  <dgm:styleLbl name="alignNode1">
+    <dgm:scene3d>
+      <a:camera prst="orthographicFront"/>
+      <a:lightRig rig="threePt" dir="t"/>
+    </dgm:scene3d>
+    <dgm:sp3d/>
+    <dgm:txPr/>
+    <dgm:style>
+      <a:lnRef idx="2">
+        <a:scrgbClr r="0" g="0" b="0"/>
+      </a:lnRef>
+      <a:fillRef idx="1">
+        <a:scrgbClr r="0" g="0" b="0"/>
+      </a:fillRef>
+      <a:effectRef idx="0">
+        <a:scrgbClr r="0" g="0" b="0"/>
+      </a:effectRef>
+      <a:fontRef idx="minor">
+        <a:schemeClr val="lt1"/>
+      </a:fontRef>
+    </dgm:style>
+  </dgm:styleLbl>
+  <dgm:styleLbl name="node1">
+    <dgm:scene3d>
+      <a:camera prst="orthographicFront"/>
+      <a:lightRig rig="threePt" dir="t"/>
+    </dgm:scene3d>
+    <dgm:sp3d/>
+    <dgm:txPr/>
+    <dgm:style>
+      <a:lnRef idx="2">
+        <a:scrgbClr r="0" g="0" b="0"/>
+      </a:lnRef>
+      <a:fillRef idx="1">
+        <a:scrgbClr r="0" g="0" b="0"/>
+      </a:fillRef>
+      <a:effectRef idx="0">
+        <a:scrgbClr r="0" g="0" b="0"/>
+      </a:effectRef>
+      <a:fontRef idx="minor">
+        <a:schemeClr val="lt1"/>
+      </a:fontRef>
+    </dgm:style>
+  </dgm:styleLbl>
+  <dgm:styleLbl name="node2">
+    <dgm:scene3d>
+      <a:camera prst="orthographicFront"/>
+      <a:lightRig rig="threePt" dir="t"/>
+    </dgm:scene3d>
+    <dgm:sp3d/>
+    <dgm:txPr/>
+    <dgm:style>
+      <a:lnRef idx="2">
+        <a:scrgbClr r="0" g="0" b="0"/>
+      </a:lnRef>
+      <a:fillRef idx="1">
+        <a:scrgbClr r="0" g="0" b="0"/>
+      </a:fillRef>
+      <a:effectRef idx="0">
+        <a:scrgbClr r="0" g="0" b="0"/>
+      </a:effectRef>
+      <a:fontRef idx="minor">
+        <a:schemeClr val="lt1"/>
+      </a:fontRef>
+    </dgm:style>
+  </dgm:styleLbl>
+  <dgm:styleLbl name="node3">
+    <dgm:scene3d>
+      <a:camera prst="orthographicFront"/>
+      <a:lightRig rig="threePt" dir="t"/>
+    </dgm:scene3d>
+    <dgm:sp3d/>
+    <dgm:txPr/>
+    <dgm:style>
+      <a:lnRef idx="2">
+        <a:scrgbClr r="0" g="0" b="0"/>
+      </a:lnRef>
+      <a:fillRef idx="1">
+        <a:scrgbClr r="0" g="0" b="0"/>
+      </a:fillRef>
+      <a:effectRef idx="0">
+        <a:scrgbClr r="0" g="0" b="0"/>
+      </a:effectRef>
+      <a:fontRef idx="minor">
+        <a:schemeClr val="lt1"/>
+      </a:fontRef>
+    </dgm:style>
+  </dgm:styleLbl>
+  <dgm:styleLbl name="node4">
+    <dgm:scene3d>
+      <a:camera prst="orthographicFront"/>
+      <a:lightRig rig="threePt" dir="t"/>
+    </dgm:scene3d>
+    <dgm:sp3d/>
+    <dgm:txPr/>
+    <dgm:style>
+      <a:lnRef idx="2">
+        <a:scrgbClr r="0" g="0" b="0"/>
+      </a:lnRef>
+      <a:fillRef idx="1">
+        <a:scrgbClr r="0" g="0" b="0"/>
+      </a:fillRef>
+      <a:effectRef idx="0">
+        <a:scrgbClr r="0" g="0" b="0"/>
+      </a:effectRef>
+      <a:fontRef idx="minor">
+        <a:schemeClr val="lt1"/>
+      </a:fontRef>
+    </dgm:style>
+  </dgm:styleLbl>
+  <dgm:styleLbl name="fgImgPlace1">
+    <dgm:scene3d>
+      <a:camera prst="orthographicFront"/>
+      <a:lightRig rig="threePt" dir="t"/>
+    </dgm:scene3d>
+    <dgm:sp3d/>
+    <dgm:txPr/>
+    <dgm:style>
+      <a:lnRef idx="2">
+        <a:scrgbClr r="0" g="0" b="0"/>
+      </a:lnRef>
+      <a:fillRef idx="1">
+        <a:scrgbClr r="0" g="0" b="0"/>
+      </a:fillRef>
+      <a:effectRef idx="0">
+        <a:scrgbClr r="0" g="0" b="0"/>
+      </a:effectRef>
+      <a:fontRef idx="minor"/>
+    </dgm:style>
+  </dgm:styleLbl>
+  <dgm:styleLbl name="alignImgPlace1">
+    <dgm:scene3d>
+      <a:camera prst="orthographicFront"/>
+      <a:lightRig rig="threePt" dir="t"/>
+    </dgm:scene3d>
+    <dgm:sp3d/>
+    <dgm:txPr/>
+    <dgm:style>
+      <a:lnRef idx="2">
+        <a:scrgbClr r="0" g="0" b="0"/>
+      </a:lnRef>
+      <a:fillRef idx="1">
+        <a:scrgbClr r="0" g="0" b="0"/>
+      </a:fillRef>
+      <a:effectRef idx="0">
+        <a:scrgbClr r="0" g="0" b="0"/>
+      </a:effectRef>
+      <a:fontRef idx="minor"/>
+    </dgm:style>
+  </dgm:styleLbl>
+  <dgm:styleLbl name="bgImgPlace1">
+    <dgm:scene3d>
+      <a:camera prst="orthographicFront"/>
+      <a:lightRig rig="threePt" dir="t"/>
+    </dgm:scene3d>
+    <dgm:sp3d/>
+    <dgm:txPr/>
+    <dgm:style>
+      <a:lnRef idx="2">
+        <a:scrgbClr r="0" g="0" b="0"/>
+      </a:lnRef>
+      <a:fillRef idx="1">
+        <a:scrgbClr r="0" g="0" b="0"/>
+      </a:fillRef>
+      <a:effectRef idx="0">
+        <a:scrgbClr r="0" g="0" b="0"/>
+      </a:effectRef>
+      <a:fontRef idx="minor"/>
+    </dgm:style>
+  </dgm:styleLbl>
+  <dgm:styleLbl name="sibTrans2D1">
+    <dgm:scene3d>
+      <a:camera prst="orthographicFront"/>
+      <a:lightRig rig="threePt" dir="t"/>
+    </dgm:scene3d>
+    <dgm:sp3d/>
+    <dgm:txPr/>
+    <dgm:style>
+      <a:lnRef idx="0">
+        <a:scrgbClr r="0" g="0" b="0"/>
+      </a:lnRef>
+      <a:fillRef idx="1">
+        <a:scrgbClr r="0" g="0" b="0"/>
+      </a:fillRef>
+      <a:effectRef idx="0">
+        <a:scrgbClr r="0" g="0" b="0"/>
+      </a:effectRef>
+      <a:fontRef idx="minor">
+        <a:schemeClr val="lt1"/>
+      </a:fontRef>
+    </dgm:style>
+  </dgm:styleLbl>
+  <dgm:styleLbl name="fgSibTrans2D1">
+    <dgm:scene3d>
+      <a:camera prst="orthographicFront"/>
+      <a:lightRig rig="threePt" dir="t"/>
+    </dgm:scene3d>
+    <dgm:sp3d/>
+    <dgm:txPr/>
+    <dgm:style>
+      <a:lnRef idx="0">
+        <a:scrgbClr r="0" g="0" b="0"/>
+      </a:lnRef>
+      <a:fillRef idx="1">
+        <a:scrgbClr r="0" g="0" b="0"/>
+      </a:fillRef>
+      <a:effectRef idx="0">
+        <a:scrgbClr r="0" g="0" b="0"/>
+      </a:effectRef>
+      <a:fontRef idx="minor">
+        <a:schemeClr val="lt1"/>
+      </a:fontRef>
+    </dgm:style>
+  </dgm:styleLbl>
+  <dgm:styleLbl name="bgSibTrans2D1">
+    <dgm:scene3d>
+      <a:camera prst="orthographicFront"/>
+      <a:lightRig rig="threePt" dir="t"/>
+    </dgm:scene3d>
+    <dgm:sp3d/>
+    <dgm:txPr/>
+    <dgm:style>
+      <a:lnRef idx="0">
+        <a:scrgbClr r="0" g="0" b="0"/>
+      </a:lnRef>
+      <a:fillRef idx="1">
+        <a:scrgbClr r="0" g="0" b="0"/>
+      </a:fillRef>
+      <a:effectRef idx="0">
+        <a:scrgbClr r="0" g="0" b="0"/>
+      </a:effectRef>
+      <a:fontRef idx="minor">
+        <a:schemeClr val="lt1"/>
+      </a:fontRef>
+    </dgm:style>
+  </dgm:styleLbl>
+  <dgm:styleLbl name="sibTrans1D1">
+    <dgm:scene3d>
+      <a:camera prst="orthographicFront"/>
+      <a:lightRig rig="threePt" dir="t"/>
+    </dgm:scene3d>
+    <dgm:sp3d/>
+    <dgm:txPr/>
+    <dgm:style>
+      <a:lnRef idx="1">
+        <a:scrgbClr r="0" g="0" b="0"/>
+      </a:lnRef>
+      <a:fillRef idx="0">
+        <a:scrgbClr r="0" g="0" b="0"/>
+      </a:fillRef>
+      <a:effectRef idx="0">
+        <a:scrgbClr r="0" g="0" b="0"/>
+      </a:effectRef>
+      <a:fontRef idx="minor"/>
+    </dgm:style>
+  </dgm:styleLbl>
+  <dgm:styleLbl name="callout">
+    <dgm:scene3d>
+      <a:camera prst="orthographicFront"/>
+      <a:lightRig rig="threePt" dir="t"/>
+    </dgm:scene3d>
+    <dgm:sp3d/>
+    <dgm:txPr/>
+    <dgm:style>
+      <a:lnRef idx="2">
+        <a:scrgbClr r="0" g="0" b="0"/>
+      </a:lnRef>
+      <a:fillRef idx="1">
+        <a:scrgbClr r="0" g="0" b="0"/>
+      </a:fillRef>
+      <a:effectRef idx="0">
+        <a:scrgbClr r="0" g="0" b="0"/>
+      </a:effectRef>
+      <a:fontRef idx="minor"/>
+    </dgm:style>
+  </dgm:styleLbl>
+  <dgm:styleLbl name="asst0">
+    <dgm:scene3d>
+      <a:camera prst="orthographicFront"/>
+      <a:lightRig rig="threePt" dir="t"/>
+    </dgm:scene3d>
+    <dgm:sp3d/>
+    <dgm:txPr/>
+    <dgm:style>
+      <a:lnRef idx="2">
+        <a:scrgbClr r="0" g="0" b="0"/>
+      </a:lnRef>
+      <a:fillRef idx="1">
+        <a:scrgbClr r="0" g="0" b="0"/>
+      </a:fillRef>
+      <a:effectRef idx="0">
+        <a:scrgbClr r="0" g="0" b="0"/>
+      </a:effectRef>
+      <a:fontRef idx="minor">
+        <a:schemeClr val="lt1"/>
+      </a:fontRef>
+    </dgm:style>
+  </dgm:styleLbl>
+  <dgm:styleLbl name="asst1">
+    <dgm:scene3d>
+      <a:camera prst="orthographicFront"/>
+      <a:lightRig rig="threePt" dir="t"/>
+    </dgm:scene3d>
+    <dgm:sp3d/>
+    <dgm:txPr/>
+    <dgm:style>
+      <a:lnRef idx="2">
+        <a:scrgbClr r="0" g="0" b="0"/>
+      </a:lnRef>
+      <a:fillRef idx="1">
+        <a:scrgbClr r="0" g="0" b="0"/>
+      </a:fillRef>
+      <a:effectRef idx="0">
+        <a:scrgbClr r="0" g="0" b="0"/>
+      </a:effectRef>
+      <a:fontRef idx="minor">
+        <a:schemeClr val="lt1"/>
+      </a:fontRef>
+    </dgm:style>
+  </dgm:styleLbl>
+  <dgm:styleLbl name="asst2">
+    <dgm:scene3d>
+      <a:camera prst="orthographicFront"/>
+      <a:lightRig rig="threePt" dir="t"/>
+    </dgm:scene3d>
+    <dgm:sp3d/>
+    <dgm:txPr/>
+    <dgm:style>
+      <a:lnRef idx="2">
+        <a:scrgbClr r="0" g="0" b="0"/>
+      </a:lnRef>
+      <a:fillRef idx="1">
+        <a:scrgbClr r="0" g="0" b="0"/>
+      </a:fillRef>
+      <a:effectRef idx="0">
+        <a:scrgbClr r="0" g="0" b="0"/>
+      </a:effectRef>
+      <a:fontRef idx="minor">
+        <a:schemeClr val="lt1"/>
+      </a:fontRef>
+    </dgm:style>
+  </dgm:styleLbl>
+  <dgm:styleLbl name="asst3">
+    <dgm:scene3d>
+      <a:camera prst="orthographicFront"/>
+      <a:lightRig rig="threePt" dir="t"/>
+    </dgm:scene3d>
+    <dgm:sp3d/>
+    <dgm:txPr/>
+    <dgm:style>
+      <a:lnRef idx="2">
+        <a:scrgbClr r="0" g="0" b="0"/>
+      </a:lnRef>
+      <a:fillRef idx="1">
+        <a:scrgbClr r="0" g="0" b="0"/>
+      </a:fillRef>
+      <a:effectRef idx="0">
+        <a:scrgbClr r="0" g="0" b="0"/>
+      </a:effectRef>
+      <a:fontRef idx="minor">
+        <a:schemeClr val="lt1"/>
+      </a:fontRef>
+    </dgm:style>
+  </dgm:styleLbl>
+  <dgm:styleLbl name="asst4">
+    <dgm:scene3d>
+      <a:camera prst="orthographicFront"/>
+      <a:lightRig rig="threePt" dir="t"/>
+    </dgm:scene3d>
+    <dgm:sp3d/>
+    <dgm:txPr/>
+    <dgm:style>
+      <a:lnRef idx="2">
+        <a:scrgbClr r="0" g="0" b="0"/>
+      </a:lnRef>
+      <a:fillRef idx="1">
+        <a:scrgbClr r="0" g="0" b="0"/>
+      </a:fillRef>
+      <a:effectRef idx="0">
+        <a:scrgbClr r="0" g="0" b="0"/>
+      </a:effectRef>
+      <a:fontRef idx="minor">
+        <a:schemeClr val="lt1"/>
+      </a:fontRef>
+    </dgm:style>
+  </dgm:styleLbl>
+  <dgm:styleLbl name="parChTrans2D1">
+    <dgm:scene3d>
+      <a:camera prst="orthographicFront"/>
+      <a:lightRig rig="threePt" dir="t"/>
+    </dgm:scene3d>
+    <dgm:sp3d/>
+    <dgm:txPr/>
+    <dgm:style>
+      <a:lnRef idx="2">
+        <a:scrgbClr r="0" g="0" b="0"/>
+      </a:lnRef>
+      <a:fillRef idx="1">
+        <a:scrgbClr r="0" g="0" b="0"/>
+      </a:fillRef>
+      <a:effectRef idx="0">
+        <a:scrgbClr r="0" g="0" b="0"/>
+      </a:effectRef>
+      <a:fontRef idx="minor">
+        <a:schemeClr val="lt1"/>
+      </a:fontRef>
+    </dgm:style>
+  </dgm:styleLbl>
+  <dgm:styleLbl name="parChTrans2D2">
+    <dgm:scene3d>
+      <a:camera prst="orthographicFront"/>
+      <a:lightRig rig="threePt" dir="t"/>
+    </dgm:scene3d>
+    <dgm:sp3d/>
+    <dgm:txPr/>
+    <dgm:style>
+      <a:lnRef idx="2">
+        <a:scrgbClr r="0" g="0" b="0"/>
+      </a:lnRef>
+      <a:fillRef idx="1">
+        <a:scrgbClr r="0" g="0" b="0"/>
+      </a:fillRef>
+      <a:effectRef idx="0">
+        <a:scrgbClr r="0" g="0" b="0"/>
+      </a:effectRef>
+      <a:fontRef idx="minor">
+        <a:schemeClr val="lt1"/>
+      </a:fontRef>
+    </dgm:style>
+  </dgm:styleLbl>
+  <dgm:styleLbl name="parChTrans2D3">
+    <dgm:scene3d>
+      <a:camera prst="orthographicFront"/>
+      <a:lightRig rig="threePt" dir="t"/>
+    </dgm:scene3d>
+    <dgm:sp3d/>
+    <dgm:txPr/>
+    <dgm:style>
+      <a:lnRef idx="2">
+        <a:scrgbClr r="0" g="0" b="0"/>
+      </a:lnRef>
+      <a:fillRef idx="1">
+        <a:scrgbClr r="0" g="0" b="0"/>
+      </a:fillRef>
+      <a:effectRef idx="0">
+        <a:scrgbClr r="0" g="0" b="0"/>
+      </a:effectRef>
+      <a:fontRef idx="minor">
+        <a:schemeClr val="lt1"/>
+      </a:fontRef>
+    </dgm:style>
+  </dgm:styleLbl>
+  <dgm:styleLbl name="parChTrans2D4">
+    <dgm:scene3d>
+      <a:camera prst="orthographicFront"/>
+      <a:lightRig rig="threePt" dir="t"/>
+    </dgm:scene3d>
+    <dgm:sp3d/>
+    <dgm:txPr/>
+    <dgm:style>
+      <a:lnRef idx="2">
+        <a:scrgbClr r="0" g="0" b="0"/>
+      </a:lnRef>
+      <a:fillRef idx="1">
+        <a:scrgbClr r="0" g="0" b="0"/>
+      </a:fillRef>
+      <a:effectRef idx="0">
+        <a:scrgbClr r="0" g="0" b="0"/>
+      </a:effectRef>
+      <a:fontRef idx="minor">
+        <a:schemeClr val="lt1"/>
+      </a:fontRef>
+    </dgm:style>
+  </dgm:styleLbl>
+  <dgm:styleLbl name="parChTrans1D1">
+    <dgm:scene3d>
+      <a:camera prst="orthographicFront"/>
+      <a:lightRig rig="threePt" dir="t"/>
+    </dgm:scene3d>
+    <dgm:sp3d/>
+    <dgm:txPr/>
+    <dgm:style>
+      <a:lnRef idx="2">
+        <a:scrgbClr r="0" g="0" b="0"/>
+      </a:lnRef>
+      <a:fillRef idx="0">
+        <a:scrgbClr r="0" g="0" b="0"/>
+      </a:fillRef>
+      <a:effectRef idx="0">
+        <a:scrgbClr r="0" g="0" b="0"/>
+      </a:effectRef>
+      <a:fontRef idx="minor"/>
+    </dgm:style>
+  </dgm:styleLbl>
+  <dgm:styleLbl name="parChTrans1D2">
+    <dgm:scene3d>
+      <a:camera prst="orthographicFront"/>
+      <a:lightRig rig="threePt" dir="t"/>
+    </dgm:scene3d>
+    <dgm:sp3d/>
+    <dgm:txPr/>
+    <dgm:style>
+      <a:lnRef idx="2">
+        <a:scrgbClr r="0" g="0" b="0"/>
+      </a:lnRef>
+      <a:fillRef idx="0">
+        <a:scrgbClr r="0" g="0" b="0"/>
+      </a:fillRef>
+      <a:effectRef idx="0">
+        <a:scrgbClr r="0" g="0" b="0"/>
+      </a:effectRef>
+      <a:fontRef idx="minor"/>
+    </dgm:style>
+  </dgm:styleLbl>
+  <dgm:styleLbl name="parChTrans1D3">
+    <dgm:scene3d>
+      <a:camera prst="orthographicFront"/>
+      <a:lightRig rig="threePt" dir="t"/>
+    </dgm:scene3d>
+    <dgm:sp3d/>
+    <dgm:txPr/>
+    <dgm:style>
+      <a:lnRef idx="2">
+        <a:scrgbClr r="0" g="0" b="0"/>
+      </a:lnRef>
+      <a:fillRef idx="0">
+        <a:scrgbClr r="0" g="0" b="0"/>
+      </a:fillRef>
+      <a:effectRef idx="0">
+        <a:scrgbClr r="0" g="0" b="0"/>
+      </a:effectRef>
+      <a:fontRef idx="minor"/>
+    </dgm:style>
+  </dgm:styleLbl>
+  <dgm:styleLbl name="parChTrans1D4">
+    <dgm:scene3d>
+      <a:camera prst="orthographicFront"/>
+      <a:lightRig rig="threePt" dir="t"/>
+    </dgm:scene3d>
+    <dgm:sp3d/>
+    <dgm:txPr/>
+    <dgm:style>
+      <a:lnRef idx="2">
+        <a:scrgbClr r="0" g="0" b="0"/>
+      </a:lnRef>
+      <a:fillRef idx="0">
+        <a:scrgbClr r="0" g="0" b="0"/>
+      </a:fillRef>
+      <a:effectRef idx="0">
+        <a:scrgbClr r="0" g="0" b="0"/>
+      </a:effectRef>
+      <a:fontRef idx="minor"/>
+    </dgm:style>
+  </dgm:styleLbl>
+  <dgm:styleLbl name="fgAcc1">
+    <dgm:scene3d>
+      <a:camera prst="orthographicFront"/>
+      <a:lightRig rig="threePt" dir="t"/>
+    </dgm:scene3d>
+    <dgm:sp3d/>
+    <dgm:txPr/>
+    <dgm:style>
+      <a:lnRef idx="2">
+        <a:scrgbClr r="0" g="0" b="0"/>
+      </a:lnRef>
+      <a:fillRef idx="1">
+        <a:scrgbClr r="0" g="0" b="0"/>
+      </a:fillRef>
+      <a:effectRef idx="0">
+        <a:scrgbClr r="0" g="0" b="0"/>
+      </a:effectRef>
+      <a:fontRef idx="minor"/>
+    </dgm:style>
+  </dgm:styleLbl>
+  <dgm:styleLbl name="conFgAcc1">
+    <dgm:scene3d>
+      <a:camera prst="orthographicFront"/>
+      <a:lightRig rig="threePt" dir="t"/>
+    </dgm:scene3d>
+    <dgm:sp3d/>
+    <dgm:txPr/>
+    <dgm:style>
+      <a:lnRef idx="2">
+        <a:scrgbClr r="0" g="0" b="0"/>
+      </a:lnRef>
+      <a:fillRef idx="1">
+        <a:scrgbClr r="0" g="0" b="0"/>
+      </a:fillRef>
+      <a:effectRef idx="0">
+        <a:scrgbClr r="0" g="0" b="0"/>
+      </a:effectRef>
+      <a:fontRef idx="minor"/>
+    </dgm:style>
+  </dgm:styleLbl>
+  <dgm:styleLbl name="alignAcc1">
+    <dgm:scene3d>
+      <a:camera prst="orthographicFront"/>
+      <a:lightRig rig="threePt" dir="t"/>
+    </dgm:scene3d>
+    <dgm:sp3d/>
+    <dgm:txPr/>
+    <dgm:style>
+      <a:lnRef idx="2">
+        <a:scrgbClr r="0" g="0" b="0"/>
+      </a:lnRef>
+      <a:fillRef idx="1">
+        <a:scrgbClr r="0" g="0" b="0"/>
+      </a:fillRef>
+      <a:effectRef idx="0">
+        <a:scrgbClr r="0" g="0" b="0"/>
+      </a:effectRef>
+      <a:fontRef idx="minor"/>
+    </dgm:style>
+  </dgm:styleLbl>
+  <dgm:styleLbl name="trAlignAcc1">
+    <dgm:scene3d>
+      <a:camera prst="orthographicFront"/>
+      <a:lightRig rig="threePt" dir="t"/>
+    </dgm:scene3d>
+    <dgm:sp3d/>
+    <dgm:txPr/>
+    <dgm:style>
+      <a:lnRef idx="1">
+        <a:scrgbClr r="0" g="0" b="0"/>
+      </a:lnRef>
+      <a:fillRef idx="1">
+        <a:scrgbClr r="0" g="0" b="0"/>
+      </a:fillRef>
+      <a:effectRef idx="0">
+        <a:scrgbClr r="0" g="0" b="0"/>
+      </a:effectRef>
+      <a:fontRef idx="minor"/>
+    </dgm:style>
+  </dgm:styleLbl>
+  <dgm:styleLbl name="bgAcc1">
+    <dgm:scene3d>
+      <a:camera prst="orthographicFront"/>
+      <a:lightRig rig="threePt" dir="t"/>
+    </dgm:scene3d>
+    <dgm:sp3d/>
+    <dgm:txPr/>
+    <dgm:style>
+      <a:lnRef idx="2">
+        <a:scrgbClr r="0" g="0" b="0"/>
+      </a:lnRef>
+      <a:fillRef idx="1">
+        <a:scrgbClr r="0" g="0" b="0"/>
+      </a:fillRef>
+      <a:effectRef idx="0">
+        <a:scrgbClr r="0" g="0" b="0"/>
+      </a:effectRef>
+      <a:fontRef idx="minor"/>
+    </dgm:style>
+  </dgm:styleLbl>
+  <dgm:styleLbl name="solidFgAcc1">
+    <dgm:scene3d>
+      <a:camera prst="orthographicFront"/>
+      <a:lightRig rig="threePt" dir="t"/>
+    </dgm:scene3d>
+    <dgm:sp3d/>
+    <dgm:txPr/>
+    <dgm:style>
+      <a:lnRef idx="2">
+        <a:scrgbClr r="0" g="0" b="0"/>
+      </a:lnRef>
+      <a:fillRef idx="1">
+        <a:scrgbClr r="0" g="0" b="0"/>
+      </a:fillRef>
+      <a:effectRef idx="0">
+        <a:scrgbClr r="0" g="0" b="0"/>
+      </a:effectRef>
+      <a:fontRef idx="minor"/>
+    </dgm:style>
+  </dgm:styleLbl>
+  <dgm:styleLbl name="solidAlignAcc1">
+    <dgm:scene3d>
+      <a:camera prst="orthographicFront"/>
+      <a:lightRig rig="threePt" dir="t"/>
+    </dgm:scene3d>
+    <dgm:sp3d/>
+    <dgm:txPr/>
+    <dgm:style>
+      <a:lnRef idx="2">
+        <a:scrgbClr r="0" g="0" b="0"/>
+      </a:lnRef>
+      <a:fillRef idx="1">
+        <a:scrgbClr r="0" g="0" b="0"/>
+      </a:fillRef>
+      <a:effectRef idx="0">
+        <a:scrgbClr r="0" g="0" b="0"/>
+      </a:effectRef>
+      <a:fontRef idx="minor"/>
+    </dgm:style>
+  </dgm:styleLbl>
+  <dgm:styleLbl name="solidBgAcc1">
+    <dgm:scene3d>
+      <a:camera prst="orthographicFront"/>
+      <a:lightRig rig="threePt" dir="t"/>
+    </dgm:scene3d>
+    <dgm:sp3d/>
+    <dgm:txPr/>
+    <dgm:style>
+      <a:lnRef idx="2">
+        <a:scrgbClr r="0" g="0" b="0"/>
+      </a:lnRef>
+      <a:fillRef idx="1">
+        <a:scrgbClr r="0" g="0" b="0"/>
+      </a:fillRef>
+      <a:effectRef idx="0">
+        <a:scrgbClr r="0" g="0" b="0"/>
+      </a:effectRef>
+      <a:fontRef idx="minor"/>
+    </dgm:style>
+  </dgm:styleLbl>
+  <dgm:styleLbl name="fgAccFollowNode1">
+    <dgm:scene3d>
+      <a:camera prst="orthographicFront"/>
+      <a:lightRig rig="threePt" dir="t"/>
+    </dgm:scene3d>
+    <dgm:sp3d/>
+    <dgm:txPr/>
+    <dgm:style>
+      <a:lnRef idx="2">
+        <a:scrgbClr r="0" g="0" b="0"/>
+      </a:lnRef>
+      <a:fillRef idx="1">
+        <a:scrgbClr r="0" g="0" b="0"/>
+      </a:fillRef>
+      <a:effectRef idx="0">
+        <a:scrgbClr r="0" g="0" b="0"/>
+      </a:effectRef>
+      <a:fontRef idx="minor"/>
+    </dgm:style>
+  </dgm:styleLbl>
+  <dgm:styleLbl name="alignAccFollowNode1">
+    <dgm:scene3d>
+      <a:camera prst="orthographicFront"/>
+      <a:lightRig rig="threePt" dir="t"/>
+    </dgm:scene3d>
+    <dgm:sp3d/>
+    <dgm:txPr/>
+    <dgm:style>
+      <a:lnRef idx="2">
+        <a:scrgbClr r="0" g="0" b="0"/>
+      </a:lnRef>
+      <a:fillRef idx="1">
+        <a:scrgbClr r="0" g="0" b="0"/>
+      </a:fillRef>
+      <a:effectRef idx="0">
+        <a:scrgbClr r="0" g="0" b="0"/>
+      </a:effectRef>
+      <a:fontRef idx="minor"/>
+    </dgm:style>
+  </dgm:styleLbl>
+  <dgm:styleLbl name="bgAccFollowNode1">
+    <dgm:scene3d>
+      <a:camera prst="orthographicFront"/>
+      <a:lightRig rig="threePt" dir="t"/>
+    </dgm:scene3d>
+    <dgm:sp3d/>
+    <dgm:txPr/>
+    <dgm:style>
+      <a:lnRef idx="2">
+        <a:scrgbClr r="0" g="0" b="0"/>
+      </a:lnRef>
+      <a:fillRef idx="1">
+        <a:scrgbClr r="0" g="0" b="0"/>
+      </a:fillRef>
+      <a:effectRef idx="0">
+        <a:scrgbClr r="0" g="0" b="0"/>
+      </a:effectRef>
+      <a:fontRef idx="minor"/>
+    </dgm:style>
+  </dgm:styleLbl>
+  <dgm:styleLbl name="fgAcc0">
+    <dgm:scene3d>
+      <a:camera prst="orthographicFront"/>
+      <a:lightRig rig="threePt" dir="t"/>
+    </dgm:scene3d>
+    <dgm:sp3d/>
+    <dgm:txPr/>
+    <dgm:style>
+      <a:lnRef idx="2">
+        <a:scrgbClr r="0" g="0" b="0"/>
+      </a:lnRef>
+      <a:fillRef idx="1">
+        <a:scrgbClr r="0" g="0" b="0"/>
+      </a:fillRef>
+      <a:effectRef idx="0">
+        <a:scrgbClr r="0" g="0" b="0"/>
+      </a:effectRef>
+      <a:fontRef idx="minor"/>
+    </dgm:style>
+  </dgm:styleLbl>
+  <dgm:styleLbl name="fgAcc2">
+    <dgm:scene3d>
+      <a:camera prst="orthographicFront"/>
+      <a:lightRig rig="threePt" dir="t"/>
+    </dgm:scene3d>
+    <dgm:sp3d/>
+    <dgm:txPr/>
+    <dgm:style>
+      <a:lnRef idx="2">
+        <a:scrgbClr r="0" g="0" b="0"/>
+      </a:lnRef>
+      <a:fillRef idx="1">
+        <a:scrgbClr r="0" g="0" b="0"/>
+      </a:fillRef>
+      <a:effectRef idx="0">
+        <a:scrgbClr r="0" g="0" b="0"/>
+      </a:effectRef>
+      <a:fontRef idx="minor"/>
+    </dgm:style>
+  </dgm:styleLbl>
+  <dgm:styleLbl name="fgAcc3">
+    <dgm:scene3d>
+      <a:camera prst="orthographicFront"/>
+      <a:lightRig rig="threePt" dir="t"/>
+    </dgm:scene3d>
+    <dgm:sp3d/>
+    <dgm:txPr/>
+    <dgm:style>
+      <a:lnRef idx="2">
+        <a:scrgbClr r="0" g="0" b="0"/>
+      </a:lnRef>
+      <a:fillRef idx="1">
+        <a:scrgbClr r="0" g="0" b="0"/>
+      </a:fillRef>
+      <a:effectRef idx="0">
+        <a:scrgbClr r="0" g="0" b="0"/>
+      </a:effectRef>
+      <a:fontRef idx="minor"/>
+    </dgm:style>
+  </dgm:styleLbl>
+  <dgm:styleLbl name="fgAcc4">
+    <dgm:scene3d>
+      <a:camera prst="orthographicFront"/>
+      <a:lightRig rig="threePt" dir="t"/>
+    </dgm:scene3d>
+    <dgm:sp3d/>
+    <dgm:txPr/>
+    <dgm:style>
+      <a:lnRef idx="2">
+        <a:scrgbClr r="0" g="0" b="0"/>
+      </a:lnRef>
+      <a:fillRef idx="1">
+        <a:scrgbClr r="0" g="0" b="0"/>
+      </a:fillRef>
+      <a:effectRef idx="0">
+        <a:scrgbClr r="0" g="0" b="0"/>
+      </a:effectRef>
+      <a:fontRef idx="minor"/>
+    </dgm:style>
+  </dgm:styleLbl>
+  <dgm:styleLbl name="bgShp">
+    <dgm:scene3d>
+      <a:camera prst="orthographicFront"/>
+      <a:lightRig rig="threePt" dir="t"/>
+    </dgm:scene3d>
+    <dgm:sp3d/>
+    <dgm:txPr/>
+    <dgm:style>
+      <a:lnRef idx="0">
+        <a:scrgbClr r="0" g="0" b="0"/>
+      </a:lnRef>
+      <a:fillRef idx="1">
+        <a:scrgbClr r="0" g="0" b="0"/>
+      </a:fillRef>
+      <a:effectRef idx="0">
+        <a:scrgbClr r="0" g="0" b="0"/>
+      </a:effectRef>
+      <a:fontRef idx="minor"/>
+    </dgm:style>
+  </dgm:styleLbl>
+  <dgm:styleLbl name="dkBgShp">
+    <dgm:scene3d>
+      <a:camera prst="orthographicFront"/>
+      <a:lightRig rig="threePt" dir="t"/>
+    </dgm:scene3d>
+    <dgm:sp3d/>
+    <dgm:txPr/>
+    <dgm:style>
+      <a:lnRef idx="0">
+        <a:scrgbClr r="0" g="0" b="0"/>
+      </a:lnRef>
+      <a:fillRef idx="1">
+        <a:scrgbClr r="0" g="0" b="0"/>
+      </a:fillRef>
+      <a:effectRef idx="0">
+        <a:scrgbClr r="0" g="0" b="0"/>
+      </a:effectRef>
+      <a:fontRef idx="minor"/>
+    </dgm:style>
+  </dgm:styleLbl>
+  <dgm:styleLbl name="trBgShp">
+    <dgm:scene3d>
+      <a:camera prst="orthographicFront"/>
+      <a:lightRig rig="threePt" dir="t"/>
+    </dgm:scene3d>
+    <dgm:sp3d/>
+    <dgm:txPr/>
+    <dgm:style>
+      <a:lnRef idx="0">
+        <a:scrgbClr r="0" g="0" b="0"/>
+      </a:lnRef>
+      <a:fillRef idx="1">
+        <a:scrgbClr r="0" g="0" b="0"/>
+      </a:fillRef>
+      <a:effectRef idx="0">
+        <a:scrgbClr r="0" g="0" b="0"/>
+      </a:effectRef>
+      <a:fontRef idx="minor"/>
+    </dgm:style>
+  </dgm:styleLbl>
+  <dgm:styleLbl name="fgShp">
+    <dgm:scene3d>
+      <a:camera prst="orthographicFront"/>
+      <a:lightRig rig="threePt" dir="t"/>
+    </dgm:scene3d>
+    <dgm:sp3d/>
+    <dgm:txPr/>
+    <dgm:style>
+      <a:lnRef idx="2">
+        <a:scrgbClr r="0" g="0" b="0"/>
+      </a:lnRef>
+      <a:fillRef idx="1">
+        <a:scrgbClr r="0" g="0" b="0"/>
+      </a:fillRef>
+      <a:effectRef idx="0">
+        <a:scrgbClr r="0" g="0" b="0"/>
+      </a:effectRef>
+      <a:fontRef idx="minor"/>
+    </dgm:style>
+  </dgm:styleLbl>
+  <dgm:styleLbl name="revTx">
+    <dgm:scene3d>
+      <a:camera prst="orthographicFront"/>
+      <a:lightRig rig="threePt" dir="t"/>
+    </dgm:scene3d>
+    <dgm:sp3d/>
+    <dgm:txPr/>
+    <dgm:style>
+      <a:lnRef idx="0">
+        <a:scrgbClr r="0" g="0" b="0"/>
+      </a:lnRef>
+      <a:fillRef idx="0">
+        <a:scrgbClr r="0" g="0" b="0"/>
+      </a:fillRef>
+      <a:effectRef idx="0">
+        <a:scrgbClr r="0" g="0" b="0"/>
+      </a:effectRef>
+      <a:fontRef idx="minor"/>
+    </dgm:style>
+  </dgm:styleLbl>
+</dgm:styleDef>
+</file>
+
+<file path=ppt/diagrams/quickStyle2.xml><?xml version="1.0" encoding="utf-8"?>
+<dgm:styleDef xmlns:dgm="http://schemas.openxmlformats.org/drawingml/2006/diagram" xmlns:a="http://schemas.openxmlformats.org/drawingml/2006/main" uniqueId="urn:microsoft.com/office/officeart/2005/8/quickstyle/simple1">
+  <dgm:title val=""/>
+  <dgm:desc val=""/>
+  <dgm:catLst>
+    <dgm:cat type="simple" pri="10100"/>
+  </dgm:catLst>
+  <dgm:scene3d>
+    <a:camera prst="orthographicFront"/>
+    <a:lightRig rig="threePt" dir="t"/>
+  </dgm:scene3d>
+  <dgm:styleLbl name="node0">
+    <dgm:scene3d>
+      <a:camera prst="orthographicFront"/>
+      <a:lightRig rig="threePt" dir="t"/>
+    </dgm:scene3d>
+    <dgm:sp3d/>
+    <dgm:txPr/>
+    <dgm:style>
+      <a:lnRef idx="2">
+        <a:scrgbClr r="0" g="0" b="0"/>
+      </a:lnRef>
+      <a:fillRef idx="1">
+        <a:scrgbClr r="0" g="0" b="0"/>
+      </a:fillRef>
+      <a:effectRef idx="0">
+        <a:scrgbClr r="0" g="0" b="0"/>
+      </a:effectRef>
+      <a:fontRef idx="minor">
+        <a:schemeClr val="lt1"/>
+      </a:fontRef>
+    </dgm:style>
+  </dgm:styleLbl>
+  <dgm:styleLbl name="lnNode1">
+    <dgm:scene3d>
+      <a:camera prst="orthographicFront"/>
+      <a:lightRig rig="threePt" dir="t"/>
+    </dgm:scene3d>
+    <dgm:sp3d/>
+    <dgm:txPr/>
+    <dgm:style>
+      <a:lnRef idx="2">
+        <a:scrgbClr r="0" g="0" b="0"/>
+      </a:lnRef>
+      <a:fillRef idx="1">
+        <a:scrgbClr r="0" g="0" b="0"/>
+      </a:fillRef>
+      <a:effectRef idx="0">
+        <a:scrgbClr r="0" g="0" b="0"/>
+      </a:effectRef>
+      <a:fontRef idx="minor">
+        <a:schemeClr val="lt1"/>
+      </a:fontRef>
+    </dgm:style>
+  </dgm:styleLbl>
+  <dgm:styleLbl name="vennNode1">
+    <dgm:scene3d>
+      <a:camera prst="orthographicFront"/>
+      <a:lightRig rig="threePt" dir="t"/>
+    </dgm:scene3d>
+    <dgm:sp3d/>
+    <dgm:txPr/>
+    <dgm:style>
+      <a:lnRef idx="2">
+        <a:scrgbClr r="0" g="0" b="0"/>
+      </a:lnRef>
+      <a:fillRef idx="1">
+        <a:scrgbClr r="0" g="0" b="0"/>
+      </a:fillRef>
+      <a:effectRef idx="0">
+        <a:scrgbClr r="0" g="0" b="0"/>
+      </a:effectRef>
+      <a:fontRef idx="minor">
+        <a:schemeClr val="tx1"/>
+      </a:fontRef>
+    </dgm:style>
+  </dgm:styleLbl>
+  <dgm:styleLbl name="alignNode1">
+    <dgm:scene3d>
+      <a:camera prst="orthographicFront"/>
+      <a:lightRig rig="threePt" dir="t"/>
+    </dgm:scene3d>
+    <dgm:sp3d/>
+    <dgm:txPr/>
+    <dgm:style>
+      <a:lnRef idx="2">
+        <a:scrgbClr r="0" g="0" b="0"/>
+      </a:lnRef>
+      <a:fillRef idx="1">
+        <a:scrgbClr r="0" g="0" b="0"/>
+      </a:fillRef>
+      <a:effectRef idx="0">
+        <a:scrgbClr r="0" g="0" b="0"/>
+      </a:effectRef>
+      <a:fontRef idx="minor">
+        <a:schemeClr val="lt1"/>
+      </a:fontRef>
+    </dgm:style>
+  </dgm:styleLbl>
+  <dgm:styleLbl name="node1">
+    <dgm:scene3d>
+      <a:camera prst="orthographicFront"/>
+      <a:lightRig rig="threePt" dir="t"/>
+    </dgm:scene3d>
+    <dgm:sp3d/>
+    <dgm:txPr/>
+    <dgm:style>
+      <a:lnRef idx="2">
+        <a:scrgbClr r="0" g="0" b="0"/>
+      </a:lnRef>
+      <a:fillRef idx="1">
+        <a:scrgbClr r="0" g="0" b="0"/>
+      </a:fillRef>
+      <a:effectRef idx="0">
+        <a:scrgbClr r="0" g="0" b="0"/>
+      </a:effectRef>
+      <a:fontRef idx="minor">
+        <a:schemeClr val="lt1"/>
+      </a:fontRef>
+    </dgm:style>
+  </dgm:styleLbl>
+  <dgm:styleLbl name="node2">
+    <dgm:scene3d>
+      <a:camera prst="orthographicFront"/>
+      <a:lightRig rig="threePt" dir="t"/>
+    </dgm:scene3d>
+    <dgm:sp3d/>
+    <dgm:txPr/>
+    <dgm:style>
+      <a:lnRef idx="2">
+        <a:scrgbClr r="0" g="0" b="0"/>
+      </a:lnRef>
+      <a:fillRef idx="1">
+        <a:scrgbClr r="0" g="0" b="0"/>
+      </a:fillRef>
+      <a:effectRef idx="0">
+        <a:scrgbClr r="0" g="0" b="0"/>
+      </a:effectRef>
+      <a:fontRef idx="minor">
+        <a:schemeClr val="lt1"/>
+      </a:fontRef>
+    </dgm:style>
+  </dgm:styleLbl>
+  <dgm:styleLbl name="node3">
+    <dgm:scene3d>
+      <a:camera prst="orthographicFront"/>
+      <a:lightRig rig="threePt" dir="t"/>
+    </dgm:scene3d>
+    <dgm:sp3d/>
+    <dgm:txPr/>
+    <dgm:style>
+      <a:lnRef idx="2">
+        <a:scrgbClr r="0" g="0" b="0"/>
+      </a:lnRef>
+      <a:fillRef idx="1">
+        <a:scrgbClr r="0" g="0" b="0"/>
+      </a:fillRef>
+      <a:effectRef idx="0">
+        <a:scrgbClr r="0" g="0" b="0"/>
+      </a:effectRef>
+      <a:fontRef idx="minor">
+        <a:schemeClr val="lt1"/>
+      </a:fontRef>
+    </dgm:style>
+  </dgm:styleLbl>
+  <dgm:styleLbl name="node4">
+    <dgm:scene3d>
+      <a:camera prst="orthographicFront"/>
+      <a:lightRig rig="threePt" dir="t"/>
+    </dgm:scene3d>
+    <dgm:sp3d/>
+    <dgm:txPr/>
+    <dgm:style>
+      <a:lnRef idx="2">
+        <a:scrgbClr r="0" g="0" b="0"/>
+      </a:lnRef>
+      <a:fillRef idx="1">
+        <a:scrgbClr r="0" g="0" b="0"/>
+      </a:fillRef>
+      <a:effectRef idx="0">
+        <a:scrgbClr r="0" g="0" b="0"/>
+      </a:effectRef>
+      <a:fontRef idx="minor">
+        <a:schemeClr val="lt1"/>
+      </a:fontRef>
+    </dgm:style>
+  </dgm:styleLbl>
+  <dgm:styleLbl name="fgImgPlace1">
+    <dgm:scene3d>
+      <a:camera prst="orthographicFront"/>
+      <a:lightRig rig="threePt" dir="t"/>
+    </dgm:scene3d>
+    <dgm:sp3d/>
+    <dgm:txPr/>
+    <dgm:style>
+      <a:lnRef idx="2">
+        <a:scrgbClr r="0" g="0" b="0"/>
+      </a:lnRef>
+      <a:fillRef idx="1">
+        <a:scrgbClr r="0" g="0" b="0"/>
+      </a:fillRef>
+      <a:effectRef idx="0">
+        <a:scrgbClr r="0" g="0" b="0"/>
+      </a:effectRef>
+      <a:fontRef idx="minor"/>
+    </dgm:style>
+  </dgm:styleLbl>
+  <dgm:styleLbl name="alignImgPlace1">
+    <dgm:scene3d>
+      <a:camera prst="orthographicFront"/>
+      <a:lightRig rig="threePt" dir="t"/>
+    </dgm:scene3d>
+    <dgm:sp3d/>
+    <dgm:txPr/>
+    <dgm:style>
+      <a:lnRef idx="2">
+        <a:scrgbClr r="0" g="0" b="0"/>
+      </a:lnRef>
+      <a:fillRef idx="1">
+        <a:scrgbClr r="0" g="0" b="0"/>
+      </a:fillRef>
+      <a:effectRef idx="0">
+        <a:scrgbClr r="0" g="0" b="0"/>
+      </a:effectRef>
+      <a:fontRef idx="minor"/>
+    </dgm:style>
+  </dgm:styleLbl>
+  <dgm:styleLbl name="bgImgPlace1">
+    <dgm:scene3d>
+      <a:camera prst="orthographicFront"/>
+      <a:lightRig rig="threePt" dir="t"/>
+    </dgm:scene3d>
+    <dgm:sp3d/>
+    <dgm:txPr/>
+    <dgm:style>
+      <a:lnRef idx="2">
+        <a:scrgbClr r="0" g="0" b="0"/>
+      </a:lnRef>
+      <a:fillRef idx="1">
+        <a:scrgbClr r="0" g="0" b="0"/>
+      </a:fillRef>
+      <a:effectRef idx="0">
+        <a:scrgbClr r="0" g="0" b="0"/>
+      </a:effectRef>
+      <a:fontRef idx="minor"/>
+    </dgm:style>
+  </dgm:styleLbl>
+  <dgm:styleLbl name="sibTrans2D1">
+    <dgm:scene3d>
+      <a:camera prst="orthographicFront"/>
+      <a:lightRig rig="threePt" dir="t"/>
+    </dgm:scene3d>
+    <dgm:sp3d/>
+    <dgm:txPr/>
+    <dgm:style>
+      <a:lnRef idx="0">
+        <a:scrgbClr r="0" g="0" b="0"/>
+      </a:lnRef>
+      <a:fillRef idx="1">
+        <a:scrgbClr r="0" g="0" b="0"/>
+      </a:fillRef>
+      <a:effectRef idx="0">
+        <a:scrgbClr r="0" g="0" b="0"/>
+      </a:effectRef>
+      <a:fontRef idx="minor">
+        <a:schemeClr val="lt1"/>
+      </a:fontRef>
+    </dgm:style>
+  </dgm:styleLbl>
+  <dgm:styleLbl name="fgSibTrans2D1">
+    <dgm:scene3d>
+      <a:camera prst="orthographicFront"/>
+      <a:lightRig rig="threePt" dir="t"/>
+    </dgm:scene3d>
+    <dgm:sp3d/>
+    <dgm:txPr/>
+    <dgm:style>
+      <a:lnRef idx="0">
+        <a:scrgbClr r="0" g="0" b="0"/>
+      </a:lnRef>
+      <a:fillRef idx="1">
+        <a:scrgbClr r="0" g="0" b="0"/>
+      </a:fillRef>
+      <a:effectRef idx="0">
+        <a:scrgbClr r="0" g="0" b="0"/>
+      </a:effectRef>
+      <a:fontRef idx="minor">
+        <a:schemeClr val="lt1"/>
+      </a:fontRef>
+    </dgm:style>
+  </dgm:styleLbl>
+  <dgm:styleLbl name="bgSibTrans2D1">
+    <dgm:scene3d>
+      <a:camera prst="orthographicFront"/>
+      <a:lightRig rig="threePt" dir="t"/>
+    </dgm:scene3d>
+    <dgm:sp3d/>
+    <dgm:txPr/>
+    <dgm:style>
+      <a:lnRef idx="0">
+        <a:scrgbClr r="0" g="0" b="0"/>
+      </a:lnRef>
+      <a:fillRef idx="1">
+        <a:scrgbClr r="0" g="0" b="0"/>
+      </a:fillRef>
+      <a:effectRef idx="0">
+        <a:scrgbClr r="0" g="0" b="0"/>
+      </a:effectRef>
+      <a:fontRef idx="minor">
+        <a:schemeClr val="lt1"/>
+      </a:fontRef>
+    </dgm:style>
+  </dgm:styleLbl>
+  <dgm:styleLbl name="sibTrans1D1">
+    <dgm:scene3d>
+      <a:camera prst="orthographicFront"/>
+      <a:lightRig rig="threePt" dir="t"/>
+    </dgm:scene3d>
+    <dgm:sp3d/>
+    <dgm:txPr/>
+    <dgm:style>
+      <a:lnRef idx="1">
+        <a:scrgbClr r="0" g="0" b="0"/>
+      </a:lnRef>
+      <a:fillRef idx="0">
+        <a:scrgbClr r="0" g="0" b="0"/>
+      </a:fillRef>
+      <a:effectRef idx="0">
+        <a:scrgbClr r="0" g="0" b="0"/>
+      </a:effectRef>
+      <a:fontRef idx="minor"/>
+    </dgm:style>
+  </dgm:styleLbl>
+  <dgm:styleLbl name="callout">
+    <dgm:scene3d>
+      <a:camera prst="orthographicFront"/>
+      <a:lightRig rig="threePt" dir="t"/>
+    </dgm:scene3d>
+    <dgm:sp3d/>
+    <dgm:txPr/>
+    <dgm:style>
+      <a:lnRef idx="2">
+        <a:scrgbClr r="0" g="0" b="0"/>
+      </a:lnRef>
+      <a:fillRef idx="1">
+        <a:scrgbClr r="0" g="0" b="0"/>
+      </a:fillRef>
+      <a:effectRef idx="0">
+        <a:scrgbClr r="0" g="0" b="0"/>
+      </a:effectRef>
+      <a:fontRef idx="minor"/>
+    </dgm:style>
+  </dgm:styleLbl>
+  <dgm:styleLbl name="asst0">
+    <dgm:scene3d>
+      <a:camera prst="orthographicFront"/>
+      <a:lightRig rig="threePt" dir="t"/>
+    </dgm:scene3d>
+    <dgm:sp3d/>
+    <dgm:txPr/>
+    <dgm:style>
+      <a:lnRef idx="2">
+        <a:scrgbClr r="0" g="0" b="0"/>
+      </a:lnRef>
+      <a:fillRef idx="1">
+        <a:scrgbClr r="0" g="0" b="0"/>
+      </a:fillRef>
+      <a:effectRef idx="0">
+        <a:scrgbClr r="0" g="0" b="0"/>
+      </a:effectRef>
+      <a:fontRef idx="minor">
+        <a:schemeClr val="lt1"/>
+      </a:fontRef>
+    </dgm:style>
+  </dgm:styleLbl>
+  <dgm:styleLbl name="asst1">
+    <dgm:scene3d>
+      <a:camera prst="orthographicFront"/>
+      <a:lightRig rig="threePt" dir="t"/>
+    </dgm:scene3d>
+    <dgm:sp3d/>
+    <dgm:txPr/>
+    <dgm:style>
+      <a:lnRef idx="2">
+        <a:scrgbClr r="0" g="0" b="0"/>
+      </a:lnRef>
+      <a:fillRef idx="1">
+        <a:scrgbClr r="0" g="0" b="0"/>
+      </a:fillRef>
+      <a:effectRef idx="0">
+        <a:scrgbClr r="0" g="0" b="0"/>
+      </a:effectRef>
+      <a:fontRef idx="minor">
+        <a:schemeClr val="lt1"/>
+      </a:fontRef>
+    </dgm:style>
+  </dgm:styleLbl>
+  <dgm:styleLbl name="asst2">
+    <dgm:scene3d>
+      <a:camera prst="orthographicFront"/>
+      <a:lightRig rig="threePt" dir="t"/>
+    </dgm:scene3d>
+    <dgm:sp3d/>
+    <dgm:txPr/>
+    <dgm:style>
+      <a:lnRef idx="2">
+        <a:scrgbClr r="0" g="0" b="0"/>
+      </a:lnRef>
+      <a:fillRef idx="1">
+        <a:scrgbClr r="0" g="0" b="0"/>
+      </a:fillRef>
+      <a:effectRef idx="0">
+        <a:scrgbClr r="0" g="0" b="0"/>
+      </a:effectRef>
+      <a:fontRef idx="minor">
+        <a:schemeClr val="lt1"/>
+      </a:fontRef>
+    </dgm:style>
+  </dgm:styleLbl>
+  <dgm:styleLbl name="asst3">
+    <dgm:scene3d>
+      <a:camera prst="orthographicFront"/>
+      <a:lightRig rig="threePt" dir="t"/>
+    </dgm:scene3d>
+    <dgm:sp3d/>
+    <dgm:txPr/>
+    <dgm:style>
+      <a:lnRef idx="2">
+        <a:scrgbClr r="0" g="0" b="0"/>
+      </a:lnRef>
+      <a:fillRef idx="1">
+        <a:scrgbClr r="0" g="0" b="0"/>
+      </a:fillRef>
+      <a:effectRef idx="0">
+        <a:scrgbClr r="0" g="0" b="0"/>
+      </a:effectRef>
+      <a:fontRef idx="minor">
+        <a:schemeClr val="lt1"/>
+      </a:fontRef>
+    </dgm:style>
+  </dgm:styleLbl>
+  <dgm:styleLbl name="asst4">
+    <dgm:scene3d>
+      <a:camera prst="orthographicFront"/>
+      <a:lightRig rig="threePt" dir="t"/>
+    </dgm:scene3d>
+    <dgm:sp3d/>
+    <dgm:txPr/>
+    <dgm:style>
+      <a:lnRef idx="2">
+        <a:scrgbClr r="0" g="0" b="0"/>
+      </a:lnRef>
+      <a:fillRef idx="1">
+        <a:scrgbClr r="0" g="0" b="0"/>
+      </a:fillRef>
+      <a:effectRef idx="0">
+        <a:scrgbClr r="0" g="0" b="0"/>
+      </a:effectRef>
+      <a:fontRef idx="minor">
+        <a:schemeClr val="lt1"/>
+      </a:fontRef>
+    </dgm:style>
+  </dgm:styleLbl>
+  <dgm:styleLbl name="parChTrans2D1">
+    <dgm:scene3d>
+      <a:camera prst="orthographicFront"/>
+      <a:lightRig rig="threePt" dir="t"/>
+    </dgm:scene3d>
+    <dgm:sp3d/>
+    <dgm:txPr/>
+    <dgm:style>
+      <a:lnRef idx="2">
+        <a:scrgbClr r="0" g="0" b="0"/>
+      </a:lnRef>
+      <a:fillRef idx="1">
+        <a:scrgbClr r="0" g="0" b="0"/>
+      </a:fillRef>
+      <a:effectRef idx="0">
+        <a:scrgbClr r="0" g="0" b="0"/>
+      </a:effectRef>
+      <a:fontRef idx="minor">
+        <a:schemeClr val="lt1"/>
+      </a:fontRef>
+    </dgm:style>
+  </dgm:styleLbl>
+  <dgm:styleLbl name="parChTrans2D2">
+    <dgm:scene3d>
+      <a:camera prst="orthographicFront"/>
+      <a:lightRig rig="threePt" dir="t"/>
+    </dgm:scene3d>
+    <dgm:sp3d/>
+    <dgm:txPr/>
+    <dgm:style>
+      <a:lnRef idx="2">
+        <a:scrgbClr r="0" g="0" b="0"/>
+      </a:lnRef>
+      <a:fillRef idx="1">
+        <a:scrgbClr r="0" g="0" b="0"/>
+      </a:fillRef>
+      <a:effectRef idx="0">
+        <a:scrgbClr r="0" g="0" b="0"/>
+      </a:effectRef>
+      <a:fontRef idx="minor">
+        <a:schemeClr val="lt1"/>
+      </a:fontRef>
+    </dgm:style>
+  </dgm:styleLbl>
+  <dgm:styleLbl name="parChTrans2D3">
+    <dgm:scene3d>
+      <a:camera prst="orthographicFront"/>
+      <a:lightRig rig="threePt" dir="t"/>
+    </dgm:scene3d>
+    <dgm:sp3d/>
+    <dgm:txPr/>
+    <dgm:style>
+      <a:lnRef idx="2">
+        <a:scrgbClr r="0" g="0" b="0"/>
+      </a:lnRef>
+      <a:fillRef idx="1">
+        <a:scrgbClr r="0" g="0" b="0"/>
+      </a:fillRef>
+      <a:effectRef idx="0">
+        <a:scrgbClr r="0" g="0" b="0"/>
+      </a:effectRef>
+      <a:fontRef idx="minor">
+        <a:schemeClr val="lt1"/>
+      </a:fontRef>
+    </dgm:style>
+  </dgm:styleLbl>
+  <dgm:styleLbl name="parChTrans2D4">
+    <dgm:scene3d>
+      <a:camera prst="orthographicFront"/>
+      <a:lightRig rig="threePt" dir="t"/>
+    </dgm:scene3d>
+    <dgm:sp3d/>
+    <dgm:txPr/>
+    <dgm:style>
+      <a:lnRef idx="2">
+        <a:scrgbClr r="0" g="0" b="0"/>
+      </a:lnRef>
+      <a:fillRef idx="1">
+        <a:scrgbClr r="0" g="0" b="0"/>
+      </a:fillRef>
+      <a:effectRef idx="0">
+        <a:scrgbClr r="0" g="0" b="0"/>
+      </a:effectRef>
+      <a:fontRef idx="minor">
+        <a:schemeClr val="lt1"/>
+      </a:fontRef>
+    </dgm:style>
+  </dgm:styleLbl>
+  <dgm:styleLbl name="parChTrans1D1">
+    <dgm:scene3d>
+      <a:camera prst="orthographicFront"/>
+      <a:lightRig rig="threePt" dir="t"/>
+    </dgm:scene3d>
+    <dgm:sp3d/>
+    <dgm:txPr/>
+    <dgm:style>
+      <a:lnRef idx="2">
+        <a:scrgbClr r="0" g="0" b="0"/>
+      </a:lnRef>
+      <a:fillRef idx="0">
+        <a:scrgbClr r="0" g="0" b="0"/>
+      </a:fillRef>
+      <a:effectRef idx="0">
+        <a:scrgbClr r="0" g="0" b="0"/>
+      </a:effectRef>
+      <a:fontRef idx="minor"/>
+    </dgm:style>
+  </dgm:styleLbl>
+  <dgm:styleLbl name="parChTrans1D2">
+    <dgm:scene3d>
+      <a:camera prst="orthographicFront"/>
+      <a:lightRig rig="threePt" dir="t"/>
+    </dgm:scene3d>
+    <dgm:sp3d/>
+    <dgm:txPr/>
+    <dgm:style>
+      <a:lnRef idx="2">
+        <a:scrgbClr r="0" g="0" b="0"/>
+      </a:lnRef>
+      <a:fillRef idx="0">
+        <a:scrgbClr r="0" g="0" b="0"/>
+      </a:fillRef>
+      <a:effectRef idx="0">
+        <a:scrgbClr r="0" g="0" b="0"/>
+      </a:effectRef>
+      <a:fontRef idx="minor"/>
+    </dgm:style>
+  </dgm:styleLbl>
+  <dgm:styleLbl name="parChTrans1D3">
+    <dgm:scene3d>
+      <a:camera prst="orthographicFront"/>
+      <a:lightRig rig="threePt" dir="t"/>
+    </dgm:scene3d>
+    <dgm:sp3d/>
+    <dgm:txPr/>
+    <dgm:style>
+      <a:lnRef idx="2">
+        <a:scrgbClr r="0" g="0" b="0"/>
+      </a:lnRef>
+      <a:fillRef idx="0">
+        <a:scrgbClr r="0" g="0" b="0"/>
+      </a:fillRef>
+      <a:effectRef idx="0">
+        <a:scrgbClr r="0" g="0" b="0"/>
+      </a:effectRef>
+      <a:fontRef idx="minor"/>
+    </dgm:style>
+  </dgm:styleLbl>
+  <dgm:styleLbl name="parChTrans1D4">
+    <dgm:scene3d>
+      <a:camera prst="orthographicFront"/>
+      <a:lightRig rig="threePt" dir="t"/>
+    </dgm:scene3d>
+    <dgm:sp3d/>
+    <dgm:txPr/>
+    <dgm:style>
+      <a:lnRef idx="2">
+        <a:scrgbClr r="0" g="0" b="0"/>
+      </a:lnRef>
+      <a:fillRef idx="0">
+        <a:scrgbClr r="0" g="0" b="0"/>
+      </a:fillRef>
+      <a:effectRef idx="0">
+        <a:scrgbClr r="0" g="0" b="0"/>
+      </a:effectRef>
+      <a:fontRef idx="minor"/>
+    </dgm:style>
+  </dgm:styleLbl>
+  <dgm:styleLbl name="fgAcc1">
+    <dgm:scene3d>
+      <a:camera prst="orthographicFront"/>
+      <a:lightRig rig="threePt" dir="t"/>
+    </dgm:scene3d>
+    <dgm:sp3d/>
+    <dgm:txPr/>
+    <dgm:style>
+      <a:lnRef idx="2">
+        <a:scrgbClr r="0" g="0" b="0"/>
+      </a:lnRef>
+      <a:fillRef idx="1">
+        <a:scrgbClr r="0" g="0" b="0"/>
+      </a:fillRef>
+      <a:effectRef idx="0">
+        <a:scrgbClr r="0" g="0" b="0"/>
+      </a:effectRef>
+      <a:fontRef idx="minor"/>
+    </dgm:style>
+  </dgm:styleLbl>
+  <dgm:styleLbl name="conFgAcc1">
+    <dgm:scene3d>
+      <a:camera prst="orthographicFront"/>
+      <a:lightRig rig="threePt" dir="t"/>
+    </dgm:scene3d>
+    <dgm:sp3d/>
+    <dgm:txPr/>
+    <dgm:style>
+      <a:lnRef idx="2">
+        <a:scrgbClr r="0" g="0" b="0"/>
+      </a:lnRef>
+      <a:fillRef idx="1">
+        <a:scrgbClr r="0" g="0" b="0"/>
+      </a:fillRef>
+      <a:effectRef idx="0">
+        <a:scrgbClr r="0" g="0" b="0"/>
+      </a:effectRef>
+      <a:fontRef idx="minor"/>
+    </dgm:style>
+  </dgm:styleLbl>
+  <dgm:styleLbl name="alignAcc1">
+    <dgm:scene3d>
+      <a:camera prst="orthographicFront"/>
+      <a:lightRig rig="threePt" dir="t"/>
+    </dgm:scene3d>
+    <dgm:sp3d/>
+    <dgm:txPr/>
+    <dgm:style>
+      <a:lnRef idx="2">
+        <a:scrgbClr r="0" g="0" b="0"/>
+      </a:lnRef>
+      <a:fillRef idx="1">
+        <a:scrgbClr r="0" g="0" b="0"/>
+      </a:fillRef>
+      <a:effectRef idx="0">
+        <a:scrgbClr r="0" g="0" b="0"/>
+      </a:effectRef>
+      <a:fontRef idx="minor"/>
+    </dgm:style>
+  </dgm:styleLbl>
+  <dgm:styleLbl name="trAlignAcc1">
+    <dgm:scene3d>
+      <a:camera prst="orthographicFront"/>
+      <a:lightRig rig="threePt" dir="t"/>
+    </dgm:scene3d>
+    <dgm:sp3d/>
+    <dgm:txPr/>
+    <dgm:style>
+      <a:lnRef idx="1">
+        <a:scrgbClr r="0" g="0" b="0"/>
+      </a:lnRef>
+      <a:fillRef idx="1">
+        <a:scrgbClr r="0" g="0" b="0"/>
+      </a:fillRef>
+      <a:effectRef idx="0">
+        <a:scrgbClr r="0" g="0" b="0"/>
+      </a:effectRef>
+      <a:fontRef idx="minor"/>
+    </dgm:style>
+  </dgm:styleLbl>
+  <dgm:styleLbl name="bgAcc1">
+    <dgm:scene3d>
+      <a:camera prst="orthographicFront"/>
+      <a:lightRig rig="threePt" dir="t"/>
+    </dgm:scene3d>
+    <dgm:sp3d/>
+    <dgm:txPr/>
+    <dgm:style>
+      <a:lnRef idx="2">
+        <a:scrgbClr r="0" g="0" b="0"/>
+      </a:lnRef>
+      <a:fillRef idx="1">
+        <a:scrgbClr r="0" g="0" b="0"/>
+      </a:fillRef>
+      <a:effectRef idx="0">
+        <a:scrgbClr r="0" g="0" b="0"/>
+      </a:effectRef>
+      <a:fontRef idx="minor"/>
+    </dgm:style>
+  </dgm:styleLbl>
+  <dgm:styleLbl name="solidFgAcc1">
+    <dgm:scene3d>
+      <a:camera prst="orthographicFront"/>
+      <a:lightRig rig="threePt" dir="t"/>
+    </dgm:scene3d>
+    <dgm:sp3d/>
+    <dgm:txPr/>
+    <dgm:style>
+      <a:lnRef idx="2">
+        <a:scrgbClr r="0" g="0" b="0"/>
+      </a:lnRef>
+      <a:fillRef idx="1">
+        <a:scrgbClr r="0" g="0" b="0"/>
+      </a:fillRef>
+      <a:effectRef idx="0">
+        <a:scrgbClr r="0" g="0" b="0"/>
+      </a:effectRef>
+      <a:fontRef idx="minor"/>
+    </dgm:style>
+  </dgm:styleLbl>
+  <dgm:styleLbl name="solidAlignAcc1">
+    <dgm:scene3d>
+      <a:camera prst="orthographicFront"/>
+      <a:lightRig rig="threePt" dir="t"/>
+    </dgm:scene3d>
+    <dgm:sp3d/>
+    <dgm:txPr/>
+    <dgm:style>
+      <a:lnRef idx="2">
+        <a:scrgbClr r="0" g="0" b="0"/>
+      </a:lnRef>
+      <a:fillRef idx="1">
+        <a:scrgbClr r="0" g="0" b="0"/>
+      </a:fillRef>
+      <a:effectRef idx="0">
+        <a:scrgbClr r="0" g="0" b="0"/>
+      </a:effectRef>
+      <a:fontRef idx="minor"/>
+    </dgm:style>
+  </dgm:styleLbl>
+  <dgm:styleLbl name="solidBgAcc1">
+    <dgm:scene3d>
+      <a:camera prst="orthographicFront"/>
+      <a:lightRig rig="threePt" dir="t"/>
+    </dgm:scene3d>
+    <dgm:sp3d/>
+    <dgm:txPr/>
+    <dgm:style>
+      <a:lnRef idx="2">
+        <a:scrgbClr r="0" g="0" b="0"/>
+      </a:lnRef>
+      <a:fillRef idx="1">
+        <a:scrgbClr r="0" g="0" b="0"/>
+      </a:fillRef>
+      <a:effectRef idx="0">
+        <a:scrgbClr r="0" g="0" b="0"/>
+      </a:effectRef>
+      <a:fontRef idx="minor"/>
+    </dgm:style>
+  </dgm:styleLbl>
+  <dgm:styleLbl name="fgAccFollowNode1">
+    <dgm:scene3d>
+      <a:camera prst="orthographicFront"/>
+      <a:lightRig rig="threePt" dir="t"/>
+    </dgm:scene3d>
+    <dgm:sp3d/>
+    <dgm:txPr/>
+    <dgm:style>
+      <a:lnRef idx="2">
+        <a:scrgbClr r="0" g="0" b="0"/>
+      </a:lnRef>
+      <a:fillRef idx="1">
+        <a:scrgbClr r="0" g="0" b="0"/>
+      </a:fillRef>
+      <a:effectRef idx="0">
+        <a:scrgbClr r="0" g="0" b="0"/>
+      </a:effectRef>
+      <a:fontRef idx="minor"/>
+    </dgm:style>
+  </dgm:styleLbl>
+  <dgm:styleLbl name="alignAccFollowNode1">
+    <dgm:scene3d>
+      <a:camera prst="orthographicFront"/>
+      <a:lightRig rig="threePt" dir="t"/>
+    </dgm:scene3d>
+    <dgm:sp3d/>
+    <dgm:txPr/>
+    <dgm:style>
+      <a:lnRef idx="2">
+        <a:scrgbClr r="0" g="0" b="0"/>
+      </a:lnRef>
+      <a:fillRef idx="1">
+        <a:scrgbClr r="0" g="0" b="0"/>
+      </a:fillRef>
+      <a:effectRef idx="0">
+        <a:scrgbClr r="0" g="0" b="0"/>
+      </a:effectRef>
+      <a:fontRef idx="minor"/>
+    </dgm:style>
+  </dgm:styleLbl>
+  <dgm:styleLbl name="bgAccFollowNode1">
+    <dgm:scene3d>
+      <a:camera prst="orthographicFront"/>
+      <a:lightRig rig="threePt" dir="t"/>
+    </dgm:scene3d>
+    <dgm:sp3d/>
+    <dgm:txPr/>
+    <dgm:style>
+      <a:lnRef idx="2">
+        <a:scrgbClr r="0" g="0" b="0"/>
+      </a:lnRef>
+      <a:fillRef idx="1">
+        <a:scrgbClr r="0" g="0" b="0"/>
+      </a:fillRef>
+      <a:effectRef idx="0">
+        <a:scrgbClr r="0" g="0" b="0"/>
+      </a:effectRef>
+      <a:fontRef idx="minor"/>
+    </dgm:style>
+  </dgm:styleLbl>
+  <dgm:styleLbl name="fgAcc0">
+    <dgm:scene3d>
+      <a:camera prst="orthographicFront"/>
+      <a:lightRig rig="threePt" dir="t"/>
+    </dgm:scene3d>
+    <dgm:sp3d/>
+    <dgm:txPr/>
+    <dgm:style>
+      <a:lnRef idx="2">
+        <a:scrgbClr r="0" g="0" b="0"/>
+      </a:lnRef>
+      <a:fillRef idx="1">
+        <a:scrgbClr r="0" g="0" b="0"/>
+      </a:fillRef>
+      <a:effectRef idx="0">
+        <a:scrgbClr r="0" g="0" b="0"/>
+      </a:effectRef>
+      <a:fontRef idx="minor"/>
+    </dgm:style>
+  </dgm:styleLbl>
+  <dgm:styleLbl name="fgAcc2">
+    <dgm:scene3d>
+      <a:camera prst="orthographicFront"/>
+      <a:lightRig rig="threePt" dir="t"/>
+    </dgm:scene3d>
+    <dgm:sp3d/>
+    <dgm:txPr/>
+    <dgm:style>
+      <a:lnRef idx="2">
+        <a:scrgbClr r="0" g="0" b="0"/>
+      </a:lnRef>
+      <a:fillRef idx="1">
+        <a:scrgbClr r="0" g="0" b="0"/>
+      </a:fillRef>
+      <a:effectRef idx="0">
+        <a:scrgbClr r="0" g="0" b="0"/>
+      </a:effectRef>
+      <a:fontRef idx="minor"/>
+    </dgm:style>
+  </dgm:styleLbl>
+  <dgm:styleLbl name="fgAcc3">
+    <dgm:scene3d>
+      <a:camera prst="orthographicFront"/>
+      <a:lightRig rig="threePt" dir="t"/>
+    </dgm:scene3d>
+    <dgm:sp3d/>
+    <dgm:txPr/>
+    <dgm:style>
+      <a:lnRef idx="2">
+        <a:scrgbClr r="0" g="0" b="0"/>
+      </a:lnRef>
+      <a:fillRef idx="1">
+        <a:scrgbClr r="0" g="0" b="0"/>
+      </a:fillRef>
+      <a:effectRef idx="0">
+        <a:scrgbClr r="0" g="0" b="0"/>
+      </a:effectRef>
+      <a:fontRef idx="minor"/>
+    </dgm:style>
+  </dgm:styleLbl>
+  <dgm:styleLbl name="fgAcc4">
+    <dgm:scene3d>
+      <a:camera prst="orthographicFront"/>
+      <a:lightRig rig="threePt" dir="t"/>
+    </dgm:scene3d>
+    <dgm:sp3d/>
+    <dgm:txPr/>
+    <dgm:style>
+      <a:lnRef idx="2">
+        <a:scrgbClr r="0" g="0" b="0"/>
+      </a:lnRef>
+      <a:fillRef idx="1">
+        <a:scrgbClr r="0" g="0" b="0"/>
+      </a:fillRef>
+      <a:effectRef idx="0">
+        <a:scrgbClr r="0" g="0" b="0"/>
+      </a:effectRef>
+      <a:fontRef idx="minor"/>
+    </dgm:style>
+  </dgm:styleLbl>
+  <dgm:styleLbl name="bgShp">
+    <dgm:scene3d>
+      <a:camera prst="orthographicFront"/>
+      <a:lightRig rig="threePt" dir="t"/>
+    </dgm:scene3d>
+    <dgm:sp3d/>
+    <dgm:txPr/>
+    <dgm:style>
+      <a:lnRef idx="0">
+        <a:scrgbClr r="0" g="0" b="0"/>
+      </a:lnRef>
+      <a:fillRef idx="1">
+        <a:scrgbClr r="0" g="0" b="0"/>
+      </a:fillRef>
+      <a:effectRef idx="0">
+        <a:scrgbClr r="0" g="0" b="0"/>
+      </a:effectRef>
+      <a:fontRef idx="minor"/>
+    </dgm:style>
+  </dgm:styleLbl>
+  <dgm:styleLbl name="dkBgShp">
+    <dgm:scene3d>
+      <a:camera prst="orthographicFront"/>
+      <a:lightRig rig="threePt" dir="t"/>
+    </dgm:scene3d>
+    <dgm:sp3d/>
+    <dgm:txPr/>
+    <dgm:style>
+      <a:lnRef idx="0">
+        <a:scrgbClr r="0" g="0" b="0"/>
+      </a:lnRef>
+      <a:fillRef idx="1">
+        <a:scrgbClr r="0" g="0" b="0"/>
+      </a:fillRef>
+      <a:effectRef idx="0">
+        <a:scrgbClr r="0" g="0" b="0"/>
+      </a:effectRef>
+      <a:fontRef idx="minor"/>
+    </dgm:style>
+  </dgm:styleLbl>
+  <dgm:styleLbl name="trBgShp">
+    <dgm:scene3d>
+      <a:camera prst="orthographicFront"/>
+      <a:lightRig rig="threePt" dir="t"/>
+    </dgm:scene3d>
+    <dgm:sp3d/>
+    <dgm:txPr/>
+    <dgm:style>
+      <a:lnRef idx="0">
+        <a:scrgbClr r="0" g="0" b="0"/>
+      </a:lnRef>
+      <a:fillRef idx="1">
+        <a:scrgbClr r="0" g="0" b="0"/>
+      </a:fillRef>
+      <a:effectRef idx="0">
+        <a:scrgbClr r="0" g="0" b="0"/>
+      </a:effectRef>
+      <a:fontRef idx="minor"/>
+    </dgm:style>
+  </dgm:styleLbl>
+  <dgm:styleLbl name="fgShp">
+    <dgm:scene3d>
+      <a:camera prst="orthographicFront"/>
+      <a:lightRig rig="threePt" dir="t"/>
+    </dgm:scene3d>
+    <dgm:sp3d/>
+    <dgm:txPr/>
+    <dgm:style>
+      <a:lnRef idx="2">
+        <a:scrgbClr r="0" g="0" b="0"/>
+      </a:lnRef>
+      <a:fillRef idx="1">
+        <a:scrgbClr r="0" g="0" b="0"/>
+      </a:fillRef>
+      <a:effectRef idx="0">
+        <a:scrgbClr r="0" g="0" b="0"/>
+      </a:effectRef>
+      <a:fontRef idx="minor"/>
+    </dgm:style>
+  </dgm:styleLbl>
+  <dgm:styleLbl name="revTx">
+    <dgm:scene3d>
+      <a:camera prst="orthographicFront"/>
+      <a:lightRig rig="threePt" dir="t"/>
+    </dgm:scene3d>
+    <dgm:sp3d/>
+    <dgm:txPr/>
+    <dgm:style>
+      <a:lnRef idx="0">
+        <a:scrgbClr r="0" g="0" b="0"/>
+      </a:lnRef>
+      <a:fillRef idx="0">
+        <a:scrgbClr r="0" g="0" b="0"/>
+      </a:fillRef>
+      <a:effectRef idx="0">
+        <a:scrgbClr r="0" g="0" b="0"/>
+      </a:effectRef>
+      <a:fontRef idx="minor"/>
+    </dgm:style>
+  </dgm:styleLbl>
+</dgm:styleDef>
+</file>
+
+<file path=ppt/notesMasters/notesMaster1.xml><?xml version="1.0" encoding="utf-8"?>
+<p:notesMaster xmlns:a="http://schemas.openxmlformats.org/drawingml/2006/main" xmlns:r="http://schemas.openxmlformats.org/officeDocument/2006/relationships" xmlns:p="http://schemas.openxmlformats.org/presentationml/2006/main">
+  <p:cSld>
+    <p:bg>
+      <p:bgRef idx="1001">
+        <a:schemeClr val="bg1"/>
+      </p:bgRef>
+    </p:bg>
+    <p:spTree>
+      <p:nvGrpSpPr>
+        <p:cNvPr id="1" name=""/>
+        <p:cNvGrpSpPr/>
+        <p:nvPr/>
+      </p:nvGrpSpPr>
+      <p:grpSpPr>
+        <a:xfrm>
+          <a:off x="0" y="0"/>
+          <a:ext cx="0" cy="0"/>
+          <a:chOff x="0" y="0"/>
+          <a:chExt cx="0" cy="0"/>
+        </a:xfrm>
+      </p:grpSpPr>
+      <p:sp>
+        <p:nvSpPr>
+          <p:cNvPr id="2" name="Header Placeholder 1"/>
+          <p:cNvSpPr>
+            <a:spLocks noGrp="1"/>
+          </p:cNvSpPr>
+          <p:nvPr>
+            <p:ph type="hdr" sz="quarter"/>
+          </p:nvPr>
+        </p:nvSpPr>
+        <p:spPr>
+          <a:xfrm>
+            <a:off x="0" y="0"/>
+            <a:ext cx="2971800" cy="458788"/>
+          </a:xfrm>
+          <a:prstGeom prst="rect">
+            <a:avLst/>
+          </a:prstGeom>
+        </p:spPr>
+        <p:txBody>
+          <a:bodyPr vert="horz" lIns="91440" tIns="45720" rIns="91440" bIns="45720" rtlCol="0"/>
+          <a:lstStyle>
+            <a:lvl1pPr algn="l">
+              <a:defRPr sz="1200"/>
+            </a:lvl1pPr>
+          </a:lstStyle>
+          <a:p>
+            <a:endParaRPr lang="en-US"/>
+          </a:p>
+        </p:txBody>
+      </p:sp>
+      <p:sp>
+        <p:nvSpPr>
+          <p:cNvPr id="3" name="Date Placeholder 2"/>
+          <p:cNvSpPr>
+            <a:spLocks noGrp="1"/>
+          </p:cNvSpPr>
+          <p:nvPr>
+            <p:ph type="dt" idx="1"/>
+          </p:nvPr>
+        </p:nvSpPr>
+        <p:spPr>
+          <a:xfrm>
+            <a:off x="3884613" y="0"/>
+            <a:ext cx="2971800" cy="458788"/>
+          </a:xfrm>
+          <a:prstGeom prst="rect">
+            <a:avLst/>
+          </a:prstGeom>
+        </p:spPr>
+        <p:txBody>
+          <a:bodyPr vert="horz" lIns="91440" tIns="45720" rIns="91440" bIns="45720" rtlCol="0"/>
+          <a:lstStyle>
+            <a:lvl1pPr algn="r">
+              <a:defRPr sz="1200"/>
+            </a:lvl1pPr>
+          </a:lstStyle>
+          <a:p>
+            <a:fld id="{AAECA78F-AB46-4114-A470-8B3E424B638C}" type="datetimeFigureOut">
+              <a:rPr lang="en-US" smtClean="0"/>
+              <a:t>10/10/2016</a:t>
+            </a:fld>
+            <a:endParaRPr lang="en-US"/>
+          </a:p>
+        </p:txBody>
+      </p:sp>
+      <p:sp>
+        <p:nvSpPr>
+          <p:cNvPr id="4" name="Slide Image Placeholder 3"/>
+          <p:cNvSpPr>
+            <a:spLocks noGrp="1" noRot="1" noChangeAspect="1"/>
+          </p:cNvSpPr>
+          <p:nvPr>
+            <p:ph type="sldImg" idx="2"/>
+          </p:nvPr>
+        </p:nvSpPr>
+        <p:spPr>
+          <a:xfrm>
+            <a:off x="685800" y="1143000"/>
+            <a:ext cx="5486400" cy="3086100"/>
+          </a:xfrm>
+          <a:prstGeom prst="rect">
+            <a:avLst/>
+          </a:prstGeom>
+          <a:noFill/>
+          <a:ln w="12700">
+            <a:solidFill>
+              <a:prstClr val="black"/>
+            </a:solidFill>
+          </a:ln>
+        </p:spPr>
+        <p:txBody>
+          <a:bodyPr vert="horz" lIns="91440" tIns="45720" rIns="91440" bIns="45720" rtlCol="0" anchor="ctr"/>
+          <a:lstStyle/>
+          <a:p>
+            <a:endParaRPr lang="en-US"/>
+          </a:p>
+        </p:txBody>
+      </p:sp>
+      <p:sp>
+        <p:nvSpPr>
+          <p:cNvPr id="5" name="Notes Placeholder 4"/>
+          <p:cNvSpPr>
+            <a:spLocks noGrp="1"/>
+          </p:cNvSpPr>
+          <p:nvPr>
+            <p:ph type="body" sz="quarter" idx="3"/>
+          </p:nvPr>
+        </p:nvSpPr>
+        <p:spPr>
+          <a:xfrm>
+            <a:off x="685800" y="4400550"/>
+            <a:ext cx="5486400" cy="3600450"/>
+          </a:xfrm>
+          <a:prstGeom prst="rect">
+            <a:avLst/>
+          </a:prstGeom>
+        </p:spPr>
+        <p:txBody>
+          <a:bodyPr vert="horz" lIns="91440" tIns="45720" rIns="91440" bIns="45720" rtlCol="0"/>
+          <a:lstStyle/>
+          <a:p>
+            <a:pPr lvl="0"/>
+            <a:r>
+              <a:rPr lang="en-US" smtClean="0"/>
+              <a:t>Click to edit Master text styles</a:t>
+            </a:r>
+          </a:p>
+          <a:p>
+            <a:pPr lvl="1"/>
+            <a:r>
+              <a:rPr lang="en-US" smtClean="0"/>
+              <a:t>Second level</a:t>
+            </a:r>
+          </a:p>
+          <a:p>
+            <a:pPr lvl="2"/>
+            <a:r>
+              <a:rPr lang="en-US" smtClean="0"/>
+              <a:t>Third level</a:t>
+            </a:r>
+          </a:p>
+          <a:p>
+            <a:pPr lvl="3"/>
+            <a:r>
+              <a:rPr lang="en-US" smtClean="0"/>
+              <a:t>Fourth level</a:t>
+            </a:r>
+          </a:p>
+          <a:p>
+            <a:pPr lvl="4"/>
+            <a:r>
+              <a:rPr lang="en-US" smtClean="0"/>
+              <a:t>Fifth level</a:t>
+            </a:r>
+            <a:endParaRPr lang="en-US"/>
+          </a:p>
+        </p:txBody>
+      </p:sp>
+      <p:sp>
+        <p:nvSpPr>
+          <p:cNvPr id="6" name="Footer Placeholder 5"/>
+          <p:cNvSpPr>
+            <a:spLocks noGrp="1"/>
+          </p:cNvSpPr>
+          <p:nvPr>
+            <p:ph type="ftr" sz="quarter" idx="4"/>
+          </p:nvPr>
+        </p:nvSpPr>
+        <p:spPr>
+          <a:xfrm>
+            <a:off x="0" y="8685213"/>
+            <a:ext cx="2971800" cy="458787"/>
+          </a:xfrm>
+          <a:prstGeom prst="rect">
+            <a:avLst/>
+          </a:prstGeom>
+        </p:spPr>
+        <p:txBody>
+          <a:bodyPr vert="horz" lIns="91440" tIns="45720" rIns="91440" bIns="45720" rtlCol="0" anchor="b"/>
+          <a:lstStyle>
+            <a:lvl1pPr algn="l">
+              <a:defRPr sz="1200"/>
+            </a:lvl1pPr>
+          </a:lstStyle>
+          <a:p>
+            <a:endParaRPr lang="en-US"/>
+          </a:p>
+        </p:txBody>
+      </p:sp>
+      <p:sp>
+        <p:nvSpPr>
+          <p:cNvPr id="7" name="Slide Number Placeholder 6"/>
+          <p:cNvSpPr>
+            <a:spLocks noGrp="1"/>
+          </p:cNvSpPr>
+          <p:nvPr>
+            <p:ph type="sldNum" sz="quarter" idx="5"/>
+          </p:nvPr>
+        </p:nvSpPr>
+        <p:spPr>
+          <a:xfrm>
+            <a:off x="3884613" y="8685213"/>
+            <a:ext cx="2971800" cy="458787"/>
+          </a:xfrm>
+          <a:prstGeom prst="rect">
+            <a:avLst/>
+          </a:prstGeom>
+        </p:spPr>
+        <p:txBody>
+          <a:bodyPr vert="horz" lIns="91440" tIns="45720" rIns="91440" bIns="45720" rtlCol="0" anchor="b"/>
+          <a:lstStyle>
+            <a:lvl1pPr algn="r">
+              <a:defRPr sz="1200"/>
+            </a:lvl1pPr>
+          </a:lstStyle>
+          <a:p>
+            <a:fld id="{E3DC050E-6296-41DE-B64F-694CF55EA39F}" type="slidenum">
+              <a:rPr lang="en-US" smtClean="0"/>
+              <a:t>‹#›</a:t>
+            </a:fld>
+            <a:endParaRPr lang="en-US"/>
+          </a:p>
+        </p:txBody>
+      </p:sp>
+    </p:spTree>
+    <p:extLst>
+      <p:ext uri="{BB962C8B-B14F-4D97-AF65-F5344CB8AC3E}">
+        <p14:creationId xmlns:p14="http://schemas.microsoft.com/office/powerpoint/2010/main" val="3075303060"/>
+      </p:ext>
+    </p:extLst>
+  </p:cSld>
+  <p:clrMap bg1="lt1" tx1="dk1" bg2="lt2" tx2="dk2" accent1="accent1" accent2="accent2" accent3="accent3" accent4="accent4" accent5="accent5" accent6="accent6" hlink="hlink" folHlink="folHlink"/>
+  <p:notesStyle>
+    <a:lvl1pPr marL="0" algn="l" defTabSz="914400" rtl="0" eaLnBrk="1" latinLnBrk="0" hangingPunct="1">
+      <a:defRPr sz="1200" kern="1200">
+        <a:solidFill>
+          <a:schemeClr val="tx1"/>
+        </a:solidFill>
+        <a:latin typeface="+mn-lt"/>
+        <a:ea typeface="+mn-ea"/>
+        <a:cs typeface="+mn-cs"/>
+      </a:defRPr>
+    </a:lvl1pPr>
+    <a:lvl2pPr marL="457200" algn="l" defTabSz="914400" rtl="0" eaLnBrk="1" latinLnBrk="0" hangingPunct="1">
+      <a:defRPr sz="1200" kern="1200">
+        <a:solidFill>
+          <a:schemeClr val="tx1"/>
+        </a:solidFill>
+        <a:latin typeface="+mn-lt"/>
+        <a:ea typeface="+mn-ea"/>
+        <a:cs typeface="+mn-cs"/>
+      </a:defRPr>
+    </a:lvl2pPr>
+    <a:lvl3pPr marL="914400" algn="l" defTabSz="914400" rtl="0" eaLnBrk="1" latinLnBrk="0" hangingPunct="1">
+      <a:defRPr sz="1200" kern="1200">
+        <a:solidFill>
+          <a:schemeClr val="tx1"/>
+        </a:solidFill>
+        <a:latin typeface="+mn-lt"/>
+        <a:ea typeface="+mn-ea"/>
+        <a:cs typeface="+mn-cs"/>
+      </a:defRPr>
+    </a:lvl3pPr>
+    <a:lvl4pPr marL="1371600" algn="l" defTabSz="914400" rtl="0" eaLnBrk="1" latinLnBrk="0" hangingPunct="1">
+      <a:defRPr sz="1200" kern="1200">
+        <a:solidFill>
+          <a:schemeClr val="tx1"/>
+        </a:solidFill>
+        <a:latin typeface="+mn-lt"/>
+        <a:ea typeface="+mn-ea"/>
+        <a:cs typeface="+mn-cs"/>
+      </a:defRPr>
+    </a:lvl4pPr>
+    <a:lvl5pPr marL="1828800" algn="l" defTabSz="914400" rtl="0" eaLnBrk="1" latinLnBrk="0" hangingPunct="1">
+      <a:defRPr sz="1200" kern="1200">
+        <a:solidFill>
+          <a:schemeClr val="tx1"/>
+        </a:solidFill>
+        <a:latin typeface="+mn-lt"/>
+        <a:ea typeface="+mn-ea"/>
+        <a:cs typeface="+mn-cs"/>
+      </a:defRPr>
+    </a:lvl5pPr>
+    <a:lvl6pPr marL="2286000" algn="l" defTabSz="914400" rtl="0" eaLnBrk="1" latinLnBrk="0" hangingPunct="1">
+      <a:defRPr sz="1200" kern="1200">
+        <a:solidFill>
+          <a:schemeClr val="tx1"/>
+        </a:solidFill>
+        <a:latin typeface="+mn-lt"/>
+        <a:ea typeface="+mn-ea"/>
+        <a:cs typeface="+mn-cs"/>
+      </a:defRPr>
+    </a:lvl6pPr>
+    <a:lvl7pPr marL="2743200" algn="l" defTabSz="914400" rtl="0" eaLnBrk="1" latinLnBrk="0" hangingPunct="1">
+      <a:defRPr sz="1200" kern="1200">
+        <a:solidFill>
+          <a:schemeClr val="tx1"/>
+        </a:solidFill>
+        <a:latin typeface="+mn-lt"/>
+        <a:ea typeface="+mn-ea"/>
+        <a:cs typeface="+mn-cs"/>
+      </a:defRPr>
+    </a:lvl7pPr>
+    <a:lvl8pPr marL="3200400" algn="l" defTabSz="914400" rtl="0" eaLnBrk="1" latinLnBrk="0" hangingPunct="1">
+      <a:defRPr sz="1200" kern="1200">
+        <a:solidFill>
+          <a:schemeClr val="tx1"/>
+        </a:solidFill>
+        <a:latin typeface="+mn-lt"/>
+        <a:ea typeface="+mn-ea"/>
+        <a:cs typeface="+mn-cs"/>
+      </a:defRPr>
+    </a:lvl8pPr>
+    <a:lvl9pPr marL="3657600" algn="l" defTabSz="914400" rtl="0" eaLnBrk="1" latinLnBrk="0" hangingPunct="1">
+      <a:defRPr sz="1200" kern="1200">
+        <a:solidFill>
+          <a:schemeClr val="tx1"/>
+        </a:solidFill>
+        <a:latin typeface="+mn-lt"/>
+        <a:ea typeface="+mn-ea"/>
+        <a:cs typeface="+mn-cs"/>
+      </a:defRPr>
+    </a:lvl9pPr>
+  </p:notesStyle>
+</p:notesMaster>
+</file>
+
+<file path=ppt/notesSlides/notesSlide1.xml><?xml version="1.0" encoding="utf-8"?>
+<p:notes xmlns:a="http://schemas.openxmlformats.org/drawingml/2006/main" xmlns:r="http://schemas.openxmlformats.org/officeDocument/2006/relationships" xmlns:p="http://schemas.openxmlformats.org/presentationml/2006/main">
+  <p:cSld>
+    <p:spTree>
+      <p:nvGrpSpPr>
+        <p:cNvPr id="1" name=""/>
+        <p:cNvGrpSpPr/>
+        <p:nvPr/>
+      </p:nvGrpSpPr>
+      <p:grpSpPr>
+        <a:xfrm>
+          <a:off x="0" y="0"/>
+          <a:ext cx="0" cy="0"/>
+          <a:chOff x="0" y="0"/>
+          <a:chExt cx="0" cy="0"/>
+        </a:xfrm>
+      </p:grpSpPr>
+      <p:sp>
+        <p:nvSpPr>
+          <p:cNvPr id="2" name="Slide Image Placeholder 1"/>
+          <p:cNvSpPr>
+            <a:spLocks noGrp="1" noRot="1" noChangeAspect="1"/>
+          </p:cNvSpPr>
+          <p:nvPr>
+            <p:ph type="sldImg"/>
+          </p:nvPr>
+        </p:nvSpPr>
+        <p:spPr/>
+      </p:sp>
+      <p:sp>
+        <p:nvSpPr>
+          <p:cNvPr id="3" name="Notes Placeholder 2"/>
+          <p:cNvSpPr>
+            <a:spLocks noGrp="1"/>
+          </p:cNvSpPr>
+          <p:nvPr>
+            <p:ph type="body" idx="1"/>
+          </p:nvPr>
+        </p:nvSpPr>
+        <p:spPr/>
+        <p:txBody>
+          <a:bodyPr/>
+          <a:lstStyle/>
+          <a:p>
+            <a:pPr marL="171450" indent="-171450">
+              <a:buFont typeface="Arial" panose="020B0604020202020204" pitchFamily="34" charset="0"/>
+              <a:buChar char="•"/>
+            </a:pPr>
+            <a:r>
+              <a:rPr lang="en-US" dirty="0" smtClean="0"/>
+              <a:t>Code is awful</a:t>
+            </a:r>
+          </a:p>
+          <a:p>
+            <a:pPr marL="171450" indent="-171450">
+              <a:buFont typeface="Arial" panose="020B0604020202020204" pitchFamily="34" charset="0"/>
+              <a:buChar char="•"/>
+            </a:pPr>
+            <a:r>
+              <a:rPr lang="en-US" dirty="0" smtClean="0"/>
+              <a:t>Design</a:t>
+            </a:r>
+            <a:r>
+              <a:rPr lang="en-US" baseline="0" dirty="0" smtClean="0"/>
+              <a:t> is awful</a:t>
+            </a:r>
+          </a:p>
+          <a:p>
+            <a:pPr marL="171450" indent="-171450">
+              <a:buFont typeface="Arial" panose="020B0604020202020204" pitchFamily="34" charset="0"/>
+              <a:buChar char="•"/>
+            </a:pPr>
+            <a:r>
+              <a:rPr lang="en-US" baseline="0" dirty="0" smtClean="0"/>
+              <a:t>Requirement is awful</a:t>
+            </a:r>
+            <a:endParaRPr lang="en-US" dirty="0"/>
+          </a:p>
+        </p:txBody>
+      </p:sp>
+      <p:sp>
+        <p:nvSpPr>
+          <p:cNvPr id="4" name="Slide Number Placeholder 3"/>
+          <p:cNvSpPr>
+            <a:spLocks noGrp="1"/>
+          </p:cNvSpPr>
+          <p:nvPr>
+            <p:ph type="sldNum" sz="quarter" idx="10"/>
+          </p:nvPr>
+        </p:nvSpPr>
+        <p:spPr/>
+        <p:txBody>
+          <a:bodyPr/>
+          <a:lstStyle/>
+          <a:p>
+            <a:fld id="{E3DC050E-6296-41DE-B64F-694CF55EA39F}" type="slidenum">
+              <a:rPr lang="en-US" smtClean="0"/>
+              <a:t>3</a:t>
+            </a:fld>
+            <a:endParaRPr lang="en-US"/>
+          </a:p>
+        </p:txBody>
+      </p:sp>
+    </p:spTree>
+    <p:extLst>
+      <p:ext uri="{BB962C8B-B14F-4D97-AF65-F5344CB8AC3E}">
+        <p14:creationId xmlns:p14="http://schemas.microsoft.com/office/powerpoint/2010/main" val="3176063165"/>
+      </p:ext>
+    </p:extLst>
+  </p:cSld>
+  <p:clrMapOvr>
+    <a:masterClrMapping/>
+  </p:clrMapOvr>
+</p:notes>
+</file>
+
+<file path=ppt/notesSlides/notesSlide2.xml><?xml version="1.0" encoding="utf-8"?>
+<p:notes xmlns:a="http://schemas.openxmlformats.org/drawingml/2006/main" xmlns:r="http://schemas.openxmlformats.org/officeDocument/2006/relationships" xmlns:p="http://schemas.openxmlformats.org/presentationml/2006/main">
+  <p:cSld>
+    <p:spTree>
+      <p:nvGrpSpPr>
+        <p:cNvPr id="1" name=""/>
+        <p:cNvGrpSpPr/>
+        <p:nvPr/>
+      </p:nvGrpSpPr>
+      <p:grpSpPr>
+        <a:xfrm>
+          <a:off x="0" y="0"/>
+          <a:ext cx="0" cy="0"/>
+          <a:chOff x="0" y="0"/>
+          <a:chExt cx="0" cy="0"/>
+        </a:xfrm>
+      </p:grpSpPr>
+      <p:sp>
+        <p:nvSpPr>
+          <p:cNvPr id="2" name="Slide Image Placeholder 1"/>
+          <p:cNvSpPr>
+            <a:spLocks noGrp="1" noRot="1" noChangeAspect="1"/>
+          </p:cNvSpPr>
+          <p:nvPr>
+            <p:ph type="sldImg"/>
+          </p:nvPr>
+        </p:nvSpPr>
+        <p:spPr/>
+      </p:sp>
+      <p:sp>
+        <p:nvSpPr>
+          <p:cNvPr id="3" name="Notes Placeholder 2"/>
+          <p:cNvSpPr>
+            <a:spLocks noGrp="1"/>
+          </p:cNvSpPr>
+          <p:nvPr>
+            <p:ph type="body" idx="1"/>
+          </p:nvPr>
+        </p:nvSpPr>
+        <p:spPr/>
+        <p:txBody>
+          <a:bodyPr/>
+          <a:lstStyle/>
+          <a:p>
+            <a:endParaRPr lang="en-US" dirty="0"/>
+          </a:p>
+        </p:txBody>
+      </p:sp>
+      <p:sp>
+        <p:nvSpPr>
+          <p:cNvPr id="4" name="Slide Number Placeholder 3"/>
+          <p:cNvSpPr>
+            <a:spLocks noGrp="1"/>
+          </p:cNvSpPr>
+          <p:nvPr>
+            <p:ph type="sldNum" sz="quarter" idx="10"/>
+          </p:nvPr>
+        </p:nvSpPr>
+        <p:spPr/>
+        <p:txBody>
+          <a:bodyPr/>
+          <a:lstStyle/>
+          <a:p>
+            <a:fld id="{E3DC050E-6296-41DE-B64F-694CF55EA39F}" type="slidenum">
+              <a:rPr lang="en-US" smtClean="0"/>
+              <a:t>4</a:t>
+            </a:fld>
+            <a:endParaRPr lang="en-US"/>
+          </a:p>
+        </p:txBody>
+      </p:sp>
+    </p:spTree>
+    <p:extLst>
+      <p:ext uri="{BB962C8B-B14F-4D97-AF65-F5344CB8AC3E}">
+        <p14:creationId xmlns:p14="http://schemas.microsoft.com/office/powerpoint/2010/main" val="4249198153"/>
+      </p:ext>
+    </p:extLst>
+  </p:cSld>
+  <p:clrMapOvr>
+    <a:masterClrMapping/>
+  </p:clrMapOvr>
+</p:notes>
 </file>
 
 <file path=ppt/slideLayouts/slideLayout1.xml><?xml version="1.0" encoding="utf-8"?>
@@ -6196,6 +12079,369 @@
   <p:clrMapOvr>
     <a:masterClrMapping/>
   </p:clrMapOvr>
+  <p:timing>
+    <p:tnLst>
+      <p:par>
+        <p:cTn id="1" dur="indefinite" restart="never" nodeType="tmRoot"/>
+      </p:par>
+    </p:tnLst>
+  </p:timing>
+</p:sld>
+</file>
+
+<file path=ppt/slides/slide2.xml><?xml version="1.0" encoding="utf-8"?>
+<p:sld xmlns:a="http://schemas.openxmlformats.org/drawingml/2006/main" xmlns:r="http://schemas.openxmlformats.org/officeDocument/2006/relationships" xmlns:p="http://schemas.openxmlformats.org/presentationml/2006/main">
+  <p:cSld>
+    <p:spTree>
+      <p:nvGrpSpPr>
+        <p:cNvPr id="1" name=""/>
+        <p:cNvGrpSpPr/>
+        <p:nvPr/>
+      </p:nvGrpSpPr>
+      <p:grpSpPr>
+        <a:xfrm>
+          <a:off x="0" y="0"/>
+          <a:ext cx="0" cy="0"/>
+          <a:chOff x="0" y="0"/>
+          <a:chExt cx="0" cy="0"/>
+        </a:xfrm>
+      </p:grpSpPr>
+      <p:sp>
+        <p:nvSpPr>
+          <p:cNvPr id="2" name="Title 1"/>
+          <p:cNvSpPr>
+            <a:spLocks noGrp="1"/>
+          </p:cNvSpPr>
+          <p:nvPr>
+            <p:ph type="title"/>
+          </p:nvPr>
+        </p:nvSpPr>
+        <p:spPr/>
+        <p:txBody>
+          <a:bodyPr/>
+          <a:lstStyle/>
+          <a:p>
+            <a:r>
+              <a:rPr lang="en-US" dirty="0" smtClean="0"/>
+              <a:t>Contents</a:t>
+            </a:r>
+            <a:endParaRPr lang="en-US" dirty="0"/>
+          </a:p>
+        </p:txBody>
+      </p:sp>
+      <p:sp>
+        <p:nvSpPr>
+          <p:cNvPr id="3" name="Content Placeholder 2"/>
+          <p:cNvSpPr>
+            <a:spLocks noGrp="1"/>
+          </p:cNvSpPr>
+          <p:nvPr>
+            <p:ph idx="1"/>
+          </p:nvPr>
+        </p:nvSpPr>
+        <p:spPr/>
+        <p:txBody>
+          <a:bodyPr/>
+          <a:lstStyle/>
+          <a:p>
+            <a:r>
+              <a:rPr lang="en-US" dirty="0" smtClean="0"/>
+              <a:t>Refactor Review</a:t>
+            </a:r>
+          </a:p>
+          <a:p>
+            <a:r>
+              <a:rPr lang="en-US" dirty="0" smtClean="0"/>
+              <a:t>Refactor Principles</a:t>
+            </a:r>
+          </a:p>
+          <a:p>
+            <a:r>
+              <a:rPr lang="en-US" dirty="0" smtClean="0"/>
+              <a:t>Refactor Methods</a:t>
+            </a:r>
+          </a:p>
+          <a:p>
+            <a:r>
+              <a:rPr lang="en-US" dirty="0" smtClean="0"/>
+              <a:t>Samples</a:t>
+            </a:r>
+          </a:p>
+          <a:p>
+            <a:r>
+              <a:rPr lang="en-US" dirty="0" smtClean="0"/>
+              <a:t>Q&amp;A</a:t>
+            </a:r>
+            <a:endParaRPr lang="en-US" dirty="0"/>
+          </a:p>
+        </p:txBody>
+      </p:sp>
+    </p:spTree>
+    <p:extLst>
+      <p:ext uri="{BB962C8B-B14F-4D97-AF65-F5344CB8AC3E}">
+        <p14:creationId xmlns:p14="http://schemas.microsoft.com/office/powerpoint/2010/main" val="1902578663"/>
+      </p:ext>
+    </p:extLst>
+  </p:cSld>
+  <p:clrMapOvr>
+    <a:masterClrMapping/>
+  </p:clrMapOvr>
+  <p:timing>
+    <p:tnLst>
+      <p:par>
+        <p:cTn id="1" dur="indefinite" restart="never" nodeType="tmRoot"/>
+      </p:par>
+    </p:tnLst>
+  </p:timing>
+</p:sld>
+</file>
+
+<file path=ppt/slides/slide3.xml><?xml version="1.0" encoding="utf-8"?>
+<p:sld xmlns:a="http://schemas.openxmlformats.org/drawingml/2006/main" xmlns:r="http://schemas.openxmlformats.org/officeDocument/2006/relationships" xmlns:p="http://schemas.openxmlformats.org/presentationml/2006/main">
+  <p:cSld>
+    <p:spTree>
+      <p:nvGrpSpPr>
+        <p:cNvPr id="1" name=""/>
+        <p:cNvGrpSpPr/>
+        <p:nvPr/>
+      </p:nvGrpSpPr>
+      <p:grpSpPr>
+        <a:xfrm>
+          <a:off x="0" y="0"/>
+          <a:ext cx="0" cy="0"/>
+          <a:chOff x="0" y="0"/>
+          <a:chExt cx="0" cy="0"/>
+        </a:xfrm>
+      </p:grpSpPr>
+      <p:sp>
+        <p:nvSpPr>
+          <p:cNvPr id="2" name="Title 1"/>
+          <p:cNvSpPr>
+            <a:spLocks noGrp="1"/>
+          </p:cNvSpPr>
+          <p:nvPr>
+            <p:ph type="title"/>
+          </p:nvPr>
+        </p:nvSpPr>
+        <p:spPr/>
+        <p:txBody>
+          <a:bodyPr/>
+          <a:lstStyle/>
+          <a:p>
+            <a:r>
+              <a:rPr lang="en-US" dirty="0" smtClean="0"/>
+              <a:t>Why Refactor?</a:t>
+            </a:r>
+            <a:endParaRPr lang="en-US" dirty="0"/>
+          </a:p>
+        </p:txBody>
+      </p:sp>
+      <p:graphicFrame>
+        <p:nvGraphicFramePr>
+          <p:cNvPr id="5" name="Content Placeholder 4"/>
+          <p:cNvGraphicFramePr>
+            <a:graphicFrameLocks noGrp="1"/>
+          </p:cNvGraphicFramePr>
+          <p:nvPr>
+            <p:ph idx="1"/>
+            <p:extLst>
+              <p:ext uri="{D42A27DB-BD31-4B8C-83A1-F6EECF244321}">
+                <p14:modId xmlns:p14="http://schemas.microsoft.com/office/powerpoint/2010/main" val="3887966158"/>
+              </p:ext>
+            </p:extLst>
+          </p:nvPr>
+        </p:nvGraphicFramePr>
+        <p:xfrm>
+          <a:off x="2641435" y="2666082"/>
+          <a:ext cx="7704463" cy="3106757"/>
+        </p:xfrm>
+        <a:graphic>
+          <a:graphicData uri="http://schemas.openxmlformats.org/drawingml/2006/diagram">
+            <dgm:relIds xmlns:dgm="http://schemas.openxmlformats.org/drawingml/2006/diagram" xmlns:r="http://schemas.openxmlformats.org/officeDocument/2006/relationships" r:dm="rId3" r:lo="rId4" r:qs="rId5" r:cs="rId6"/>
+          </a:graphicData>
+        </a:graphic>
+      </p:graphicFrame>
+    </p:spTree>
+    <p:extLst>
+      <p:ext uri="{BB962C8B-B14F-4D97-AF65-F5344CB8AC3E}">
+        <p14:creationId xmlns:p14="http://schemas.microsoft.com/office/powerpoint/2010/main" val="4261945937"/>
+      </p:ext>
+    </p:extLst>
+  </p:cSld>
+  <p:clrMapOvr>
+    <a:masterClrMapping/>
+  </p:clrMapOvr>
+  <p:timing>
+    <p:tnLst>
+      <p:par>
+        <p:cTn id="1" dur="indefinite" restart="never" nodeType="tmRoot"/>
+      </p:par>
+    </p:tnLst>
+  </p:timing>
+</p:sld>
+</file>
+
+<file path=ppt/slides/slide4.xml><?xml version="1.0" encoding="utf-8"?>
+<p:sld xmlns:a="http://schemas.openxmlformats.org/drawingml/2006/main" xmlns:r="http://schemas.openxmlformats.org/officeDocument/2006/relationships" xmlns:p="http://schemas.openxmlformats.org/presentationml/2006/main">
+  <p:cSld>
+    <p:spTree>
+      <p:nvGrpSpPr>
+        <p:cNvPr id="1" name=""/>
+        <p:cNvGrpSpPr/>
+        <p:nvPr/>
+      </p:nvGrpSpPr>
+      <p:grpSpPr>
+        <a:xfrm>
+          <a:off x="0" y="0"/>
+          <a:ext cx="0" cy="0"/>
+          <a:chOff x="0" y="0"/>
+          <a:chExt cx="0" cy="0"/>
+        </a:xfrm>
+      </p:grpSpPr>
+      <p:sp>
+        <p:nvSpPr>
+          <p:cNvPr id="2" name="Title 1"/>
+          <p:cNvSpPr>
+            <a:spLocks noGrp="1"/>
+          </p:cNvSpPr>
+          <p:nvPr>
+            <p:ph type="title"/>
+          </p:nvPr>
+        </p:nvSpPr>
+        <p:spPr/>
+        <p:txBody>
+          <a:bodyPr/>
+          <a:lstStyle/>
+          <a:p>
+            <a:r>
+              <a:rPr lang="en-US" dirty="0" smtClean="0"/>
+              <a:t>Refactor?</a:t>
+            </a:r>
+            <a:endParaRPr lang="en-US" dirty="0"/>
+          </a:p>
+        </p:txBody>
+      </p:sp>
+      <p:graphicFrame>
+        <p:nvGraphicFramePr>
+          <p:cNvPr id="4" name="Content Placeholder 3"/>
+          <p:cNvGraphicFramePr>
+            <a:graphicFrameLocks noGrp="1"/>
+          </p:cNvGraphicFramePr>
+          <p:nvPr>
+            <p:ph idx="1"/>
+            <p:extLst>
+              <p:ext uri="{D42A27DB-BD31-4B8C-83A1-F6EECF244321}">
+                <p14:modId xmlns:p14="http://schemas.microsoft.com/office/powerpoint/2010/main" val="1998297442"/>
+              </p:ext>
+            </p:extLst>
+          </p:nvPr>
+        </p:nvGraphicFramePr>
+        <p:xfrm>
+          <a:off x="1484313" y="2667000"/>
+          <a:ext cx="10018712" cy="3124200"/>
+        </p:xfrm>
+        <a:graphic>
+          <a:graphicData uri="http://schemas.openxmlformats.org/drawingml/2006/diagram">
+            <dgm:relIds xmlns:dgm="http://schemas.openxmlformats.org/drawingml/2006/diagram" xmlns:r="http://schemas.openxmlformats.org/officeDocument/2006/relationships" r:dm="rId3" r:lo="rId4" r:qs="rId5" r:cs="rId6"/>
+          </a:graphicData>
+        </a:graphic>
+      </p:graphicFrame>
+    </p:spTree>
+    <p:extLst>
+      <p:ext uri="{BB962C8B-B14F-4D97-AF65-F5344CB8AC3E}">
+        <p14:creationId xmlns:p14="http://schemas.microsoft.com/office/powerpoint/2010/main" val="4054338318"/>
+      </p:ext>
+    </p:extLst>
+  </p:cSld>
+  <p:clrMapOvr>
+    <a:masterClrMapping/>
+  </p:clrMapOvr>
+  <p:timing>
+    <p:tnLst>
+      <p:par>
+        <p:cTn id="1" dur="indefinite" restart="never" nodeType="tmRoot"/>
+      </p:par>
+    </p:tnLst>
+  </p:timing>
+</p:sld>
+</file>
+
+<file path=ppt/slides/slide5.xml><?xml version="1.0" encoding="utf-8"?>
+<p:sld xmlns:a="http://schemas.openxmlformats.org/drawingml/2006/main" xmlns:r="http://schemas.openxmlformats.org/officeDocument/2006/relationships" xmlns:p="http://schemas.openxmlformats.org/presentationml/2006/main">
+  <p:cSld>
+    <p:spTree>
+      <p:nvGrpSpPr>
+        <p:cNvPr id="1" name=""/>
+        <p:cNvGrpSpPr/>
+        <p:nvPr/>
+      </p:nvGrpSpPr>
+      <p:grpSpPr>
+        <a:xfrm>
+          <a:off x="0" y="0"/>
+          <a:ext cx="0" cy="0"/>
+          <a:chOff x="0" y="0"/>
+          <a:chExt cx="0" cy="0"/>
+        </a:xfrm>
+      </p:grpSpPr>
+      <p:sp>
+        <p:nvSpPr>
+          <p:cNvPr id="2" name="Title 1"/>
+          <p:cNvSpPr>
+            <a:spLocks noGrp="1"/>
+          </p:cNvSpPr>
+          <p:nvPr>
+            <p:ph type="title"/>
+          </p:nvPr>
+        </p:nvSpPr>
+        <p:spPr/>
+        <p:txBody>
+          <a:bodyPr/>
+          <a:lstStyle/>
+          <a:p>
+            <a:r>
+              <a:rPr lang="en-US" dirty="0" smtClean="0"/>
+              <a:t>Refactor!</a:t>
+            </a:r>
+            <a:endParaRPr lang="en-US" dirty="0"/>
+          </a:p>
+        </p:txBody>
+      </p:sp>
+      <p:sp>
+        <p:nvSpPr>
+          <p:cNvPr id="3" name="Content Placeholder 2"/>
+          <p:cNvSpPr>
+            <a:spLocks noGrp="1"/>
+          </p:cNvSpPr>
+          <p:nvPr>
+            <p:ph idx="1"/>
+          </p:nvPr>
+        </p:nvSpPr>
+        <p:spPr/>
+        <p:txBody>
+          <a:bodyPr/>
+          <a:lstStyle/>
+          <a:p>
+            <a:endParaRPr lang="en-US"/>
+          </a:p>
+        </p:txBody>
+      </p:sp>
+    </p:spTree>
+    <p:extLst>
+      <p:ext uri="{BB962C8B-B14F-4D97-AF65-F5344CB8AC3E}">
+        <p14:creationId xmlns:p14="http://schemas.microsoft.com/office/powerpoint/2010/main" val="1524164999"/>
+      </p:ext>
+    </p:extLst>
+  </p:cSld>
+  <p:clrMapOvr>
+    <a:masterClrMapping/>
+  </p:clrMapOvr>
+  <p:timing>
+    <p:tnLst>
+      <p:par>
+        <p:cTn id="1" dur="indefinite" restart="never" nodeType="tmRoot"/>
+      </p:par>
+    </p:tnLst>
+  </p:timing>
 </p:sld>
 </file>
 
@@ -6453,4 +12699,265 @@
     </a:ext>
   </a:extLst>
 </a:theme>
+</file>
+
+<file path=ppt/theme/theme2.xml><?xml version="1.0" encoding="utf-8"?>
+<a:theme xmlns:a="http://schemas.openxmlformats.org/drawingml/2006/main" name="Office Theme">
+  <a:themeElements>
+    <a:clrScheme name="Office">
+      <a:dk1>
+        <a:sysClr val="windowText" lastClr="000000"/>
+      </a:dk1>
+      <a:lt1>
+        <a:sysClr val="window" lastClr="FFFFFF"/>
+      </a:lt1>
+      <a:dk2>
+        <a:srgbClr val="44546A"/>
+      </a:dk2>
+      <a:lt2>
+        <a:srgbClr val="E7E6E6"/>
+      </a:lt2>
+      <a:accent1>
+        <a:srgbClr val="5B9BD5"/>
+      </a:accent1>
+      <a:accent2>
+        <a:srgbClr val="ED7D31"/>
+      </a:accent2>
+      <a:accent3>
+        <a:srgbClr val="A5A5A5"/>
+      </a:accent3>
+      <a:accent4>
+        <a:srgbClr val="FFC000"/>
+      </a:accent4>
+      <a:accent5>
+        <a:srgbClr val="4472C4"/>
+      </a:accent5>
+      <a:accent6>
+        <a:srgbClr val="70AD47"/>
+      </a:accent6>
+      <a:hlink>
+        <a:srgbClr val="0563C1"/>
+      </a:hlink>
+      <a:folHlink>
+        <a:srgbClr val="954F72"/>
+      </a:folHlink>
+    </a:clrScheme>
+    <a:fontScheme name="Office">
+      <a:majorFont>
+        <a:latin typeface="Calibri Light" panose="020F0302020204030204"/>
+        <a:ea typeface=""/>
+        <a:cs typeface=""/>
+        <a:font script="Jpan" typeface="ＭＳ Ｐゴシック"/>
+        <a:font script="Hang" typeface="맑은 고딕"/>
+        <a:font script="Hans" typeface="宋体"/>
+        <a:font script="Hant" typeface="新細明體"/>
+        <a:font script="Arab" typeface="Times New Roman"/>
+        <a:font script="Hebr" typeface="Times New Roman"/>
+        <a:font script="Thai" typeface="Angsana New"/>
+        <a:font script="Ethi" typeface="Nyala"/>
+        <a:font script="Beng" typeface="Vrinda"/>
+        <a:font script="Gujr" typeface="Shruti"/>
+        <a:font script="Khmr" typeface="MoolBoran"/>
+        <a:font script="Knda" typeface="Tunga"/>
+        <a:font script="Guru" typeface="Raavi"/>
+        <a:font script="Cans" typeface="Euphemia"/>
+        <a:font script="Cher" typeface="Plantagenet Cherokee"/>
+        <a:font script="Yiii" typeface="Microsoft Yi Baiti"/>
+        <a:font script="Tibt" typeface="Microsoft Himalaya"/>
+        <a:font script="Thaa" typeface="MV Boli"/>
+        <a:font script="Deva" typeface="Mangal"/>
+        <a:font script="Telu" typeface="Gautami"/>
+        <a:font script="Taml" typeface="Latha"/>
+        <a:font script="Syrc" typeface="Estrangelo Edessa"/>
+        <a:font script="Orya" typeface="Kalinga"/>
+        <a:font script="Mlym" typeface="Kartika"/>
+        <a:font script="Laoo" typeface="DokChampa"/>
+        <a:font script="Sinh" typeface="Iskoola Pota"/>
+        <a:font script="Mong" typeface="Mongolian Baiti"/>
+        <a:font script="Viet" typeface="Times New Roman"/>
+        <a:font script="Uigh" typeface="Microsoft Uighur"/>
+        <a:font script="Geor" typeface="Sylfaen"/>
+      </a:majorFont>
+      <a:minorFont>
+        <a:latin typeface="Calibri" panose="020F0502020204030204"/>
+        <a:ea typeface=""/>
+        <a:cs typeface=""/>
+        <a:font script="Jpan" typeface="ＭＳ Ｐゴシック"/>
+        <a:font script="Hang" typeface="맑은 고딕"/>
+        <a:font script="Hans" typeface="宋体"/>
+        <a:font script="Hant" typeface="新細明體"/>
+        <a:font script="Arab" typeface="Arial"/>
+        <a:font script="Hebr" typeface="Arial"/>
+        <a:font script="Thai" typeface="Cordia New"/>
+        <a:font script="Ethi" typeface="Nyala"/>
+        <a:font script="Beng" typeface="Vrinda"/>
+        <a:font script="Gujr" typeface="Shruti"/>
+        <a:font script="Khmr" typeface="DaunPenh"/>
+        <a:font script="Knda" typeface="Tunga"/>
+        <a:font script="Guru" typeface="Raavi"/>
+        <a:font script="Cans" typeface="Euphemia"/>
+        <a:font script="Cher" typeface="Plantagenet Cherokee"/>
+        <a:font script="Yiii" typeface="Microsoft Yi Baiti"/>
+        <a:font script="Tibt" typeface="Microsoft Himalaya"/>
+        <a:font script="Thaa" typeface="MV Boli"/>
+        <a:font script="Deva" typeface="Mangal"/>
+        <a:font script="Telu" typeface="Gautami"/>
+        <a:font script="Taml" typeface="Latha"/>
+        <a:font script="Syrc" typeface="Estrangelo Edessa"/>
+        <a:font script="Orya" typeface="Kalinga"/>
+        <a:font script="Mlym" typeface="Kartika"/>
+        <a:font script="Laoo" typeface="DokChampa"/>
+        <a:font script="Sinh" typeface="Iskoola Pota"/>
+        <a:font script="Mong" typeface="Mongolian Baiti"/>
+        <a:font script="Viet" typeface="Arial"/>
+        <a:font script="Uigh" typeface="Microsoft Uighur"/>
+        <a:font script="Geor" typeface="Sylfaen"/>
+      </a:minorFont>
+    </a:fontScheme>
+    <a:fmtScheme name="Office">
+      <a:fillStyleLst>
+        <a:solidFill>
+          <a:schemeClr val="phClr"/>
+        </a:solidFill>
+        <a:gradFill rotWithShape="1">
+          <a:gsLst>
+            <a:gs pos="0">
+              <a:schemeClr val="phClr">
+                <a:lumMod val="110000"/>
+                <a:satMod val="105000"/>
+                <a:tint val="67000"/>
+              </a:schemeClr>
+            </a:gs>
+            <a:gs pos="50000">
+              <a:schemeClr val="phClr">
+                <a:lumMod val="105000"/>
+                <a:satMod val="103000"/>
+                <a:tint val="73000"/>
+              </a:schemeClr>
+            </a:gs>
+            <a:gs pos="100000">
+              <a:schemeClr val="phClr">
+                <a:lumMod val="105000"/>
+                <a:satMod val="109000"/>
+                <a:tint val="81000"/>
+              </a:schemeClr>
+            </a:gs>
+          </a:gsLst>
+          <a:lin ang="5400000" scaled="0"/>
+        </a:gradFill>
+        <a:gradFill rotWithShape="1">
+          <a:gsLst>
+            <a:gs pos="0">
+              <a:schemeClr val="phClr">
+                <a:satMod val="103000"/>
+                <a:lumMod val="102000"/>
+                <a:tint val="94000"/>
+              </a:schemeClr>
+            </a:gs>
+            <a:gs pos="50000">
+              <a:schemeClr val="phClr">
+                <a:satMod val="110000"/>
+                <a:lumMod val="100000"/>
+                <a:shade val="100000"/>
+              </a:schemeClr>
+            </a:gs>
+            <a:gs pos="100000">
+              <a:schemeClr val="phClr">
+                <a:lumMod val="99000"/>
+                <a:satMod val="120000"/>
+                <a:shade val="78000"/>
+              </a:schemeClr>
+            </a:gs>
+          </a:gsLst>
+          <a:lin ang="5400000" scaled="0"/>
+        </a:gradFill>
+      </a:fillStyleLst>
+      <a:lnStyleLst>
+        <a:ln w="6350" cap="flat" cmpd="sng" algn="ctr">
+          <a:solidFill>
+            <a:schemeClr val="phClr"/>
+          </a:solidFill>
+          <a:prstDash val="solid"/>
+          <a:miter lim="800000"/>
+        </a:ln>
+        <a:ln w="12700" cap="flat" cmpd="sng" algn="ctr">
+          <a:solidFill>
+            <a:schemeClr val="phClr"/>
+          </a:solidFill>
+          <a:prstDash val="solid"/>
+          <a:miter lim="800000"/>
+        </a:ln>
+        <a:ln w="19050" cap="flat" cmpd="sng" algn="ctr">
+          <a:solidFill>
+            <a:schemeClr val="phClr"/>
+          </a:solidFill>
+          <a:prstDash val="solid"/>
+          <a:miter lim="800000"/>
+        </a:ln>
+      </a:lnStyleLst>
+      <a:effectStyleLst>
+        <a:effectStyle>
+          <a:effectLst/>
+        </a:effectStyle>
+        <a:effectStyle>
+          <a:effectLst/>
+        </a:effectStyle>
+        <a:effectStyle>
+          <a:effectLst>
+            <a:outerShdw blurRad="57150" dist="19050" dir="5400000" algn="ctr" rotWithShape="0">
+              <a:srgbClr val="000000">
+                <a:alpha val="63000"/>
+              </a:srgbClr>
+            </a:outerShdw>
+          </a:effectLst>
+        </a:effectStyle>
+      </a:effectStyleLst>
+      <a:bgFillStyleLst>
+        <a:solidFill>
+          <a:schemeClr val="phClr"/>
+        </a:solidFill>
+        <a:solidFill>
+          <a:schemeClr val="phClr">
+            <a:tint val="95000"/>
+            <a:satMod val="170000"/>
+          </a:schemeClr>
+        </a:solidFill>
+        <a:gradFill rotWithShape="1">
+          <a:gsLst>
+            <a:gs pos="0">
+              <a:schemeClr val="phClr">
+                <a:tint val="93000"/>
+                <a:satMod val="150000"/>
+                <a:shade val="98000"/>
+                <a:lumMod val="102000"/>
+              </a:schemeClr>
+            </a:gs>
+            <a:gs pos="50000">
+              <a:schemeClr val="phClr">
+                <a:tint val="98000"/>
+                <a:satMod val="130000"/>
+                <a:shade val="90000"/>
+                <a:lumMod val="103000"/>
+              </a:schemeClr>
+            </a:gs>
+            <a:gs pos="100000">
+              <a:schemeClr val="phClr">
+                <a:shade val="63000"/>
+                <a:satMod val="120000"/>
+              </a:schemeClr>
+            </a:gs>
+          </a:gsLst>
+          <a:lin ang="5400000" scaled="0"/>
+        </a:gradFill>
+      </a:bgFillStyleLst>
+    </a:fmtScheme>
+  </a:themeElements>
+  <a:objectDefaults/>
+  <a:extraClrSchemeLst/>
+  <a:extLst>
+    <a:ext uri="{05A4C25C-085E-4340-85A3-A5531E510DB2}">
+      <thm15:themeFamily xmlns:thm15="http://schemas.microsoft.com/office/thememl/2012/main" name="Office Theme" id="{62F939B6-93AF-4DB8-9C6B-D6C7DFDC589F}" vid="{4A3C46E8-61CC-4603-A589-7422A47A8E4A}"/>
+    </a:ext>
+  </a:extLst>
+</a:theme>
 </file>
--- a/Refactoring - Java/Refactoring.pptx
+++ b/Refactoring - Java/Refactoring.pptx
@@ -5,14 +5,24 @@
     <p:sldMasterId id="2147483672" r:id="rId1"/>
   </p:sldMasterIdLst>
   <p:notesMasterIdLst>
-    <p:notesMasterId r:id="rId7"/>
+    <p:notesMasterId r:id="rId17"/>
   </p:notesMasterIdLst>
   <p:sldIdLst>
     <p:sldId id="256" r:id="rId2"/>
-    <p:sldId id="260" r:id="rId3"/>
-    <p:sldId id="257" r:id="rId4"/>
-    <p:sldId id="258" r:id="rId5"/>
-    <p:sldId id="259" r:id="rId6"/>
+    <p:sldId id="257" r:id="rId3"/>
+    <p:sldId id="258" r:id="rId4"/>
+    <p:sldId id="259" r:id="rId5"/>
+    <p:sldId id="260" r:id="rId6"/>
+    <p:sldId id="261" r:id="rId7"/>
+    <p:sldId id="262" r:id="rId8"/>
+    <p:sldId id="263" r:id="rId9"/>
+    <p:sldId id="264" r:id="rId10"/>
+    <p:sldId id="268" r:id="rId11"/>
+    <p:sldId id="265" r:id="rId12"/>
+    <p:sldId id="269" r:id="rId13"/>
+    <p:sldId id="266" r:id="rId14"/>
+    <p:sldId id="267" r:id="rId15"/>
+    <p:sldId id="270" r:id="rId16"/>
   </p:sldIdLst>
   <p:sldSz cx="12192000" cy="6858000"/>
   <p:notesSz cx="6858000" cy="9144000"/>
@@ -1822,6 +1832,13 @@
         </dgm:presLayoutVars>
       </dgm:prSet>
       <dgm:spPr/>
+      <dgm:t>
+        <a:bodyPr/>
+        <a:lstStyle/>
+        <a:p>
+          <a:endParaRPr lang="en-US"/>
+        </a:p>
+      </dgm:t>
     </dgm:pt>
     <dgm:pt modelId="{F101BFF7-2DD0-46E4-AD9A-F85E7A76CE66}" type="pres">
       <dgm:prSet presAssocID="{DA399535-8B7C-4706-BAB8-9F8AB76E5812}" presName="levelTx" presStyleLbl="revTx" presStyleIdx="0" presStyleCnt="0">
@@ -1831,6 +1848,13 @@
         </dgm:presLayoutVars>
       </dgm:prSet>
       <dgm:spPr/>
+      <dgm:t>
+        <a:bodyPr/>
+        <a:lstStyle/>
+        <a:p>
+          <a:endParaRPr lang="en-US"/>
+        </a:p>
+      </dgm:t>
     </dgm:pt>
     <dgm:pt modelId="{2DEB1522-2401-4C66-ABD2-C48C1906371C}" type="pres">
       <dgm:prSet presAssocID="{C3BE4DF2-24BD-4882-A574-67A60B5D6554}" presName="Name8" presStyleCnt="0"/>
@@ -1844,6 +1868,13 @@
         </dgm:presLayoutVars>
       </dgm:prSet>
       <dgm:spPr/>
+      <dgm:t>
+        <a:bodyPr/>
+        <a:lstStyle/>
+        <a:p>
+          <a:endParaRPr lang="en-US"/>
+        </a:p>
+      </dgm:t>
     </dgm:pt>
     <dgm:pt modelId="{B9ECD879-7479-44D7-98C0-9307791E9330}" type="pres">
       <dgm:prSet presAssocID="{C3BE4DF2-24BD-4882-A574-67A60B5D6554}" presName="levelTx" presStyleLbl="revTx" presStyleIdx="0" presStyleCnt="0">
@@ -1853,6 +1884,13 @@
         </dgm:presLayoutVars>
       </dgm:prSet>
       <dgm:spPr/>
+      <dgm:t>
+        <a:bodyPr/>
+        <a:lstStyle/>
+        <a:p>
+          <a:endParaRPr lang="en-US"/>
+        </a:p>
+      </dgm:t>
     </dgm:pt>
     <dgm:pt modelId="{0D9B4C07-F30E-4705-9F8A-212FDA449081}" type="pres">
       <dgm:prSet presAssocID="{0BF78044-2E2F-4C50-B41F-A444CA42A733}" presName="Name8" presStyleCnt="0"/>
@@ -1892,25 +1930,25 @@
     </dgm:pt>
   </dgm:ptLst>
   <dgm:cxnLst>
-    <dgm:cxn modelId="{D57651BF-A02E-48BE-9BB0-E8D36FE37FAA}" type="presOf" srcId="{0BF78044-2E2F-4C50-B41F-A444CA42A733}" destId="{4A67F398-9920-43E1-8987-22EDC0388466}" srcOrd="1" destOrd="0" presId="urn:microsoft.com/office/officeart/2005/8/layout/pyramid1"/>
     <dgm:cxn modelId="{68F564B7-48B7-4B57-A944-157B6E920078}" srcId="{52D3A2B1-8566-477D-A062-C60269166A5F}" destId="{DA399535-8B7C-4706-BAB8-9F8AB76E5812}" srcOrd="0" destOrd="0" parTransId="{648B6C44-04AC-455F-9731-D2D8CB9FF40B}" sibTransId="{2BB0A65F-B92C-4106-A9A2-CDDF27EA8627}"/>
     <dgm:cxn modelId="{92AC0CA4-3D05-4536-80FC-FA4AC97A8932}" srcId="{52D3A2B1-8566-477D-A062-C60269166A5F}" destId="{C3BE4DF2-24BD-4882-A574-67A60B5D6554}" srcOrd="1" destOrd="0" parTransId="{8D085121-CD3D-4BDB-A33B-0B72A8D5AD3A}" sibTransId="{1251C647-5718-4E38-9249-7B6DB535C95C}"/>
     <dgm:cxn modelId="{530F5633-ECAB-4AD7-8FAD-094C8E76D4A7}" srcId="{52D3A2B1-8566-477D-A062-C60269166A5F}" destId="{0BF78044-2E2F-4C50-B41F-A444CA42A733}" srcOrd="2" destOrd="0" parTransId="{5E46AF55-C072-479E-9D57-1F788DB19060}" sibTransId="{4240EC2A-3A1F-4DC9-9FCA-5EFB91F9C3E5}"/>
-    <dgm:cxn modelId="{0D7AE9E3-5960-4BCD-B8C8-6D10B03F4DD0}" type="presOf" srcId="{DA399535-8B7C-4706-BAB8-9F8AB76E5812}" destId="{F101BFF7-2DD0-46E4-AD9A-F85E7A76CE66}" srcOrd="1" destOrd="0" presId="urn:microsoft.com/office/officeart/2005/8/layout/pyramid1"/>
-    <dgm:cxn modelId="{A42C5754-28E6-4754-8CCB-29185EDAED5E}" type="presOf" srcId="{C3BE4DF2-24BD-4882-A574-67A60B5D6554}" destId="{08E1D2DA-8A93-48ED-BAC3-70ECA00B1B24}" srcOrd="0" destOrd="0" presId="urn:microsoft.com/office/officeart/2005/8/layout/pyramid1"/>
-    <dgm:cxn modelId="{616C3DBD-DB17-4A6C-A456-C1E975C9FB49}" type="presOf" srcId="{C3BE4DF2-24BD-4882-A574-67A60B5D6554}" destId="{B9ECD879-7479-44D7-98C0-9307791E9330}" srcOrd="1" destOrd="0" presId="urn:microsoft.com/office/officeart/2005/8/layout/pyramid1"/>
-    <dgm:cxn modelId="{5EB835C1-DDAB-4299-89AA-CD304443FFD5}" type="presOf" srcId="{DA399535-8B7C-4706-BAB8-9F8AB76E5812}" destId="{D4770C52-86E8-4CFA-ADFA-2C41C4743CB3}" srcOrd="0" destOrd="0" presId="urn:microsoft.com/office/officeart/2005/8/layout/pyramid1"/>
-    <dgm:cxn modelId="{21A24FEB-CDCB-4001-87DD-2B49EC97AC19}" type="presOf" srcId="{52D3A2B1-8566-477D-A062-C60269166A5F}" destId="{29EF8752-3312-4A56-8AEC-2531E6F8FF89}" srcOrd="0" destOrd="0" presId="urn:microsoft.com/office/officeart/2005/8/layout/pyramid1"/>
-    <dgm:cxn modelId="{95FFB460-9755-453A-88D8-B7A2D7552D42}" type="presOf" srcId="{0BF78044-2E2F-4C50-B41F-A444CA42A733}" destId="{849450E4-0DD8-48E5-8DFC-F74691C4C36C}" srcOrd="0" destOrd="0" presId="urn:microsoft.com/office/officeart/2005/8/layout/pyramid1"/>
-    <dgm:cxn modelId="{BBCF993A-DBE4-4D70-B125-D08E77CEC4BC}" type="presParOf" srcId="{29EF8752-3312-4A56-8AEC-2531E6F8FF89}" destId="{CE97F141-57A6-49BC-88E2-2A16D6C9D336}" srcOrd="0" destOrd="0" presId="urn:microsoft.com/office/officeart/2005/8/layout/pyramid1"/>
-    <dgm:cxn modelId="{A61CFFA9-120F-4E4E-8E49-663349862E8B}" type="presParOf" srcId="{CE97F141-57A6-49BC-88E2-2A16D6C9D336}" destId="{D4770C52-86E8-4CFA-ADFA-2C41C4743CB3}" srcOrd="0" destOrd="0" presId="urn:microsoft.com/office/officeart/2005/8/layout/pyramid1"/>
-    <dgm:cxn modelId="{4C964DC4-707E-4F4F-87A1-3DDE3845875B}" type="presParOf" srcId="{CE97F141-57A6-49BC-88E2-2A16D6C9D336}" destId="{F101BFF7-2DD0-46E4-AD9A-F85E7A76CE66}" srcOrd="1" destOrd="0" presId="urn:microsoft.com/office/officeart/2005/8/layout/pyramid1"/>
-    <dgm:cxn modelId="{03A08FFD-2116-4AFD-9EC8-A0E95A478547}" type="presParOf" srcId="{29EF8752-3312-4A56-8AEC-2531E6F8FF89}" destId="{2DEB1522-2401-4C66-ABD2-C48C1906371C}" srcOrd="1" destOrd="0" presId="urn:microsoft.com/office/officeart/2005/8/layout/pyramid1"/>
-    <dgm:cxn modelId="{CC41CD53-D898-4FBC-AF5F-C9B6A922A46B}" type="presParOf" srcId="{2DEB1522-2401-4C66-ABD2-C48C1906371C}" destId="{08E1D2DA-8A93-48ED-BAC3-70ECA00B1B24}" srcOrd="0" destOrd="0" presId="urn:microsoft.com/office/officeart/2005/8/layout/pyramid1"/>
-    <dgm:cxn modelId="{463D3379-C2B5-4F0E-A3D5-9DD37A5DEA66}" type="presParOf" srcId="{2DEB1522-2401-4C66-ABD2-C48C1906371C}" destId="{B9ECD879-7479-44D7-98C0-9307791E9330}" srcOrd="1" destOrd="0" presId="urn:microsoft.com/office/officeart/2005/8/layout/pyramid1"/>
-    <dgm:cxn modelId="{B9BB602F-6C9B-4CF3-A5B1-EABC0A980639}" type="presParOf" srcId="{29EF8752-3312-4A56-8AEC-2531E6F8FF89}" destId="{0D9B4C07-F30E-4705-9F8A-212FDA449081}" srcOrd="2" destOrd="0" presId="urn:microsoft.com/office/officeart/2005/8/layout/pyramid1"/>
-    <dgm:cxn modelId="{933A65CF-B637-4E09-AAB5-75B32101974B}" type="presParOf" srcId="{0D9B4C07-F30E-4705-9F8A-212FDA449081}" destId="{849450E4-0DD8-48E5-8DFC-F74691C4C36C}" srcOrd="0" destOrd="0" presId="urn:microsoft.com/office/officeart/2005/8/layout/pyramid1"/>
-    <dgm:cxn modelId="{4D94852E-E7A0-49A1-8C32-C925C36C9A9D}" type="presParOf" srcId="{0D9B4C07-F30E-4705-9F8A-212FDA449081}" destId="{4A67F398-9920-43E1-8987-22EDC0388466}" srcOrd="1" destOrd="0" presId="urn:microsoft.com/office/officeart/2005/8/layout/pyramid1"/>
+    <dgm:cxn modelId="{99D353D0-DA79-419C-AEB7-8439AB19B4B1}" type="presOf" srcId="{C3BE4DF2-24BD-4882-A574-67A60B5D6554}" destId="{B9ECD879-7479-44D7-98C0-9307791E9330}" srcOrd="1" destOrd="0" presId="urn:microsoft.com/office/officeart/2005/8/layout/pyramid1"/>
+    <dgm:cxn modelId="{2CC453AF-5AD1-4A29-8995-45319EC88551}" type="presOf" srcId="{0BF78044-2E2F-4C50-B41F-A444CA42A733}" destId="{4A67F398-9920-43E1-8987-22EDC0388466}" srcOrd="1" destOrd="0" presId="urn:microsoft.com/office/officeart/2005/8/layout/pyramid1"/>
+    <dgm:cxn modelId="{554BFC31-578E-43E7-9596-77AE85BB7F1F}" type="presOf" srcId="{0BF78044-2E2F-4C50-B41F-A444CA42A733}" destId="{849450E4-0DD8-48E5-8DFC-F74691C4C36C}" srcOrd="0" destOrd="0" presId="urn:microsoft.com/office/officeart/2005/8/layout/pyramid1"/>
+    <dgm:cxn modelId="{75463006-B6D4-4E7C-B4AD-0BBC037BC42D}" type="presOf" srcId="{52D3A2B1-8566-477D-A062-C60269166A5F}" destId="{29EF8752-3312-4A56-8AEC-2531E6F8FF89}" srcOrd="0" destOrd="0" presId="urn:microsoft.com/office/officeart/2005/8/layout/pyramid1"/>
+    <dgm:cxn modelId="{E4E1899B-B8DA-46B4-AC97-A2284A8F67A9}" type="presOf" srcId="{DA399535-8B7C-4706-BAB8-9F8AB76E5812}" destId="{F101BFF7-2DD0-46E4-AD9A-F85E7A76CE66}" srcOrd="1" destOrd="0" presId="urn:microsoft.com/office/officeart/2005/8/layout/pyramid1"/>
+    <dgm:cxn modelId="{2A37FBB3-181A-42D0-A756-63A47B4A1CB4}" type="presOf" srcId="{C3BE4DF2-24BD-4882-A574-67A60B5D6554}" destId="{08E1D2DA-8A93-48ED-BAC3-70ECA00B1B24}" srcOrd="0" destOrd="0" presId="urn:microsoft.com/office/officeart/2005/8/layout/pyramid1"/>
+    <dgm:cxn modelId="{1D52F3D8-D2A2-4496-AFB8-0F65F2F3E597}" type="presOf" srcId="{DA399535-8B7C-4706-BAB8-9F8AB76E5812}" destId="{D4770C52-86E8-4CFA-ADFA-2C41C4743CB3}" srcOrd="0" destOrd="0" presId="urn:microsoft.com/office/officeart/2005/8/layout/pyramid1"/>
+    <dgm:cxn modelId="{E6850848-09C5-4DFC-A433-65CABCD6E995}" type="presParOf" srcId="{29EF8752-3312-4A56-8AEC-2531E6F8FF89}" destId="{CE97F141-57A6-49BC-88E2-2A16D6C9D336}" srcOrd="0" destOrd="0" presId="urn:microsoft.com/office/officeart/2005/8/layout/pyramid1"/>
+    <dgm:cxn modelId="{AD3CF31B-BB5D-4B07-B7E1-ADBF0B8B8D86}" type="presParOf" srcId="{CE97F141-57A6-49BC-88E2-2A16D6C9D336}" destId="{D4770C52-86E8-4CFA-ADFA-2C41C4743CB3}" srcOrd="0" destOrd="0" presId="urn:microsoft.com/office/officeart/2005/8/layout/pyramid1"/>
+    <dgm:cxn modelId="{17F9D782-D1A1-463A-9146-5CA28160D23B}" type="presParOf" srcId="{CE97F141-57A6-49BC-88E2-2A16D6C9D336}" destId="{F101BFF7-2DD0-46E4-AD9A-F85E7A76CE66}" srcOrd="1" destOrd="0" presId="urn:microsoft.com/office/officeart/2005/8/layout/pyramid1"/>
+    <dgm:cxn modelId="{8790B739-8FC5-4F0E-B7F8-6EF7433CDDD9}" type="presParOf" srcId="{29EF8752-3312-4A56-8AEC-2531E6F8FF89}" destId="{2DEB1522-2401-4C66-ABD2-C48C1906371C}" srcOrd="1" destOrd="0" presId="urn:microsoft.com/office/officeart/2005/8/layout/pyramid1"/>
+    <dgm:cxn modelId="{FF461231-D293-47F6-8CFB-7C54F70AA2D9}" type="presParOf" srcId="{2DEB1522-2401-4C66-ABD2-C48C1906371C}" destId="{08E1D2DA-8A93-48ED-BAC3-70ECA00B1B24}" srcOrd="0" destOrd="0" presId="urn:microsoft.com/office/officeart/2005/8/layout/pyramid1"/>
+    <dgm:cxn modelId="{EC019D8A-0891-4FD2-8439-2DAEE6485DED}" type="presParOf" srcId="{2DEB1522-2401-4C66-ABD2-C48C1906371C}" destId="{B9ECD879-7479-44D7-98C0-9307791E9330}" srcOrd="1" destOrd="0" presId="urn:microsoft.com/office/officeart/2005/8/layout/pyramid1"/>
+    <dgm:cxn modelId="{D239F5FC-BACE-4F89-B070-3BCB1853295D}" type="presParOf" srcId="{29EF8752-3312-4A56-8AEC-2531E6F8FF89}" destId="{0D9B4C07-F30E-4705-9F8A-212FDA449081}" srcOrd="2" destOrd="0" presId="urn:microsoft.com/office/officeart/2005/8/layout/pyramid1"/>
+    <dgm:cxn modelId="{21F59005-118C-4DDA-80DE-8165CD0024FE}" type="presParOf" srcId="{0D9B4C07-F30E-4705-9F8A-212FDA449081}" destId="{849450E4-0DD8-48E5-8DFC-F74691C4C36C}" srcOrd="0" destOrd="0" presId="urn:microsoft.com/office/officeart/2005/8/layout/pyramid1"/>
+    <dgm:cxn modelId="{5D4AEC43-3CD4-4CE8-819D-9B466B62145C}" type="presParOf" srcId="{0D9B4C07-F30E-4705-9F8A-212FDA449081}" destId="{4A67F398-9920-43E1-8987-22EDC0388466}" srcOrd="1" destOrd="0" presId="urn:microsoft.com/office/officeart/2005/8/layout/pyramid1"/>
   </dgm:cxnLst>
   <dgm:bg/>
   <dgm:whole/>
@@ -1925,8 +1963,8 @@
 <file path=ppt/diagrams/data2.xml><?xml version="1.0" encoding="utf-8"?>
 <dgm:dataModel xmlns:dgm="http://schemas.openxmlformats.org/drawingml/2006/diagram" xmlns:a="http://schemas.openxmlformats.org/drawingml/2006/main">
   <dgm:ptLst>
-    <dgm:pt modelId="{1DB02C94-6D0A-412D-84FD-0511C64A4D05}" type="doc">
-      <dgm:prSet loTypeId="urn:microsoft.com/office/officeart/2005/8/layout/hList6" loCatId="list" qsTypeId="urn:microsoft.com/office/officeart/2005/8/quickstyle/simple1" qsCatId="simple" csTypeId="urn:microsoft.com/office/officeart/2005/8/colors/accent1_2" csCatId="accent1" phldr="1"/>
+    <dgm:pt modelId="{34F4D875-9C8D-4B53-8DD0-20F71F2A00CB}" type="doc">
+      <dgm:prSet loTypeId="urn:microsoft.com/office/officeart/2005/8/layout/gear1" loCatId="process" qsTypeId="urn:microsoft.com/office/officeart/2005/8/quickstyle/simple1" qsCatId="simple" csTypeId="urn:microsoft.com/office/officeart/2005/8/colors/accent1_2" csCatId="accent1" phldr="1"/>
       <dgm:spPr/>
       <dgm:t>
         <a:bodyPr/>
@@ -1936,7 +1974,7 @@
         </a:p>
       </dgm:t>
     </dgm:pt>
-    <dgm:pt modelId="{FFC710AF-BE06-4546-B3F8-260D14E025FE}">
+    <dgm:pt modelId="{5ED44EE3-B8AE-48FE-8086-E4D6D5FB5A6E}">
       <dgm:prSet phldrT="[Text]"/>
       <dgm:spPr/>
       <dgm:t>
@@ -1945,13 +1983,13 @@
         <a:p>
           <a:r>
             <a:rPr lang="en-US" dirty="0" smtClean="0"/>
-            <a:t>Clear Requirement</a:t>
+            <a:t>Requirement</a:t>
           </a:r>
           <a:endParaRPr lang="en-US" dirty="0"/>
         </a:p>
       </dgm:t>
     </dgm:pt>
-    <dgm:pt modelId="{9EFADE72-9542-42E7-8662-55F9F7EE9308}" type="parTrans" cxnId="{763965DB-81D8-4AD5-9BE6-0A7626606B06}">
+    <dgm:pt modelId="{67A7F70A-D6DE-4A5A-98A5-BB86FB181D33}" type="parTrans" cxnId="{ED78C151-5FFB-4B6E-8EFC-02CAB90FAB39}">
       <dgm:prSet/>
       <dgm:spPr/>
       <dgm:t>
@@ -1962,7 +2000,7 @@
         </a:p>
       </dgm:t>
     </dgm:pt>
-    <dgm:pt modelId="{2D47853C-A918-414F-9D71-CE4F508878D2}" type="sibTrans" cxnId="{763965DB-81D8-4AD5-9BE6-0A7626606B06}">
+    <dgm:pt modelId="{47FA2657-ED0F-4745-8806-387B777E7EA5}" type="sibTrans" cxnId="{ED78C151-5FFB-4B6E-8EFC-02CAB90FAB39}">
       <dgm:prSet/>
       <dgm:spPr/>
       <dgm:t>
@@ -1973,7 +2011,7 @@
         </a:p>
       </dgm:t>
     </dgm:pt>
-    <dgm:pt modelId="{3DB9FA12-2479-48AD-9ED8-C858B6392985}">
+    <dgm:pt modelId="{43A859D2-26D0-420A-8502-121A9952977E}">
       <dgm:prSet phldrT="[Text]"/>
       <dgm:spPr/>
       <dgm:t>
@@ -1982,13 +2020,13 @@
         <a:p>
           <a:r>
             <a:rPr lang="en-US" dirty="0" smtClean="0"/>
-            <a:t>Now</a:t>
+            <a:t>Quality</a:t>
           </a:r>
           <a:endParaRPr lang="en-US" dirty="0"/>
         </a:p>
       </dgm:t>
     </dgm:pt>
-    <dgm:pt modelId="{C4AD0F7B-E2D8-4537-9FFA-0E9CB5B97D53}" type="parTrans" cxnId="{BBEE3B78-613F-418F-A354-338157B168F4}">
+    <dgm:pt modelId="{16E880C5-78E3-4718-A7CA-792D63CB8D05}" type="parTrans" cxnId="{AEEDB330-B67E-4957-89CF-E4AA1D7B0989}">
       <dgm:prSet/>
       <dgm:spPr/>
       <dgm:t>
@@ -1999,7 +2037,7 @@
         </a:p>
       </dgm:t>
     </dgm:pt>
-    <dgm:pt modelId="{58C51E6B-6C6D-4ED7-A24E-72D5B2B2FA1F}" type="sibTrans" cxnId="{BBEE3B78-613F-418F-A354-338157B168F4}">
+    <dgm:pt modelId="{CFF849FF-AD29-4F55-A4EF-DA865C8DFB0B}" type="sibTrans" cxnId="{AEEDB330-B67E-4957-89CF-E4AA1D7B0989}">
       <dgm:prSet/>
       <dgm:spPr/>
       <dgm:t>
@@ -2010,7 +2048,7 @@
         </a:p>
       </dgm:t>
     </dgm:pt>
-    <dgm:pt modelId="{B002C434-F9A2-4D3F-B071-6B92859C5C3A}">
+    <dgm:pt modelId="{810A616A-0006-402C-9E12-BACDA5E6AE25}">
       <dgm:prSet phldrT="[Text]"/>
       <dgm:spPr/>
       <dgm:t>
@@ -2019,13 +2057,13 @@
         <a:p>
           <a:r>
             <a:rPr lang="en-US" dirty="0" smtClean="0"/>
-            <a:t>For see future</a:t>
+            <a:t>Code</a:t>
           </a:r>
           <a:endParaRPr lang="en-US" dirty="0"/>
         </a:p>
       </dgm:t>
     </dgm:pt>
-    <dgm:pt modelId="{722A1745-7A02-43E1-B352-786397920958}" type="parTrans" cxnId="{12146F37-C2FA-45E4-BB44-11E16B0936E1}">
+    <dgm:pt modelId="{17386A1C-26AE-4566-ABBC-04426219F1E3}" type="parTrans" cxnId="{53DC902A-FC66-4488-82C9-93E61F12F152}">
       <dgm:prSet/>
       <dgm:spPr/>
       <dgm:t>
@@ -2036,7 +2074,7 @@
         </a:p>
       </dgm:t>
     </dgm:pt>
-    <dgm:pt modelId="{8F6855DE-6982-4F0B-8D4E-0CC5E31864BD}" type="sibTrans" cxnId="{12146F37-C2FA-45E4-BB44-11E16B0936E1}">
+    <dgm:pt modelId="{299D707C-207B-4586-BA6F-BBC65D4AE4A0}" type="sibTrans" cxnId="{53DC902A-FC66-4488-82C9-93E61F12F152}">
       <dgm:prSet/>
       <dgm:spPr/>
       <dgm:t>
@@ -2047,23 +2085,14 @@
         </a:p>
       </dgm:t>
     </dgm:pt>
-    <dgm:pt modelId="{44AE89FE-9198-4D83-9D80-E2A74D9328A0}">
-      <dgm:prSet phldrT="[Text]"/>
-      <dgm:spPr/>
-      <dgm:t>
-        <a:bodyPr/>
-        <a:lstStyle/>
-        <a:p>
-          <a:r>
-            <a:rPr lang="en-US" dirty="0" smtClean="0"/>
-            <a:t>Design Carefully</a:t>
-          </a:r>
-          <a:endParaRPr lang="en-US" dirty="0"/>
-        </a:p>
-      </dgm:t>
-    </dgm:pt>
-    <dgm:pt modelId="{A7F9773C-E8DE-4F89-BCFE-0FA8AA58AEEA}" type="parTrans" cxnId="{A4C4C4CE-9650-4BB3-84C0-9B5F81D96C41}">
-      <dgm:prSet/>
+    <dgm:pt modelId="{C1993AFC-98D5-428E-88A0-7D9E2527C119}" type="pres">
+      <dgm:prSet presAssocID="{34F4D875-9C8D-4B53-8DD0-20F71F2A00CB}" presName="composite" presStyleCnt="0">
+        <dgm:presLayoutVars>
+          <dgm:chMax val="3"/>
+          <dgm:animLvl val="lvl"/>
+          <dgm:resizeHandles val="exact"/>
+        </dgm:presLayoutVars>
+      </dgm:prSet>
       <dgm:spPr/>
       <dgm:t>
         <a:bodyPr/>
@@ -2073,214 +2102,10 @@
         </a:p>
       </dgm:t>
     </dgm:pt>
-    <dgm:pt modelId="{7F5CAB40-038F-4FE1-A229-91709E248C9F}" type="sibTrans" cxnId="{A4C4C4CE-9650-4BB3-84C0-9B5F81D96C41}">
-      <dgm:prSet/>
-      <dgm:spPr/>
-      <dgm:t>
-        <a:bodyPr/>
-        <a:lstStyle/>
-        <a:p>
-          <a:endParaRPr lang="en-US"/>
-        </a:p>
-      </dgm:t>
-    </dgm:pt>
-    <dgm:pt modelId="{ADA0B851-47B2-40E3-9E18-28BDF3BD66E1}">
-      <dgm:prSet phldrT="[Text]"/>
-      <dgm:spPr/>
-      <dgm:t>
-        <a:bodyPr/>
-        <a:lstStyle/>
-        <a:p>
-          <a:r>
-            <a:rPr lang="en-US" dirty="0" smtClean="0"/>
-            <a:t>Simple</a:t>
-          </a:r>
-          <a:endParaRPr lang="en-US" dirty="0"/>
-        </a:p>
-      </dgm:t>
-    </dgm:pt>
-    <dgm:pt modelId="{37CBFDB6-498E-43DD-A422-B95A35B4689F}" type="parTrans" cxnId="{9F91E1A7-A833-4E66-85B2-EF37609A57EC}">
-      <dgm:prSet/>
-      <dgm:spPr/>
-      <dgm:t>
-        <a:bodyPr/>
-        <a:lstStyle/>
-        <a:p>
-          <a:endParaRPr lang="en-US"/>
-        </a:p>
-      </dgm:t>
-    </dgm:pt>
-    <dgm:pt modelId="{6A2EF445-0C52-465D-A8FA-95AAB3277BD0}" type="sibTrans" cxnId="{9F91E1A7-A833-4E66-85B2-EF37609A57EC}">
-      <dgm:prSet/>
-      <dgm:spPr/>
-      <dgm:t>
-        <a:bodyPr/>
-        <a:lstStyle/>
-        <a:p>
-          <a:endParaRPr lang="en-US"/>
-        </a:p>
-      </dgm:t>
-    </dgm:pt>
-    <dgm:pt modelId="{42B991CD-841F-4373-842E-0CC43A0D03F9}">
-      <dgm:prSet phldrT="[Text]"/>
-      <dgm:spPr/>
-      <dgm:t>
-        <a:bodyPr/>
-        <a:lstStyle/>
-        <a:p>
-          <a:r>
-            <a:rPr lang="en-US" dirty="0" smtClean="0"/>
-            <a:t>Flexible</a:t>
-          </a:r>
-          <a:endParaRPr lang="en-US" dirty="0"/>
-        </a:p>
-      </dgm:t>
-    </dgm:pt>
-    <dgm:pt modelId="{62AAD356-BE7D-4137-B6E9-018F7E5387A3}" type="parTrans" cxnId="{5728EEF1-A07E-4ACC-9D95-86BB713BF9DE}">
-      <dgm:prSet/>
-      <dgm:spPr/>
-      <dgm:t>
-        <a:bodyPr/>
-        <a:lstStyle/>
-        <a:p>
-          <a:endParaRPr lang="en-US"/>
-        </a:p>
-      </dgm:t>
-    </dgm:pt>
-    <dgm:pt modelId="{38FEC578-2541-4533-9FF0-E9C54B53A091}" type="sibTrans" cxnId="{5728EEF1-A07E-4ACC-9D95-86BB713BF9DE}">
-      <dgm:prSet/>
-      <dgm:spPr/>
-      <dgm:t>
-        <a:bodyPr/>
-        <a:lstStyle/>
-        <a:p>
-          <a:endParaRPr lang="en-US"/>
-        </a:p>
-      </dgm:t>
-    </dgm:pt>
-    <dgm:pt modelId="{4A8C3E17-9596-4479-8226-8FB6146A8C3A}">
-      <dgm:prSet phldrT="[Text]"/>
-      <dgm:spPr/>
-      <dgm:t>
-        <a:bodyPr/>
-        <a:lstStyle/>
-        <a:p>
-          <a:r>
-            <a:rPr lang="en-US" dirty="0" smtClean="0"/>
-            <a:t>Code Clearly</a:t>
-          </a:r>
-          <a:endParaRPr lang="en-US" dirty="0"/>
-        </a:p>
-      </dgm:t>
-    </dgm:pt>
-    <dgm:pt modelId="{ED439DBF-4EB5-4D07-8BF0-E06F61032DB4}" type="parTrans" cxnId="{0119DB89-397E-43C7-ADFA-1BE0C970F739}">
-      <dgm:prSet/>
-      <dgm:spPr/>
-      <dgm:t>
-        <a:bodyPr/>
-        <a:lstStyle/>
-        <a:p>
-          <a:endParaRPr lang="en-US"/>
-        </a:p>
-      </dgm:t>
-    </dgm:pt>
-    <dgm:pt modelId="{F383AFE4-E7FC-479B-943A-46DCF4BF3934}" type="sibTrans" cxnId="{0119DB89-397E-43C7-ADFA-1BE0C970F739}">
-      <dgm:prSet/>
-      <dgm:spPr/>
-      <dgm:t>
-        <a:bodyPr/>
-        <a:lstStyle/>
-        <a:p>
-          <a:endParaRPr lang="en-US"/>
-        </a:p>
-      </dgm:t>
-    </dgm:pt>
-    <dgm:pt modelId="{0E04E175-E31E-4F8E-9A33-709EB746C910}">
-      <dgm:prSet phldrT="[Text]"/>
-      <dgm:spPr/>
-      <dgm:t>
-        <a:bodyPr/>
-        <a:lstStyle/>
-        <a:p>
-          <a:r>
-            <a:rPr lang="en-US" dirty="0" smtClean="0"/>
-            <a:t>Simple</a:t>
-          </a:r>
-          <a:endParaRPr lang="en-US" dirty="0"/>
-        </a:p>
-      </dgm:t>
-    </dgm:pt>
-    <dgm:pt modelId="{C3E6C5E5-F755-4D94-826E-C619AAD7D94B}" type="parTrans" cxnId="{F126C646-FDC7-4CB4-8EFD-545217E9504B}">
-      <dgm:prSet/>
-      <dgm:spPr/>
-      <dgm:t>
-        <a:bodyPr/>
-        <a:lstStyle/>
-        <a:p>
-          <a:endParaRPr lang="en-US"/>
-        </a:p>
-      </dgm:t>
-    </dgm:pt>
-    <dgm:pt modelId="{CAB9FA5C-81B3-4E1F-A8F1-5B7C1C540B64}" type="sibTrans" cxnId="{F126C646-FDC7-4CB4-8EFD-545217E9504B}">
-      <dgm:prSet/>
-      <dgm:spPr/>
-      <dgm:t>
-        <a:bodyPr/>
-        <a:lstStyle/>
-        <a:p>
-          <a:endParaRPr lang="en-US"/>
-        </a:p>
-      </dgm:t>
-    </dgm:pt>
-    <dgm:pt modelId="{1A84B515-318F-416B-9CAC-30A18F4DCF4E}">
-      <dgm:prSet phldrT="[Text]"/>
-      <dgm:spPr/>
-      <dgm:t>
-        <a:bodyPr/>
-        <a:lstStyle/>
-        <a:p>
-          <a:r>
-            <a:rPr lang="en-US" dirty="0" smtClean="0"/>
-            <a:t>De-dupe</a:t>
-          </a:r>
-          <a:endParaRPr lang="en-US" dirty="0"/>
-        </a:p>
-      </dgm:t>
-    </dgm:pt>
-    <dgm:pt modelId="{0185E872-534A-408D-8B41-91A4CD366A08}" type="parTrans" cxnId="{759591DB-6798-4B66-AFE1-15FA3EDF3EA7}">
-      <dgm:prSet/>
-      <dgm:spPr/>
-      <dgm:t>
-        <a:bodyPr/>
-        <a:lstStyle/>
-        <a:p>
-          <a:endParaRPr lang="en-US"/>
-        </a:p>
-      </dgm:t>
-    </dgm:pt>
-    <dgm:pt modelId="{C0C565EB-2C38-4899-B16C-DB638AE8DA4B}" type="sibTrans" cxnId="{759591DB-6798-4B66-AFE1-15FA3EDF3EA7}">
-      <dgm:prSet/>
-      <dgm:spPr/>
-      <dgm:t>
-        <a:bodyPr/>
-        <a:lstStyle/>
-        <a:p>
-          <a:endParaRPr lang="en-US"/>
-        </a:p>
-      </dgm:t>
-    </dgm:pt>
-    <dgm:pt modelId="{156C4A1C-BD30-4E7B-A10B-FF17CE3A2473}" type="pres">
-      <dgm:prSet presAssocID="{1DB02C94-6D0A-412D-84FD-0511C64A4D05}" presName="Name0" presStyleCnt="0">
+    <dgm:pt modelId="{201F11F2-6CBC-45BD-8A3C-2A4AD72CD8A7}" type="pres">
+      <dgm:prSet presAssocID="{5ED44EE3-B8AE-48FE-8086-E4D6D5FB5A6E}" presName="gear1" presStyleLbl="node1" presStyleIdx="0" presStyleCnt="3">
         <dgm:presLayoutVars>
-          <dgm:dir/>
-          <dgm:resizeHandles val="exact"/>
-        </dgm:presLayoutVars>
-      </dgm:prSet>
-      <dgm:spPr/>
-    </dgm:pt>
-    <dgm:pt modelId="{8D791726-DFC3-4FBB-8601-CC1BFF3930BD}" type="pres">
-      <dgm:prSet presAssocID="{FFC710AF-BE06-4546-B3F8-260D14E025FE}" presName="node" presStyleLbl="node1" presStyleIdx="0" presStyleCnt="3">
-        <dgm:presLayoutVars>
+          <dgm:chMax val="1"/>
           <dgm:bulletEnabled val="1"/>
         </dgm:presLayoutVars>
       </dgm:prSet>
@@ -2293,13 +2118,32 @@
         </a:p>
       </dgm:t>
     </dgm:pt>
-    <dgm:pt modelId="{D79E1BC1-3BDC-4BDE-A377-061BE051CC4F}" type="pres">
-      <dgm:prSet presAssocID="{2D47853C-A918-414F-9D71-CE4F508878D2}" presName="sibTrans" presStyleCnt="0"/>
+    <dgm:pt modelId="{65F88873-2896-4612-AE1F-E9D0CF0B41F9}" type="pres">
+      <dgm:prSet presAssocID="{5ED44EE3-B8AE-48FE-8086-E4D6D5FB5A6E}" presName="gear1srcNode" presStyleLbl="node1" presStyleIdx="0" presStyleCnt="3"/>
       <dgm:spPr/>
+      <dgm:t>
+        <a:bodyPr/>
+        <a:lstStyle/>
+        <a:p>
+          <a:endParaRPr lang="en-US"/>
+        </a:p>
+      </dgm:t>
     </dgm:pt>
-    <dgm:pt modelId="{BA58CAAD-5F31-47EC-A257-D9A92535F846}" type="pres">
-      <dgm:prSet presAssocID="{44AE89FE-9198-4D83-9D80-E2A74D9328A0}" presName="node" presStyleLbl="node1" presStyleIdx="1" presStyleCnt="3">
+    <dgm:pt modelId="{B349725D-12F0-48DA-8B4A-547E471E0722}" type="pres">
+      <dgm:prSet presAssocID="{5ED44EE3-B8AE-48FE-8086-E4D6D5FB5A6E}" presName="gear1dstNode" presStyleLbl="node1" presStyleIdx="0" presStyleCnt="3"/>
+      <dgm:spPr/>
+      <dgm:t>
+        <a:bodyPr/>
+        <a:lstStyle/>
+        <a:p>
+          <a:endParaRPr lang="en-US"/>
+        </a:p>
+      </dgm:t>
+    </dgm:pt>
+    <dgm:pt modelId="{395F6B39-4CF7-4BB9-8DB9-005CF1CBA3C3}" type="pres">
+      <dgm:prSet presAssocID="{43A859D2-26D0-420A-8502-121A9952977E}" presName="gear2" presStyleLbl="node1" presStyleIdx="1" presStyleCnt="3">
         <dgm:presLayoutVars>
+          <dgm:chMax val="1"/>
           <dgm:bulletEnabled val="1"/>
         </dgm:presLayoutVars>
       </dgm:prSet>
@@ -2312,13 +2156,43 @@
         </a:p>
       </dgm:t>
     </dgm:pt>
-    <dgm:pt modelId="{D76FEC2F-566A-4920-AEA4-21EC74BCD3DA}" type="pres">
-      <dgm:prSet presAssocID="{7F5CAB40-038F-4FE1-A229-91709E248C9F}" presName="sibTrans" presStyleCnt="0"/>
+    <dgm:pt modelId="{1AF2E305-C149-4A2C-B94D-9EC50FF04D63}" type="pres">
+      <dgm:prSet presAssocID="{43A859D2-26D0-420A-8502-121A9952977E}" presName="gear2srcNode" presStyleLbl="node1" presStyleIdx="1" presStyleCnt="3"/>
       <dgm:spPr/>
+      <dgm:t>
+        <a:bodyPr/>
+        <a:lstStyle/>
+        <a:p>
+          <a:endParaRPr lang="en-US"/>
+        </a:p>
+      </dgm:t>
     </dgm:pt>
-    <dgm:pt modelId="{C5501FBE-0ECF-47DA-BF5A-9B22A9FC985E}" type="pres">
-      <dgm:prSet presAssocID="{4A8C3E17-9596-4479-8226-8FB6146A8C3A}" presName="node" presStyleLbl="node1" presStyleIdx="2" presStyleCnt="3">
+    <dgm:pt modelId="{0EAC1D19-5B3D-4F12-9CBA-A3322FF5DEAB}" type="pres">
+      <dgm:prSet presAssocID="{43A859D2-26D0-420A-8502-121A9952977E}" presName="gear2dstNode" presStyleLbl="node1" presStyleIdx="1" presStyleCnt="3"/>
+      <dgm:spPr/>
+      <dgm:t>
+        <a:bodyPr/>
+        <a:lstStyle/>
+        <a:p>
+          <a:endParaRPr lang="en-US"/>
+        </a:p>
+      </dgm:t>
+    </dgm:pt>
+    <dgm:pt modelId="{F5BA939F-F24D-49CD-9715-982010E8BE4F}" type="pres">
+      <dgm:prSet presAssocID="{810A616A-0006-402C-9E12-BACDA5E6AE25}" presName="gear3" presStyleLbl="node1" presStyleIdx="2" presStyleCnt="3"/>
+      <dgm:spPr/>
+      <dgm:t>
+        <a:bodyPr/>
+        <a:lstStyle/>
+        <a:p>
+          <a:endParaRPr lang="en-US"/>
+        </a:p>
+      </dgm:t>
+    </dgm:pt>
+    <dgm:pt modelId="{98FFB713-55AD-408F-88D1-7CD93C4D4E8C}" type="pres">
+      <dgm:prSet presAssocID="{810A616A-0006-402C-9E12-BACDA5E6AE25}" presName="gear3tx" presStyleLbl="node1" presStyleIdx="2" presStyleCnt="3">
         <dgm:presLayoutVars>
+          <dgm:chMax val="1"/>
           <dgm:bulletEnabled val="1"/>
         </dgm:presLayoutVars>
       </dgm:prSet>
@@ -2331,32 +2205,93 @@
         </a:p>
       </dgm:t>
     </dgm:pt>
+    <dgm:pt modelId="{50300B5E-09D8-46E2-8BA9-DE0F303AE096}" type="pres">
+      <dgm:prSet presAssocID="{810A616A-0006-402C-9E12-BACDA5E6AE25}" presName="gear3srcNode" presStyleLbl="node1" presStyleIdx="2" presStyleCnt="3"/>
+      <dgm:spPr/>
+      <dgm:t>
+        <a:bodyPr/>
+        <a:lstStyle/>
+        <a:p>
+          <a:endParaRPr lang="en-US"/>
+        </a:p>
+      </dgm:t>
+    </dgm:pt>
+    <dgm:pt modelId="{0B261C2F-C29F-4C1B-9ADB-5064B5D97509}" type="pres">
+      <dgm:prSet presAssocID="{810A616A-0006-402C-9E12-BACDA5E6AE25}" presName="gear3dstNode" presStyleLbl="node1" presStyleIdx="2" presStyleCnt="3"/>
+      <dgm:spPr/>
+      <dgm:t>
+        <a:bodyPr/>
+        <a:lstStyle/>
+        <a:p>
+          <a:endParaRPr lang="en-US"/>
+        </a:p>
+      </dgm:t>
+    </dgm:pt>
+    <dgm:pt modelId="{E61C0D1F-152F-4BB9-9971-A32881DBBA0A}" type="pres">
+      <dgm:prSet presAssocID="{47FA2657-ED0F-4745-8806-387B777E7EA5}" presName="connector1" presStyleLbl="sibTrans2D1" presStyleIdx="0" presStyleCnt="3" custAng="5400000" custLinFactNeighborX="-1403" custLinFactNeighborY="10991"/>
+      <dgm:spPr/>
+      <dgm:t>
+        <a:bodyPr/>
+        <a:lstStyle/>
+        <a:p>
+          <a:endParaRPr lang="en-US"/>
+        </a:p>
+      </dgm:t>
+    </dgm:pt>
+    <dgm:pt modelId="{96DD6AFA-D618-47F7-88F0-3BAE3E51BCB1}" type="pres">
+      <dgm:prSet presAssocID="{CFF849FF-AD29-4F55-A4EF-DA865C8DFB0B}" presName="connector2" presStyleLbl="sibTrans2D1" presStyleIdx="1" presStyleCnt="3"/>
+      <dgm:spPr/>
+      <dgm:t>
+        <a:bodyPr/>
+        <a:lstStyle/>
+        <a:p>
+          <a:endParaRPr lang="en-US"/>
+        </a:p>
+      </dgm:t>
+    </dgm:pt>
+    <dgm:pt modelId="{E01659B0-9175-422D-8E16-3BBCDEB9412D}" type="pres">
+      <dgm:prSet presAssocID="{299D707C-207B-4586-BA6F-BBC65D4AE4A0}" presName="connector3" presStyleLbl="sibTrans2D1" presStyleIdx="2" presStyleCnt="3"/>
+      <dgm:spPr/>
+      <dgm:t>
+        <a:bodyPr/>
+        <a:lstStyle/>
+        <a:p>
+          <a:endParaRPr lang="en-US"/>
+        </a:p>
+      </dgm:t>
+    </dgm:pt>
   </dgm:ptLst>
   <dgm:cxnLst>
-    <dgm:cxn modelId="{5728EEF1-A07E-4ACC-9D95-86BB713BF9DE}" srcId="{44AE89FE-9198-4D83-9D80-E2A74D9328A0}" destId="{42B991CD-841F-4373-842E-0CC43A0D03F9}" srcOrd="1" destOrd="0" parTransId="{62AAD356-BE7D-4137-B6E9-018F7E5387A3}" sibTransId="{38FEC578-2541-4533-9FF0-E9C54B53A091}"/>
-    <dgm:cxn modelId="{09E38900-EE4A-491D-8AED-967313126C73}" type="presOf" srcId="{0E04E175-E31E-4F8E-9A33-709EB746C910}" destId="{C5501FBE-0ECF-47DA-BF5A-9B22A9FC985E}" srcOrd="0" destOrd="1" presId="urn:microsoft.com/office/officeart/2005/8/layout/hList6"/>
-    <dgm:cxn modelId="{D0F74F6A-0698-4359-94D5-40856E2C5A7A}" type="presOf" srcId="{42B991CD-841F-4373-842E-0CC43A0D03F9}" destId="{BA58CAAD-5F31-47EC-A257-D9A92535F846}" srcOrd="0" destOrd="2" presId="urn:microsoft.com/office/officeart/2005/8/layout/hList6"/>
-    <dgm:cxn modelId="{F126C646-FDC7-4CB4-8EFD-545217E9504B}" srcId="{4A8C3E17-9596-4479-8226-8FB6146A8C3A}" destId="{0E04E175-E31E-4F8E-9A33-709EB746C910}" srcOrd="0" destOrd="0" parTransId="{C3E6C5E5-F755-4D94-826E-C619AAD7D94B}" sibTransId="{CAB9FA5C-81B3-4E1F-A8F1-5B7C1C540B64}"/>
-    <dgm:cxn modelId="{0119DB89-397E-43C7-ADFA-1BE0C970F739}" srcId="{1DB02C94-6D0A-412D-84FD-0511C64A4D05}" destId="{4A8C3E17-9596-4479-8226-8FB6146A8C3A}" srcOrd="2" destOrd="0" parTransId="{ED439DBF-4EB5-4D07-8BF0-E06F61032DB4}" sibTransId="{F383AFE4-E7FC-479B-943A-46DCF4BF3934}"/>
-    <dgm:cxn modelId="{3BC34B17-C049-412B-AF76-AEB9B38F020E}" type="presOf" srcId="{1A84B515-318F-416B-9CAC-30A18F4DCF4E}" destId="{C5501FBE-0ECF-47DA-BF5A-9B22A9FC985E}" srcOrd="0" destOrd="2" presId="urn:microsoft.com/office/officeart/2005/8/layout/hList6"/>
-    <dgm:cxn modelId="{73F4080D-9A52-4A83-B67C-3D4AD5893D24}" type="presOf" srcId="{ADA0B851-47B2-40E3-9E18-28BDF3BD66E1}" destId="{BA58CAAD-5F31-47EC-A257-D9A92535F846}" srcOrd="0" destOrd="1" presId="urn:microsoft.com/office/officeart/2005/8/layout/hList6"/>
-    <dgm:cxn modelId="{A0A82D97-B1F3-4CDD-9190-8F2F6EA683FB}" type="presOf" srcId="{4A8C3E17-9596-4479-8226-8FB6146A8C3A}" destId="{C5501FBE-0ECF-47DA-BF5A-9B22A9FC985E}" srcOrd="0" destOrd="0" presId="urn:microsoft.com/office/officeart/2005/8/layout/hList6"/>
-    <dgm:cxn modelId="{9F91E1A7-A833-4E66-85B2-EF37609A57EC}" srcId="{44AE89FE-9198-4D83-9D80-E2A74D9328A0}" destId="{ADA0B851-47B2-40E3-9E18-28BDF3BD66E1}" srcOrd="0" destOrd="0" parTransId="{37CBFDB6-498E-43DD-A422-B95A35B4689F}" sibTransId="{6A2EF445-0C52-465D-A8FA-95AAB3277BD0}"/>
-    <dgm:cxn modelId="{BBEE3B78-613F-418F-A354-338157B168F4}" srcId="{FFC710AF-BE06-4546-B3F8-260D14E025FE}" destId="{3DB9FA12-2479-48AD-9ED8-C858B6392985}" srcOrd="0" destOrd="0" parTransId="{C4AD0F7B-E2D8-4537-9FFA-0E9CB5B97D53}" sibTransId="{58C51E6B-6C6D-4ED7-A24E-72D5B2B2FA1F}"/>
-    <dgm:cxn modelId="{A4C4C4CE-9650-4BB3-84C0-9B5F81D96C41}" srcId="{1DB02C94-6D0A-412D-84FD-0511C64A4D05}" destId="{44AE89FE-9198-4D83-9D80-E2A74D9328A0}" srcOrd="1" destOrd="0" parTransId="{A7F9773C-E8DE-4F89-BCFE-0FA8AA58AEEA}" sibTransId="{7F5CAB40-038F-4FE1-A229-91709E248C9F}"/>
-    <dgm:cxn modelId="{18073014-67DD-494E-9D20-CB2F93D4F0BB}" type="presOf" srcId="{FFC710AF-BE06-4546-B3F8-260D14E025FE}" destId="{8D791726-DFC3-4FBB-8601-CC1BFF3930BD}" srcOrd="0" destOrd="0" presId="urn:microsoft.com/office/officeart/2005/8/layout/hList6"/>
-    <dgm:cxn modelId="{759591DB-6798-4B66-AFE1-15FA3EDF3EA7}" srcId="{4A8C3E17-9596-4479-8226-8FB6146A8C3A}" destId="{1A84B515-318F-416B-9CAC-30A18F4DCF4E}" srcOrd="1" destOrd="0" parTransId="{0185E872-534A-408D-8B41-91A4CD366A08}" sibTransId="{C0C565EB-2C38-4899-B16C-DB638AE8DA4B}"/>
-    <dgm:cxn modelId="{A18247F3-7E13-495E-8E11-2E7029B2FA5B}" type="presOf" srcId="{1DB02C94-6D0A-412D-84FD-0511C64A4D05}" destId="{156C4A1C-BD30-4E7B-A10B-FF17CE3A2473}" srcOrd="0" destOrd="0" presId="urn:microsoft.com/office/officeart/2005/8/layout/hList6"/>
-    <dgm:cxn modelId="{4AD4F8B1-BCA8-4199-BDAC-84031A7DCC2F}" type="presOf" srcId="{3DB9FA12-2479-48AD-9ED8-C858B6392985}" destId="{8D791726-DFC3-4FBB-8601-CC1BFF3930BD}" srcOrd="0" destOrd="1" presId="urn:microsoft.com/office/officeart/2005/8/layout/hList6"/>
-    <dgm:cxn modelId="{12146F37-C2FA-45E4-BB44-11E16B0936E1}" srcId="{FFC710AF-BE06-4546-B3F8-260D14E025FE}" destId="{B002C434-F9A2-4D3F-B071-6B92859C5C3A}" srcOrd="1" destOrd="0" parTransId="{722A1745-7A02-43E1-B352-786397920958}" sibTransId="{8F6855DE-6982-4F0B-8D4E-0CC5E31864BD}"/>
-    <dgm:cxn modelId="{18FEC5C8-C74A-4992-B11D-BE3DD47920BF}" type="presOf" srcId="{B002C434-F9A2-4D3F-B071-6B92859C5C3A}" destId="{8D791726-DFC3-4FBB-8601-CC1BFF3930BD}" srcOrd="0" destOrd="2" presId="urn:microsoft.com/office/officeart/2005/8/layout/hList6"/>
-    <dgm:cxn modelId="{8A0D4F25-6C39-45C7-B05F-C92F4777CB29}" type="presOf" srcId="{44AE89FE-9198-4D83-9D80-E2A74D9328A0}" destId="{BA58CAAD-5F31-47EC-A257-D9A92535F846}" srcOrd="0" destOrd="0" presId="urn:microsoft.com/office/officeart/2005/8/layout/hList6"/>
-    <dgm:cxn modelId="{763965DB-81D8-4AD5-9BE6-0A7626606B06}" srcId="{1DB02C94-6D0A-412D-84FD-0511C64A4D05}" destId="{FFC710AF-BE06-4546-B3F8-260D14E025FE}" srcOrd="0" destOrd="0" parTransId="{9EFADE72-9542-42E7-8662-55F9F7EE9308}" sibTransId="{2D47853C-A918-414F-9D71-CE4F508878D2}"/>
-    <dgm:cxn modelId="{77480129-A671-400C-A68C-966F9A51F78F}" type="presParOf" srcId="{156C4A1C-BD30-4E7B-A10B-FF17CE3A2473}" destId="{8D791726-DFC3-4FBB-8601-CC1BFF3930BD}" srcOrd="0" destOrd="0" presId="urn:microsoft.com/office/officeart/2005/8/layout/hList6"/>
-    <dgm:cxn modelId="{4F7F92F9-E42C-498E-8CC1-322E9785721A}" type="presParOf" srcId="{156C4A1C-BD30-4E7B-A10B-FF17CE3A2473}" destId="{D79E1BC1-3BDC-4BDE-A377-061BE051CC4F}" srcOrd="1" destOrd="0" presId="urn:microsoft.com/office/officeart/2005/8/layout/hList6"/>
-    <dgm:cxn modelId="{D4179865-63BD-4CB6-9C19-B8EAAA3CAABD}" type="presParOf" srcId="{156C4A1C-BD30-4E7B-A10B-FF17CE3A2473}" destId="{BA58CAAD-5F31-47EC-A257-D9A92535F846}" srcOrd="2" destOrd="0" presId="urn:microsoft.com/office/officeart/2005/8/layout/hList6"/>
-    <dgm:cxn modelId="{DD11ED26-EEBB-4D45-AFED-C8010640A01E}" type="presParOf" srcId="{156C4A1C-BD30-4E7B-A10B-FF17CE3A2473}" destId="{D76FEC2F-566A-4920-AEA4-21EC74BCD3DA}" srcOrd="3" destOrd="0" presId="urn:microsoft.com/office/officeart/2005/8/layout/hList6"/>
-    <dgm:cxn modelId="{DC708C17-94FF-4279-A3FA-21EC0B8F7C2E}" type="presParOf" srcId="{156C4A1C-BD30-4E7B-A10B-FF17CE3A2473}" destId="{C5501FBE-0ECF-47DA-BF5A-9B22A9FC985E}" srcOrd="4" destOrd="0" presId="urn:microsoft.com/office/officeart/2005/8/layout/hList6"/>
+    <dgm:cxn modelId="{459A2810-3E49-4012-A55E-2B5BA05EC3B6}" type="presOf" srcId="{CFF849FF-AD29-4F55-A4EF-DA865C8DFB0B}" destId="{96DD6AFA-D618-47F7-88F0-3BAE3E51BCB1}" srcOrd="0" destOrd="0" presId="urn:microsoft.com/office/officeart/2005/8/layout/gear1"/>
+    <dgm:cxn modelId="{C3C9F704-8F36-4D42-A689-F34640ACA7BE}" type="presOf" srcId="{810A616A-0006-402C-9E12-BACDA5E6AE25}" destId="{98FFB713-55AD-408F-88D1-7CD93C4D4E8C}" srcOrd="1" destOrd="0" presId="urn:microsoft.com/office/officeart/2005/8/layout/gear1"/>
+    <dgm:cxn modelId="{3A5CF042-6F17-4B58-877A-BF05D8F5B671}" type="presOf" srcId="{810A616A-0006-402C-9E12-BACDA5E6AE25}" destId="{0B261C2F-C29F-4C1B-9ADB-5064B5D97509}" srcOrd="3" destOrd="0" presId="urn:microsoft.com/office/officeart/2005/8/layout/gear1"/>
+    <dgm:cxn modelId="{3625B7E3-CBD2-4661-A189-69A365E31045}" type="presOf" srcId="{5ED44EE3-B8AE-48FE-8086-E4D6D5FB5A6E}" destId="{201F11F2-6CBC-45BD-8A3C-2A4AD72CD8A7}" srcOrd="0" destOrd="0" presId="urn:microsoft.com/office/officeart/2005/8/layout/gear1"/>
+    <dgm:cxn modelId="{F92E7DAD-1A8A-4BF3-91C4-0595814F24B3}" type="presOf" srcId="{810A616A-0006-402C-9E12-BACDA5E6AE25}" destId="{50300B5E-09D8-46E2-8BA9-DE0F303AE096}" srcOrd="2" destOrd="0" presId="urn:microsoft.com/office/officeart/2005/8/layout/gear1"/>
+    <dgm:cxn modelId="{2479B0A4-6209-4A29-BC4E-3DACBF37FC99}" type="presOf" srcId="{5ED44EE3-B8AE-48FE-8086-E4D6D5FB5A6E}" destId="{B349725D-12F0-48DA-8B4A-547E471E0722}" srcOrd="2" destOrd="0" presId="urn:microsoft.com/office/officeart/2005/8/layout/gear1"/>
+    <dgm:cxn modelId="{F71CBE11-862D-4499-AF94-C4010FAE0192}" type="presOf" srcId="{43A859D2-26D0-420A-8502-121A9952977E}" destId="{395F6B39-4CF7-4BB9-8DB9-005CF1CBA3C3}" srcOrd="0" destOrd="0" presId="urn:microsoft.com/office/officeart/2005/8/layout/gear1"/>
+    <dgm:cxn modelId="{0A264650-8C92-4816-933D-F2930E057839}" type="presOf" srcId="{43A859D2-26D0-420A-8502-121A9952977E}" destId="{0EAC1D19-5B3D-4F12-9CBA-A3322FF5DEAB}" srcOrd="2" destOrd="0" presId="urn:microsoft.com/office/officeart/2005/8/layout/gear1"/>
+    <dgm:cxn modelId="{53DC902A-FC66-4488-82C9-93E61F12F152}" srcId="{34F4D875-9C8D-4B53-8DD0-20F71F2A00CB}" destId="{810A616A-0006-402C-9E12-BACDA5E6AE25}" srcOrd="2" destOrd="0" parTransId="{17386A1C-26AE-4566-ABBC-04426219F1E3}" sibTransId="{299D707C-207B-4586-BA6F-BBC65D4AE4A0}"/>
+    <dgm:cxn modelId="{AEEDB330-B67E-4957-89CF-E4AA1D7B0989}" srcId="{34F4D875-9C8D-4B53-8DD0-20F71F2A00CB}" destId="{43A859D2-26D0-420A-8502-121A9952977E}" srcOrd="1" destOrd="0" parTransId="{16E880C5-78E3-4718-A7CA-792D63CB8D05}" sibTransId="{CFF849FF-AD29-4F55-A4EF-DA865C8DFB0B}"/>
+    <dgm:cxn modelId="{F5AD8EC4-8BF0-4434-BC62-67C95C88F3C0}" type="presOf" srcId="{43A859D2-26D0-420A-8502-121A9952977E}" destId="{1AF2E305-C149-4A2C-B94D-9EC50FF04D63}" srcOrd="1" destOrd="0" presId="urn:microsoft.com/office/officeart/2005/8/layout/gear1"/>
+    <dgm:cxn modelId="{BD38B754-8AEB-4611-B287-DEE1334702D9}" type="presOf" srcId="{34F4D875-9C8D-4B53-8DD0-20F71F2A00CB}" destId="{C1993AFC-98D5-428E-88A0-7D9E2527C119}" srcOrd="0" destOrd="0" presId="urn:microsoft.com/office/officeart/2005/8/layout/gear1"/>
+    <dgm:cxn modelId="{430FA45F-9574-425D-B66C-8D77DABB5E90}" type="presOf" srcId="{47FA2657-ED0F-4745-8806-387B777E7EA5}" destId="{E61C0D1F-152F-4BB9-9971-A32881DBBA0A}" srcOrd="0" destOrd="0" presId="urn:microsoft.com/office/officeart/2005/8/layout/gear1"/>
+    <dgm:cxn modelId="{DA1B6F2C-99F1-4FB5-96FD-77EB6CA6A6BA}" type="presOf" srcId="{299D707C-207B-4586-BA6F-BBC65D4AE4A0}" destId="{E01659B0-9175-422D-8E16-3BBCDEB9412D}" srcOrd="0" destOrd="0" presId="urn:microsoft.com/office/officeart/2005/8/layout/gear1"/>
+    <dgm:cxn modelId="{2568CC41-A377-4830-85BD-98D9026DF525}" type="presOf" srcId="{5ED44EE3-B8AE-48FE-8086-E4D6D5FB5A6E}" destId="{65F88873-2896-4612-AE1F-E9D0CF0B41F9}" srcOrd="1" destOrd="0" presId="urn:microsoft.com/office/officeart/2005/8/layout/gear1"/>
+    <dgm:cxn modelId="{3EAB9613-2B2E-4231-9C98-980BC797B8B9}" type="presOf" srcId="{810A616A-0006-402C-9E12-BACDA5E6AE25}" destId="{F5BA939F-F24D-49CD-9715-982010E8BE4F}" srcOrd="0" destOrd="0" presId="urn:microsoft.com/office/officeart/2005/8/layout/gear1"/>
+    <dgm:cxn modelId="{ED78C151-5FFB-4B6E-8EFC-02CAB90FAB39}" srcId="{34F4D875-9C8D-4B53-8DD0-20F71F2A00CB}" destId="{5ED44EE3-B8AE-48FE-8086-E4D6D5FB5A6E}" srcOrd="0" destOrd="0" parTransId="{67A7F70A-D6DE-4A5A-98A5-BB86FB181D33}" sibTransId="{47FA2657-ED0F-4745-8806-387B777E7EA5}"/>
+    <dgm:cxn modelId="{EFE8129B-DAAC-48F2-899A-2F3B6245FDE1}" type="presParOf" srcId="{C1993AFC-98D5-428E-88A0-7D9E2527C119}" destId="{201F11F2-6CBC-45BD-8A3C-2A4AD72CD8A7}" srcOrd="0" destOrd="0" presId="urn:microsoft.com/office/officeart/2005/8/layout/gear1"/>
+    <dgm:cxn modelId="{DC0A8EF6-0EC7-4679-A3AE-AFF303488BC3}" type="presParOf" srcId="{C1993AFC-98D5-428E-88A0-7D9E2527C119}" destId="{65F88873-2896-4612-AE1F-E9D0CF0B41F9}" srcOrd="1" destOrd="0" presId="urn:microsoft.com/office/officeart/2005/8/layout/gear1"/>
+    <dgm:cxn modelId="{9B4C9DA7-FEF7-4C89-9810-BA62651E6831}" type="presParOf" srcId="{C1993AFC-98D5-428E-88A0-7D9E2527C119}" destId="{B349725D-12F0-48DA-8B4A-547E471E0722}" srcOrd="2" destOrd="0" presId="urn:microsoft.com/office/officeart/2005/8/layout/gear1"/>
+    <dgm:cxn modelId="{D9C092E4-4C20-473A-99F3-DEBB25D995E8}" type="presParOf" srcId="{C1993AFC-98D5-428E-88A0-7D9E2527C119}" destId="{395F6B39-4CF7-4BB9-8DB9-005CF1CBA3C3}" srcOrd="3" destOrd="0" presId="urn:microsoft.com/office/officeart/2005/8/layout/gear1"/>
+    <dgm:cxn modelId="{146D075F-134F-4CD9-94CF-B5142D626193}" type="presParOf" srcId="{C1993AFC-98D5-428E-88A0-7D9E2527C119}" destId="{1AF2E305-C149-4A2C-B94D-9EC50FF04D63}" srcOrd="4" destOrd="0" presId="urn:microsoft.com/office/officeart/2005/8/layout/gear1"/>
+    <dgm:cxn modelId="{94C77656-B7E7-4077-ACFE-3A1F356BA855}" type="presParOf" srcId="{C1993AFC-98D5-428E-88A0-7D9E2527C119}" destId="{0EAC1D19-5B3D-4F12-9CBA-A3322FF5DEAB}" srcOrd="5" destOrd="0" presId="urn:microsoft.com/office/officeart/2005/8/layout/gear1"/>
+    <dgm:cxn modelId="{47A043A4-85E9-4702-AC64-B2FCA55BF717}" type="presParOf" srcId="{C1993AFC-98D5-428E-88A0-7D9E2527C119}" destId="{F5BA939F-F24D-49CD-9715-982010E8BE4F}" srcOrd="6" destOrd="0" presId="urn:microsoft.com/office/officeart/2005/8/layout/gear1"/>
+    <dgm:cxn modelId="{CBC0328C-6C7C-482F-B0D3-D19E9AA47E12}" type="presParOf" srcId="{C1993AFC-98D5-428E-88A0-7D9E2527C119}" destId="{98FFB713-55AD-408F-88D1-7CD93C4D4E8C}" srcOrd="7" destOrd="0" presId="urn:microsoft.com/office/officeart/2005/8/layout/gear1"/>
+    <dgm:cxn modelId="{B83C542A-1EFD-4C58-BA2B-4604378A81CA}" type="presParOf" srcId="{C1993AFC-98D5-428E-88A0-7D9E2527C119}" destId="{50300B5E-09D8-46E2-8BA9-DE0F303AE096}" srcOrd="8" destOrd="0" presId="urn:microsoft.com/office/officeart/2005/8/layout/gear1"/>
+    <dgm:cxn modelId="{497033F8-0158-4CFF-ABA2-4C83CC48A5ED}" type="presParOf" srcId="{C1993AFC-98D5-428E-88A0-7D9E2527C119}" destId="{0B261C2F-C29F-4C1B-9ADB-5064B5D97509}" srcOrd="9" destOrd="0" presId="urn:microsoft.com/office/officeart/2005/8/layout/gear1"/>
+    <dgm:cxn modelId="{CC85955F-49EC-47F7-82EA-55FDF48B708D}" type="presParOf" srcId="{C1993AFC-98D5-428E-88A0-7D9E2527C119}" destId="{E61C0D1F-152F-4BB9-9971-A32881DBBA0A}" srcOrd="10" destOrd="0" presId="urn:microsoft.com/office/officeart/2005/8/layout/gear1"/>
+    <dgm:cxn modelId="{D69A5E24-D6A4-474C-9A49-27DCF54B86FD}" type="presParOf" srcId="{C1993AFC-98D5-428E-88A0-7D9E2527C119}" destId="{96DD6AFA-D618-47F7-88F0-3BAE3E51BCB1}" srcOrd="11" destOrd="0" presId="urn:microsoft.com/office/officeart/2005/8/layout/gear1"/>
+    <dgm:cxn modelId="{4DD2CD43-E604-4208-9DF9-ADA2D48B94EF}" type="presParOf" srcId="{C1993AFC-98D5-428E-88A0-7D9E2527C119}" destId="{E01659B0-9175-422D-8E16-3BBCDEB9412D}" srcOrd="12" destOrd="0" presId="urn:microsoft.com/office/officeart/2005/8/layout/gear1"/>
   </dgm:cxnLst>
   <dgm:bg/>
   <dgm:whole/>
@@ -2619,17 +2554,17 @@
       <dsp:cNvGrpSpPr/>
     </dsp:nvGrpSpPr>
     <dsp:grpSpPr/>
-    <dsp:sp modelId="{8D791726-DFC3-4FBB-8601-CC1BFF3930BD}">
+    <dsp:sp modelId="{201F11F2-6CBC-45BD-8A3C-2A4AD72CD8A7}">
       <dsp:nvSpPr>
         <dsp:cNvPr id="0" name=""/>
         <dsp:cNvSpPr/>
       </dsp:nvSpPr>
       <dsp:spPr>
-        <a:xfrm rot="16200000">
-          <a:off x="29006" y="-27783"/>
-          <a:ext cx="3124200" cy="3179766"/>
+        <a:xfrm>
+          <a:off x="4234741" y="1405890"/>
+          <a:ext cx="1718310" cy="1718310"/>
         </a:xfrm>
-        <a:prstGeom prst="flowChartManualOperation">
+        <a:prstGeom prst="gear9">
           <a:avLst/>
         </a:prstGeom>
         <a:solidFill>
@@ -2668,12 +2603,12 @@
         </a:fontRef>
       </dsp:style>
       <dsp:txBody>
-        <a:bodyPr spcFirstLastPara="0" vert="horz" wrap="square" lIns="203200" tIns="0" rIns="203367" bIns="0" numCol="1" spcCol="1270" anchor="t" anchorCtr="0">
+        <a:bodyPr spcFirstLastPara="0" vert="horz" wrap="square" lIns="17780" tIns="17780" rIns="17780" bIns="17780" numCol="1" spcCol="1270" anchor="ctr" anchorCtr="0">
           <a:noAutofit/>
         </a:bodyPr>
         <a:lstStyle/>
         <a:p>
-          <a:pPr lvl="0" algn="l" defTabSz="1422400">
+          <a:pPr lvl="0" algn="ctr" defTabSz="622300">
             <a:lnSpc>
               <a:spcPct val="90000"/>
             </a:lnSpc>
@@ -2685,66 +2620,28 @@
             </a:spcAft>
           </a:pPr>
           <a:r>
-            <a:rPr lang="en-US" sz="3200" kern="1200" dirty="0" smtClean="0"/>
-            <a:t>Clear Requirement</a:t>
+            <a:rPr lang="en-US" sz="1400" kern="1200" dirty="0" smtClean="0"/>
+            <a:t>Requirement</a:t>
           </a:r>
-          <a:endParaRPr lang="en-US" sz="3200" kern="1200" dirty="0"/>
-        </a:p>
-        <a:p>
-          <a:pPr marL="228600" lvl="1" indent="-228600" algn="l" defTabSz="1111250">
-            <a:lnSpc>
-              <a:spcPct val="90000"/>
-            </a:lnSpc>
-            <a:spcBef>
-              <a:spcPct val="0"/>
-            </a:spcBef>
-            <a:spcAft>
-              <a:spcPct val="15000"/>
-            </a:spcAft>
-            <a:buChar char="••"/>
-          </a:pPr>
-          <a:r>
-            <a:rPr lang="en-US" sz="2500" kern="1200" dirty="0" smtClean="0"/>
-            <a:t>Now</a:t>
-          </a:r>
-          <a:endParaRPr lang="en-US" sz="2500" kern="1200" dirty="0"/>
-        </a:p>
-        <a:p>
-          <a:pPr marL="228600" lvl="1" indent="-228600" algn="l" defTabSz="1111250">
-            <a:lnSpc>
-              <a:spcPct val="90000"/>
-            </a:lnSpc>
-            <a:spcBef>
-              <a:spcPct val="0"/>
-            </a:spcBef>
-            <a:spcAft>
-              <a:spcPct val="15000"/>
-            </a:spcAft>
-            <a:buChar char="••"/>
-          </a:pPr>
-          <a:r>
-            <a:rPr lang="en-US" sz="2500" kern="1200" dirty="0" smtClean="0"/>
-            <a:t>For see future</a:t>
-          </a:r>
-          <a:endParaRPr lang="en-US" sz="2500" kern="1200" dirty="0"/>
+          <a:endParaRPr lang="en-US" sz="1400" kern="1200" dirty="0"/>
         </a:p>
       </dsp:txBody>
-      <dsp:txXfrm rot="5400000">
-        <a:off x="1223" y="624840"/>
-        <a:ext cx="3179766" cy="1874520"/>
+      <dsp:txXfrm>
+        <a:off x="4580198" y="1808396"/>
+        <a:ext cx="1027396" cy="883247"/>
       </dsp:txXfrm>
     </dsp:sp>
-    <dsp:sp modelId="{BA58CAAD-5F31-47EC-A257-D9A92535F846}">
+    <dsp:sp modelId="{395F6B39-4CF7-4BB9-8DB9-005CF1CBA3C3}">
       <dsp:nvSpPr>
         <dsp:cNvPr id="0" name=""/>
         <dsp:cNvSpPr/>
       </dsp:nvSpPr>
       <dsp:spPr>
-        <a:xfrm rot="16200000">
-          <a:off x="3447256" y="-27783"/>
-          <a:ext cx="3124200" cy="3179766"/>
+        <a:xfrm>
+          <a:off x="3234997" y="999744"/>
+          <a:ext cx="1249680" cy="1249680"/>
         </a:xfrm>
-        <a:prstGeom prst="flowChartManualOperation">
+        <a:prstGeom prst="gear6">
           <a:avLst/>
         </a:prstGeom>
         <a:solidFill>
@@ -2783,12 +2680,12 @@
         </a:fontRef>
       </dsp:style>
       <dsp:txBody>
-        <a:bodyPr spcFirstLastPara="0" vert="horz" wrap="square" lIns="203200" tIns="0" rIns="203367" bIns="0" numCol="1" spcCol="1270" anchor="t" anchorCtr="0">
+        <a:bodyPr spcFirstLastPara="0" vert="horz" wrap="square" lIns="17780" tIns="17780" rIns="17780" bIns="17780" numCol="1" spcCol="1270" anchor="ctr" anchorCtr="0">
           <a:noAutofit/>
         </a:bodyPr>
         <a:lstStyle/>
         <a:p>
-          <a:pPr lvl="0" algn="l" defTabSz="1422400">
+          <a:pPr lvl="0" algn="ctr" defTabSz="622300">
             <a:lnSpc>
               <a:spcPct val="90000"/>
             </a:lnSpc>
@@ -2800,66 +2697,28 @@
             </a:spcAft>
           </a:pPr>
           <a:r>
-            <a:rPr lang="en-US" sz="3200" kern="1200" dirty="0" smtClean="0"/>
-            <a:t>Design Carefully</a:t>
+            <a:rPr lang="en-US" sz="1400" kern="1200" dirty="0" smtClean="0"/>
+            <a:t>Quality</a:t>
           </a:r>
-          <a:endParaRPr lang="en-US" sz="3200" kern="1200" dirty="0"/>
-        </a:p>
-        <a:p>
-          <a:pPr marL="228600" lvl="1" indent="-228600" algn="l" defTabSz="1111250">
-            <a:lnSpc>
-              <a:spcPct val="90000"/>
-            </a:lnSpc>
-            <a:spcBef>
-              <a:spcPct val="0"/>
-            </a:spcBef>
-            <a:spcAft>
-              <a:spcPct val="15000"/>
-            </a:spcAft>
-            <a:buChar char="••"/>
-          </a:pPr>
-          <a:r>
-            <a:rPr lang="en-US" sz="2500" kern="1200" dirty="0" smtClean="0"/>
-            <a:t>Simple</a:t>
-          </a:r>
-          <a:endParaRPr lang="en-US" sz="2500" kern="1200" dirty="0"/>
-        </a:p>
-        <a:p>
-          <a:pPr marL="228600" lvl="1" indent="-228600" algn="l" defTabSz="1111250">
-            <a:lnSpc>
-              <a:spcPct val="90000"/>
-            </a:lnSpc>
-            <a:spcBef>
-              <a:spcPct val="0"/>
-            </a:spcBef>
-            <a:spcAft>
-              <a:spcPct val="15000"/>
-            </a:spcAft>
-            <a:buChar char="••"/>
-          </a:pPr>
-          <a:r>
-            <a:rPr lang="en-US" sz="2500" kern="1200" dirty="0" smtClean="0"/>
-            <a:t>Flexible</a:t>
-          </a:r>
-          <a:endParaRPr lang="en-US" sz="2500" kern="1200" dirty="0"/>
+          <a:endParaRPr lang="en-US" sz="1400" kern="1200" dirty="0"/>
         </a:p>
       </dsp:txBody>
-      <dsp:txXfrm rot="5400000">
-        <a:off x="3419473" y="624840"/>
-        <a:ext cx="3179766" cy="1874520"/>
+      <dsp:txXfrm>
+        <a:off x="3549608" y="1316256"/>
+        <a:ext cx="620458" cy="616656"/>
       </dsp:txXfrm>
     </dsp:sp>
-    <dsp:sp modelId="{C5501FBE-0ECF-47DA-BF5A-9B22A9FC985E}">
+    <dsp:sp modelId="{F5BA939F-F24D-49CD-9715-982010E8BE4F}">
       <dsp:nvSpPr>
         <dsp:cNvPr id="0" name=""/>
         <dsp:cNvSpPr/>
       </dsp:nvSpPr>
       <dsp:spPr>
-        <a:xfrm rot="16200000">
-          <a:off x="6865505" y="-27783"/>
-          <a:ext cx="3124200" cy="3179766"/>
+        <a:xfrm rot="20700000">
+          <a:off x="3934945" y="137592"/>
+          <a:ext cx="1224431" cy="1224431"/>
         </a:xfrm>
-        <a:prstGeom prst="flowChartManualOperation">
+        <a:prstGeom prst="gear6">
           <a:avLst/>
         </a:prstGeom>
         <a:solidFill>
@@ -2898,12 +2757,12 @@
         </a:fontRef>
       </dsp:style>
       <dsp:txBody>
-        <a:bodyPr spcFirstLastPara="0" vert="horz" wrap="square" lIns="203200" tIns="0" rIns="203367" bIns="0" numCol="1" spcCol="1270" anchor="t" anchorCtr="0">
+        <a:bodyPr spcFirstLastPara="0" vert="horz" wrap="square" lIns="17780" tIns="17780" rIns="17780" bIns="17780" numCol="1" spcCol="1270" anchor="ctr" anchorCtr="0">
           <a:noAutofit/>
         </a:bodyPr>
         <a:lstStyle/>
         <a:p>
-          <a:pPr lvl="0" algn="l" defTabSz="1422400">
+          <a:pPr lvl="0" algn="ctr" defTabSz="622300">
             <a:lnSpc>
               <a:spcPct val="90000"/>
             </a:lnSpc>
@@ -2915,54 +2774,160 @@
             </a:spcAft>
           </a:pPr>
           <a:r>
-            <a:rPr lang="en-US" sz="3200" kern="1200" dirty="0" smtClean="0"/>
-            <a:t>Code Clearly</a:t>
+            <a:rPr lang="en-US" sz="1400" kern="1200" dirty="0" smtClean="0"/>
+            <a:t>Code</a:t>
           </a:r>
-          <a:endParaRPr lang="en-US" sz="3200" kern="1200" dirty="0"/>
-        </a:p>
-        <a:p>
-          <a:pPr marL="228600" lvl="1" indent="-228600" algn="l" defTabSz="1111250">
-            <a:lnSpc>
-              <a:spcPct val="90000"/>
-            </a:lnSpc>
-            <a:spcBef>
-              <a:spcPct val="0"/>
-            </a:spcBef>
-            <a:spcAft>
-              <a:spcPct val="15000"/>
-            </a:spcAft>
-            <a:buChar char="••"/>
-          </a:pPr>
-          <a:r>
-            <a:rPr lang="en-US" sz="2500" kern="1200" dirty="0" smtClean="0"/>
-            <a:t>Simple</a:t>
-          </a:r>
-          <a:endParaRPr lang="en-US" sz="2500" kern="1200" dirty="0"/>
-        </a:p>
-        <a:p>
-          <a:pPr marL="228600" lvl="1" indent="-228600" algn="l" defTabSz="1111250">
-            <a:lnSpc>
-              <a:spcPct val="90000"/>
-            </a:lnSpc>
-            <a:spcBef>
-              <a:spcPct val="0"/>
-            </a:spcBef>
-            <a:spcAft>
-              <a:spcPct val="15000"/>
-            </a:spcAft>
-            <a:buChar char="••"/>
-          </a:pPr>
-          <a:r>
-            <a:rPr lang="en-US" sz="2500" kern="1200" dirty="0" smtClean="0"/>
-            <a:t>De-dupe</a:t>
-          </a:r>
-          <a:endParaRPr lang="en-US" sz="2500" kern="1200" dirty="0"/>
+          <a:endParaRPr lang="en-US" sz="1400" kern="1200" dirty="0"/>
         </a:p>
       </dsp:txBody>
-      <dsp:txXfrm rot="5400000">
-        <a:off x="6837722" y="624840"/>
-        <a:ext cx="3179766" cy="1874520"/>
+      <dsp:txXfrm rot="-20700000">
+        <a:off x="4203499" y="406146"/>
+        <a:ext cx="687324" cy="687324"/>
       </dsp:txXfrm>
+    </dsp:sp>
+    <dsp:sp modelId="{E61C0D1F-152F-4BB9-9971-A32881DBBA0A}">
+      <dsp:nvSpPr>
+        <dsp:cNvPr id="0" name=""/>
+        <dsp:cNvSpPr/>
+      </dsp:nvSpPr>
+      <dsp:spPr>
+        <a:xfrm rot="5400000">
+          <a:off x="4060374" y="1394750"/>
+          <a:ext cx="2199436" cy="2199436"/>
+        </a:xfrm>
+        <a:prstGeom prst="circularArrow">
+          <a:avLst>
+            <a:gd name="adj1" fmla="val 4688"/>
+            <a:gd name="adj2" fmla="val 299029"/>
+            <a:gd name="adj3" fmla="val 2483756"/>
+            <a:gd name="adj4" fmla="val 15932946"/>
+            <a:gd name="adj5" fmla="val 5469"/>
+          </a:avLst>
+        </a:prstGeom>
+        <a:solidFill>
+          <a:schemeClr val="accent1">
+            <a:tint val="60000"/>
+            <a:hueOff val="0"/>
+            <a:satOff val="0"/>
+            <a:lumOff val="0"/>
+            <a:alphaOff val="0"/>
+          </a:schemeClr>
+        </a:solidFill>
+        <a:ln>
+          <a:noFill/>
+        </a:ln>
+        <a:effectLst/>
+      </dsp:spPr>
+      <dsp:style>
+        <a:lnRef idx="0">
+          <a:scrgbClr r="0" g="0" b="0"/>
+        </a:lnRef>
+        <a:fillRef idx="1">
+          <a:scrgbClr r="0" g="0" b="0"/>
+        </a:fillRef>
+        <a:effectRef idx="0">
+          <a:scrgbClr r="0" g="0" b="0"/>
+        </a:effectRef>
+        <a:fontRef idx="minor">
+          <a:schemeClr val="lt1"/>
+        </a:fontRef>
+      </dsp:style>
+    </dsp:sp>
+    <dsp:sp modelId="{96DD6AFA-D618-47F7-88F0-3BAE3E51BCB1}">
+      <dsp:nvSpPr>
+        <dsp:cNvPr id="0" name=""/>
+        <dsp:cNvSpPr/>
+      </dsp:nvSpPr>
+      <dsp:spPr>
+        <a:xfrm>
+          <a:off x="3013681" y="727829"/>
+          <a:ext cx="1598028" cy="1598028"/>
+        </a:xfrm>
+        <a:prstGeom prst="leftCircularArrow">
+          <a:avLst>
+            <a:gd name="adj1" fmla="val 6452"/>
+            <a:gd name="adj2" fmla="val 429999"/>
+            <a:gd name="adj3" fmla="val 10489124"/>
+            <a:gd name="adj4" fmla="val 14837806"/>
+            <a:gd name="adj5" fmla="val 7527"/>
+          </a:avLst>
+        </a:prstGeom>
+        <a:solidFill>
+          <a:schemeClr val="accent1">
+            <a:tint val="60000"/>
+            <a:hueOff val="0"/>
+            <a:satOff val="0"/>
+            <a:lumOff val="0"/>
+            <a:alphaOff val="0"/>
+          </a:schemeClr>
+        </a:solidFill>
+        <a:ln>
+          <a:noFill/>
+        </a:ln>
+        <a:effectLst/>
+      </dsp:spPr>
+      <dsp:style>
+        <a:lnRef idx="0">
+          <a:scrgbClr r="0" g="0" b="0"/>
+        </a:lnRef>
+        <a:fillRef idx="1">
+          <a:scrgbClr r="0" g="0" b="0"/>
+        </a:fillRef>
+        <a:effectRef idx="0">
+          <a:scrgbClr r="0" g="0" b="0"/>
+        </a:effectRef>
+        <a:fontRef idx="minor">
+          <a:schemeClr val="lt1"/>
+        </a:fontRef>
+      </dsp:style>
+    </dsp:sp>
+    <dsp:sp modelId="{E01659B0-9175-422D-8E16-3BBCDEB9412D}">
+      <dsp:nvSpPr>
+        <dsp:cNvPr id="0" name=""/>
+        <dsp:cNvSpPr/>
+      </dsp:nvSpPr>
+      <dsp:spPr>
+        <a:xfrm>
+          <a:off x="3651722" y="-126011"/>
+          <a:ext cx="1722996" cy="1722996"/>
+        </a:xfrm>
+        <a:prstGeom prst="circularArrow">
+          <a:avLst>
+            <a:gd name="adj1" fmla="val 5984"/>
+            <a:gd name="adj2" fmla="val 394124"/>
+            <a:gd name="adj3" fmla="val 13313824"/>
+            <a:gd name="adj4" fmla="val 10508221"/>
+            <a:gd name="adj5" fmla="val 6981"/>
+          </a:avLst>
+        </a:prstGeom>
+        <a:solidFill>
+          <a:schemeClr val="accent1">
+            <a:tint val="60000"/>
+            <a:hueOff val="0"/>
+            <a:satOff val="0"/>
+            <a:lumOff val="0"/>
+            <a:alphaOff val="0"/>
+          </a:schemeClr>
+        </a:solidFill>
+        <a:ln>
+          <a:noFill/>
+        </a:ln>
+        <a:effectLst/>
+      </dsp:spPr>
+      <dsp:style>
+        <a:lnRef idx="0">
+          <a:scrgbClr r="0" g="0" b="0"/>
+        </a:lnRef>
+        <a:fillRef idx="1">
+          <a:scrgbClr r="0" g="0" b="0"/>
+        </a:fillRef>
+        <a:effectRef idx="0">
+          <a:scrgbClr r="0" g="0" b="0"/>
+        </a:effectRef>
+        <a:fontRef idx="minor">
+          <a:schemeClr val="lt1"/>
+        </a:fontRef>
+      </dsp:style>
     </dsp:sp>
   </dsp:spTree>
 </dsp:drawing>
@@ -3201,55 +3166,17 @@
 </file>
 
 <file path=ppt/diagrams/layout2.xml><?xml version="1.0" encoding="utf-8"?>
-<dgm:layoutDef xmlns:dgm="http://schemas.openxmlformats.org/drawingml/2006/diagram" xmlns:a="http://schemas.openxmlformats.org/drawingml/2006/main" uniqueId="urn:microsoft.com/office/officeart/2005/8/layout/hList6">
+<dgm:layoutDef xmlns:dgm="http://schemas.openxmlformats.org/drawingml/2006/diagram" xmlns:a="http://schemas.openxmlformats.org/drawingml/2006/main" uniqueId="urn:microsoft.com/office/officeart/2005/8/layout/gear1">
   <dgm:title val=""/>
   <dgm:desc val=""/>
   <dgm:catLst>
-    <dgm:cat type="list" pri="18000"/>
+    <dgm:cat type="relationship" pri="3000"/>
+    <dgm:cat type="process" pri="28000"/>
+    <dgm:cat type="cycle" pri="14000"/>
   </dgm:catLst>
-  <dgm:sampData>
+  <dgm:sampData useDef="1">
     <dgm:dataModel>
-      <dgm:ptLst>
-        <dgm:pt modelId="0" type="doc"/>
-        <dgm:pt modelId="1">
-          <dgm:prSet phldr="1"/>
-        </dgm:pt>
-        <dgm:pt modelId="11">
-          <dgm:prSet phldr="1"/>
-        </dgm:pt>
-        <dgm:pt modelId="12">
-          <dgm:prSet phldr="1"/>
-        </dgm:pt>
-        <dgm:pt modelId="2">
-          <dgm:prSet phldr="1"/>
-        </dgm:pt>
-        <dgm:pt modelId="21">
-          <dgm:prSet phldr="1"/>
-        </dgm:pt>
-        <dgm:pt modelId="22">
-          <dgm:prSet phldr="1"/>
-        </dgm:pt>
-        <dgm:pt modelId="3">
-          <dgm:prSet phldr="1"/>
-        </dgm:pt>
-        <dgm:pt modelId="31">
-          <dgm:prSet phldr="1"/>
-        </dgm:pt>
-        <dgm:pt modelId="32">
-          <dgm:prSet phldr="1"/>
-        </dgm:pt>
-      </dgm:ptLst>
-      <dgm:cxnLst>
-        <dgm:cxn modelId="4" srcId="0" destId="1" srcOrd="0" destOrd="0"/>
-        <dgm:cxn modelId="5" srcId="0" destId="2" srcOrd="1" destOrd="0"/>
-        <dgm:cxn modelId="6" srcId="0" destId="3" srcOrd="2" destOrd="0"/>
-        <dgm:cxn modelId="13" srcId="1" destId="11" srcOrd="0" destOrd="0"/>
-        <dgm:cxn modelId="14" srcId="1" destId="12" srcOrd="1" destOrd="0"/>
-        <dgm:cxn modelId="23" srcId="2" destId="21" srcOrd="0" destOrd="0"/>
-        <dgm:cxn modelId="24" srcId="2" destId="22" srcOrd="1" destOrd="0"/>
-        <dgm:cxn modelId="33" srcId="3" destId="31" srcOrd="0" destOrd="0"/>
-        <dgm:cxn modelId="34" srcId="3" destId="32" srcOrd="1" destOrd="0"/>
-      </dgm:cxnLst>
+      <dgm:ptLst/>
       <dgm:bg/>
       <dgm:whole/>
     </dgm:dataModel>
@@ -3259,114 +3186,453 @@
       <dgm:ptLst>
         <dgm:pt modelId="0" type="doc"/>
         <dgm:pt modelId="1"/>
-        <dgm:pt modelId="11"/>
         <dgm:pt modelId="2"/>
-        <dgm:pt modelId="21"/>
       </dgm:ptLst>
       <dgm:cxnLst>
-        <dgm:cxn modelId="4" srcId="0" destId="1" srcOrd="0" destOrd="0"/>
-        <dgm:cxn modelId="5" srcId="0" destId="2" srcOrd="1" destOrd="0"/>
-        <dgm:cxn modelId="13" srcId="1" destId="11" srcOrd="0" destOrd="0"/>
-        <dgm:cxn modelId="23" srcId="2" destId="21" srcOrd="0" destOrd="0"/>
+        <dgm:cxn modelId="3" srcId="0" destId="1" srcOrd="0" destOrd="0"/>
+        <dgm:cxn modelId="4" srcId="0" destId="2" srcOrd="1" destOrd="0"/>
       </dgm:cxnLst>
       <dgm:bg/>
       <dgm:whole/>
     </dgm:dataModel>
   </dgm:styleData>
-  <dgm:clrData>
+  <dgm:clrData useDef="1">
     <dgm:dataModel>
-      <dgm:ptLst>
-        <dgm:pt modelId="0" type="doc"/>
-        <dgm:pt modelId="1"/>
-        <dgm:pt modelId="11"/>
-        <dgm:pt modelId="2"/>
-        <dgm:pt modelId="21"/>
-        <dgm:pt modelId="3"/>
-        <dgm:pt modelId="31"/>
-        <dgm:pt modelId="4"/>
-        <dgm:pt modelId="41"/>
-      </dgm:ptLst>
-      <dgm:cxnLst>
-        <dgm:cxn modelId="5" srcId="0" destId="1" srcOrd="0" destOrd="0"/>
-        <dgm:cxn modelId="6" srcId="0" destId="2" srcOrd="1" destOrd="0"/>
-        <dgm:cxn modelId="7" srcId="0" destId="3" srcOrd="2" destOrd="0"/>
-        <dgm:cxn modelId="8" srcId="0" destId="4" srcOrd="3" destOrd="0"/>
-        <dgm:cxn modelId="13" srcId="1" destId="11" srcOrd="0" destOrd="0"/>
-        <dgm:cxn modelId="23" srcId="2" destId="21" srcOrd="0" destOrd="0"/>
-        <dgm:cxn modelId="33" srcId="3" destId="31" srcOrd="0" destOrd="0"/>
-        <dgm:cxn modelId="43" srcId="4" destId="41" srcOrd="0" destOrd="0"/>
-      </dgm:cxnLst>
+      <dgm:ptLst/>
       <dgm:bg/>
       <dgm:whole/>
     </dgm:dataModel>
   </dgm:clrData>
-  <dgm:layoutNode name="Name0">
+  <dgm:layoutNode name="composite">
     <dgm:varLst>
-      <dgm:dir/>
+      <dgm:chMax val="3"/>
+      <dgm:animLvl val="lvl"/>
       <dgm:resizeHandles val="exact"/>
     </dgm:varLst>
-    <dgm:choose name="Name1">
-      <dgm:if name="Name2" func="var" arg="dir" op="equ" val="norm">
-        <dgm:alg type="lin"/>
-      </dgm:if>
-      <dgm:else name="Name3">
-        <dgm:alg type="lin">
-          <dgm:param type="linDir" val="fromR"/>
-        </dgm:alg>
-      </dgm:else>
-    </dgm:choose>
+    <dgm:alg type="composite">
+      <dgm:param type="ar" val="1"/>
+    </dgm:alg>
     <dgm:shape xmlns:r="http://schemas.openxmlformats.org/officeDocument/2006/relationships" r:blip="">
       <dgm:adjLst/>
     </dgm:shape>
     <dgm:presOf/>
-    <dgm:constrLst>
-      <dgm:constr type="h" for="ch" ptType="node" refType="h"/>
-      <dgm:constr type="w" for="ch" ptType="node" refType="w"/>
-      <dgm:constr type="primFontSz" for="ch" ptType="node" op="equ"/>
-      <dgm:constr type="w" for="ch" forName="sibTrans" refType="w" fact="0.075"/>
-    </dgm:constrLst>
+    <dgm:choose name="Name0">
+      <dgm:if name="Name1" axis="ch" ptType="node" func="cnt" op="lte" val="1">
+        <dgm:constrLst>
+          <dgm:constr type="primFontSz" for="ch" ptType="node" op="equ" val="65"/>
+          <dgm:constr type="w" for="ch" forName="gear1" refType="w" fact="0.55"/>
+          <dgm:constr type="h" for="ch" forName="gear1" refType="w" fact="0.55"/>
+          <dgm:constr type="l" for="ch" forName="gear1" refType="w" fact="0.05"/>
+          <dgm:constr type="t" for="ch" forName="gear1" refType="w" fact="0.05"/>
+          <dgm:constr type="w" for="ch" forName="gear1srcNode" val="1"/>
+          <dgm:constr type="h" for="ch" forName="gear1srcNode" val="1"/>
+          <dgm:constr type="l" for="ch" forName="gear1srcNode" refType="w" fact="0.32"/>
+          <dgm:constr type="t" for="ch" forName="gear1srcNode"/>
+          <dgm:constr type="w" for="ch" forName="gear1dstNode" val="1"/>
+          <dgm:constr type="h" for="ch" forName="gear1dstNode" val="1"/>
+          <dgm:constr type="r" for="ch" forName="gear1dstNode" refType="w" fact="0.58"/>
+          <dgm:constr type="t" for="ch" forName="gear1dstNode" refType="h" fact="0.55"/>
+          <dgm:constr type="diam" for="des" forName="connector1" refType="w" refFor="ch" refForName="gear1" op="equ" fact="1.1"/>
+          <dgm:constr type="h" for="des" forName="connector1" refType="w" refFor="ch" refForName="gear1" op="equ" fact="0.1"/>
+          <dgm:constr type="w" for="ch" forName="gear1ch" refType="w" fact="0.35"/>
+          <dgm:constr type="h" for="ch" forName="gear1ch" refType="w" refFor="ch" refForName="gear1ch" fact="0.6"/>
+          <dgm:constr type="l" for="ch" forName="gear1ch"/>
+          <dgm:constr type="b" for="ch" forName="gear1ch" refType="h" fact="0.6"/>
+        </dgm:constrLst>
+      </dgm:if>
+      <dgm:if name="Name2" axis="ch" ptType="node" func="cnt" op="equ" val="2">
+        <dgm:constrLst>
+          <dgm:constr type="primFontSz" for="ch" ptType="node" op="equ" val="65"/>
+          <dgm:constr type="w" for="ch" forName="gear1" refType="w" fact="0.55"/>
+          <dgm:constr type="h" for="ch" forName="gear1" refType="w" fact="0.55"/>
+          <dgm:constr type="l" for="ch" forName="gear1" refType="w" fact="0.45"/>
+          <dgm:constr type="t" for="ch" forName="gear1" refType="w" fact="0.25"/>
+          <dgm:constr type="w" for="ch" forName="gear1srcNode" val="1"/>
+          <dgm:constr type="h" for="ch" forName="gear1srcNode" val="1"/>
+          <dgm:constr type="l" for="ch" forName="gear1srcNode" refType="w" fact="0.72"/>
+          <dgm:constr type="t" for="ch" forName="gear1srcNode" refType="w" fact="0.2"/>
+          <dgm:constr type="w" for="ch" forName="gear1dstNode" val="1"/>
+          <dgm:constr type="h" for="ch" forName="gear1dstNode" val="1"/>
+          <dgm:constr type="r" for="ch" forName="gear1dstNode" refType="w" fact="0.98"/>
+          <dgm:constr type="t" for="ch" forName="gear1dstNode" refType="h" fact="0.75"/>
+          <dgm:constr type="diam" for="des" forName="connector1" refType="w" refFor="ch" refForName="gear1" op="equ" fact="1.1"/>
+          <dgm:constr type="h" for="des" forName="connector1" refType="w" refFor="ch" refForName="gear1" op="equ" fact="0.1"/>
+          <dgm:constr type="w" for="ch" forName="gear1ch" refType="w" fact="0.35"/>
+          <dgm:constr type="h" for="ch" forName="gear1ch" refType="w" refFor="ch" refForName="gear1ch" fact="0.6"/>
+          <dgm:constr type="l" for="ch" forName="gear1ch" refType="w" fact="0.38"/>
+          <dgm:constr type="b" for="ch" forName="gear1ch" refType="w" fact="0.8"/>
+          <dgm:constr type="w" for="ch" forName="gear2" refType="w" fact="0.4"/>
+          <dgm:constr type="h" for="ch" forName="gear2" refType="w" fact="0.4"/>
+          <dgm:constr type="l" for="ch" forName="gear2" refType="w" fact="0.13"/>
+          <dgm:constr type="t" for="ch" forName="gear2" refType="w" fact="0.12"/>
+          <dgm:constr type="w" for="ch" forName="gear2srcNode" val="1"/>
+          <dgm:constr type="h" for="ch" forName="gear2srcNode" val="1"/>
+          <dgm:constr type="l" for="ch" forName="gear2srcNode" refType="w" fact="0.23"/>
+          <dgm:constr type="t" for="ch" forName="gear2srcNode" refType="w" fact="0.08"/>
+          <dgm:constr type="w" for="ch" forName="gear2dstNode" val="1"/>
+          <dgm:constr type="h" for="ch" forName="gear2dstNode" val="1"/>
+          <dgm:constr type="l" for="ch" forName="gear2dstNode" refType="w" fact="0.1"/>
+          <dgm:constr type="t" for="ch" forName="gear2dstNode" refType="h" fact="0.33"/>
+          <dgm:constr type="diam" for="des" forName="connector2" refType="w" refFor="ch" refForName="gear2" op="equ" fact="-1.1"/>
+          <dgm:constr type="h" for="des" forName="connector2" refType="w" refFor="ch" refForName="gear1" op="equ" fact="0.1"/>
+          <dgm:constr type="w" for="ch" forName="gear2ch" refType="w" fact="0.35"/>
+          <dgm:constr type="h" for="ch" forName="gear2ch" refType="w" refFor="ch" refForName="gear2ch" fact="0.6"/>
+          <dgm:constr type="l" for="ch" forName="gear2ch" refType="w" fact="0.34"/>
+          <dgm:constr type="t" for="ch" forName="gear2ch" refType="w" fact="0.04"/>
+        </dgm:constrLst>
+      </dgm:if>
+      <dgm:else name="Name3">
+        <dgm:constrLst>
+          <dgm:constr type="primFontSz" for="ch" ptType="node" op="equ" val="65"/>
+          <dgm:constr type="w" for="ch" forName="gear1" refType="w" fact="0.55"/>
+          <dgm:constr type="h" for="ch" forName="gear1" refType="w" fact="0.55"/>
+          <dgm:constr type="l" for="ch" forName="gear1" refType="w" fact="0.45"/>
+          <dgm:constr type="t" for="ch" forName="gear1" refType="w" fact="0.45"/>
+          <dgm:constr type="w" for="ch" forName="gear1srcNode" val="1"/>
+          <dgm:constr type="h" for="ch" forName="gear1srcNode" val="1"/>
+          <dgm:constr type="l" for="ch" forName="gear1srcNode" refType="w" fact="0.72"/>
+          <dgm:constr type="t" for="ch" forName="gear1srcNode" refType="w" fact="0.4"/>
+          <dgm:constr type="w" for="ch" forName="gear1dstNode" val="1"/>
+          <dgm:constr type="h" for="ch" forName="gear1dstNode" val="1"/>
+          <dgm:constr type="r" for="ch" forName="gear1dstNode" refType="w" fact="0.98"/>
+          <dgm:constr type="t" for="ch" forName="gear1dstNode" refType="h" fact="0.95"/>
+          <dgm:constr type="diam" for="des" forName="connector1" refType="w" refFor="ch" refForName="gear1" op="equ" fact="1.15"/>
+          <dgm:constr type="h" for="des" forName="connector1" refType="w" refFor="ch" refForName="gear1" op="equ" fact="0.1"/>
+          <dgm:constr type="w" for="ch" forName="gear1ch" refType="w" fact="0.35"/>
+          <dgm:constr type="h" for="ch" forName="gear1ch" refType="w" refFor="ch" refForName="gear1ch" fact="0.6"/>
+          <dgm:constr type="l" for="ch" forName="gear1ch" refType="w" fact="0.38"/>
+          <dgm:constr type="b" for="ch" forName="gear1ch" refType="h"/>
+          <dgm:constr type="w" for="ch" forName="gear2" refType="w" fact="0.4"/>
+          <dgm:constr type="h" for="ch" forName="gear2" refType="w" fact="0.4"/>
+          <dgm:constr type="l" for="ch" forName="gear2" refType="w" fact="0.13"/>
+          <dgm:constr type="t" for="ch" forName="gear2" refType="w" fact="0.32"/>
+          <dgm:constr type="w" for="ch" forName="gear2srcNode" val="1"/>
+          <dgm:constr type="h" for="ch" forName="gear2srcNode" val="1"/>
+          <dgm:constr type="l" for="ch" forName="gear2srcNode" refType="w" fact="0.23"/>
+          <dgm:constr type="t" for="ch" forName="gear2srcNode" refType="w" fact="0.28"/>
+          <dgm:constr type="w" for="ch" forName="gear2dstNode" val="1"/>
+          <dgm:constr type="h" for="ch" forName="gear2dstNode" val="1"/>
+          <dgm:constr type="l" for="ch" forName="gear2dstNode" refType="w" fact="0.1"/>
+          <dgm:constr type="t" for="ch" forName="gear2dstNode" refType="h" fact="0.53"/>
+          <dgm:constr type="diam" for="des" forName="connector2" refType="w" refFor="ch" refForName="gear2" op="equ" fact="-1.1"/>
+          <dgm:constr type="h" for="des" forName="connector2" refType="w" refFor="ch" refForName="gear1" op="equ" fact="0.1"/>
+          <dgm:constr type="w" for="ch" forName="gear2ch" refType="w" fact="0.35"/>
+          <dgm:constr type="h" for="ch" forName="gear2ch" refType="w" refFor="ch" refForName="gear2ch" fact="0.6"/>
+          <dgm:constr type="l" for="ch" forName="gear2ch"/>
+          <dgm:constr type="t" for="ch" forName="gear2ch" refType="w" fact="0.58"/>
+          <dgm:constr type="w" for="ch" forName="gear3" refType="w" fact="0.48"/>
+          <dgm:constr type="h" for="ch" forName="gear3" refType="w" fact="0.48"/>
+          <dgm:constr type="l" for="ch" forName="gear3" refType="w" fact="0.31"/>
+          <dgm:constr type="t" for="ch" forName="gear3"/>
+          <dgm:constr type="w" for="ch" forName="gear3tx" refType="w" fact="0.22"/>
+          <dgm:constr type="h" for="ch" forName="gear3tx" refType="w" fact="0.22"/>
+          <dgm:constr type="ctrX" for="ch" forName="gear3tx" refType="ctrX" refFor="ch" refForName="gear3"/>
+          <dgm:constr type="ctrY" for="ch" forName="gear3tx" refType="ctrY" refFor="ch" refForName="gear3"/>
+          <dgm:constr type="w" for="ch" forName="gear3srcNode" val="1"/>
+          <dgm:constr type="h" for="ch" forName="gear3srcNode" val="1"/>
+          <dgm:constr type="l" for="ch" forName="gear3srcNode" refType="w" fact="0.3"/>
+          <dgm:constr type="t" for="ch" forName="gear3srcNode" refType="w" fact="0.25"/>
+          <dgm:constr type="w" for="ch" forName="gear3dstNode" val="1"/>
+          <dgm:constr type="h" for="ch" forName="gear3dstNode" val="1"/>
+          <dgm:constr type="l" for="ch" forName="gear3dstNode" refType="w" fact="0.38"/>
+          <dgm:constr type="t" for="ch" forName="gear3dstNode" refType="h" fact="0.05"/>
+          <dgm:constr type="diam" for="des" forName="connector3" refType="w" refFor="ch" refForName="gear3" op="equ"/>
+          <dgm:constr type="h" for="des" forName="connector3" refType="w" refFor="ch" refForName="gear1" op="equ" fact="0.1"/>
+          <dgm:constr type="w" for="ch" forName="gear3ch" refType="w" fact="0.35"/>
+          <dgm:constr type="h" for="ch" forName="gear3ch" refType="w" refFor="ch" refForName="gear3ch" fact="0.6"/>
+          <dgm:constr type="l" for="ch" forName="gear3ch" refType="w" fact="0.65"/>
+          <dgm:constr type="t" for="ch" forName="gear3ch" refType="h" fact="0.13"/>
+        </dgm:constrLst>
+      </dgm:else>
+    </dgm:choose>
     <dgm:ruleLst/>
-    <dgm:forEach name="nodesForEach" axis="ch" ptType="node">
-      <dgm:layoutNode name="node">
+    <dgm:forEach name="Name4" axis="ch" ptType="node" cnt="1">
+      <dgm:layoutNode name="gear1" styleLbl="node1">
         <dgm:varLst>
+          <dgm:chMax val="1"/>
           <dgm:bulletEnabled val="1"/>
         </dgm:varLst>
-        <dgm:alg type="tx"/>
-        <dgm:choose name="Name4">
-          <dgm:if name="Name5" func="var" arg="dir" op="equ" val="norm">
-            <dgm:shape xmlns:r="http://schemas.openxmlformats.org/officeDocument/2006/relationships" rot="-90" type="flowChartManualOperation" r:blip="">
-              <dgm:adjLst/>
-            </dgm:shape>
-          </dgm:if>
-          <dgm:else name="Name6">
-            <dgm:shape xmlns:r="http://schemas.openxmlformats.org/officeDocument/2006/relationships" rot="90" type="flowChartManualOperation" r:blip="">
-              <dgm:adjLst/>
-            </dgm:shape>
-          </dgm:else>
-        </dgm:choose>
-        <dgm:presOf axis="desOrSelf" ptType="node"/>
+        <dgm:alg type="tx">
+          <dgm:param type="txAnchorVertCh" val="mid"/>
+        </dgm:alg>
+        <dgm:shape xmlns:r="http://schemas.openxmlformats.org/officeDocument/2006/relationships" type="gear9" r:blip="">
+          <dgm:adjLst/>
+        </dgm:shape>
+        <dgm:presOf axis="self"/>
         <dgm:constrLst>
-          <dgm:constr type="primFontSz" val="65"/>
-          <dgm:constr type="tMarg"/>
-          <dgm:constr type="bMarg"/>
-          <dgm:constr type="lMarg" refType="primFontSz" fact="0.5"/>
-          <dgm:constr type="rMarg" refType="lMarg"/>
+          <dgm:constr type="tMarg" refType="primFontSz" fact="0.1"/>
+          <dgm:constr type="bMarg" refType="primFontSz" fact="0.1"/>
+          <dgm:constr type="lMarg" refType="primFontSz" fact="0.1"/>
+          <dgm:constr type="rMarg" refType="primFontSz" fact="0.1"/>
         </dgm:constrLst>
         <dgm:ruleLst>
           <dgm:rule type="primFontSz" val="5" fact="NaN" max="NaN"/>
         </dgm:ruleLst>
       </dgm:layoutNode>
-      <dgm:forEach name="sibTransForEach" axis="followSib" ptType="sibTrans" cnt="1">
-        <dgm:layoutNode name="sibTrans">
-          <dgm:alg type="sp"/>
-          <dgm:shape xmlns:r="http://schemas.openxmlformats.org/officeDocument/2006/relationships" r:blip="">
-            <dgm:adjLst/>
-          </dgm:shape>
-          <dgm:presOf/>
-          <dgm:constrLst/>
-          <dgm:ruleLst/>
-        </dgm:layoutNode>
-      </dgm:forEach>
+      <dgm:layoutNode name="gear1srcNode">
+        <dgm:alg type="sp"/>
+        <dgm:shape xmlns:r="http://schemas.openxmlformats.org/officeDocument/2006/relationships" type="rect" r:blip="" hideGeom="1">
+          <dgm:adjLst/>
+        </dgm:shape>
+        <dgm:presOf axis="self"/>
+        <dgm:constrLst/>
+        <dgm:ruleLst/>
+      </dgm:layoutNode>
+      <dgm:layoutNode name="gear1dstNode">
+        <dgm:alg type="sp"/>
+        <dgm:shape xmlns:r="http://schemas.openxmlformats.org/officeDocument/2006/relationships" type="rect" r:blip="" hideGeom="1">
+          <dgm:adjLst/>
+        </dgm:shape>
+        <dgm:presOf axis="self"/>
+        <dgm:constrLst/>
+        <dgm:ruleLst/>
+      </dgm:layoutNode>
+      <dgm:choose name="Name5">
+        <dgm:if name="Name6" axis="ch" ptType="node" func="cnt" op="gte" val="1">
+          <dgm:layoutNode name="gear1ch" styleLbl="fgAcc1">
+            <dgm:varLst>
+              <dgm:chMax val="0"/>
+              <dgm:bulletEnabled val="1"/>
+            </dgm:varLst>
+            <dgm:alg type="tx">
+              <dgm:param type="stBulletLvl" val="1"/>
+            </dgm:alg>
+            <dgm:shape xmlns:r="http://schemas.openxmlformats.org/officeDocument/2006/relationships" type="roundRect" r:blip="">
+              <dgm:adjLst>
+                <dgm:adj idx="1" val="0.1"/>
+              </dgm:adjLst>
+            </dgm:shape>
+            <dgm:presOf axis="des" ptType="node"/>
+            <dgm:constrLst>
+              <dgm:constr type="tMarg" refType="primFontSz" fact="0.3"/>
+              <dgm:constr type="bMarg" refType="primFontSz" fact="0.3"/>
+              <dgm:constr type="lMarg" refType="primFontSz" fact="0.3"/>
+              <dgm:constr type="rMarg" refType="primFontSz" fact="0.3"/>
+            </dgm:constrLst>
+            <dgm:ruleLst>
+              <dgm:rule type="primFontSz" val="5" fact="NaN" max="NaN"/>
+            </dgm:ruleLst>
+          </dgm:layoutNode>
+        </dgm:if>
+        <dgm:else name="Name7"/>
+      </dgm:choose>
+    </dgm:forEach>
+    <dgm:forEach name="Name8" axis="ch" ptType="node" st="2" cnt="1">
+      <dgm:layoutNode name="gear2" styleLbl="node1">
+        <dgm:varLst>
+          <dgm:chMax val="1"/>
+          <dgm:bulletEnabled val="1"/>
+        </dgm:varLst>
+        <dgm:alg type="tx">
+          <dgm:param type="txAnchorVertCh" val="mid"/>
+        </dgm:alg>
+        <dgm:shape xmlns:r="http://schemas.openxmlformats.org/officeDocument/2006/relationships" type="gear6" r:blip="">
+          <dgm:adjLst/>
+        </dgm:shape>
+        <dgm:presOf axis="self"/>
+        <dgm:constrLst>
+          <dgm:constr type="tMarg" refType="primFontSz" fact="0.1"/>
+          <dgm:constr type="bMarg" refType="primFontSz" fact="0.1"/>
+          <dgm:constr type="lMarg" refType="primFontSz" fact="0.1"/>
+          <dgm:constr type="rMarg" refType="primFontSz" fact="0.1"/>
+        </dgm:constrLst>
+        <dgm:ruleLst>
+          <dgm:rule type="primFontSz" val="5" fact="NaN" max="NaN"/>
+        </dgm:ruleLst>
+      </dgm:layoutNode>
+      <dgm:layoutNode name="gear2srcNode">
+        <dgm:alg type="sp"/>
+        <dgm:shape xmlns:r="http://schemas.openxmlformats.org/officeDocument/2006/relationships" type="rect" r:blip="" hideGeom="1">
+          <dgm:adjLst/>
+        </dgm:shape>
+        <dgm:presOf axis="self"/>
+        <dgm:constrLst/>
+        <dgm:ruleLst/>
+      </dgm:layoutNode>
+      <dgm:layoutNode name="gear2dstNode">
+        <dgm:alg type="sp"/>
+        <dgm:shape xmlns:r="http://schemas.openxmlformats.org/officeDocument/2006/relationships" type="rect" r:blip="" hideGeom="1">
+          <dgm:adjLst/>
+        </dgm:shape>
+        <dgm:presOf axis="self"/>
+        <dgm:constrLst/>
+        <dgm:ruleLst/>
+      </dgm:layoutNode>
+      <dgm:choose name="Name9">
+        <dgm:if name="Name10" axis="ch" ptType="node" func="cnt" op="gte" val="1">
+          <dgm:layoutNode name="gear2ch" styleLbl="fgAcc1">
+            <dgm:varLst>
+              <dgm:chMax val="0"/>
+              <dgm:bulletEnabled val="1"/>
+            </dgm:varLst>
+            <dgm:alg type="tx">
+              <dgm:param type="stBulletLvl" val="1"/>
+            </dgm:alg>
+            <dgm:shape xmlns:r="http://schemas.openxmlformats.org/officeDocument/2006/relationships" type="roundRect" r:blip="">
+              <dgm:adjLst>
+                <dgm:adj idx="1" val="0.1"/>
+              </dgm:adjLst>
+            </dgm:shape>
+            <dgm:presOf axis="des" ptType="node"/>
+            <dgm:constrLst>
+              <dgm:constr type="tMarg" refType="primFontSz" fact="0.3"/>
+              <dgm:constr type="bMarg" refType="primFontSz" fact="0.3"/>
+              <dgm:constr type="lMarg" refType="primFontSz" fact="0.3"/>
+              <dgm:constr type="rMarg" refType="primFontSz" fact="0.3"/>
+            </dgm:constrLst>
+            <dgm:ruleLst>
+              <dgm:rule type="primFontSz" val="5" fact="NaN" max="NaN"/>
+            </dgm:ruleLst>
+          </dgm:layoutNode>
+        </dgm:if>
+        <dgm:else name="Name11"/>
+      </dgm:choose>
+    </dgm:forEach>
+    <dgm:forEach name="Name12" axis="ch" ptType="node" st="3" cnt="1">
+      <dgm:layoutNode name="gear3" styleLbl="node1">
+        <dgm:alg type="sp"/>
+        <dgm:shape xmlns:r="http://schemas.openxmlformats.org/officeDocument/2006/relationships" rot="-15" type="gear6" r:blip="">
+          <dgm:adjLst/>
+        </dgm:shape>
+        <dgm:presOf axis="self"/>
+        <dgm:constrLst/>
+        <dgm:ruleLst/>
+      </dgm:layoutNode>
+      <dgm:layoutNode name="gear3tx" styleLbl="node1">
+        <dgm:varLst>
+          <dgm:chMax val="1"/>
+          <dgm:bulletEnabled val="1"/>
+        </dgm:varLst>
+        <dgm:alg type="tx">
+          <dgm:param type="txAnchorVertCh" val="mid"/>
+        </dgm:alg>
+        <dgm:shape xmlns:r="http://schemas.openxmlformats.org/officeDocument/2006/relationships" type="rect" r:blip="" hideGeom="1">
+          <dgm:adjLst/>
+        </dgm:shape>
+        <dgm:presOf axis="self"/>
+        <dgm:constrLst>
+          <dgm:constr type="tMarg" refType="primFontSz" fact="0.1"/>
+          <dgm:constr type="bMarg" refType="primFontSz" fact="0.1"/>
+          <dgm:constr type="lMarg" refType="primFontSz" fact="0.1"/>
+          <dgm:constr type="rMarg" refType="primFontSz" fact="0.1"/>
+        </dgm:constrLst>
+        <dgm:ruleLst>
+          <dgm:rule type="primFontSz" val="5" fact="NaN" max="NaN"/>
+        </dgm:ruleLst>
+      </dgm:layoutNode>
+      <dgm:layoutNode name="gear3srcNode">
+        <dgm:alg type="sp"/>
+        <dgm:shape xmlns:r="http://schemas.openxmlformats.org/officeDocument/2006/relationships" type="rect" r:blip="" hideGeom="1">
+          <dgm:adjLst/>
+        </dgm:shape>
+        <dgm:presOf axis="self"/>
+        <dgm:constrLst/>
+        <dgm:ruleLst/>
+      </dgm:layoutNode>
+      <dgm:layoutNode name="gear3dstNode">
+        <dgm:alg type="sp"/>
+        <dgm:shape xmlns:r="http://schemas.openxmlformats.org/officeDocument/2006/relationships" type="rect" r:blip="" hideGeom="1">
+          <dgm:adjLst/>
+        </dgm:shape>
+        <dgm:presOf axis="self"/>
+        <dgm:constrLst/>
+        <dgm:ruleLst/>
+      </dgm:layoutNode>
+      <dgm:choose name="Name13">
+        <dgm:if name="Name14" axis="ch" ptType="node" func="cnt" op="gte" val="1">
+          <dgm:layoutNode name="gear3ch" styleLbl="fgAcc1">
+            <dgm:varLst>
+              <dgm:chMax val="0"/>
+              <dgm:bulletEnabled val="1"/>
+            </dgm:varLst>
+            <dgm:alg type="tx">
+              <dgm:param type="stBulletLvl" val="1"/>
+            </dgm:alg>
+            <dgm:shape xmlns:r="http://schemas.openxmlformats.org/officeDocument/2006/relationships" type="roundRect" r:blip="">
+              <dgm:adjLst>
+                <dgm:adj idx="1" val="0.1"/>
+              </dgm:adjLst>
+            </dgm:shape>
+            <dgm:presOf axis="des" ptType="node"/>
+            <dgm:constrLst>
+              <dgm:constr type="tMarg" refType="primFontSz" fact="0.3"/>
+              <dgm:constr type="bMarg" refType="primFontSz" fact="0.3"/>
+              <dgm:constr type="lMarg" refType="primFontSz" fact="0.3"/>
+              <dgm:constr type="rMarg" refType="primFontSz" fact="0.3"/>
+            </dgm:constrLst>
+            <dgm:ruleLst>
+              <dgm:rule type="primFontSz" val="5" fact="NaN" max="NaN"/>
+            </dgm:ruleLst>
+          </dgm:layoutNode>
+        </dgm:if>
+        <dgm:else name="Name15"/>
+      </dgm:choose>
+    </dgm:forEach>
+    <dgm:forEach name="Name16" axis="ch" ptType="sibTrans" hideLastTrans="0" cnt="1">
+      <dgm:layoutNode name="connector1" styleLbl="sibTrans2D1">
+        <dgm:alg type="conn">
+          <dgm:param type="connRout" val="curve"/>
+          <dgm:param type="srcNode" val="gear1srcNode"/>
+          <dgm:param type="dstNode" val="gear1dstNode"/>
+          <dgm:param type="begPts" val="midR"/>
+          <dgm:param type="endPts" val="tCtr"/>
+        </dgm:alg>
+        <dgm:shape xmlns:r="http://schemas.openxmlformats.org/officeDocument/2006/relationships" type="conn" r:blip="">
+          <dgm:adjLst/>
+        </dgm:shape>
+        <dgm:presOf axis="self"/>
+        <dgm:constrLst>
+          <dgm:constr type="w" val="10"/>
+          <dgm:constr type="h" val="10"/>
+          <dgm:constr type="begPad"/>
+          <dgm:constr type="endPad"/>
+        </dgm:constrLst>
+        <dgm:ruleLst/>
+      </dgm:layoutNode>
+    </dgm:forEach>
+    <dgm:forEach name="Name17" axis="ch" ptType="sibTrans" hideLastTrans="0" st="2" cnt="1">
+      <dgm:layoutNode name="connector2" styleLbl="sibTrans2D1">
+        <dgm:alg type="conn">
+          <dgm:param type="connRout" val="curve"/>
+          <dgm:param type="srcNode" val="gear2srcNode"/>
+          <dgm:param type="dstNode" val="gear2dstNode"/>
+          <dgm:param type="begPts" val="midL"/>
+          <dgm:param type="endPts" val="midL"/>
+        </dgm:alg>
+        <dgm:shape xmlns:r="http://schemas.openxmlformats.org/officeDocument/2006/relationships" type="conn" r:blip="">
+          <dgm:adjLst/>
+        </dgm:shape>
+        <dgm:presOf axis="self"/>
+        <dgm:constrLst>
+          <dgm:constr type="w" val="10"/>
+          <dgm:constr type="h" val="10"/>
+          <dgm:constr type="begPad"/>
+          <dgm:constr type="endPad"/>
+        </dgm:constrLst>
+        <dgm:ruleLst/>
+      </dgm:layoutNode>
+    </dgm:forEach>
+    <dgm:forEach name="Name18" axis="ch" ptType="sibTrans" hideLastTrans="0" st="3" cnt="1">
+      <dgm:layoutNode name="connector3" styleLbl="sibTrans2D1">
+        <dgm:alg type="conn">
+          <dgm:param type="connRout" val="curve"/>
+          <dgm:param type="srcNode" val="gear3srcNode"/>
+          <dgm:param type="dstNode" val="gear3dstNode"/>
+          <dgm:param type="begPts" val="midL"/>
+          <dgm:param type="endPts" val="midL"/>
+        </dgm:alg>
+        <dgm:shape xmlns:r="http://schemas.openxmlformats.org/officeDocument/2006/relationships" type="conn" r:blip="">
+          <dgm:adjLst/>
+        </dgm:shape>
+        <dgm:presOf axis="self"/>
+        <dgm:constrLst>
+          <dgm:constr type="w" val="10"/>
+          <dgm:constr type="h" val="10"/>
+          <dgm:constr type="begPad"/>
+          <dgm:constr type="endPad"/>
+        </dgm:constrLst>
+        <dgm:ruleLst/>
+      </dgm:layoutNode>
     </dgm:forEach>
   </dgm:layoutNode>
 </dgm:layoutDef>
@@ -5522,7 +5788,7 @@
           <a:p>
             <a:fld id="{AAECA78F-AB46-4114-A470-8B3E424B638C}" type="datetimeFigureOut">
               <a:rPr lang="en-US" smtClean="0"/>
-              <a:t>10/10/2016</a:t>
+              <a:t>10/24/2016</a:t>
             </a:fld>
             <a:endParaRPr lang="en-US"/>
           </a:p>
@@ -5839,9 +6105,10 @@
               <a:buChar char="•"/>
             </a:pPr>
             <a:r>
-              <a:rPr lang="en-US" dirty="0" smtClean="0"/>
-              <a:t>Code is awful</a:t>
-            </a:r>
+              <a:rPr lang="zh-CN" altLang="en-US" dirty="0" smtClean="0"/>
+              <a:t>代码烂，需要重构。</a:t>
+            </a:r>
+            <a:endParaRPr lang="en-US" altLang="zh-CN" dirty="0" smtClean="0"/>
           </a:p>
           <a:p>
             <a:pPr marL="171450" indent="-171450">
@@ -5849,13 +6116,10 @@
               <a:buChar char="•"/>
             </a:pPr>
             <a:r>
-              <a:rPr lang="en-US" dirty="0" smtClean="0"/>
-              <a:t>Design</a:t>
-            </a:r>
-            <a:r>
-              <a:rPr lang="en-US" baseline="0" dirty="0" smtClean="0"/>
-              <a:t> is awful</a:t>
-            </a:r>
+              <a:rPr lang="zh-CN" altLang="en-US" dirty="0" smtClean="0"/>
+              <a:t>设计烂，需要重构。</a:t>
+            </a:r>
+            <a:endParaRPr lang="en-US" altLang="zh-CN" dirty="0" smtClean="0"/>
           </a:p>
           <a:p>
             <a:pPr marL="171450" indent="-171450">
@@ -5863,8 +6127,20 @@
               <a:buChar char="•"/>
             </a:pPr>
             <a:r>
-              <a:rPr lang="en-US" baseline="0" dirty="0" smtClean="0"/>
-              <a:t>Requirement is awful</a:t>
+              <a:rPr lang="zh-CN" altLang="en-US" dirty="0" smtClean="0"/>
+              <a:t>如果代码和设计都很优秀，是否就不需要重构了？不，需求可能会变，我们需要与时俱进</a:t>
+            </a:r>
+            <a:r>
+              <a:rPr lang="zh-CN" altLang="en-US" baseline="0" dirty="0" smtClean="0"/>
+              <a:t> </a:t>
+            </a:r>
+            <a:r>
+              <a:rPr lang="en-US" altLang="zh-CN" baseline="0" dirty="0" smtClean="0"/>
+              <a:t>– </a:t>
+            </a:r>
+            <a:r>
+              <a:rPr lang="zh-CN" altLang="en-US" baseline="0" dirty="0" smtClean="0"/>
+              <a:t>重构！</a:t>
             </a:r>
             <a:endParaRPr lang="en-US" dirty="0"/>
           </a:p>
@@ -5896,7 +6172,505 @@
     </p:spTree>
     <p:extLst>
       <p:ext uri="{BB962C8B-B14F-4D97-AF65-F5344CB8AC3E}">
-        <p14:creationId xmlns:p14="http://schemas.microsoft.com/office/powerpoint/2010/main" val="3176063165"/>
+        <p14:creationId xmlns:p14="http://schemas.microsoft.com/office/powerpoint/2010/main" val="713100441"/>
+      </p:ext>
+    </p:extLst>
+  </p:cSld>
+  <p:clrMapOvr>
+    <a:masterClrMapping/>
+  </p:clrMapOvr>
+</p:notes>
+</file>
+
+<file path=ppt/notesSlides/notesSlide10.xml><?xml version="1.0" encoding="utf-8"?>
+<p:notes xmlns:a="http://schemas.openxmlformats.org/drawingml/2006/main" xmlns:r="http://schemas.openxmlformats.org/officeDocument/2006/relationships" xmlns:p="http://schemas.openxmlformats.org/presentationml/2006/main">
+  <p:cSld>
+    <p:spTree>
+      <p:nvGrpSpPr>
+        <p:cNvPr id="1" name=""/>
+        <p:cNvGrpSpPr/>
+        <p:nvPr/>
+      </p:nvGrpSpPr>
+      <p:grpSpPr>
+        <a:xfrm>
+          <a:off x="0" y="0"/>
+          <a:ext cx="0" cy="0"/>
+          <a:chOff x="0" y="0"/>
+          <a:chExt cx="0" cy="0"/>
+        </a:xfrm>
+      </p:grpSpPr>
+      <p:sp>
+        <p:nvSpPr>
+          <p:cNvPr id="2" name="Slide Image Placeholder 1"/>
+          <p:cNvSpPr>
+            <a:spLocks noGrp="1" noRot="1" noChangeAspect="1"/>
+          </p:cNvSpPr>
+          <p:nvPr>
+            <p:ph type="sldImg"/>
+          </p:nvPr>
+        </p:nvSpPr>
+        <p:spPr/>
+      </p:sp>
+      <p:sp>
+        <p:nvSpPr>
+          <p:cNvPr id="3" name="Notes Placeholder 2"/>
+          <p:cNvSpPr>
+            <a:spLocks noGrp="1"/>
+          </p:cNvSpPr>
+          <p:nvPr>
+            <p:ph type="body" idx="1"/>
+          </p:nvPr>
+        </p:nvSpPr>
+        <p:spPr/>
+        <p:txBody>
+          <a:bodyPr/>
+          <a:lstStyle/>
+          <a:p>
+            <a:pPr marL="228600" indent="-228600">
+              <a:buAutoNum type="arabicPeriod"/>
+            </a:pPr>
+            <a:r>
+              <a:rPr lang="zh-CN" altLang="en-US" baseline="0" dirty="0" smtClean="0"/>
+              <a:t>添加</a:t>
+            </a:r>
+            <a:r>
+              <a:rPr lang="en-US" altLang="zh-CN" baseline="0" dirty="0" smtClean="0"/>
+              <a:t>/</a:t>
+            </a:r>
+            <a:r>
+              <a:rPr lang="zh-CN" altLang="en-US" baseline="0" dirty="0" smtClean="0"/>
+              <a:t>移除参数 </a:t>
+            </a:r>
+            <a:r>
+              <a:rPr lang="en-US" altLang="zh-CN" baseline="0" dirty="0" smtClean="0"/>
+              <a:t>– </a:t>
+            </a:r>
+            <a:r>
+              <a:rPr lang="zh-CN" altLang="en-US" baseline="0" dirty="0" smtClean="0"/>
+              <a:t>非常常见，通常见于需要修改函数</a:t>
+            </a:r>
+            <a:r>
+              <a:rPr lang="en-US" altLang="zh-CN" baseline="0" dirty="0" smtClean="0"/>
+              <a:t>Scope</a:t>
+            </a:r>
+            <a:r>
+              <a:rPr lang="zh-CN" altLang="en-US" baseline="0" dirty="0" smtClean="0"/>
+              <a:t>。但是滥用的话会导致参数列表混乱。另一个常见的变种是为了保证向后兼容性，从而引入新的重载函数，这个函数会调用原来的那个函数。同样，过多的重载会使得代码看上去非常臃肿，并且他人在调用的时候无所适从。因此谨慎使用，考虑抽象的合理性。</a:t>
+            </a:r>
+            <a:endParaRPr lang="en-US" altLang="zh-CN" baseline="0" dirty="0" smtClean="0"/>
+          </a:p>
+          <a:p>
+            <a:pPr marL="228600" indent="-228600">
+              <a:buAutoNum type="arabicPeriod"/>
+            </a:pPr>
+            <a:r>
+              <a:rPr lang="zh-CN" altLang="en-US" baseline="0" dirty="0" smtClean="0"/>
+              <a:t>把参数替换为函数</a:t>
+            </a:r>
+            <a:r>
+              <a:rPr lang="en-US" altLang="zh-CN" baseline="0" dirty="0" smtClean="0"/>
+              <a:t>/</a:t>
+            </a:r>
+            <a:r>
+              <a:rPr lang="zh-CN" altLang="en-US" baseline="0" dirty="0" smtClean="0"/>
+              <a:t>方法 </a:t>
+            </a:r>
+            <a:r>
+              <a:rPr lang="en-US" altLang="zh-CN" baseline="0" dirty="0" smtClean="0"/>
+              <a:t>– </a:t>
+            </a:r>
+            <a:r>
+              <a:rPr lang="zh-CN" altLang="en-US" baseline="0" dirty="0" smtClean="0"/>
+              <a:t>常见于重构过长的参数列表。如果一个参数可以独立于函数得到，考虑去除这个参数改用函数调用；如果参数过长，考虑用一个或多个</a:t>
+            </a:r>
+            <a:r>
+              <a:rPr lang="en-US" altLang="zh-CN" baseline="0" dirty="0" smtClean="0"/>
+              <a:t>Object </a:t>
+            </a:r>
+            <a:r>
+              <a:rPr lang="zh-CN" altLang="en-US" baseline="0" dirty="0" smtClean="0"/>
+              <a:t>来概括这些参数 </a:t>
+            </a:r>
+            <a:r>
+              <a:rPr lang="en-US" altLang="zh-CN" baseline="0" dirty="0" smtClean="0"/>
+              <a:t>– </a:t>
+            </a:r>
+            <a:r>
+              <a:rPr lang="zh-CN" altLang="en-US" baseline="0" dirty="0" smtClean="0"/>
+              <a:t>但是记住检查它们之间的关联性和抽象是否合理。否则容易落入另外一个圈套：无意义的对象以及临时字段。</a:t>
+            </a:r>
+            <a:endParaRPr lang="en-US" altLang="zh-CN" baseline="0" dirty="0" smtClean="0"/>
+          </a:p>
+          <a:p>
+            <a:pPr marL="228600" indent="-228600">
+              <a:buAutoNum type="arabicPeriod"/>
+            </a:pPr>
+            <a:r>
+              <a:rPr lang="zh-CN" altLang="en-US" baseline="0" dirty="0" smtClean="0"/>
+              <a:t>把构造函数替换成工厂方法。通常发生于构造函数包含一系列类型时。好处参见设计模式里的工厂方法。</a:t>
+            </a:r>
+            <a:endParaRPr lang="en-US" altLang="zh-CN" baseline="0" dirty="0" smtClean="0"/>
+          </a:p>
+          <a:p>
+            <a:pPr marL="228600" indent="-228600">
+              <a:buAutoNum type="arabicPeriod"/>
+            </a:pPr>
+            <a:r>
+              <a:rPr lang="zh-CN" altLang="en-US" baseline="0" dirty="0" smtClean="0"/>
+              <a:t>封装向下转型 </a:t>
+            </a:r>
+            <a:r>
+              <a:rPr lang="en-US" altLang="zh-CN" baseline="0" dirty="0" smtClean="0"/>
+              <a:t>– OO </a:t>
+            </a:r>
+            <a:r>
+              <a:rPr lang="zh-CN" altLang="en-US" baseline="0" dirty="0" smtClean="0"/>
+              <a:t>理论通常把显式转型认为是抽象不合理的副作用。考虑重新抽象。但是有时候碍于语言本身的限制我们不得不这么做，那么尽量将他们封装在函数中，而不是写的到处都是。</a:t>
+            </a:r>
+            <a:endParaRPr lang="en-US" altLang="zh-CN" baseline="0" dirty="0" smtClean="0"/>
+          </a:p>
+          <a:p>
+            <a:pPr marL="228600" indent="-228600">
+              <a:buAutoNum type="arabicPeriod"/>
+            </a:pPr>
+            <a:r>
+              <a:rPr lang="zh-CN" altLang="en-US" baseline="0" dirty="0" smtClean="0"/>
+              <a:t>用异常来代替错误代码 </a:t>
+            </a:r>
+            <a:r>
+              <a:rPr lang="en-US" altLang="zh-CN" baseline="0" dirty="0" smtClean="0"/>
+              <a:t>– </a:t>
+            </a:r>
+            <a:r>
+              <a:rPr lang="zh-CN" altLang="en-US" baseline="0" dirty="0" smtClean="0"/>
+              <a:t>通常可以简化返回值，简化控制逻辑。</a:t>
+            </a:r>
+            <a:endParaRPr lang="en-US" dirty="0" smtClean="0"/>
+          </a:p>
+          <a:p>
+            <a:pPr marL="228600" indent="-228600">
+              <a:buAutoNum type="arabicPeriod"/>
+            </a:pPr>
+            <a:r>
+              <a:rPr lang="zh-CN" altLang="en-US" dirty="0" smtClean="0"/>
+              <a:t>把查询和修改分离 </a:t>
+            </a:r>
+            <a:r>
+              <a:rPr lang="en-US" altLang="zh-CN" dirty="0" smtClean="0"/>
+              <a:t>– </a:t>
+            </a:r>
+            <a:r>
+              <a:rPr lang="zh-CN" altLang="en-US" dirty="0" smtClean="0"/>
+              <a:t>很简单，为了正交性以及去除副作用。一个常见的原则是，一个函数只做一件事情，并且做好。</a:t>
+            </a:r>
+            <a:endParaRPr lang="en-US" dirty="0"/>
+          </a:p>
+        </p:txBody>
+      </p:sp>
+      <p:sp>
+        <p:nvSpPr>
+          <p:cNvPr id="4" name="Slide Number Placeholder 3"/>
+          <p:cNvSpPr>
+            <a:spLocks noGrp="1"/>
+          </p:cNvSpPr>
+          <p:nvPr>
+            <p:ph type="sldNum" sz="quarter" idx="10"/>
+          </p:nvPr>
+        </p:nvSpPr>
+        <p:spPr/>
+        <p:txBody>
+          <a:bodyPr/>
+          <a:lstStyle/>
+          <a:p>
+            <a:fld id="{E3DC050E-6296-41DE-B64F-694CF55EA39F}" type="slidenum">
+              <a:rPr lang="en-US" smtClean="0"/>
+              <a:t>12</a:t>
+            </a:fld>
+            <a:endParaRPr lang="en-US"/>
+          </a:p>
+        </p:txBody>
+      </p:sp>
+    </p:spTree>
+    <p:extLst>
+      <p:ext uri="{BB962C8B-B14F-4D97-AF65-F5344CB8AC3E}">
+        <p14:creationId xmlns:p14="http://schemas.microsoft.com/office/powerpoint/2010/main" val="1654863321"/>
+      </p:ext>
+    </p:extLst>
+  </p:cSld>
+  <p:clrMapOvr>
+    <a:masterClrMapping/>
+  </p:clrMapOvr>
+</p:notes>
+</file>
+
+<file path=ppt/notesSlides/notesSlide11.xml><?xml version="1.0" encoding="utf-8"?>
+<p:notes xmlns:a="http://schemas.openxmlformats.org/drawingml/2006/main" xmlns:r="http://schemas.openxmlformats.org/officeDocument/2006/relationships" xmlns:p="http://schemas.openxmlformats.org/presentationml/2006/main">
+  <p:cSld>
+    <p:spTree>
+      <p:nvGrpSpPr>
+        <p:cNvPr id="1" name=""/>
+        <p:cNvGrpSpPr/>
+        <p:nvPr/>
+      </p:nvGrpSpPr>
+      <p:grpSpPr>
+        <a:xfrm>
+          <a:off x="0" y="0"/>
+          <a:ext cx="0" cy="0"/>
+          <a:chOff x="0" y="0"/>
+          <a:chExt cx="0" cy="0"/>
+        </a:xfrm>
+      </p:grpSpPr>
+      <p:sp>
+        <p:nvSpPr>
+          <p:cNvPr id="2" name="Slide Image Placeholder 1"/>
+          <p:cNvSpPr>
+            <a:spLocks noGrp="1" noRot="1" noChangeAspect="1"/>
+          </p:cNvSpPr>
+          <p:nvPr>
+            <p:ph type="sldImg"/>
+          </p:nvPr>
+        </p:nvSpPr>
+        <p:spPr/>
+      </p:sp>
+      <p:sp>
+        <p:nvSpPr>
+          <p:cNvPr id="3" name="Notes Placeholder 2"/>
+          <p:cNvSpPr>
+            <a:spLocks noGrp="1"/>
+          </p:cNvSpPr>
+          <p:nvPr>
+            <p:ph type="body" idx="1"/>
+          </p:nvPr>
+        </p:nvSpPr>
+        <p:spPr/>
+        <p:txBody>
+          <a:bodyPr/>
+          <a:lstStyle/>
+          <a:p>
+            <a:endParaRPr lang="en-US" dirty="0"/>
+          </a:p>
+        </p:txBody>
+      </p:sp>
+      <p:sp>
+        <p:nvSpPr>
+          <p:cNvPr id="4" name="Slide Number Placeholder 3"/>
+          <p:cNvSpPr>
+            <a:spLocks noGrp="1"/>
+          </p:cNvSpPr>
+          <p:nvPr>
+            <p:ph type="sldNum" sz="quarter" idx="10"/>
+          </p:nvPr>
+        </p:nvSpPr>
+        <p:spPr/>
+        <p:txBody>
+          <a:bodyPr/>
+          <a:lstStyle/>
+          <a:p>
+            <a:fld id="{E3DC050E-6296-41DE-B64F-694CF55EA39F}" type="slidenum">
+              <a:rPr lang="en-US" smtClean="0"/>
+              <a:t>13</a:t>
+            </a:fld>
+            <a:endParaRPr lang="en-US"/>
+          </a:p>
+        </p:txBody>
+      </p:sp>
+    </p:spTree>
+    <p:extLst>
+      <p:ext uri="{BB962C8B-B14F-4D97-AF65-F5344CB8AC3E}">
+        <p14:creationId xmlns:p14="http://schemas.microsoft.com/office/powerpoint/2010/main" val="3333510385"/>
+      </p:ext>
+    </p:extLst>
+  </p:cSld>
+  <p:clrMapOvr>
+    <a:masterClrMapping/>
+  </p:clrMapOvr>
+</p:notes>
+</file>
+
+<file path=ppt/notesSlides/notesSlide12.xml><?xml version="1.0" encoding="utf-8"?>
+<p:notes xmlns:a="http://schemas.openxmlformats.org/drawingml/2006/main" xmlns:r="http://schemas.openxmlformats.org/officeDocument/2006/relationships" xmlns:p="http://schemas.openxmlformats.org/presentationml/2006/main">
+  <p:cSld>
+    <p:spTree>
+      <p:nvGrpSpPr>
+        <p:cNvPr id="1" name=""/>
+        <p:cNvGrpSpPr/>
+        <p:nvPr/>
+      </p:nvGrpSpPr>
+      <p:grpSpPr>
+        <a:xfrm>
+          <a:off x="0" y="0"/>
+          <a:ext cx="0" cy="0"/>
+          <a:chOff x="0" y="0"/>
+          <a:chExt cx="0" cy="0"/>
+        </a:xfrm>
+      </p:grpSpPr>
+      <p:sp>
+        <p:nvSpPr>
+          <p:cNvPr id="2" name="Slide Image Placeholder 1"/>
+          <p:cNvSpPr>
+            <a:spLocks noGrp="1" noRot="1" noChangeAspect="1"/>
+          </p:cNvSpPr>
+          <p:nvPr>
+            <p:ph type="sldImg"/>
+          </p:nvPr>
+        </p:nvSpPr>
+        <p:spPr/>
+      </p:sp>
+      <p:sp>
+        <p:nvSpPr>
+          <p:cNvPr id="3" name="Notes Placeholder 2"/>
+          <p:cNvSpPr>
+            <a:spLocks noGrp="1"/>
+          </p:cNvSpPr>
+          <p:nvPr>
+            <p:ph type="body" idx="1"/>
+          </p:nvPr>
+        </p:nvSpPr>
+        <p:spPr/>
+        <p:txBody>
+          <a:bodyPr/>
+          <a:lstStyle/>
+          <a:p>
+            <a:pPr marL="228600" indent="-228600">
+              <a:buAutoNum type="arabicPeriod"/>
+            </a:pPr>
+            <a:r>
+              <a:rPr lang="zh-CN" altLang="en-US" dirty="0" smtClean="0"/>
+              <a:t>继承体系的重新设计</a:t>
+            </a:r>
+            <a:r>
+              <a:rPr lang="zh-CN" altLang="en-US" baseline="0" dirty="0" smtClean="0"/>
+              <a:t> </a:t>
+            </a:r>
+            <a:r>
+              <a:rPr lang="en-US" altLang="zh-CN" baseline="0" dirty="0" smtClean="0"/>
+              <a:t>– </a:t>
+            </a:r>
+            <a:r>
+              <a:rPr lang="zh-CN" altLang="en-US" baseline="0" dirty="0" smtClean="0"/>
+              <a:t>我们经常会遇到这种情况，一开始设计很好的单继承体系，后来慢慢变得需要在基类</a:t>
+            </a:r>
+            <a:r>
+              <a:rPr lang="en-US" altLang="zh-CN" baseline="0" dirty="0" smtClean="0"/>
+              <a:t>/</a:t>
+            </a:r>
+            <a:r>
+              <a:rPr lang="zh-CN" altLang="en-US" baseline="0" dirty="0" smtClean="0"/>
+              <a:t>接口里加越来越多繁杂的功能。这个时候就需要我们重新抽象，分拆基类</a:t>
+            </a:r>
+            <a:r>
+              <a:rPr lang="en-US" altLang="zh-CN" baseline="0" dirty="0" smtClean="0"/>
+              <a:t>/</a:t>
+            </a:r>
+            <a:r>
+              <a:rPr lang="zh-CN" altLang="en-US" baseline="0" dirty="0" smtClean="0"/>
+              <a:t>接口来更好的表达类之间的关</a:t>
+            </a:r>
+            <a:r>
+              <a:rPr lang="zh-CN" altLang="en-US" baseline="0" dirty="0" smtClean="0"/>
+              <a:t>系。</a:t>
+            </a:r>
+            <a:endParaRPr lang="en-US" altLang="zh-CN" baseline="0" dirty="0" smtClean="0"/>
+          </a:p>
+          <a:p>
+            <a:pPr marL="228600" indent="-228600">
+              <a:buAutoNum type="arabicPeriod"/>
+            </a:pPr>
+            <a:r>
+              <a:rPr lang="zh-CN" altLang="en-US" baseline="0" dirty="0" smtClean="0"/>
+              <a:t>把面向过程的设计转换成面向对象 </a:t>
+            </a:r>
+            <a:r>
+              <a:rPr lang="en-US" altLang="zh-CN" baseline="0" dirty="0" smtClean="0"/>
+              <a:t>– </a:t>
+            </a:r>
+            <a:r>
+              <a:rPr lang="zh-CN" altLang="en-US" baseline="0" dirty="0" smtClean="0"/>
+              <a:t>这个常见于过于古老的应用。类似的也可以用更新的一些编程范式（比如函数式编程）来让自己的程序结构与时俱进 </a:t>
+            </a:r>
+            <a:r>
+              <a:rPr lang="en-US" altLang="zh-CN" baseline="0" dirty="0" smtClean="0"/>
+              <a:t>– </a:t>
+            </a:r>
+            <a:r>
+              <a:rPr lang="zh-CN" altLang="en-US" baseline="0" dirty="0" smtClean="0"/>
+              <a:t>前提依然是抽象符合实际。</a:t>
+            </a:r>
+            <a:endParaRPr lang="en-US" altLang="zh-CN" baseline="0" dirty="0" smtClean="0"/>
+          </a:p>
+          <a:p>
+            <a:pPr marL="228600" indent="-228600">
+              <a:buAutoNum type="arabicPeriod"/>
+            </a:pPr>
+            <a:r>
+              <a:rPr lang="zh-CN" altLang="en-US" baseline="0" dirty="0" smtClean="0"/>
+              <a:t>将领域和表现分开 </a:t>
+            </a:r>
+            <a:r>
+              <a:rPr lang="en-US" altLang="zh-CN" baseline="0" dirty="0" smtClean="0"/>
+              <a:t>– </a:t>
+            </a:r>
+            <a:r>
+              <a:rPr lang="zh-CN" altLang="en-US" baseline="0" dirty="0" smtClean="0"/>
+              <a:t>常见的</a:t>
+            </a:r>
+            <a:r>
+              <a:rPr lang="en-US" altLang="zh-CN" baseline="0" dirty="0" smtClean="0"/>
+              <a:t>MVC </a:t>
+            </a:r>
+            <a:r>
+              <a:rPr lang="zh-CN" altLang="en-US" baseline="0" dirty="0" smtClean="0"/>
+              <a:t>架构。</a:t>
+            </a:r>
+            <a:endParaRPr lang="en-US" altLang="zh-CN" baseline="0" dirty="0" smtClean="0"/>
+          </a:p>
+          <a:p>
+            <a:pPr marL="228600" indent="-228600">
+              <a:buAutoNum type="arabicPeriod"/>
+            </a:pPr>
+            <a:r>
+              <a:rPr lang="zh-CN" altLang="en-US" baseline="0" dirty="0" smtClean="0"/>
+              <a:t>提炼继承体系 </a:t>
+            </a:r>
+            <a:r>
+              <a:rPr lang="en-US" altLang="zh-CN" baseline="0" dirty="0" smtClean="0"/>
+              <a:t>– </a:t>
+            </a:r>
+            <a:r>
+              <a:rPr lang="zh-CN" altLang="en-US" baseline="0" dirty="0" smtClean="0"/>
+              <a:t>如果一个类包含了太多的功能，有些功能彼此类似又有所区别，考虑提炼继承体系创建基类以及多个子类。</a:t>
+            </a:r>
+            <a:endParaRPr lang="en-US" altLang="zh-CN" baseline="0" dirty="0" smtClean="0"/>
+          </a:p>
+        </p:txBody>
+      </p:sp>
+      <p:sp>
+        <p:nvSpPr>
+          <p:cNvPr id="4" name="Slide Number Placeholder 3"/>
+          <p:cNvSpPr>
+            <a:spLocks noGrp="1"/>
+          </p:cNvSpPr>
+          <p:nvPr>
+            <p:ph type="sldNum" sz="quarter" idx="10"/>
+          </p:nvPr>
+        </p:nvSpPr>
+        <p:spPr/>
+        <p:txBody>
+          <a:bodyPr/>
+          <a:lstStyle/>
+          <a:p>
+            <a:fld id="{E3DC050E-6296-41DE-B64F-694CF55EA39F}" type="slidenum">
+              <a:rPr lang="en-US" smtClean="0"/>
+              <a:t>15</a:t>
+            </a:fld>
+            <a:endParaRPr lang="en-US"/>
+          </a:p>
+        </p:txBody>
+      </p:sp>
+    </p:spTree>
+    <p:extLst>
+      <p:ext uri="{BB962C8B-B14F-4D97-AF65-F5344CB8AC3E}">
+        <p14:creationId xmlns:p14="http://schemas.microsoft.com/office/powerpoint/2010/main" val="3695986449"/>
       </p:ext>
     </p:extLst>
   </p:cSld>
@@ -5950,6 +6724,103 @@
           <a:bodyPr/>
           <a:lstStyle/>
           <a:p>
+            <a:pPr marL="228600" indent="-228600">
+              <a:buAutoNum type="arabicPeriod"/>
+            </a:pPr>
+            <a:r>
+              <a:rPr lang="zh-CN" altLang="en-US" dirty="0" smtClean="0"/>
+              <a:t>重构是重新抽象的过程。如果重构以后发现，新的抽象没有更好地贴近需求，那么这样的重构很有可能很快被再次抛弃。强调这一点是因为我们后面会看到很多方法论的东西，但是他们并不是行事准则，这意味着我们不必事事都按照这些方法来；相反，我们只在需要的时候，知道有这些方法可以改善我们的代码结构，然后才去使用它们。</a:t>
+            </a:r>
+            <a:endParaRPr lang="en-US" altLang="zh-CN" dirty="0" smtClean="0"/>
+          </a:p>
+          <a:p>
+            <a:pPr marL="228600" indent="-228600">
+              <a:buAutoNum type="arabicPeriod"/>
+            </a:pPr>
+            <a:r>
+              <a:rPr lang="zh-CN" altLang="en-US" dirty="0" smtClean="0"/>
+              <a:t>重构不应该改变行为！如果改变了，考虑将重构和修改代码逻辑分开执行。</a:t>
+            </a:r>
+            <a:r>
+              <a:rPr lang="en-US" altLang="zh-CN" dirty="0" smtClean="0"/>
+              <a:t>- [Remark] </a:t>
+            </a:r>
+            <a:r>
+              <a:rPr lang="zh-CN" altLang="en-US" dirty="0" smtClean="0"/>
+              <a:t>这里说的行为不变是指大多数的局部重构。在大规模重构，尤其是架构重构的时候，这很难做到（例如从混合架构代码到</a:t>
+            </a:r>
+            <a:r>
+              <a:rPr lang="en-US" altLang="zh-CN" dirty="0" smtClean="0"/>
+              <a:t>MVC </a:t>
+            </a:r>
+            <a:r>
+              <a:rPr lang="zh-CN" altLang="en-US" dirty="0" smtClean="0"/>
+              <a:t>架构）；另外有一些重构本身就是为了改变代码的行为从而更好地抽象，更好地贴近需求。</a:t>
+            </a:r>
+            <a:endParaRPr lang="en-US" altLang="zh-CN" dirty="0" smtClean="0"/>
+          </a:p>
+          <a:p>
+            <a:pPr marL="228600" indent="-228600">
+              <a:buAutoNum type="arabicPeriod"/>
+            </a:pPr>
+            <a:r>
+              <a:rPr lang="zh-CN" altLang="en-US" dirty="0" smtClean="0"/>
+              <a:t>重构需要测试来保证其质量。</a:t>
+            </a:r>
+            <a:endParaRPr lang="en-US" altLang="zh-CN" dirty="0" smtClean="0"/>
+          </a:p>
+          <a:p>
+            <a:pPr marL="228600" indent="-228600">
+              <a:buAutoNum type="arabicPeriod"/>
+            </a:pPr>
+            <a:r>
+              <a:rPr lang="zh-CN" altLang="en-US" dirty="0" smtClean="0"/>
+              <a:t>重构是双刃剑：</a:t>
+            </a:r>
+            <a:endParaRPr lang="en-US" altLang="zh-CN" dirty="0" smtClean="0"/>
+          </a:p>
+          <a:p>
+            <a:pPr marL="685800" lvl="1" indent="-228600">
+              <a:buAutoNum type="arabicPeriod"/>
+            </a:pPr>
+            <a:r>
+              <a:rPr lang="zh-CN" altLang="en-US" dirty="0" smtClean="0"/>
+              <a:t>长远来看，重构帮助我们更好的阅读代码，修改代码添加新的功能，以及方便将来的更大规模的重构（比如由于需求改变）。</a:t>
+            </a:r>
+            <a:endParaRPr lang="en-US" altLang="zh-CN" dirty="0" smtClean="0"/>
+          </a:p>
+          <a:p>
+            <a:pPr marL="685800" lvl="1" indent="-228600">
+              <a:buAutoNum type="arabicPeriod"/>
+            </a:pPr>
+            <a:r>
+              <a:rPr lang="zh-CN" altLang="en-US" dirty="0" smtClean="0"/>
+              <a:t>短期来看，重构需要时间（客户看不到直接好处  </a:t>
+            </a:r>
+            <a:r>
+              <a:rPr lang="en-US" altLang="zh-CN" dirty="0" smtClean="0"/>
+              <a:t>- </a:t>
+            </a:r>
+            <a:r>
+              <a:rPr lang="zh-CN" altLang="en-US" dirty="0" smtClean="0"/>
+              <a:t>没有直接增加功能），并且有一定风险（尤其是测试不完备的情况下）。</a:t>
+            </a:r>
+            <a:r>
+              <a:rPr lang="en-US" altLang="zh-CN" dirty="0" smtClean="0"/>
+              <a:t>Consider</a:t>
+            </a:r>
+            <a:r>
+              <a:rPr lang="zh-CN" altLang="en-US" dirty="0" smtClean="0"/>
+              <a:t>：</a:t>
+            </a:r>
+            <a:r>
+              <a:rPr lang="en-US" altLang="zh-CN" dirty="0" smtClean="0"/>
+              <a:t>Bug is Feature</a:t>
+            </a:r>
+            <a:r>
+              <a:rPr lang="zh-CN" altLang="en-US" dirty="0" smtClean="0"/>
+              <a:t>。</a:t>
+            </a:r>
             <a:endParaRPr lang="en-US" dirty="0"/>
           </a:p>
         </p:txBody>
@@ -5980,7 +6851,1247 @@
     </p:spTree>
     <p:extLst>
       <p:ext uri="{BB962C8B-B14F-4D97-AF65-F5344CB8AC3E}">
-        <p14:creationId xmlns:p14="http://schemas.microsoft.com/office/powerpoint/2010/main" val="4249198153"/>
+        <p14:creationId xmlns:p14="http://schemas.microsoft.com/office/powerpoint/2010/main" val="27940398"/>
+      </p:ext>
+    </p:extLst>
+  </p:cSld>
+  <p:clrMapOvr>
+    <a:masterClrMapping/>
+  </p:clrMapOvr>
+</p:notes>
+</file>
+
+<file path=ppt/notesSlides/notesSlide3.xml><?xml version="1.0" encoding="utf-8"?>
+<p:notes xmlns:a="http://schemas.openxmlformats.org/drawingml/2006/main" xmlns:r="http://schemas.openxmlformats.org/officeDocument/2006/relationships" xmlns:p="http://schemas.openxmlformats.org/presentationml/2006/main">
+  <p:cSld>
+    <p:spTree>
+      <p:nvGrpSpPr>
+        <p:cNvPr id="1" name=""/>
+        <p:cNvGrpSpPr/>
+        <p:nvPr/>
+      </p:nvGrpSpPr>
+      <p:grpSpPr>
+        <a:xfrm>
+          <a:off x="0" y="0"/>
+          <a:ext cx="0" cy="0"/>
+          <a:chOff x="0" y="0"/>
+          <a:chExt cx="0" cy="0"/>
+        </a:xfrm>
+      </p:grpSpPr>
+      <p:sp>
+        <p:nvSpPr>
+          <p:cNvPr id="2" name="Slide Image Placeholder 1"/>
+          <p:cNvSpPr>
+            <a:spLocks noGrp="1" noRot="1" noChangeAspect="1"/>
+          </p:cNvSpPr>
+          <p:nvPr>
+            <p:ph type="sldImg"/>
+          </p:nvPr>
+        </p:nvSpPr>
+        <p:spPr/>
+      </p:sp>
+      <p:sp>
+        <p:nvSpPr>
+          <p:cNvPr id="3" name="Notes Placeholder 2"/>
+          <p:cNvSpPr>
+            <a:spLocks noGrp="1"/>
+          </p:cNvSpPr>
+          <p:nvPr>
+            <p:ph type="body" idx="1"/>
+          </p:nvPr>
+        </p:nvSpPr>
+        <p:spPr/>
+        <p:txBody>
+          <a:bodyPr/>
+          <a:lstStyle/>
+          <a:p>
+            <a:r>
+              <a:rPr lang="zh-CN" altLang="en-US" dirty="0" smtClean="0"/>
+              <a:t>什么时候重构：比如添加新函数的时候发现无从下手；修改错误的时候发现动一发而牵全身；</a:t>
+            </a:r>
+            <a:r>
+              <a:rPr lang="en-US" altLang="zh-CN" dirty="0" smtClean="0"/>
+              <a:t>Review</a:t>
+            </a:r>
+            <a:r>
+              <a:rPr lang="zh-CN" altLang="en-US" dirty="0" smtClean="0"/>
+              <a:t>代码的时候；需求改变的时候。。。</a:t>
+            </a:r>
+            <a:endParaRPr lang="en-US" altLang="zh-CN" dirty="0" smtClean="0"/>
+          </a:p>
+          <a:p>
+            <a:r>
+              <a:rPr lang="zh-CN" altLang="en-US" dirty="0" smtClean="0"/>
+              <a:t>通常情况下，每当你看到代码觉得“我靠我受不了了”，那就应该重构了</a:t>
+            </a:r>
+            <a:r>
+              <a:rPr lang="zh-CN" altLang="en-US" baseline="0" dirty="0" smtClean="0"/>
+              <a:t> </a:t>
+            </a:r>
+            <a:r>
+              <a:rPr lang="en-US" altLang="zh-CN" baseline="0" dirty="0" smtClean="0"/>
+              <a:t>– </a:t>
+            </a:r>
+            <a:r>
+              <a:rPr lang="zh-CN" altLang="en-US" baseline="0" dirty="0" smtClean="0"/>
+              <a:t>当然这是被动式，这个时候往往已经不得不重构了。</a:t>
+            </a:r>
+            <a:endParaRPr lang="en-US" altLang="zh-CN" baseline="0" dirty="0" smtClean="0"/>
+          </a:p>
+          <a:p>
+            <a:r>
+              <a:rPr lang="zh-CN" altLang="en-US" baseline="0" dirty="0" smtClean="0"/>
+              <a:t>主动式要求我们经常性地审视代码，而这在很紧张的时间表里通常会被推迟</a:t>
+            </a:r>
+            <a:r>
+              <a:rPr lang="en-US" altLang="zh-CN" baseline="0" dirty="0" smtClean="0"/>
+              <a:t> – </a:t>
+            </a:r>
+            <a:r>
+              <a:rPr lang="zh-CN" altLang="en-US" baseline="0" dirty="0" smtClean="0"/>
+              <a:t>尽管它很重要。</a:t>
+            </a:r>
+            <a:endParaRPr lang="en-US" altLang="zh-CN" baseline="0" dirty="0" smtClean="0"/>
+          </a:p>
+          <a:p>
+            <a:r>
+              <a:rPr lang="zh-CN" altLang="en-US" baseline="0" dirty="0" smtClean="0"/>
+              <a:t>所以，现实中，如何分配时间是很重要的一个话题，当然，这超出了这次</a:t>
+            </a:r>
+            <a:r>
+              <a:rPr lang="en-US" altLang="zh-CN" baseline="0" dirty="0" smtClean="0"/>
+              <a:t>Sharing </a:t>
+            </a:r>
+            <a:r>
+              <a:rPr lang="zh-CN" altLang="en-US" baseline="0" dirty="0" smtClean="0"/>
+              <a:t>的主旨所以留给大家会后自己体会。</a:t>
+            </a:r>
+            <a:endParaRPr lang="en-US" dirty="0"/>
+          </a:p>
+        </p:txBody>
+      </p:sp>
+      <p:sp>
+        <p:nvSpPr>
+          <p:cNvPr id="4" name="Slide Number Placeholder 3"/>
+          <p:cNvSpPr>
+            <a:spLocks noGrp="1"/>
+          </p:cNvSpPr>
+          <p:nvPr>
+            <p:ph type="sldNum" sz="quarter" idx="10"/>
+          </p:nvPr>
+        </p:nvSpPr>
+        <p:spPr/>
+        <p:txBody>
+          <a:bodyPr/>
+          <a:lstStyle/>
+          <a:p>
+            <a:fld id="{E3DC050E-6296-41DE-B64F-694CF55EA39F}" type="slidenum">
+              <a:rPr lang="en-US" smtClean="0"/>
+              <a:t>5</a:t>
+            </a:fld>
+            <a:endParaRPr lang="en-US"/>
+          </a:p>
+        </p:txBody>
+      </p:sp>
+    </p:spTree>
+    <p:extLst>
+      <p:ext uri="{BB962C8B-B14F-4D97-AF65-F5344CB8AC3E}">
+        <p14:creationId xmlns:p14="http://schemas.microsoft.com/office/powerpoint/2010/main" val="2056439856"/>
+      </p:ext>
+    </p:extLst>
+  </p:cSld>
+  <p:clrMapOvr>
+    <a:masterClrMapping/>
+  </p:clrMapOvr>
+</p:notes>
+</file>
+
+<file path=ppt/notesSlides/notesSlide4.xml><?xml version="1.0" encoding="utf-8"?>
+<p:notes xmlns:a="http://schemas.openxmlformats.org/drawingml/2006/main" xmlns:r="http://schemas.openxmlformats.org/officeDocument/2006/relationships" xmlns:p="http://schemas.openxmlformats.org/presentationml/2006/main">
+  <p:cSld>
+    <p:spTree>
+      <p:nvGrpSpPr>
+        <p:cNvPr id="1" name=""/>
+        <p:cNvGrpSpPr/>
+        <p:nvPr/>
+      </p:nvGrpSpPr>
+      <p:grpSpPr>
+        <a:xfrm>
+          <a:off x="0" y="0"/>
+          <a:ext cx="0" cy="0"/>
+          <a:chOff x="0" y="0"/>
+          <a:chExt cx="0" cy="0"/>
+        </a:xfrm>
+      </p:grpSpPr>
+      <p:sp>
+        <p:nvSpPr>
+          <p:cNvPr id="2" name="Slide Image Placeholder 1"/>
+          <p:cNvSpPr>
+            <a:spLocks noGrp="1" noRot="1" noChangeAspect="1"/>
+          </p:cNvSpPr>
+          <p:nvPr>
+            <p:ph type="sldImg"/>
+          </p:nvPr>
+        </p:nvSpPr>
+        <p:spPr/>
+      </p:sp>
+      <p:sp>
+        <p:nvSpPr>
+          <p:cNvPr id="3" name="Notes Placeholder 2"/>
+          <p:cNvSpPr>
+            <a:spLocks noGrp="1"/>
+          </p:cNvSpPr>
+          <p:nvPr>
+            <p:ph type="body" idx="1"/>
+          </p:nvPr>
+        </p:nvSpPr>
+        <p:spPr/>
+        <p:txBody>
+          <a:bodyPr/>
+          <a:lstStyle/>
+          <a:p>
+            <a:endParaRPr lang="en-US" dirty="0"/>
+          </a:p>
+        </p:txBody>
+      </p:sp>
+      <p:sp>
+        <p:nvSpPr>
+          <p:cNvPr id="4" name="Slide Number Placeholder 3"/>
+          <p:cNvSpPr>
+            <a:spLocks noGrp="1"/>
+          </p:cNvSpPr>
+          <p:nvPr>
+            <p:ph type="sldNum" sz="quarter" idx="10"/>
+          </p:nvPr>
+        </p:nvSpPr>
+        <p:spPr/>
+        <p:txBody>
+          <a:bodyPr/>
+          <a:lstStyle/>
+          <a:p>
+            <a:fld id="{E3DC050E-6296-41DE-B64F-694CF55EA39F}" type="slidenum">
+              <a:rPr lang="en-US" smtClean="0"/>
+              <a:t>6</a:t>
+            </a:fld>
+            <a:endParaRPr lang="en-US"/>
+          </a:p>
+        </p:txBody>
+      </p:sp>
+    </p:spTree>
+    <p:extLst>
+      <p:ext uri="{BB962C8B-B14F-4D97-AF65-F5344CB8AC3E}">
+        <p14:creationId xmlns:p14="http://schemas.microsoft.com/office/powerpoint/2010/main" val="4159881451"/>
+      </p:ext>
+    </p:extLst>
+  </p:cSld>
+  <p:clrMapOvr>
+    <a:masterClrMapping/>
+  </p:clrMapOvr>
+</p:notes>
+</file>
+
+<file path=ppt/notesSlides/notesSlide5.xml><?xml version="1.0" encoding="utf-8"?>
+<p:notes xmlns:a="http://schemas.openxmlformats.org/drawingml/2006/main" xmlns:r="http://schemas.openxmlformats.org/officeDocument/2006/relationships" xmlns:p="http://schemas.openxmlformats.org/presentationml/2006/main">
+  <p:cSld>
+    <p:spTree>
+      <p:nvGrpSpPr>
+        <p:cNvPr id="1" name=""/>
+        <p:cNvGrpSpPr/>
+        <p:nvPr/>
+      </p:nvGrpSpPr>
+      <p:grpSpPr>
+        <a:xfrm>
+          <a:off x="0" y="0"/>
+          <a:ext cx="0" cy="0"/>
+          <a:chOff x="0" y="0"/>
+          <a:chExt cx="0" cy="0"/>
+        </a:xfrm>
+      </p:grpSpPr>
+      <p:sp>
+        <p:nvSpPr>
+          <p:cNvPr id="2" name="Slide Image Placeholder 1"/>
+          <p:cNvSpPr>
+            <a:spLocks noGrp="1" noRot="1" noChangeAspect="1"/>
+          </p:cNvSpPr>
+          <p:nvPr>
+            <p:ph type="sldImg"/>
+          </p:nvPr>
+        </p:nvSpPr>
+        <p:spPr/>
+      </p:sp>
+      <p:sp>
+        <p:nvSpPr>
+          <p:cNvPr id="3" name="Notes Placeholder 2"/>
+          <p:cNvSpPr>
+            <a:spLocks noGrp="1"/>
+          </p:cNvSpPr>
+          <p:nvPr>
+            <p:ph type="body" idx="1"/>
+          </p:nvPr>
+        </p:nvSpPr>
+        <p:spPr/>
+        <p:txBody>
+          <a:bodyPr/>
+          <a:lstStyle/>
+          <a:p>
+            <a:pPr marL="228600" indent="-228600">
+              <a:buAutoNum type="arabicPeriod"/>
+            </a:pPr>
+            <a:r>
+              <a:rPr lang="zh-CN" altLang="en-US" dirty="0" smtClean="0"/>
+              <a:t>重复代码：简直随处</a:t>
+            </a:r>
+            <a:r>
+              <a:rPr lang="zh-CN" altLang="en-US" smtClean="0"/>
+              <a:t>可</a:t>
+            </a:r>
+            <a:r>
+              <a:rPr lang="zh-CN" altLang="en-US" smtClean="0"/>
+              <a:t>见</a:t>
+            </a:r>
+            <a:r>
+              <a:rPr lang="zh-CN" altLang="en-US" baseline="0" smtClean="0"/>
+              <a:t>。</a:t>
+            </a:r>
+            <a:r>
+              <a:rPr lang="zh-CN" altLang="en-US" baseline="0" dirty="0" smtClean="0"/>
+              <a:t>有个事不过三的原则。</a:t>
+            </a:r>
+            <a:endParaRPr lang="en-US" altLang="zh-CN" baseline="0" dirty="0" smtClean="0"/>
+          </a:p>
+          <a:p>
+            <a:pPr marL="228600" indent="-228600">
+              <a:buAutoNum type="arabicPeriod"/>
+            </a:pPr>
+            <a:r>
+              <a:rPr lang="zh-CN" altLang="en-US" dirty="0" smtClean="0"/>
+              <a:t>另外一种重复：不同的类，但是在做一样的事情！这种情况相对比较少一些，但是它是一个陷阱，通常出现在重构本身这个过程中！比如重构到一半停止了重构，或者由于换了团队，换了架构师，由于偏好不同导致了另外一套完全不同的体系结构，却在做类似的事情。</a:t>
+            </a:r>
+            <a:endParaRPr lang="en-US" altLang="zh-CN" dirty="0" smtClean="0"/>
+          </a:p>
+          <a:p>
+            <a:pPr marL="228600" indent="-228600">
+              <a:buAutoNum type="arabicPeriod"/>
+            </a:pPr>
+            <a:r>
+              <a:rPr lang="zh-CN" altLang="en-US" dirty="0" smtClean="0"/>
+              <a:t>超长的函数</a:t>
+            </a:r>
+            <a:endParaRPr lang="en-US" altLang="zh-CN" dirty="0" smtClean="0"/>
+          </a:p>
+          <a:p>
+            <a:pPr marL="228600" indent="-228600">
+              <a:buAutoNum type="arabicPeriod"/>
+            </a:pPr>
+            <a:r>
+              <a:rPr lang="zh-CN" altLang="en-US" dirty="0" smtClean="0"/>
+              <a:t>超长的参数列表</a:t>
+            </a:r>
+            <a:endParaRPr lang="en-US" altLang="zh-CN" dirty="0" smtClean="0"/>
+          </a:p>
+          <a:p>
+            <a:pPr marL="228600" indent="-228600">
+              <a:buAutoNum type="arabicPeriod"/>
+            </a:pPr>
+            <a:r>
+              <a:rPr lang="zh-CN" altLang="en-US" dirty="0" smtClean="0"/>
+              <a:t>超大的类</a:t>
+            </a:r>
+            <a:endParaRPr lang="en-US" altLang="zh-CN" dirty="0" smtClean="0"/>
+          </a:p>
+          <a:p>
+            <a:pPr marL="0" indent="0">
+              <a:buNone/>
+            </a:pPr>
+            <a:r>
+              <a:rPr lang="zh-CN" altLang="en-US" dirty="0" smtClean="0"/>
+              <a:t>这三个我们也经常看到。通常可以用一些静态扫描工具扫描出来。</a:t>
+            </a:r>
+            <a:endParaRPr lang="en-US" altLang="zh-CN" dirty="0" smtClean="0"/>
+          </a:p>
+          <a:p>
+            <a:pPr marL="0" indent="0">
+              <a:buNone/>
+            </a:pPr>
+            <a:endParaRPr lang="en-US" altLang="zh-CN" dirty="0" smtClean="0"/>
+          </a:p>
+          <a:p>
+            <a:pPr marL="228600" indent="-228600">
+              <a:buAutoNum type="arabicPeriod"/>
+            </a:pPr>
+            <a:r>
+              <a:rPr lang="zh-CN" altLang="en-US" dirty="0" smtClean="0"/>
+              <a:t>以及过于“前瞻性”的设计 </a:t>
+            </a:r>
+            <a:r>
+              <a:rPr lang="en-US" altLang="zh-CN" dirty="0" smtClean="0"/>
+              <a:t>– Over</a:t>
+            </a:r>
+            <a:r>
+              <a:rPr lang="en-US" altLang="zh-CN" baseline="0" dirty="0" smtClean="0"/>
+              <a:t> Design</a:t>
+            </a:r>
+          </a:p>
+          <a:p>
+            <a:pPr marL="228600" indent="-228600">
+              <a:buAutoNum type="arabicPeriod"/>
+            </a:pPr>
+            <a:endParaRPr lang="en-US" dirty="0"/>
+          </a:p>
+        </p:txBody>
+      </p:sp>
+      <p:sp>
+        <p:nvSpPr>
+          <p:cNvPr id="4" name="Slide Number Placeholder 3"/>
+          <p:cNvSpPr>
+            <a:spLocks noGrp="1"/>
+          </p:cNvSpPr>
+          <p:nvPr>
+            <p:ph type="sldNum" sz="quarter" idx="10"/>
+          </p:nvPr>
+        </p:nvSpPr>
+        <p:spPr/>
+        <p:txBody>
+          <a:bodyPr/>
+          <a:lstStyle/>
+          <a:p>
+            <a:fld id="{E3DC050E-6296-41DE-B64F-694CF55EA39F}" type="slidenum">
+              <a:rPr lang="en-US" smtClean="0"/>
+              <a:t>7</a:t>
+            </a:fld>
+            <a:endParaRPr lang="en-US"/>
+          </a:p>
+        </p:txBody>
+      </p:sp>
+    </p:spTree>
+    <p:extLst>
+      <p:ext uri="{BB962C8B-B14F-4D97-AF65-F5344CB8AC3E}">
+        <p14:creationId xmlns:p14="http://schemas.microsoft.com/office/powerpoint/2010/main" val="1880737025"/>
+      </p:ext>
+    </p:extLst>
+  </p:cSld>
+  <p:clrMapOvr>
+    <a:masterClrMapping/>
+  </p:clrMapOvr>
+</p:notes>
+</file>
+
+<file path=ppt/notesSlides/notesSlide6.xml><?xml version="1.0" encoding="utf-8"?>
+<p:notes xmlns:a="http://schemas.openxmlformats.org/drawingml/2006/main" xmlns:r="http://schemas.openxmlformats.org/officeDocument/2006/relationships" xmlns:p="http://schemas.openxmlformats.org/presentationml/2006/main">
+  <p:cSld>
+    <p:spTree>
+      <p:nvGrpSpPr>
+        <p:cNvPr id="1" name=""/>
+        <p:cNvGrpSpPr/>
+        <p:nvPr/>
+      </p:nvGrpSpPr>
+      <p:grpSpPr>
+        <a:xfrm>
+          <a:off x="0" y="0"/>
+          <a:ext cx="0" cy="0"/>
+          <a:chOff x="0" y="0"/>
+          <a:chExt cx="0" cy="0"/>
+        </a:xfrm>
+      </p:grpSpPr>
+      <p:sp>
+        <p:nvSpPr>
+          <p:cNvPr id="2" name="Slide Image Placeholder 1"/>
+          <p:cNvSpPr>
+            <a:spLocks noGrp="1" noRot="1" noChangeAspect="1"/>
+          </p:cNvSpPr>
+          <p:nvPr>
+            <p:ph type="sldImg"/>
+          </p:nvPr>
+        </p:nvSpPr>
+        <p:spPr/>
+      </p:sp>
+      <p:sp>
+        <p:nvSpPr>
+          <p:cNvPr id="3" name="Notes Placeholder 2"/>
+          <p:cNvSpPr>
+            <a:spLocks noGrp="1"/>
+          </p:cNvSpPr>
+          <p:nvPr>
+            <p:ph type="body" idx="1"/>
+          </p:nvPr>
+        </p:nvSpPr>
+        <p:spPr/>
+        <p:txBody>
+          <a:bodyPr/>
+          <a:lstStyle/>
+          <a:p>
+            <a:pPr marL="228600" indent="-228600">
+              <a:buAutoNum type="arabicPeriod"/>
+            </a:pPr>
+            <a:r>
+              <a:rPr lang="zh-CN" altLang="en-US" dirty="0" smtClean="0"/>
+              <a:t>发散式变化 </a:t>
+            </a:r>
+            <a:r>
+              <a:rPr lang="en-US" altLang="zh-CN" dirty="0" smtClean="0"/>
+              <a:t>– </a:t>
+            </a:r>
+            <a:r>
+              <a:rPr lang="zh-CN" altLang="en-US" dirty="0" smtClean="0"/>
+              <a:t>如果一个类包含了太多功能，导致添加</a:t>
+            </a:r>
+            <a:r>
+              <a:rPr lang="en-US" altLang="zh-CN" dirty="0" smtClean="0"/>
+              <a:t>/</a:t>
+            </a:r>
+            <a:r>
+              <a:rPr lang="zh-CN" altLang="en-US" dirty="0" smtClean="0"/>
+              <a:t>改变不同的功能都需要修改这个类，并且修改的还不是同一类方法集，那么就要考虑分拆这个类。简而言之，原来负责不同功能的类耦合到了一起，导致其臃肿并且难以适应变化。这里可能有个例外：</a:t>
+            </a:r>
+            <a:r>
+              <a:rPr lang="en-US" altLang="zh-CN" dirty="0" smtClean="0"/>
+              <a:t>Utility </a:t>
+            </a:r>
+            <a:r>
+              <a:rPr lang="zh-CN" altLang="en-US" dirty="0" smtClean="0"/>
+              <a:t>类。但即使是</a:t>
+            </a:r>
+            <a:r>
+              <a:rPr lang="en-US" altLang="zh-CN" dirty="0" smtClean="0"/>
+              <a:t>Utility</a:t>
+            </a:r>
+            <a:r>
+              <a:rPr lang="en-US" altLang="zh-CN" baseline="0" dirty="0" smtClean="0"/>
+              <a:t> </a:t>
+            </a:r>
+            <a:r>
+              <a:rPr lang="zh-CN" altLang="en-US" baseline="0" dirty="0" smtClean="0"/>
+              <a:t>类，也最好有良好的分类，而不是聚集在一个超大的类中。</a:t>
+            </a:r>
+            <a:endParaRPr lang="en-US" altLang="zh-CN" dirty="0" smtClean="0"/>
+          </a:p>
+          <a:p>
+            <a:pPr marL="228600" indent="-228600">
+              <a:buAutoNum type="arabicPeriod"/>
+            </a:pPr>
+            <a:r>
+              <a:rPr lang="zh-CN" altLang="en-US" dirty="0" smtClean="0"/>
+              <a:t>散弹式修改 </a:t>
+            </a:r>
+            <a:r>
+              <a:rPr lang="en-US" altLang="zh-CN" dirty="0" smtClean="0"/>
+              <a:t>– </a:t>
+            </a:r>
+            <a:r>
+              <a:rPr lang="zh-CN" altLang="en-US" dirty="0" smtClean="0"/>
+              <a:t>如果每次添加</a:t>
+            </a:r>
+            <a:r>
+              <a:rPr lang="en-US" altLang="zh-CN" dirty="0" smtClean="0"/>
+              <a:t>/</a:t>
+            </a:r>
+            <a:r>
+              <a:rPr lang="zh-CN" altLang="en-US" dirty="0" smtClean="0"/>
+              <a:t>修改一个功能都需要修改很多类似的地方，那么考虑聚集这些地方。</a:t>
+            </a:r>
+            <a:endParaRPr lang="en-US" altLang="zh-CN" dirty="0" smtClean="0"/>
+          </a:p>
+          <a:p>
+            <a:pPr marL="228600" indent="-228600">
+              <a:buAutoNum type="arabicPeriod"/>
+            </a:pPr>
+            <a:endParaRPr lang="en-US" altLang="zh-CN" dirty="0" smtClean="0"/>
+          </a:p>
+          <a:p>
+            <a:pPr marL="228600" indent="-228600">
+              <a:buAutoNum type="arabicPeriod"/>
+            </a:pPr>
+            <a:r>
+              <a:rPr lang="zh-CN" altLang="en-US" dirty="0" smtClean="0"/>
+              <a:t>依恋情节</a:t>
+            </a:r>
+            <a:r>
+              <a:rPr lang="zh-CN" altLang="en-US" baseline="0" dirty="0" smtClean="0"/>
+              <a:t> </a:t>
+            </a:r>
+            <a:r>
+              <a:rPr lang="en-US" altLang="zh-CN" baseline="0" dirty="0" smtClean="0"/>
+              <a:t>– </a:t>
+            </a:r>
+            <a:r>
+              <a:rPr lang="zh-CN" altLang="en-US" baseline="0" dirty="0" smtClean="0"/>
+              <a:t>一个类的某些功能对于另外一个类的数据</a:t>
+            </a:r>
+            <a:r>
+              <a:rPr lang="en-US" altLang="zh-CN" baseline="0" dirty="0" smtClean="0"/>
+              <a:t>/</a:t>
+            </a:r>
+            <a:r>
+              <a:rPr lang="zh-CN" altLang="en-US" baseline="0" dirty="0" smtClean="0"/>
+              <a:t>行为过于依赖</a:t>
+            </a:r>
+            <a:r>
+              <a:rPr lang="en-US" altLang="zh-CN" baseline="0" dirty="0" smtClean="0"/>
+              <a:t>/</a:t>
+            </a:r>
+            <a:r>
+              <a:rPr lang="zh-CN" altLang="en-US" baseline="0" dirty="0" smtClean="0"/>
+              <a:t>感兴趣，甚至超出了本类自己。</a:t>
+            </a:r>
+            <a:endParaRPr lang="en-US" altLang="zh-CN" baseline="0" dirty="0" smtClean="0"/>
+          </a:p>
+          <a:p>
+            <a:pPr marL="228600" indent="-228600">
+              <a:buAutoNum type="arabicPeriod"/>
+            </a:pPr>
+            <a:r>
+              <a:rPr lang="zh-CN" altLang="en-US" baseline="0" dirty="0" smtClean="0"/>
+              <a:t>数据泥团 </a:t>
+            </a:r>
+            <a:r>
+              <a:rPr lang="en-US" altLang="zh-CN" baseline="0" dirty="0" smtClean="0"/>
+              <a:t>– </a:t>
+            </a:r>
+            <a:r>
+              <a:rPr lang="zh-CN" altLang="en-US" baseline="0" dirty="0" smtClean="0"/>
+              <a:t>成群结队的数据，比如经常待在一块儿的参数集合等。为什么它们会经常一起出现，有什么关系？</a:t>
+            </a:r>
+            <a:endParaRPr lang="en-US" altLang="zh-CN" baseline="0" dirty="0" smtClean="0"/>
+          </a:p>
+          <a:p>
+            <a:pPr marL="228600" indent="-228600">
+              <a:buAutoNum type="arabicPeriod"/>
+            </a:pPr>
+            <a:r>
+              <a:rPr lang="zh-CN" altLang="en-US" baseline="0" dirty="0" smtClean="0"/>
+              <a:t>平行继承体系 </a:t>
+            </a:r>
+            <a:r>
+              <a:rPr lang="en-US" altLang="zh-CN" baseline="0" dirty="0" smtClean="0"/>
+              <a:t>– </a:t>
+            </a:r>
+            <a:r>
+              <a:rPr lang="zh-CN" altLang="en-US" baseline="0" dirty="0" smtClean="0"/>
+              <a:t>为某个类增加一个子类，这个时候也必须为另外一个类增加一个子类。重复的典型，散弹式发散的一个特例。</a:t>
+            </a:r>
+            <a:r>
+              <a:rPr lang="en-US" altLang="zh-CN" baseline="0" dirty="0" smtClean="0"/>
+              <a:t>【Remark】</a:t>
+            </a:r>
+            <a:r>
+              <a:rPr lang="zh-CN" altLang="en-US" baseline="0" dirty="0" smtClean="0"/>
+              <a:t>考虑抽象工厂。</a:t>
+            </a:r>
+            <a:endParaRPr lang="en-US" altLang="zh-CN" baseline="0" dirty="0" smtClean="0"/>
+          </a:p>
+          <a:p>
+            <a:pPr marL="228600" indent="-228600">
+              <a:buAutoNum type="arabicPeriod"/>
+            </a:pPr>
+            <a:endParaRPr lang="en-US" altLang="zh-CN" baseline="0" dirty="0" smtClean="0"/>
+          </a:p>
+          <a:p>
+            <a:pPr marL="228600" indent="-228600">
+              <a:buAutoNum type="arabicPeriod"/>
+            </a:pPr>
+            <a:r>
+              <a:rPr lang="zh-CN" altLang="en-US" baseline="0" dirty="0" smtClean="0"/>
+              <a:t>消息链 </a:t>
+            </a:r>
+            <a:r>
+              <a:rPr lang="en-US" altLang="zh-CN" baseline="0" dirty="0" smtClean="0"/>
+              <a:t>– </a:t>
+            </a:r>
+            <a:r>
+              <a:rPr lang="en-US" altLang="zh-CN" baseline="0" dirty="0" err="1" smtClean="0"/>
+              <a:t>one.getA</a:t>
+            </a:r>
+            <a:r>
+              <a:rPr lang="en-US" altLang="zh-CN" baseline="0" dirty="0" smtClean="0"/>
+              <a:t>().</a:t>
+            </a:r>
+            <a:r>
+              <a:rPr lang="en-US" altLang="zh-CN" baseline="0" dirty="0" err="1" smtClean="0"/>
+              <a:t>getB</a:t>
+            </a:r>
+            <a:r>
+              <a:rPr lang="en-US" altLang="zh-CN" baseline="0" dirty="0" smtClean="0"/>
+              <a:t>().</a:t>
+            </a:r>
+            <a:r>
+              <a:rPr lang="en-US" altLang="zh-CN" baseline="0" dirty="0" err="1" smtClean="0"/>
+              <a:t>getC</a:t>
+            </a:r>
+            <a:r>
+              <a:rPr lang="en-US" altLang="zh-CN" baseline="0" dirty="0" smtClean="0"/>
+              <a:t>().</a:t>
+            </a:r>
+            <a:r>
+              <a:rPr lang="en-US" altLang="zh-CN" baseline="0" dirty="0" err="1" smtClean="0"/>
+              <a:t>doSomething</a:t>
+            </a:r>
+            <a:r>
+              <a:rPr lang="en-US" altLang="zh-CN" baseline="0" dirty="0" smtClean="0"/>
+              <a:t>. </a:t>
+            </a:r>
+            <a:r>
+              <a:rPr lang="zh-CN" altLang="en-US" baseline="0" dirty="0" smtClean="0"/>
+              <a:t>过度耦合的消息链，导致他们彼此互相过于了解其内部实现，是对象间消息没有设计好的典型。</a:t>
+            </a:r>
+            <a:endParaRPr lang="en-US" altLang="zh-CN" baseline="0" dirty="0" smtClean="0"/>
+          </a:p>
+          <a:p>
+            <a:pPr marL="228600" indent="-228600">
+              <a:buAutoNum type="arabicPeriod"/>
+            </a:pPr>
+            <a:endParaRPr lang="en-US" altLang="zh-CN" baseline="0" dirty="0" smtClean="0"/>
+          </a:p>
+          <a:p>
+            <a:pPr marL="228600" indent="-228600">
+              <a:buAutoNum type="arabicPeriod"/>
+            </a:pPr>
+            <a:r>
+              <a:rPr lang="zh-CN" altLang="en-US" baseline="0" dirty="0" smtClean="0"/>
+              <a:t>过于亲密的关系 </a:t>
+            </a:r>
+            <a:r>
+              <a:rPr lang="en-US" altLang="zh-CN" baseline="0" dirty="0" smtClean="0"/>
+              <a:t>– </a:t>
+            </a:r>
+            <a:r>
+              <a:rPr lang="zh-CN" altLang="en-US" baseline="0" dirty="0" smtClean="0"/>
+              <a:t>两个类之间过于了解，过于依赖彼此私有的成员 </a:t>
+            </a:r>
+            <a:r>
+              <a:rPr lang="en-US" altLang="zh-CN" baseline="0" dirty="0" smtClean="0"/>
+              <a:t>– </a:t>
+            </a:r>
+            <a:r>
+              <a:rPr lang="zh-CN" altLang="en-US" baseline="0" dirty="0" smtClean="0"/>
+              <a:t>也就是过度耦合。</a:t>
+            </a:r>
+            <a:endParaRPr lang="en-US" altLang="zh-CN" baseline="0" dirty="0" smtClean="0"/>
+          </a:p>
+          <a:p>
+            <a:pPr marL="228600" indent="-228600">
+              <a:buAutoNum type="arabicPeriod"/>
+            </a:pPr>
+            <a:endParaRPr lang="en-US" altLang="zh-CN" dirty="0" smtClean="0"/>
+          </a:p>
+        </p:txBody>
+      </p:sp>
+      <p:sp>
+        <p:nvSpPr>
+          <p:cNvPr id="4" name="Slide Number Placeholder 3"/>
+          <p:cNvSpPr>
+            <a:spLocks noGrp="1"/>
+          </p:cNvSpPr>
+          <p:nvPr>
+            <p:ph type="sldNum" sz="quarter" idx="10"/>
+          </p:nvPr>
+        </p:nvSpPr>
+        <p:spPr/>
+        <p:txBody>
+          <a:bodyPr/>
+          <a:lstStyle/>
+          <a:p>
+            <a:fld id="{E3DC050E-6296-41DE-B64F-694CF55EA39F}" type="slidenum">
+              <a:rPr lang="en-US" smtClean="0"/>
+              <a:t>8</a:t>
+            </a:fld>
+            <a:endParaRPr lang="en-US"/>
+          </a:p>
+        </p:txBody>
+      </p:sp>
+    </p:spTree>
+    <p:extLst>
+      <p:ext uri="{BB962C8B-B14F-4D97-AF65-F5344CB8AC3E}">
+        <p14:creationId xmlns:p14="http://schemas.microsoft.com/office/powerpoint/2010/main" val="3815688323"/>
+      </p:ext>
+    </p:extLst>
+  </p:cSld>
+  <p:clrMapOvr>
+    <a:masterClrMapping/>
+  </p:clrMapOvr>
+</p:notes>
+</file>
+
+<file path=ppt/notesSlides/notesSlide7.xml><?xml version="1.0" encoding="utf-8"?>
+<p:notes xmlns:a="http://schemas.openxmlformats.org/drawingml/2006/main" xmlns:r="http://schemas.openxmlformats.org/officeDocument/2006/relationships" xmlns:p="http://schemas.openxmlformats.org/presentationml/2006/main">
+  <p:cSld>
+    <p:spTree>
+      <p:nvGrpSpPr>
+        <p:cNvPr id="1" name=""/>
+        <p:cNvGrpSpPr/>
+        <p:nvPr/>
+      </p:nvGrpSpPr>
+      <p:grpSpPr>
+        <a:xfrm>
+          <a:off x="0" y="0"/>
+          <a:ext cx="0" cy="0"/>
+          <a:chOff x="0" y="0"/>
+          <a:chExt cx="0" cy="0"/>
+        </a:xfrm>
+      </p:grpSpPr>
+      <p:sp>
+        <p:nvSpPr>
+          <p:cNvPr id="2" name="Slide Image Placeholder 1"/>
+          <p:cNvSpPr>
+            <a:spLocks noGrp="1" noRot="1" noChangeAspect="1"/>
+          </p:cNvSpPr>
+          <p:nvPr>
+            <p:ph type="sldImg"/>
+          </p:nvPr>
+        </p:nvSpPr>
+        <p:spPr/>
+      </p:sp>
+      <p:sp>
+        <p:nvSpPr>
+          <p:cNvPr id="3" name="Notes Placeholder 2"/>
+          <p:cNvSpPr>
+            <a:spLocks noGrp="1"/>
+          </p:cNvSpPr>
+          <p:nvPr>
+            <p:ph type="body" idx="1"/>
+          </p:nvPr>
+        </p:nvSpPr>
+        <p:spPr/>
+        <p:txBody>
+          <a:bodyPr/>
+          <a:lstStyle/>
+          <a:p>
+            <a:pPr marL="228600" indent="-228600">
+              <a:buAutoNum type="arabicPeriod"/>
+            </a:pPr>
+            <a:r>
+              <a:rPr lang="en-US" altLang="zh-CN" baseline="0" dirty="0" smtClean="0"/>
+              <a:t>Switch </a:t>
+            </a:r>
+            <a:r>
+              <a:rPr lang="zh-CN" altLang="en-US" baseline="0" dirty="0" smtClean="0"/>
+              <a:t>语句 </a:t>
+            </a:r>
+            <a:r>
+              <a:rPr lang="en-US" altLang="zh-CN" baseline="0" dirty="0" smtClean="0"/>
+              <a:t>– Switch </a:t>
+            </a:r>
+            <a:r>
+              <a:rPr lang="zh-CN" altLang="en-US" baseline="0" dirty="0" smtClean="0"/>
+              <a:t>的最明显好处是易读，即使没有现代</a:t>
+            </a:r>
+            <a:r>
+              <a:rPr lang="en-US" altLang="zh-CN" baseline="0" dirty="0" smtClean="0"/>
+              <a:t>IDE</a:t>
+            </a:r>
+            <a:r>
+              <a:rPr lang="zh-CN" altLang="en-US" baseline="0" dirty="0" smtClean="0"/>
+              <a:t>的帮助。但是有一种</a:t>
+            </a:r>
+            <a:r>
+              <a:rPr lang="en-US" altLang="zh-CN" baseline="0" dirty="0" smtClean="0"/>
+              <a:t>Switch</a:t>
+            </a:r>
+            <a:r>
+              <a:rPr lang="zh-CN" altLang="en-US" baseline="0" dirty="0" smtClean="0"/>
+              <a:t>，</a:t>
+            </a:r>
+            <a:r>
+              <a:rPr lang="en-US" altLang="zh-CN" baseline="0" dirty="0" smtClean="0"/>
+              <a:t> </a:t>
+            </a:r>
+            <a:r>
+              <a:rPr lang="zh-CN" altLang="en-US" baseline="0" dirty="0" smtClean="0"/>
+              <a:t>通常伴随</a:t>
+            </a:r>
+            <a:r>
+              <a:rPr lang="en-US" altLang="zh-CN" baseline="0" dirty="0" smtClean="0"/>
+              <a:t>Type </a:t>
+            </a:r>
+            <a:r>
+              <a:rPr lang="zh-CN" altLang="en-US" baseline="0" dirty="0" smtClean="0"/>
+              <a:t>出现，并且带有重复，散弹式修改的趋势。谨慎对待，考虑多态。</a:t>
+            </a:r>
+            <a:endParaRPr lang="en-US" altLang="zh-CN" baseline="0" dirty="0" smtClean="0"/>
+          </a:p>
+          <a:p>
+            <a:pPr marL="228600" indent="-228600">
+              <a:buAutoNum type="arabicPeriod"/>
+            </a:pPr>
+            <a:r>
+              <a:rPr lang="en-US" altLang="zh-CN" baseline="0" dirty="0" smtClean="0"/>
+              <a:t>Lazy Class – </a:t>
+            </a:r>
+            <a:r>
+              <a:rPr lang="zh-CN" altLang="en-US" baseline="0" dirty="0" smtClean="0"/>
+              <a:t>随着时间推移不再那么有用的类。考虑合并，</a:t>
+            </a:r>
+            <a:r>
+              <a:rPr lang="en-US" altLang="zh-CN" baseline="0" dirty="0" smtClean="0"/>
+              <a:t>Inline </a:t>
+            </a:r>
+            <a:r>
+              <a:rPr lang="zh-CN" altLang="en-US" baseline="0" dirty="0" smtClean="0"/>
+              <a:t>等。</a:t>
+            </a:r>
+            <a:endParaRPr lang="en-US" altLang="zh-CN" baseline="0" dirty="0" smtClean="0"/>
+          </a:p>
+          <a:p>
+            <a:pPr marL="228600" indent="-228600">
+              <a:buAutoNum type="arabicPeriod"/>
+            </a:pPr>
+            <a:r>
+              <a:rPr lang="en-US" altLang="zh-CN" baseline="0" dirty="0" smtClean="0"/>
+              <a:t>Temporary Field – </a:t>
+            </a:r>
+            <a:r>
+              <a:rPr lang="zh-CN" altLang="en-US" baseline="0" dirty="0" smtClean="0"/>
+              <a:t>仅为某些特殊情况而设置。这里考虑抽象是否合理。比如为了规避过长参数列表而引入的临时字段，有更好的方法去解决。</a:t>
+            </a:r>
+            <a:endParaRPr lang="en-US" altLang="zh-CN" baseline="0" dirty="0" smtClean="0"/>
+          </a:p>
+          <a:p>
+            <a:pPr marL="228600" indent="-228600">
+              <a:buAutoNum type="arabicPeriod"/>
+            </a:pPr>
+            <a:r>
+              <a:rPr lang="en-US" altLang="zh-CN" baseline="0" dirty="0" smtClean="0"/>
+              <a:t>Middle Man – </a:t>
+            </a:r>
+            <a:r>
+              <a:rPr lang="zh-CN" altLang="en-US" baseline="0" dirty="0" smtClean="0"/>
+              <a:t>中间人往往是过度抽象，或者不合理消息设计的产物。有时候甚至出现纯粹的中间人，完全靠代理其他类的方法生存。考虑重新抽象，或者通过</a:t>
+            </a:r>
+            <a:r>
+              <a:rPr lang="en-US" altLang="zh-CN" baseline="0" dirty="0" smtClean="0"/>
+              <a:t>Inline/</a:t>
+            </a:r>
+            <a:r>
+              <a:rPr lang="zh-CN" altLang="en-US" baseline="0" dirty="0" smtClean="0"/>
+              <a:t>继承来解决。</a:t>
+            </a:r>
+            <a:endParaRPr lang="en-US" altLang="zh-CN" baseline="0" dirty="0" smtClean="0"/>
+          </a:p>
+          <a:p>
+            <a:pPr marL="228600" indent="-228600">
+              <a:buAutoNum type="arabicPeriod"/>
+            </a:pPr>
+            <a:r>
+              <a:rPr lang="en-US" altLang="zh-CN" baseline="0" dirty="0" smtClean="0"/>
+              <a:t>Incomplete Library Classes – </a:t>
+            </a:r>
+            <a:r>
+              <a:rPr lang="zh-CN" altLang="en-US" baseline="0" dirty="0" smtClean="0"/>
+              <a:t>如果一个类库不完备，我们可能会引入更多的自定义代码，甚至其他的类库来辅佐。这个时候，考虑扩展这个类库。</a:t>
+            </a:r>
+            <a:endParaRPr lang="en-US" altLang="zh-CN" baseline="0" dirty="0" smtClean="0"/>
+          </a:p>
+          <a:p>
+            <a:pPr marL="228600" indent="-228600">
+              <a:buAutoNum type="arabicPeriod"/>
+            </a:pPr>
+            <a:r>
+              <a:rPr lang="en-US" altLang="zh-CN" baseline="0" dirty="0" smtClean="0"/>
+              <a:t>Refused Bequest – </a:t>
+            </a:r>
+            <a:r>
+              <a:rPr lang="zh-CN" altLang="en-US" baseline="0" dirty="0" smtClean="0"/>
+              <a:t>只继承部分超类的功能，甚至拒绝超类的某些接口，说明继承体系的设计有问题。考虑重新抽象。</a:t>
+            </a:r>
+            <a:endParaRPr lang="en-US" altLang="zh-CN" baseline="0" dirty="0" smtClean="0"/>
+          </a:p>
+          <a:p>
+            <a:pPr marL="228600" indent="-228600">
+              <a:buAutoNum type="arabicPeriod"/>
+            </a:pPr>
+            <a:endParaRPr lang="en-US" dirty="0"/>
+          </a:p>
+        </p:txBody>
+      </p:sp>
+      <p:sp>
+        <p:nvSpPr>
+          <p:cNvPr id="4" name="Slide Number Placeholder 3"/>
+          <p:cNvSpPr>
+            <a:spLocks noGrp="1"/>
+          </p:cNvSpPr>
+          <p:nvPr>
+            <p:ph type="sldNum" sz="quarter" idx="10"/>
+          </p:nvPr>
+        </p:nvSpPr>
+        <p:spPr/>
+        <p:txBody>
+          <a:bodyPr/>
+          <a:lstStyle/>
+          <a:p>
+            <a:fld id="{E3DC050E-6296-41DE-B64F-694CF55EA39F}" type="slidenum">
+              <a:rPr lang="en-US" smtClean="0"/>
+              <a:t>9</a:t>
+            </a:fld>
+            <a:endParaRPr lang="en-US"/>
+          </a:p>
+        </p:txBody>
+      </p:sp>
+    </p:spTree>
+    <p:extLst>
+      <p:ext uri="{BB962C8B-B14F-4D97-AF65-F5344CB8AC3E}">
+        <p14:creationId xmlns:p14="http://schemas.microsoft.com/office/powerpoint/2010/main" val="2482647447"/>
+      </p:ext>
+    </p:extLst>
+  </p:cSld>
+  <p:clrMapOvr>
+    <a:masterClrMapping/>
+  </p:clrMapOvr>
+</p:notes>
+</file>
+
+<file path=ppt/notesSlides/notesSlide8.xml><?xml version="1.0" encoding="utf-8"?>
+<p:notes xmlns:a="http://schemas.openxmlformats.org/drawingml/2006/main" xmlns:r="http://schemas.openxmlformats.org/officeDocument/2006/relationships" xmlns:p="http://schemas.openxmlformats.org/presentationml/2006/main">
+  <p:cSld>
+    <p:spTree>
+      <p:nvGrpSpPr>
+        <p:cNvPr id="1" name=""/>
+        <p:cNvGrpSpPr/>
+        <p:nvPr/>
+      </p:nvGrpSpPr>
+      <p:grpSpPr>
+        <a:xfrm>
+          <a:off x="0" y="0"/>
+          <a:ext cx="0" cy="0"/>
+          <a:chOff x="0" y="0"/>
+          <a:chExt cx="0" cy="0"/>
+        </a:xfrm>
+      </p:grpSpPr>
+      <p:sp>
+        <p:nvSpPr>
+          <p:cNvPr id="2" name="Slide Image Placeholder 1"/>
+          <p:cNvSpPr>
+            <a:spLocks noGrp="1" noRot="1" noChangeAspect="1"/>
+          </p:cNvSpPr>
+          <p:nvPr>
+            <p:ph type="sldImg"/>
+          </p:nvPr>
+        </p:nvSpPr>
+        <p:spPr/>
+      </p:sp>
+      <p:sp>
+        <p:nvSpPr>
+          <p:cNvPr id="3" name="Notes Placeholder 2"/>
+          <p:cNvSpPr>
+            <a:spLocks noGrp="1"/>
+          </p:cNvSpPr>
+          <p:nvPr>
+            <p:ph type="body" idx="1"/>
+          </p:nvPr>
+        </p:nvSpPr>
+        <p:spPr/>
+        <p:txBody>
+          <a:bodyPr/>
+          <a:lstStyle/>
+          <a:p>
+            <a:endParaRPr lang="en-US" dirty="0"/>
+          </a:p>
+        </p:txBody>
+      </p:sp>
+      <p:sp>
+        <p:nvSpPr>
+          <p:cNvPr id="4" name="Slide Number Placeholder 3"/>
+          <p:cNvSpPr>
+            <a:spLocks noGrp="1"/>
+          </p:cNvSpPr>
+          <p:nvPr>
+            <p:ph type="sldNum" sz="quarter" idx="10"/>
+          </p:nvPr>
+        </p:nvSpPr>
+        <p:spPr/>
+        <p:txBody>
+          <a:bodyPr/>
+          <a:lstStyle/>
+          <a:p>
+            <a:fld id="{E3DC050E-6296-41DE-B64F-694CF55EA39F}" type="slidenum">
+              <a:rPr lang="en-US" smtClean="0"/>
+              <a:t>10</a:t>
+            </a:fld>
+            <a:endParaRPr lang="en-US"/>
+          </a:p>
+        </p:txBody>
+      </p:sp>
+    </p:spTree>
+    <p:extLst>
+      <p:ext uri="{BB962C8B-B14F-4D97-AF65-F5344CB8AC3E}">
+        <p14:creationId xmlns:p14="http://schemas.microsoft.com/office/powerpoint/2010/main" val="3839666092"/>
+      </p:ext>
+    </p:extLst>
+  </p:cSld>
+  <p:clrMapOvr>
+    <a:masterClrMapping/>
+  </p:clrMapOvr>
+</p:notes>
+</file>
+
+<file path=ppt/notesSlides/notesSlide9.xml><?xml version="1.0" encoding="utf-8"?>
+<p:notes xmlns:a="http://schemas.openxmlformats.org/drawingml/2006/main" xmlns:r="http://schemas.openxmlformats.org/officeDocument/2006/relationships" xmlns:p="http://schemas.openxmlformats.org/presentationml/2006/main">
+  <p:cSld>
+    <p:spTree>
+      <p:nvGrpSpPr>
+        <p:cNvPr id="1" name=""/>
+        <p:cNvGrpSpPr/>
+        <p:nvPr/>
+      </p:nvGrpSpPr>
+      <p:grpSpPr>
+        <a:xfrm>
+          <a:off x="0" y="0"/>
+          <a:ext cx="0" cy="0"/>
+          <a:chOff x="0" y="0"/>
+          <a:chExt cx="0" cy="0"/>
+        </a:xfrm>
+      </p:grpSpPr>
+      <p:sp>
+        <p:nvSpPr>
+          <p:cNvPr id="2" name="Slide Image Placeholder 1"/>
+          <p:cNvSpPr>
+            <a:spLocks noGrp="1" noRot="1" noChangeAspect="1"/>
+          </p:cNvSpPr>
+          <p:nvPr>
+            <p:ph type="sldImg"/>
+          </p:nvPr>
+        </p:nvSpPr>
+        <p:spPr/>
+      </p:sp>
+      <p:sp>
+        <p:nvSpPr>
+          <p:cNvPr id="3" name="Notes Placeholder 2"/>
+          <p:cNvSpPr>
+            <a:spLocks noGrp="1"/>
+          </p:cNvSpPr>
+          <p:nvPr>
+            <p:ph type="body" idx="1"/>
+          </p:nvPr>
+        </p:nvSpPr>
+        <p:spPr/>
+        <p:txBody>
+          <a:bodyPr/>
+          <a:lstStyle/>
+          <a:p>
+            <a:pPr marL="228600" indent="-228600">
+              <a:buAutoNum type="arabicPeriod"/>
+            </a:pPr>
+            <a:r>
+              <a:rPr lang="en-US" altLang="zh-CN" dirty="0" smtClean="0"/>
+              <a:t>Extract Method –</a:t>
+            </a:r>
+            <a:r>
+              <a:rPr lang="en-US" altLang="zh-CN" baseline="0" dirty="0" smtClean="0"/>
+              <a:t> </a:t>
+            </a:r>
+            <a:r>
+              <a:rPr lang="zh-CN" altLang="en-US" baseline="0" dirty="0" smtClean="0"/>
+              <a:t>最常用。当我们发现函数过长，重复代码过多，函数逻辑复杂混乱的时候都可以用。下面是三种常见的方法：</a:t>
+            </a:r>
+            <a:endParaRPr lang="en-US" altLang="zh-CN" baseline="0" dirty="0" smtClean="0"/>
+          </a:p>
+          <a:p>
+            <a:pPr marL="685800" lvl="1" indent="-228600">
+              <a:buAutoNum type="arabicPeriod"/>
+            </a:pPr>
+            <a:r>
+              <a:rPr lang="zh-CN" altLang="en-US" baseline="0" dirty="0" smtClean="0"/>
+              <a:t>把临时的计算结果抽取为函数，这样这个函数有需要的时候也可以被其它地方调用。</a:t>
+            </a:r>
+            <a:endParaRPr lang="en-US" altLang="zh-CN" baseline="0" dirty="0" smtClean="0"/>
+          </a:p>
+          <a:p>
+            <a:pPr marL="685800" lvl="1" indent="-228600">
+              <a:buAutoNum type="arabicPeriod"/>
+            </a:pPr>
+            <a:r>
+              <a:rPr lang="zh-CN" altLang="en-US" baseline="0" dirty="0" smtClean="0"/>
+              <a:t>用方法对象来替代方法。典型做法：为这个方法创建一个类，把相关临时变量作为成员，并且在这个类里提供基于这些成员的方法；在原来的地方去调用这个类的这些方法。这个办法通常用来处理大型函数的分解。</a:t>
+            </a:r>
+            <a:endParaRPr lang="en-US" altLang="zh-CN" baseline="0" dirty="0" smtClean="0"/>
+          </a:p>
+          <a:p>
+            <a:pPr marL="685800" lvl="1" indent="-228600">
+              <a:buAutoNum type="arabicPeriod"/>
+            </a:pPr>
+            <a:r>
+              <a:rPr lang="zh-CN" altLang="en-US" baseline="0" dirty="0" smtClean="0"/>
+              <a:t>替换算法。。。最直接的方法，也许替换一个算法，代码会更加清晰。</a:t>
+            </a:r>
+            <a:endParaRPr lang="en-US" altLang="zh-CN" baseline="0" dirty="0" smtClean="0"/>
+          </a:p>
+          <a:p>
+            <a:pPr marL="685800" lvl="1" indent="-228600">
+              <a:buAutoNum type="arabicPeriod"/>
+            </a:pPr>
+            <a:endParaRPr lang="en-US" altLang="zh-CN" baseline="0" dirty="0" smtClean="0"/>
+          </a:p>
+          <a:p>
+            <a:pPr marL="228600" lvl="0" indent="-228600">
+              <a:buAutoNum type="arabicPeriod"/>
+            </a:pPr>
+            <a:r>
+              <a:rPr lang="en-US" altLang="zh-CN" baseline="0" dirty="0" smtClean="0"/>
+              <a:t>Inline Method – </a:t>
+            </a:r>
+            <a:r>
+              <a:rPr lang="zh-CN" altLang="en-US" baseline="0" dirty="0" smtClean="0"/>
+              <a:t>和</a:t>
+            </a:r>
+            <a:r>
+              <a:rPr lang="en-US" altLang="zh-CN" baseline="0" dirty="0" smtClean="0"/>
+              <a:t>Extract Method </a:t>
+            </a:r>
+            <a:r>
+              <a:rPr lang="zh-CN" altLang="en-US" baseline="0" dirty="0" smtClean="0"/>
+              <a:t>相反，它旨在需要的地方去除不必要的函数，而变为内联。包括现在的</a:t>
+            </a:r>
+            <a:r>
+              <a:rPr lang="en-US" altLang="zh-CN" baseline="0" dirty="0" smtClean="0"/>
+              <a:t>Lambda </a:t>
+            </a:r>
+            <a:r>
+              <a:rPr lang="zh-CN" altLang="en-US" baseline="0" dirty="0" smtClean="0"/>
+              <a:t>支持。这是为了提升代码可读性，避免过多琐碎的函数。</a:t>
+            </a:r>
+            <a:endParaRPr lang="en-US" altLang="zh-CN" baseline="0" dirty="0" smtClean="0"/>
+          </a:p>
+          <a:p>
+            <a:pPr marL="228600" lvl="0" indent="-228600">
+              <a:buAutoNum type="arabicPeriod"/>
+            </a:pPr>
+            <a:r>
+              <a:rPr lang="en-US" altLang="zh-CN" baseline="0" dirty="0" smtClean="0"/>
+              <a:t>Introduce Explaining Variable – </a:t>
+            </a:r>
+            <a:r>
+              <a:rPr lang="zh-CN" altLang="en-US" baseline="0" dirty="0" smtClean="0"/>
+              <a:t>引入解释性变量的通常目的是为了可读性。如果需要解释的条件不多的话，也可以考虑注释。</a:t>
+            </a:r>
+            <a:endParaRPr lang="en-US" dirty="0"/>
+          </a:p>
+        </p:txBody>
+      </p:sp>
+      <p:sp>
+        <p:nvSpPr>
+          <p:cNvPr id="4" name="Slide Number Placeholder 3"/>
+          <p:cNvSpPr>
+            <a:spLocks noGrp="1"/>
+          </p:cNvSpPr>
+          <p:nvPr>
+            <p:ph type="sldNum" sz="quarter" idx="10"/>
+          </p:nvPr>
+        </p:nvSpPr>
+        <p:spPr/>
+        <p:txBody>
+          <a:bodyPr/>
+          <a:lstStyle/>
+          <a:p>
+            <a:fld id="{E3DC050E-6296-41DE-B64F-694CF55EA39F}" type="slidenum">
+              <a:rPr lang="en-US" smtClean="0"/>
+              <a:t>11</a:t>
+            </a:fld>
+            <a:endParaRPr lang="en-US"/>
+          </a:p>
+        </p:txBody>
+      </p:sp>
+    </p:spTree>
+    <p:extLst>
+      <p:ext uri="{BB962C8B-B14F-4D97-AF65-F5344CB8AC3E}">
+        <p14:creationId xmlns:p14="http://schemas.microsoft.com/office/powerpoint/2010/main" val="1152927772"/>
       </p:ext>
     </p:extLst>
   </p:cSld>
@@ -6492,7 +8603,7 @@
           <a:p>
             <a:fld id="{F8A4D076-D2B5-4777-B524-04547C8B7AAF}" type="datetimeFigureOut">
               <a:rPr lang="en-US" smtClean="0"/>
-              <a:t>10/10/2016</a:t>
+              <a:t>10/24/2016</a:t>
             </a:fld>
             <a:endParaRPr lang="en-US"/>
           </a:p>
@@ -6788,7 +8899,7 @@
           <a:p>
             <a:fld id="{F8A4D076-D2B5-4777-B524-04547C8B7AAF}" type="datetimeFigureOut">
               <a:rPr lang="en-US" smtClean="0"/>
-              <a:t>10/10/2016</a:t>
+              <a:t>10/24/2016</a:t>
             </a:fld>
             <a:endParaRPr lang="en-US"/>
           </a:p>
@@ -7036,7 +9147,7 @@
           <a:p>
             <a:fld id="{F8A4D076-D2B5-4777-B524-04547C8B7AAF}" type="datetimeFigureOut">
               <a:rPr lang="en-US" smtClean="0"/>
-              <a:t>10/10/2016</a:t>
+              <a:t>10/24/2016</a:t>
             </a:fld>
             <a:endParaRPr lang="en-US"/>
           </a:p>
@@ -7576,7 +9687,7 @@
           <a:p>
             <a:fld id="{F8A4D076-D2B5-4777-B524-04547C8B7AAF}" type="datetimeFigureOut">
               <a:rPr lang="en-US" smtClean="0"/>
-              <a:t>10/10/2016</a:t>
+              <a:t>10/24/2016</a:t>
             </a:fld>
             <a:endParaRPr lang="en-US"/>
           </a:p>
@@ -7824,7 +9935,7 @@
           <a:p>
             <a:fld id="{F8A4D076-D2B5-4777-B524-04547C8B7AAF}" type="datetimeFigureOut">
               <a:rPr lang="en-US" smtClean="0"/>
-              <a:t>10/10/2016</a:t>
+              <a:t>10/24/2016</a:t>
             </a:fld>
             <a:endParaRPr lang="en-US"/>
           </a:p>
@@ -8356,7 +10467,7 @@
           <a:p>
             <a:fld id="{F8A4D076-D2B5-4777-B524-04547C8B7AAF}" type="datetimeFigureOut">
               <a:rPr lang="en-US" smtClean="0"/>
-              <a:t>10/10/2016</a:t>
+              <a:t>10/24/2016</a:t>
             </a:fld>
             <a:endParaRPr lang="en-US"/>
           </a:p>
@@ -8653,7 +10764,7 @@
           <a:p>
             <a:fld id="{F8A4D076-D2B5-4777-B524-04547C8B7AAF}" type="datetimeFigureOut">
               <a:rPr lang="en-US" smtClean="0"/>
-              <a:t>10/10/2016</a:t>
+              <a:t>10/24/2016</a:t>
             </a:fld>
             <a:endParaRPr lang="en-US"/>
           </a:p>
@@ -8827,7 +10938,7 @@
           <a:p>
             <a:fld id="{F8A4D076-D2B5-4777-B524-04547C8B7AAF}" type="datetimeFigureOut">
               <a:rPr lang="en-US" smtClean="0"/>
-              <a:t>10/10/2016</a:t>
+              <a:t>10/24/2016</a:t>
             </a:fld>
             <a:endParaRPr lang="en-US"/>
           </a:p>
@@ -9007,7 +11118,7 @@
           <a:p>
             <a:fld id="{F8A4D076-D2B5-4777-B524-04547C8B7AAF}" type="datetimeFigureOut">
               <a:rPr lang="en-US" smtClean="0"/>
-              <a:t>10/10/2016</a:t>
+              <a:t>10/24/2016</a:t>
             </a:fld>
             <a:endParaRPr lang="en-US"/>
           </a:p>
@@ -9177,7 +11288,7 @@
           <a:p>
             <a:fld id="{F8A4D076-D2B5-4777-B524-04547C8B7AAF}" type="datetimeFigureOut">
               <a:rPr lang="en-US" smtClean="0"/>
-              <a:t>10/10/2016</a:t>
+              <a:t>10/24/2016</a:t>
             </a:fld>
             <a:endParaRPr lang="en-US"/>
           </a:p>
@@ -9428,7 +11539,7 @@
           <a:p>
             <a:fld id="{F8A4D076-D2B5-4777-B524-04547C8B7AAF}" type="datetimeFigureOut">
               <a:rPr lang="en-US" smtClean="0"/>
-              <a:t>10/10/2016</a:t>
+              <a:t>10/24/2016</a:t>
             </a:fld>
             <a:endParaRPr lang="en-US"/>
           </a:p>
@@ -9725,7 +11836,7 @@
           <a:p>
             <a:fld id="{F8A4D076-D2B5-4777-B524-04547C8B7AAF}" type="datetimeFigureOut">
               <a:rPr lang="en-US" smtClean="0"/>
-              <a:t>10/10/2016</a:t>
+              <a:t>10/24/2016</a:t>
             </a:fld>
             <a:endParaRPr lang="en-US"/>
           </a:p>
@@ -10167,7 +12278,7 @@
           <a:p>
             <a:fld id="{F8A4D076-D2B5-4777-B524-04547C8B7AAF}" type="datetimeFigureOut">
               <a:rPr lang="en-US" smtClean="0"/>
-              <a:t>10/10/2016</a:t>
+              <a:t>10/24/2016</a:t>
             </a:fld>
             <a:endParaRPr lang="en-US"/>
           </a:p>
@@ -10285,7 +12396,7 @@
           <a:p>
             <a:fld id="{F8A4D076-D2B5-4777-B524-04547C8B7AAF}" type="datetimeFigureOut">
               <a:rPr lang="en-US" smtClean="0"/>
-              <a:t>10/10/2016</a:t>
+              <a:t>10/24/2016</a:t>
             </a:fld>
             <a:endParaRPr lang="en-US"/>
           </a:p>
@@ -10380,7 +12491,7 @@
           <a:p>
             <a:fld id="{F8A4D076-D2B5-4777-B524-04547C8B7AAF}" type="datetimeFigureOut">
               <a:rPr lang="en-US" smtClean="0"/>
-              <a:t>10/10/2016</a:t>
+              <a:t>10/24/2016</a:t>
             </a:fld>
             <a:endParaRPr lang="en-US"/>
           </a:p>
@@ -10663,7 +12774,7 @@
           <a:p>
             <a:fld id="{F8A4D076-D2B5-4777-B524-04547C8B7AAF}" type="datetimeFigureOut">
               <a:rPr lang="en-US" smtClean="0"/>
-              <a:t>10/10/2016</a:t>
+              <a:t>10/24/2016</a:t>
             </a:fld>
             <a:endParaRPr lang="en-US"/>
           </a:p>
@@ -10954,7 +13065,7 @@
           <a:p>
             <a:fld id="{F8A4D076-D2B5-4777-B524-04547C8B7AAF}" type="datetimeFigureOut">
               <a:rPr lang="en-US" smtClean="0"/>
-              <a:t>10/10/2016</a:t>
+              <a:t>10/24/2016</a:t>
             </a:fld>
             <a:endParaRPr lang="en-US"/>
           </a:p>
@@ -11484,7 +13595,7 @@
           <a:p>
             <a:fld id="{F8A4D076-D2B5-4777-B524-04547C8B7AAF}" type="datetimeFigureOut">
               <a:rPr lang="en-US" smtClean="0"/>
-              <a:t>10/10/2016</a:t>
+              <a:t>10/24/2016</a:t>
             </a:fld>
             <a:endParaRPr lang="en-US"/>
           </a:p>
@@ -12072,7 +14183,657 @@
     </p:spTree>
     <p:extLst>
       <p:ext uri="{BB962C8B-B14F-4D97-AF65-F5344CB8AC3E}">
-        <p14:creationId xmlns:p14="http://schemas.microsoft.com/office/powerpoint/2010/main" val="2664830526"/>
+        <p14:creationId xmlns:p14="http://schemas.microsoft.com/office/powerpoint/2010/main" val="2381205421"/>
+      </p:ext>
+    </p:extLst>
+  </p:cSld>
+  <p:clrMapOvr>
+    <a:masterClrMapping/>
+  </p:clrMapOvr>
+  <p:timing>
+    <p:tnLst>
+      <p:par>
+        <p:cTn id="1" dur="indefinite" restart="never" nodeType="tmRoot"/>
+      </p:par>
+    </p:tnLst>
+  </p:timing>
+</p:sld>
+</file>
+
+<file path=ppt/slides/slide10.xml><?xml version="1.0" encoding="utf-8"?>
+<p:sld xmlns:a="http://schemas.openxmlformats.org/drawingml/2006/main" xmlns:r="http://schemas.openxmlformats.org/officeDocument/2006/relationships" xmlns:p="http://schemas.openxmlformats.org/presentationml/2006/main">
+  <p:cSld>
+    <p:spTree>
+      <p:nvGrpSpPr>
+        <p:cNvPr id="1" name=""/>
+        <p:cNvGrpSpPr/>
+        <p:nvPr/>
+      </p:nvGrpSpPr>
+      <p:grpSpPr>
+        <a:xfrm>
+          <a:off x="0" y="0"/>
+          <a:ext cx="0" cy="0"/>
+          <a:chOff x="0" y="0"/>
+          <a:chExt cx="0" cy="0"/>
+        </a:xfrm>
+      </p:grpSpPr>
+      <p:sp>
+        <p:nvSpPr>
+          <p:cNvPr id="2" name="Title 1"/>
+          <p:cNvSpPr>
+            <a:spLocks noGrp="1"/>
+          </p:cNvSpPr>
+          <p:nvPr>
+            <p:ph type="title"/>
+          </p:nvPr>
+        </p:nvSpPr>
+        <p:spPr/>
+        <p:txBody>
+          <a:bodyPr/>
+          <a:lstStyle/>
+          <a:p>
+            <a:r>
+              <a:rPr lang="en-US" dirty="0" smtClean="0"/>
+              <a:t>Refactor – Simplify Conditions</a:t>
+            </a:r>
+            <a:endParaRPr lang="en-US" dirty="0"/>
+          </a:p>
+        </p:txBody>
+      </p:sp>
+      <p:sp>
+        <p:nvSpPr>
+          <p:cNvPr id="3" name="Content Placeholder 2"/>
+          <p:cNvSpPr>
+            <a:spLocks noGrp="1"/>
+          </p:cNvSpPr>
+          <p:nvPr>
+            <p:ph idx="1"/>
+          </p:nvPr>
+        </p:nvSpPr>
+        <p:spPr/>
+        <p:txBody>
+          <a:bodyPr/>
+          <a:lstStyle/>
+          <a:p>
+            <a:r>
+              <a:rPr lang="en-US" dirty="0" smtClean="0"/>
+              <a:t>Decompose Conditional</a:t>
+            </a:r>
+          </a:p>
+          <a:p>
+            <a:r>
+              <a:rPr lang="en-US" dirty="0" smtClean="0"/>
+              <a:t>Replace Conditional with Polymorphism</a:t>
+            </a:r>
+          </a:p>
+          <a:p>
+            <a:r>
+              <a:rPr lang="en-US" dirty="0" smtClean="0"/>
+              <a:t>Introduce Null Object</a:t>
+            </a:r>
+            <a:endParaRPr lang="en-US" dirty="0"/>
+          </a:p>
+        </p:txBody>
+      </p:sp>
+    </p:spTree>
+    <p:extLst>
+      <p:ext uri="{BB962C8B-B14F-4D97-AF65-F5344CB8AC3E}">
+        <p14:creationId xmlns:p14="http://schemas.microsoft.com/office/powerpoint/2010/main" val="3393015139"/>
+      </p:ext>
+    </p:extLst>
+  </p:cSld>
+  <p:clrMapOvr>
+    <a:masterClrMapping/>
+  </p:clrMapOvr>
+  <p:timing>
+    <p:tnLst>
+      <p:par>
+        <p:cTn id="1" dur="indefinite" restart="never" nodeType="tmRoot"/>
+      </p:par>
+    </p:tnLst>
+  </p:timing>
+</p:sld>
+</file>
+
+<file path=ppt/slides/slide11.xml><?xml version="1.0" encoding="utf-8"?>
+<p:sld xmlns:a="http://schemas.openxmlformats.org/drawingml/2006/main" xmlns:r="http://schemas.openxmlformats.org/officeDocument/2006/relationships" xmlns:p="http://schemas.openxmlformats.org/presentationml/2006/main">
+  <p:cSld>
+    <p:spTree>
+      <p:nvGrpSpPr>
+        <p:cNvPr id="1" name=""/>
+        <p:cNvGrpSpPr/>
+        <p:nvPr/>
+      </p:nvGrpSpPr>
+      <p:grpSpPr>
+        <a:xfrm>
+          <a:off x="0" y="0"/>
+          <a:ext cx="0" cy="0"/>
+          <a:chOff x="0" y="0"/>
+          <a:chExt cx="0" cy="0"/>
+        </a:xfrm>
+      </p:grpSpPr>
+      <p:sp>
+        <p:nvSpPr>
+          <p:cNvPr id="2" name="Title 1"/>
+          <p:cNvSpPr>
+            <a:spLocks noGrp="1"/>
+          </p:cNvSpPr>
+          <p:nvPr>
+            <p:ph type="title"/>
+          </p:nvPr>
+        </p:nvSpPr>
+        <p:spPr/>
+        <p:txBody>
+          <a:bodyPr/>
+          <a:lstStyle/>
+          <a:p>
+            <a:r>
+              <a:rPr lang="en-US" dirty="0" smtClean="0"/>
+              <a:t>Refactor – Function Level</a:t>
+            </a:r>
+            <a:endParaRPr lang="en-US" dirty="0"/>
+          </a:p>
+        </p:txBody>
+      </p:sp>
+      <p:sp>
+        <p:nvSpPr>
+          <p:cNvPr id="3" name="Content Placeholder 2"/>
+          <p:cNvSpPr>
+            <a:spLocks noGrp="1"/>
+          </p:cNvSpPr>
+          <p:nvPr>
+            <p:ph idx="1"/>
+          </p:nvPr>
+        </p:nvSpPr>
+        <p:spPr>
+          <a:xfrm>
+            <a:off x="1484310" y="2666999"/>
+            <a:ext cx="10018713" cy="3290456"/>
+          </a:xfrm>
+        </p:spPr>
+        <p:txBody>
+          <a:bodyPr/>
+          <a:lstStyle/>
+          <a:p>
+            <a:r>
+              <a:rPr lang="en-US" dirty="0" smtClean="0"/>
+              <a:t>Extract Method</a:t>
+            </a:r>
+          </a:p>
+          <a:p>
+            <a:pPr lvl="1"/>
+            <a:r>
+              <a:rPr lang="en-US" dirty="0" smtClean="0"/>
+              <a:t>Replace Temp with Query</a:t>
+            </a:r>
+          </a:p>
+          <a:p>
+            <a:pPr lvl="1"/>
+            <a:r>
+              <a:rPr lang="en-US" dirty="0" smtClean="0"/>
+              <a:t>Replace Method with Method Object</a:t>
+            </a:r>
+          </a:p>
+          <a:p>
+            <a:pPr lvl="1"/>
+            <a:r>
+              <a:rPr lang="en-US" dirty="0" smtClean="0"/>
+              <a:t>Substitute Algorithm</a:t>
+            </a:r>
+          </a:p>
+          <a:p>
+            <a:r>
+              <a:rPr lang="en-US" dirty="0" smtClean="0"/>
+              <a:t>Inline Method</a:t>
+            </a:r>
+          </a:p>
+          <a:p>
+            <a:r>
+              <a:rPr lang="en-US" altLang="zh-CN" dirty="0" smtClean="0"/>
+              <a:t>Introduce Explaining Variable</a:t>
+            </a:r>
+            <a:endParaRPr lang="en-US" dirty="0"/>
+          </a:p>
+        </p:txBody>
+      </p:sp>
+    </p:spTree>
+    <p:extLst>
+      <p:ext uri="{BB962C8B-B14F-4D97-AF65-F5344CB8AC3E}">
+        <p14:creationId xmlns:p14="http://schemas.microsoft.com/office/powerpoint/2010/main" val="1513602595"/>
+      </p:ext>
+    </p:extLst>
+  </p:cSld>
+  <p:clrMapOvr>
+    <a:masterClrMapping/>
+  </p:clrMapOvr>
+  <p:timing>
+    <p:tnLst>
+      <p:par>
+        <p:cTn id="1" dur="indefinite" restart="never" nodeType="tmRoot"/>
+      </p:par>
+    </p:tnLst>
+  </p:timing>
+</p:sld>
+</file>
+
+<file path=ppt/slides/slide12.xml><?xml version="1.0" encoding="utf-8"?>
+<p:sld xmlns:a="http://schemas.openxmlformats.org/drawingml/2006/main" xmlns:r="http://schemas.openxmlformats.org/officeDocument/2006/relationships" xmlns:p="http://schemas.openxmlformats.org/presentationml/2006/main">
+  <p:cSld>
+    <p:spTree>
+      <p:nvGrpSpPr>
+        <p:cNvPr id="1" name=""/>
+        <p:cNvGrpSpPr/>
+        <p:nvPr/>
+      </p:nvGrpSpPr>
+      <p:grpSpPr>
+        <a:xfrm>
+          <a:off x="0" y="0"/>
+          <a:ext cx="0" cy="0"/>
+          <a:chOff x="0" y="0"/>
+          <a:chExt cx="0" cy="0"/>
+        </a:xfrm>
+      </p:grpSpPr>
+      <p:sp>
+        <p:nvSpPr>
+          <p:cNvPr id="2" name="Title 1"/>
+          <p:cNvSpPr>
+            <a:spLocks noGrp="1"/>
+          </p:cNvSpPr>
+          <p:nvPr>
+            <p:ph type="title"/>
+          </p:nvPr>
+        </p:nvSpPr>
+        <p:spPr/>
+        <p:txBody>
+          <a:bodyPr/>
+          <a:lstStyle/>
+          <a:p>
+            <a:r>
+              <a:rPr lang="en-US" dirty="0" smtClean="0"/>
+              <a:t>Refactor – Simplify Func</a:t>
+            </a:r>
+            <a:r>
+              <a:rPr lang="en-US" altLang="zh-CN" dirty="0" smtClean="0"/>
+              <a:t>t</a:t>
+            </a:r>
+            <a:r>
+              <a:rPr lang="en-US" dirty="0" smtClean="0"/>
+              <a:t>ion</a:t>
+            </a:r>
+            <a:endParaRPr lang="en-US" dirty="0"/>
+          </a:p>
+        </p:txBody>
+      </p:sp>
+      <p:sp>
+        <p:nvSpPr>
+          <p:cNvPr id="3" name="Content Placeholder 2"/>
+          <p:cNvSpPr>
+            <a:spLocks noGrp="1"/>
+          </p:cNvSpPr>
+          <p:nvPr>
+            <p:ph idx="1"/>
+          </p:nvPr>
+        </p:nvSpPr>
+        <p:spPr/>
+        <p:txBody>
+          <a:bodyPr/>
+          <a:lstStyle/>
+          <a:p>
+            <a:r>
+              <a:rPr lang="en-US" dirty="0" smtClean="0"/>
+              <a:t>Add/Remove Parameters</a:t>
+            </a:r>
+          </a:p>
+          <a:p>
+            <a:r>
+              <a:rPr lang="en-US" dirty="0" smtClean="0"/>
+              <a:t>Replace Parameters with Methods/Objects</a:t>
+            </a:r>
+          </a:p>
+          <a:p>
+            <a:r>
+              <a:rPr lang="en-US" dirty="0" smtClean="0"/>
+              <a:t>Replace Constructor with Factory Method</a:t>
+            </a:r>
+          </a:p>
+          <a:p>
+            <a:r>
+              <a:rPr lang="en-US" dirty="0" smtClean="0"/>
+              <a:t>Encapsulate Downcast</a:t>
+            </a:r>
+          </a:p>
+          <a:p>
+            <a:r>
+              <a:rPr lang="en-US" dirty="0" smtClean="0"/>
+              <a:t>Replace Error Code with Exception</a:t>
+            </a:r>
+          </a:p>
+          <a:p>
+            <a:r>
+              <a:rPr lang="en-US" altLang="zh-CN" dirty="0" smtClean="0"/>
+              <a:t>Separate Query From Modifier</a:t>
+            </a:r>
+            <a:endParaRPr lang="en-US" dirty="0"/>
+          </a:p>
+        </p:txBody>
+      </p:sp>
+    </p:spTree>
+    <p:extLst>
+      <p:ext uri="{BB962C8B-B14F-4D97-AF65-F5344CB8AC3E}">
+        <p14:creationId xmlns:p14="http://schemas.microsoft.com/office/powerpoint/2010/main" val="2497868815"/>
+      </p:ext>
+    </p:extLst>
+  </p:cSld>
+  <p:clrMapOvr>
+    <a:masterClrMapping/>
+  </p:clrMapOvr>
+  <p:timing>
+    <p:tnLst>
+      <p:par>
+        <p:cTn id="1" dur="indefinite" restart="never" nodeType="tmRoot"/>
+      </p:par>
+    </p:tnLst>
+  </p:timing>
+</p:sld>
+</file>
+
+<file path=ppt/slides/slide13.xml><?xml version="1.0" encoding="utf-8"?>
+<p:sld xmlns:a="http://schemas.openxmlformats.org/drawingml/2006/main" xmlns:r="http://schemas.openxmlformats.org/officeDocument/2006/relationships" xmlns:p="http://schemas.openxmlformats.org/presentationml/2006/main">
+  <p:cSld>
+    <p:spTree>
+      <p:nvGrpSpPr>
+        <p:cNvPr id="1" name=""/>
+        <p:cNvGrpSpPr/>
+        <p:nvPr/>
+      </p:nvGrpSpPr>
+      <p:grpSpPr>
+        <a:xfrm>
+          <a:off x="0" y="0"/>
+          <a:ext cx="0" cy="0"/>
+          <a:chOff x="0" y="0"/>
+          <a:chExt cx="0" cy="0"/>
+        </a:xfrm>
+      </p:grpSpPr>
+      <p:sp>
+        <p:nvSpPr>
+          <p:cNvPr id="2" name="Title 1"/>
+          <p:cNvSpPr>
+            <a:spLocks noGrp="1"/>
+          </p:cNvSpPr>
+          <p:nvPr>
+            <p:ph type="title"/>
+          </p:nvPr>
+        </p:nvSpPr>
+        <p:spPr/>
+        <p:txBody>
+          <a:bodyPr/>
+          <a:lstStyle/>
+          <a:p>
+            <a:r>
+              <a:rPr lang="en-US" dirty="0" smtClean="0"/>
+              <a:t>Refactor – Class Level</a:t>
+            </a:r>
+            <a:endParaRPr lang="en-US" dirty="0"/>
+          </a:p>
+        </p:txBody>
+      </p:sp>
+      <p:sp>
+        <p:nvSpPr>
+          <p:cNvPr id="3" name="Content Placeholder 2"/>
+          <p:cNvSpPr>
+            <a:spLocks noGrp="1"/>
+          </p:cNvSpPr>
+          <p:nvPr>
+            <p:ph idx="1"/>
+          </p:nvPr>
+        </p:nvSpPr>
+        <p:spPr/>
+        <p:txBody>
+          <a:bodyPr/>
+          <a:lstStyle/>
+          <a:p>
+            <a:r>
+              <a:rPr lang="en-US" dirty="0" smtClean="0"/>
+              <a:t>Move Method/Field</a:t>
+            </a:r>
+          </a:p>
+          <a:p>
+            <a:r>
+              <a:rPr lang="en-US" dirty="0" smtClean="0"/>
+              <a:t>Extract Class</a:t>
+            </a:r>
+          </a:p>
+          <a:p>
+            <a:r>
+              <a:rPr lang="en-US" dirty="0" smtClean="0"/>
+              <a:t>Remove Middle Man</a:t>
+            </a:r>
+          </a:p>
+          <a:p>
+            <a:r>
+              <a:rPr lang="en-US" dirty="0" smtClean="0"/>
+              <a:t>Hide Delegation</a:t>
+            </a:r>
+          </a:p>
+        </p:txBody>
+      </p:sp>
+    </p:spTree>
+    <p:extLst>
+      <p:ext uri="{BB962C8B-B14F-4D97-AF65-F5344CB8AC3E}">
+        <p14:creationId xmlns:p14="http://schemas.microsoft.com/office/powerpoint/2010/main" val="555458298"/>
+      </p:ext>
+    </p:extLst>
+  </p:cSld>
+  <p:clrMapOvr>
+    <a:masterClrMapping/>
+  </p:clrMapOvr>
+  <p:timing>
+    <p:tnLst>
+      <p:par>
+        <p:cTn id="1" dur="indefinite" restart="never" nodeType="tmRoot"/>
+      </p:par>
+    </p:tnLst>
+  </p:timing>
+</p:sld>
+</file>
+
+<file path=ppt/slides/slide14.xml><?xml version="1.0" encoding="utf-8"?>
+<p:sld xmlns:a="http://schemas.openxmlformats.org/drawingml/2006/main" xmlns:r="http://schemas.openxmlformats.org/officeDocument/2006/relationships" xmlns:p="http://schemas.openxmlformats.org/presentationml/2006/main">
+  <p:cSld>
+    <p:spTree>
+      <p:nvGrpSpPr>
+        <p:cNvPr id="1" name=""/>
+        <p:cNvGrpSpPr/>
+        <p:nvPr/>
+      </p:nvGrpSpPr>
+      <p:grpSpPr>
+        <a:xfrm>
+          <a:off x="0" y="0"/>
+          <a:ext cx="0" cy="0"/>
+          <a:chOff x="0" y="0"/>
+          <a:chExt cx="0" cy="0"/>
+        </a:xfrm>
+      </p:grpSpPr>
+      <p:sp>
+        <p:nvSpPr>
+          <p:cNvPr id="2" name="Title 1"/>
+          <p:cNvSpPr>
+            <a:spLocks noGrp="1"/>
+          </p:cNvSpPr>
+          <p:nvPr>
+            <p:ph type="title"/>
+          </p:nvPr>
+        </p:nvSpPr>
+        <p:spPr/>
+        <p:txBody>
+          <a:bodyPr/>
+          <a:lstStyle/>
+          <a:p>
+            <a:r>
+              <a:rPr lang="en-US" dirty="0" smtClean="0"/>
+              <a:t>Refactor – Reconstruct Data</a:t>
+            </a:r>
+            <a:endParaRPr lang="en-US" dirty="0"/>
+          </a:p>
+        </p:txBody>
+      </p:sp>
+      <p:sp>
+        <p:nvSpPr>
+          <p:cNvPr id="3" name="Content Placeholder 2"/>
+          <p:cNvSpPr>
+            <a:spLocks noGrp="1"/>
+          </p:cNvSpPr>
+          <p:nvPr>
+            <p:ph idx="1"/>
+          </p:nvPr>
+        </p:nvSpPr>
+        <p:spPr/>
+        <p:txBody>
+          <a:bodyPr/>
+          <a:lstStyle/>
+          <a:p>
+            <a:r>
+              <a:rPr lang="en-US" dirty="0" smtClean="0"/>
+              <a:t>Self Encapsulate Field</a:t>
+            </a:r>
+          </a:p>
+          <a:p>
+            <a:r>
+              <a:rPr lang="en-US" dirty="0" smtClean="0"/>
+              <a:t>Replace Magic Number with Symbolic Constant</a:t>
+            </a:r>
+          </a:p>
+          <a:p>
+            <a:r>
+              <a:rPr lang="en-US" dirty="0" smtClean="0"/>
+              <a:t>Replace Array (Compound Data Structure) with Object</a:t>
+            </a:r>
+          </a:p>
+          <a:p>
+            <a:r>
+              <a:rPr lang="en-US" dirty="0" smtClean="0"/>
+              <a:t>Change Unidirectional Association to Bidirectional</a:t>
+            </a:r>
+          </a:p>
+          <a:p>
+            <a:r>
+              <a:rPr lang="en-US" dirty="0" smtClean="0"/>
+              <a:t>Replace Type Code with Subclasses</a:t>
+            </a:r>
+          </a:p>
+          <a:p>
+            <a:pPr marL="0" indent="0">
+              <a:buNone/>
+            </a:pPr>
+            <a:endParaRPr lang="en-US" dirty="0"/>
+          </a:p>
+        </p:txBody>
+      </p:sp>
+    </p:spTree>
+    <p:extLst>
+      <p:ext uri="{BB962C8B-B14F-4D97-AF65-F5344CB8AC3E}">
+        <p14:creationId xmlns:p14="http://schemas.microsoft.com/office/powerpoint/2010/main" val="2109128853"/>
+      </p:ext>
+    </p:extLst>
+  </p:cSld>
+  <p:clrMapOvr>
+    <a:masterClrMapping/>
+  </p:clrMapOvr>
+  <p:timing>
+    <p:tnLst>
+      <p:par>
+        <p:cTn id="1" dur="indefinite" restart="never" nodeType="tmRoot"/>
+      </p:par>
+    </p:tnLst>
+  </p:timing>
+</p:sld>
+</file>
+
+<file path=ppt/slides/slide15.xml><?xml version="1.0" encoding="utf-8"?>
+<p:sld xmlns:a="http://schemas.openxmlformats.org/drawingml/2006/main" xmlns:r="http://schemas.openxmlformats.org/officeDocument/2006/relationships" xmlns:p="http://schemas.openxmlformats.org/presentationml/2006/main">
+  <p:cSld>
+    <p:spTree>
+      <p:nvGrpSpPr>
+        <p:cNvPr id="1" name=""/>
+        <p:cNvGrpSpPr/>
+        <p:nvPr/>
+      </p:nvGrpSpPr>
+      <p:grpSpPr>
+        <a:xfrm>
+          <a:off x="0" y="0"/>
+          <a:ext cx="0" cy="0"/>
+          <a:chOff x="0" y="0"/>
+          <a:chExt cx="0" cy="0"/>
+        </a:xfrm>
+      </p:grpSpPr>
+      <p:sp>
+        <p:nvSpPr>
+          <p:cNvPr id="2" name="Title 1"/>
+          <p:cNvSpPr>
+            <a:spLocks noGrp="1"/>
+          </p:cNvSpPr>
+          <p:nvPr>
+            <p:ph type="title"/>
+          </p:nvPr>
+        </p:nvSpPr>
+        <p:spPr/>
+        <p:txBody>
+          <a:bodyPr/>
+          <a:lstStyle/>
+          <a:p>
+            <a:r>
+              <a:rPr lang="en-US" dirty="0" smtClean="0"/>
+              <a:t>Refactor – Architecture Level</a:t>
+            </a:r>
+            <a:endParaRPr lang="en-US" dirty="0"/>
+          </a:p>
+        </p:txBody>
+      </p:sp>
+      <p:sp>
+        <p:nvSpPr>
+          <p:cNvPr id="3" name="Content Placeholder 2"/>
+          <p:cNvSpPr>
+            <a:spLocks noGrp="1"/>
+          </p:cNvSpPr>
+          <p:nvPr>
+            <p:ph idx="1"/>
+          </p:nvPr>
+        </p:nvSpPr>
+        <p:spPr/>
+        <p:txBody>
+          <a:bodyPr/>
+          <a:lstStyle/>
+          <a:p>
+            <a:r>
+              <a:rPr lang="en-US" dirty="0" smtClean="0"/>
+              <a:t>Tease Apart Inheritance</a:t>
+            </a:r>
+          </a:p>
+          <a:p>
+            <a:r>
+              <a:rPr lang="en-US" dirty="0" smtClean="0"/>
+              <a:t>Convert Procedural Design to Objects</a:t>
+            </a:r>
+          </a:p>
+          <a:p>
+            <a:r>
+              <a:rPr lang="en-US" dirty="0" smtClean="0"/>
+              <a:t>Separate Domain from Presentation</a:t>
+            </a:r>
+          </a:p>
+          <a:p>
+            <a:r>
+              <a:rPr lang="en-US" dirty="0" smtClean="0"/>
+              <a:t>Extract Hierarchy</a:t>
+            </a:r>
+            <a:endParaRPr lang="en-US" dirty="0"/>
+          </a:p>
+        </p:txBody>
+      </p:sp>
+    </p:spTree>
+    <p:extLst>
+      <p:ext uri="{BB962C8B-B14F-4D97-AF65-F5344CB8AC3E}">
+        <p14:creationId xmlns:p14="http://schemas.microsoft.com/office/powerpoint/2010/main" val="2286211571"/>
       </p:ext>
     </p:extLst>
   </p:cSld>
@@ -12179,7 +14940,7 @@
     </p:spTree>
     <p:extLst>
       <p:ext uri="{BB962C8B-B14F-4D97-AF65-F5344CB8AC3E}">
-        <p14:creationId xmlns:p14="http://schemas.microsoft.com/office/powerpoint/2010/main" val="1902578663"/>
+        <p14:creationId xmlns:p14="http://schemas.microsoft.com/office/powerpoint/2010/main" val="3430026589"/>
       </p:ext>
     </p:extLst>
   </p:cSld>
@@ -12230,7 +14991,7 @@
           <a:p>
             <a:r>
               <a:rPr lang="en-US" dirty="0" smtClean="0"/>
-              <a:t>Why Refactor?</a:t>
+              <a:t>Refactor?</a:t>
             </a:r>
             <a:endParaRPr lang="en-US" dirty="0"/>
           </a:p>
@@ -12244,11 +15005,7 @@
           </p:cNvGraphicFramePr>
           <p:nvPr>
             <p:ph idx="1"/>
-            <p:extLst>
-              <p:ext uri="{D42A27DB-BD31-4B8C-83A1-F6EECF244321}">
-                <p14:modId xmlns:p14="http://schemas.microsoft.com/office/powerpoint/2010/main" val="3887966158"/>
-              </p:ext>
-            </p:extLst>
+            <p:extLst/>
           </p:nvPr>
         </p:nvGraphicFramePr>
         <p:xfrm>
@@ -12264,7 +15021,7 @@
     </p:spTree>
     <p:extLst>
       <p:ext uri="{BB962C8B-B14F-4D97-AF65-F5344CB8AC3E}">
-        <p14:creationId xmlns:p14="http://schemas.microsoft.com/office/powerpoint/2010/main" val="4261945937"/>
+        <p14:creationId xmlns:p14="http://schemas.microsoft.com/office/powerpoint/2010/main" val="2796549203"/>
       </p:ext>
     </p:extLst>
   </p:cSld>
@@ -12274,9 +15031,186 @@
   <p:timing>
     <p:tnLst>
       <p:par>
-        <p:cTn id="1" dur="indefinite" restart="never" nodeType="tmRoot"/>
+        <p:cTn id="1" dur="indefinite" restart="never" nodeType="tmRoot">
+          <p:childTnLst>
+            <p:seq concurrent="1" nextAc="seek">
+              <p:cTn id="2" dur="indefinite" nodeType="mainSeq">
+                <p:childTnLst>
+                  <p:par>
+                    <p:cTn id="3" fill="hold">
+                      <p:stCondLst>
+                        <p:cond delay="indefinite"/>
+                      </p:stCondLst>
+                      <p:childTnLst>
+                        <p:par>
+                          <p:cTn id="4" fill="hold">
+                            <p:stCondLst>
+                              <p:cond delay="0"/>
+                            </p:stCondLst>
+                            <p:childTnLst>
+                              <p:par>
+                                <p:cTn id="5" presetID="1" presetClass="entr" presetSubtype="0" fill="hold" grpId="0" nodeType="clickEffect">
+                                  <p:stCondLst>
+                                    <p:cond delay="0"/>
+                                  </p:stCondLst>
+                                  <p:childTnLst>
+                                    <p:set>
+                                      <p:cBhvr>
+                                        <p:cTn id="6" dur="1" fill="hold">
+                                          <p:stCondLst>
+                                            <p:cond delay="0"/>
+                                          </p:stCondLst>
+                                        </p:cTn>
+                                        <p:tgtEl>
+                                          <p:spTgt spid="5">
+                                            <p:graphicEl>
+                                              <a:dgm id="{D4770C52-86E8-4CFA-ADFA-2C41C4743CB3}"/>
+                                            </p:graphicEl>
+                                          </p:spTgt>
+                                        </p:tgtEl>
+                                        <p:attrNameLst>
+                                          <p:attrName>style.visibility</p:attrName>
+                                        </p:attrNameLst>
+                                      </p:cBhvr>
+                                      <p:to>
+                                        <p:strVal val="visible"/>
+                                      </p:to>
+                                    </p:set>
+                                  </p:childTnLst>
+                                </p:cTn>
+                              </p:par>
+                            </p:childTnLst>
+                          </p:cTn>
+                        </p:par>
+                      </p:childTnLst>
+                    </p:cTn>
+                  </p:par>
+                  <p:par>
+                    <p:cTn id="7" fill="hold">
+                      <p:stCondLst>
+                        <p:cond delay="indefinite"/>
+                      </p:stCondLst>
+                      <p:childTnLst>
+                        <p:par>
+                          <p:cTn id="8" fill="hold">
+                            <p:stCondLst>
+                              <p:cond delay="0"/>
+                            </p:stCondLst>
+                            <p:childTnLst>
+                              <p:par>
+                                <p:cTn id="9" presetID="1" presetClass="entr" presetSubtype="0" fill="hold" grpId="0" nodeType="clickEffect">
+                                  <p:stCondLst>
+                                    <p:cond delay="0"/>
+                                  </p:stCondLst>
+                                  <p:childTnLst>
+                                    <p:set>
+                                      <p:cBhvr>
+                                        <p:cTn id="10" dur="1" fill="hold">
+                                          <p:stCondLst>
+                                            <p:cond delay="0"/>
+                                          </p:stCondLst>
+                                        </p:cTn>
+                                        <p:tgtEl>
+                                          <p:spTgt spid="5">
+                                            <p:graphicEl>
+                                              <a:dgm id="{08E1D2DA-8A93-48ED-BAC3-70ECA00B1B24}"/>
+                                            </p:graphicEl>
+                                          </p:spTgt>
+                                        </p:tgtEl>
+                                        <p:attrNameLst>
+                                          <p:attrName>style.visibility</p:attrName>
+                                        </p:attrNameLst>
+                                      </p:cBhvr>
+                                      <p:to>
+                                        <p:strVal val="visible"/>
+                                      </p:to>
+                                    </p:set>
+                                  </p:childTnLst>
+                                </p:cTn>
+                              </p:par>
+                            </p:childTnLst>
+                          </p:cTn>
+                        </p:par>
+                      </p:childTnLst>
+                    </p:cTn>
+                  </p:par>
+                  <p:par>
+                    <p:cTn id="11" fill="hold">
+                      <p:stCondLst>
+                        <p:cond delay="indefinite"/>
+                      </p:stCondLst>
+                      <p:childTnLst>
+                        <p:par>
+                          <p:cTn id="12" fill="hold">
+                            <p:stCondLst>
+                              <p:cond delay="0"/>
+                            </p:stCondLst>
+                            <p:childTnLst>
+                              <p:par>
+                                <p:cTn id="13" presetID="1" presetClass="entr" presetSubtype="0" fill="hold" grpId="0" nodeType="clickEffect">
+                                  <p:stCondLst>
+                                    <p:cond delay="0"/>
+                                  </p:stCondLst>
+                                  <p:childTnLst>
+                                    <p:set>
+                                      <p:cBhvr>
+                                        <p:cTn id="14" dur="1" fill="hold">
+                                          <p:stCondLst>
+                                            <p:cond delay="0"/>
+                                          </p:stCondLst>
+                                        </p:cTn>
+                                        <p:tgtEl>
+                                          <p:spTgt spid="5">
+                                            <p:graphicEl>
+                                              <a:dgm id="{849450E4-0DD8-48E5-8DFC-F74691C4C36C}"/>
+                                            </p:graphicEl>
+                                          </p:spTgt>
+                                        </p:tgtEl>
+                                        <p:attrNameLst>
+                                          <p:attrName>style.visibility</p:attrName>
+                                        </p:attrNameLst>
+                                      </p:cBhvr>
+                                      <p:to>
+                                        <p:strVal val="visible"/>
+                                      </p:to>
+                                    </p:set>
+                                  </p:childTnLst>
+                                </p:cTn>
+                              </p:par>
+                            </p:childTnLst>
+                          </p:cTn>
+                        </p:par>
+                      </p:childTnLst>
+                    </p:cTn>
+                  </p:par>
+                </p:childTnLst>
+              </p:cTn>
+              <p:prevCondLst>
+                <p:cond evt="onPrev" delay="0">
+                  <p:tgtEl>
+                    <p:sldTgt/>
+                  </p:tgtEl>
+                </p:cond>
+              </p:prevCondLst>
+              <p:nextCondLst>
+                <p:cond evt="onNext" delay="0">
+                  <p:tgtEl>
+                    <p:sldTgt/>
+                  </p:tgtEl>
+                </p:cond>
+              </p:nextCondLst>
+            </p:seq>
+          </p:childTnLst>
+        </p:cTn>
       </p:par>
     </p:tnLst>
+    <p:bldLst>
+      <p:bldGraphic spid="5" grpId="0" uiExpand="1">
+        <p:bldSub>
+          <a:bldDgm bld="one"/>
+        </p:bldSub>
+      </p:bldGraphic>
+    </p:bldLst>
   </p:timing>
 </p:sld>
 </file>
@@ -12315,41 +15249,74 @@
           <a:p>
             <a:r>
               <a:rPr lang="en-US" dirty="0" smtClean="0"/>
-              <a:t>Refactor?</a:t>
+              <a:t>Refactor!</a:t>
             </a:r>
             <a:endParaRPr lang="en-US" dirty="0"/>
           </a:p>
         </p:txBody>
       </p:sp>
-      <p:graphicFrame>
-        <p:nvGraphicFramePr>
-          <p:cNvPr id="4" name="Content Placeholder 3"/>
-          <p:cNvGraphicFramePr>
-            <a:graphicFrameLocks noGrp="1"/>
-          </p:cNvGraphicFramePr>
+      <p:sp>
+        <p:nvSpPr>
+          <p:cNvPr id="3" name="Content Placeholder 2"/>
+          <p:cNvSpPr>
+            <a:spLocks noGrp="1"/>
+          </p:cNvSpPr>
           <p:nvPr>
             <p:ph idx="1"/>
-            <p:extLst>
-              <p:ext uri="{D42A27DB-BD31-4B8C-83A1-F6EECF244321}">
-                <p14:modId xmlns:p14="http://schemas.microsoft.com/office/powerpoint/2010/main" val="1998297442"/>
-              </p:ext>
-            </p:extLst>
           </p:nvPr>
-        </p:nvGraphicFramePr>
-        <p:xfrm>
-          <a:off x="1484313" y="2667000"/>
-          <a:ext cx="10018712" cy="3124200"/>
-        </p:xfrm>
-        <a:graphic>
-          <a:graphicData uri="http://schemas.openxmlformats.org/drawingml/2006/diagram">
-            <dgm:relIds xmlns:dgm="http://schemas.openxmlformats.org/drawingml/2006/diagram" xmlns:r="http://schemas.openxmlformats.org/officeDocument/2006/relationships" r:dm="rId3" r:lo="rId4" r:qs="rId5" r:cs="rId6"/>
-          </a:graphicData>
-        </a:graphic>
-      </p:graphicFrame>
+        </p:nvSpPr>
+        <p:spPr/>
+        <p:txBody>
+          <a:bodyPr/>
+          <a:lstStyle/>
+          <a:p>
+            <a:r>
+              <a:rPr lang="en-US" dirty="0" smtClean="0"/>
+              <a:t>Refactor is re-abstraction!</a:t>
+            </a:r>
+          </a:p>
+          <a:p>
+            <a:r>
+              <a:rPr lang="en-US" dirty="0" smtClean="0"/>
+              <a:t>Refactor changes code structure but does not change behavior! [Remark]</a:t>
+            </a:r>
+          </a:p>
+          <a:p>
+            <a:r>
+              <a:rPr lang="en-US" dirty="0"/>
+              <a:t>Refactor needs TESTS</a:t>
+            </a:r>
+            <a:r>
+              <a:rPr lang="en-US" dirty="0" smtClean="0"/>
+              <a:t>!</a:t>
+            </a:r>
+          </a:p>
+          <a:p>
+            <a:r>
+              <a:rPr lang="en-US" dirty="0" smtClean="0"/>
+              <a:t>Refactor helps read, modify codes, further refactor</a:t>
+            </a:r>
+            <a:r>
+              <a:rPr lang="en-US" dirty="0"/>
+              <a:t> </a:t>
+            </a:r>
+            <a:r>
+              <a:rPr lang="en-US" dirty="0" smtClean="0"/>
+              <a:t>…</a:t>
+            </a:r>
+          </a:p>
+          <a:p>
+            <a:r>
+              <a:rPr lang="en-US" dirty="0" smtClean="0"/>
+              <a:t>Refactor costs time, has risk …</a:t>
+            </a:r>
+          </a:p>
+        </p:txBody>
+      </p:sp>
     </p:spTree>
     <p:extLst>
       <p:ext uri="{BB962C8B-B14F-4D97-AF65-F5344CB8AC3E}">
-        <p14:creationId xmlns:p14="http://schemas.microsoft.com/office/powerpoint/2010/main" val="4054338318"/>
+        <p14:creationId xmlns:p14="http://schemas.microsoft.com/office/powerpoint/2010/main" val="1401408345"/>
       </p:ext>
     </p:extLst>
   </p:cSld>
@@ -12400,7 +15367,7 @@
           <a:p>
             <a:r>
               <a:rPr lang="en-US" dirty="0" smtClean="0"/>
-              <a:t>Refactor!</a:t>
+              <a:t>When </a:t>
             </a:r>
             <a:endParaRPr lang="en-US" dirty="0"/>
           </a:p>
@@ -12416,19 +15383,1350 @@
             <p:ph idx="1"/>
           </p:nvPr>
         </p:nvSpPr>
+        <p:spPr>
+          <a:xfrm>
+            <a:off x="1484310" y="2667000"/>
+            <a:ext cx="10018713" cy="3345874"/>
+          </a:xfrm>
+        </p:spPr>
+        <p:txBody>
+          <a:bodyPr>
+            <a:normAutofit/>
+          </a:bodyPr>
+          <a:lstStyle/>
+          <a:p>
+            <a:r>
+              <a:rPr lang="en-US" dirty="0" smtClean="0"/>
+              <a:t>When add functions</a:t>
+            </a:r>
+          </a:p>
+          <a:p>
+            <a:r>
+              <a:rPr lang="en-US" dirty="0" smtClean="0"/>
+              <a:t>When fix errors</a:t>
+            </a:r>
+          </a:p>
+          <a:p>
+            <a:r>
+              <a:rPr lang="en-US" dirty="0" smtClean="0"/>
+              <a:t>When review codes</a:t>
+            </a:r>
+          </a:p>
+          <a:p>
+            <a:r>
+              <a:rPr lang="en-US" altLang="zh-CN" dirty="0" smtClean="0"/>
+              <a:t>When requirements changes</a:t>
+            </a:r>
+            <a:endParaRPr lang="en-US" dirty="0" smtClean="0"/>
+          </a:p>
+          <a:p>
+            <a:r>
+              <a:rPr lang="en-US" dirty="0" smtClean="0"/>
+              <a:t>……</a:t>
+            </a:r>
+          </a:p>
+          <a:p>
+            <a:r>
+              <a:rPr lang="en-US" altLang="zh-CN" dirty="0" smtClean="0"/>
+              <a:t>Usually</a:t>
+            </a:r>
+            <a:r>
+              <a:rPr lang="en-US" dirty="0" smtClean="0"/>
+              <a:t>: whenever you feels “what the f**k?”</a:t>
+            </a:r>
+          </a:p>
+        </p:txBody>
+      </p:sp>
+    </p:spTree>
+    <p:extLst>
+      <p:ext uri="{BB962C8B-B14F-4D97-AF65-F5344CB8AC3E}">
+        <p14:creationId xmlns:p14="http://schemas.microsoft.com/office/powerpoint/2010/main" val="2292544662"/>
+      </p:ext>
+    </p:extLst>
+  </p:cSld>
+  <p:clrMapOvr>
+    <a:masterClrMapping/>
+  </p:clrMapOvr>
+  <p:timing>
+    <p:tnLst>
+      <p:par>
+        <p:cTn id="1" dur="indefinite" restart="never" nodeType="tmRoot"/>
+      </p:par>
+    </p:tnLst>
+  </p:timing>
+</p:sld>
+</file>
+
+<file path=ppt/slides/slide6.xml><?xml version="1.0" encoding="utf-8"?>
+<p:sld xmlns:a="http://schemas.openxmlformats.org/drawingml/2006/main" xmlns:r="http://schemas.openxmlformats.org/officeDocument/2006/relationships" xmlns:p="http://schemas.openxmlformats.org/presentationml/2006/main">
+  <p:cSld>
+    <p:spTree>
+      <p:nvGrpSpPr>
+        <p:cNvPr id="1" name=""/>
+        <p:cNvGrpSpPr/>
+        <p:nvPr/>
+      </p:nvGrpSpPr>
+      <p:grpSpPr>
+        <a:xfrm>
+          <a:off x="0" y="0"/>
+          <a:ext cx="0" cy="0"/>
+          <a:chOff x="0" y="0"/>
+          <a:chExt cx="0" cy="0"/>
+        </a:xfrm>
+      </p:grpSpPr>
+      <p:sp>
+        <p:nvSpPr>
+          <p:cNvPr id="2" name="Title 1"/>
+          <p:cNvSpPr>
+            <a:spLocks noGrp="1"/>
+          </p:cNvSpPr>
+          <p:nvPr>
+            <p:ph type="title"/>
+          </p:nvPr>
+        </p:nvSpPr>
         <p:spPr/>
         <p:txBody>
           <a:bodyPr/>
           <a:lstStyle/>
           <a:p>
-            <a:endParaRPr lang="en-US"/>
+            <a:r>
+              <a:rPr lang="en-US" dirty="0" smtClean="0"/>
+              <a:t>Talk is cheap</a:t>
+            </a:r>
+            <a:endParaRPr lang="en-US" dirty="0"/>
           </a:p>
         </p:txBody>
+      </p:sp>
+      <p:graphicFrame>
+        <p:nvGraphicFramePr>
+          <p:cNvPr id="5" name="Content Placeholder 4"/>
+          <p:cNvGraphicFramePr>
+            <a:graphicFrameLocks noGrp="1"/>
+          </p:cNvGraphicFramePr>
+          <p:nvPr>
+            <p:ph idx="1"/>
+            <p:extLst>
+              <p:ext uri="{D42A27DB-BD31-4B8C-83A1-F6EECF244321}">
+                <p14:modId xmlns:p14="http://schemas.microsoft.com/office/powerpoint/2010/main" val="98548113"/>
+              </p:ext>
+            </p:extLst>
+          </p:nvPr>
+        </p:nvGraphicFramePr>
+        <p:xfrm>
+          <a:off x="1913805" y="2667000"/>
+          <a:ext cx="8781903" cy="3124200"/>
+        </p:xfrm>
+        <a:graphic>
+          <a:graphicData uri="http://schemas.openxmlformats.org/drawingml/2006/diagram">
+            <dgm:relIds xmlns:dgm="http://schemas.openxmlformats.org/drawingml/2006/diagram" xmlns:r="http://schemas.openxmlformats.org/officeDocument/2006/relationships" r:dm="rId3" r:lo="rId4" r:qs="rId5" r:cs="rId6"/>
+          </a:graphicData>
+        </a:graphic>
+      </p:graphicFrame>
+      <p:grpSp>
+        <p:nvGrpSpPr>
+          <p:cNvPr id="8" name="Group 7"/>
+          <p:cNvGrpSpPr/>
+          <p:nvPr/>
+        </p:nvGrpSpPr>
+        <p:grpSpPr>
+          <a:xfrm>
+            <a:off x="3385503" y="2875416"/>
+            <a:ext cx="1224431" cy="1224431"/>
+            <a:chOff x="4553350" y="137592"/>
+            <a:chExt cx="1224431" cy="1224431"/>
+          </a:xfrm>
+        </p:grpSpPr>
+        <p:sp>
+          <p:nvSpPr>
+            <p:cNvPr id="12" name="Shape 11"/>
+            <p:cNvSpPr/>
+            <p:nvPr/>
+          </p:nvSpPr>
+          <p:spPr>
+            <a:xfrm rot="20700000">
+              <a:off x="4553350" y="137592"/>
+              <a:ext cx="1224431" cy="1224431"/>
+            </a:xfrm>
+            <a:prstGeom prst="gear6">
+              <a:avLst>
+                <a:gd name="adj1" fmla="val 10785"/>
+                <a:gd name="adj2" fmla="val 3526"/>
+              </a:avLst>
+            </a:prstGeom>
+          </p:spPr>
+          <p:style>
+            <a:lnRef idx="2">
+              <a:schemeClr val="lt1">
+                <a:hueOff val="0"/>
+                <a:satOff val="0"/>
+                <a:lumOff val="0"/>
+                <a:alphaOff val="0"/>
+              </a:schemeClr>
+            </a:lnRef>
+            <a:fillRef idx="1">
+              <a:schemeClr val="accent1">
+                <a:hueOff val="0"/>
+                <a:satOff val="0"/>
+                <a:lumOff val="0"/>
+                <a:alphaOff val="0"/>
+              </a:schemeClr>
+            </a:fillRef>
+            <a:effectRef idx="0">
+              <a:schemeClr val="accent1">
+                <a:hueOff val="0"/>
+                <a:satOff val="0"/>
+                <a:lumOff val="0"/>
+                <a:alphaOff val="0"/>
+              </a:schemeClr>
+            </a:effectRef>
+            <a:fontRef idx="minor">
+              <a:schemeClr val="lt1"/>
+            </a:fontRef>
+          </p:style>
+          <p:txBody>
+            <a:bodyPr/>
+            <a:lstStyle/>
+            <a:p>
+              <a:pPr algn="ctr"/>
+              <a:endParaRPr lang="en-US" sz="1100" dirty="0" smtClean="0"/>
+            </a:p>
+            <a:p>
+              <a:pPr algn="ctr"/>
+              <a:r>
+                <a:rPr lang="en-US" sz="1400" dirty="0" smtClean="0"/>
+                <a:t>Design</a:t>
+              </a:r>
+              <a:endParaRPr lang="en-US" sz="1400" dirty="0"/>
+            </a:p>
+          </p:txBody>
+        </p:sp>
+        <p:sp>
+          <p:nvSpPr>
+            <p:cNvPr id="13" name="Shape 8"/>
+            <p:cNvSpPr/>
+            <p:nvPr/>
+          </p:nvSpPr>
+          <p:spPr>
+            <a:xfrm>
+              <a:off x="4821904" y="406146"/>
+              <a:ext cx="687324" cy="687324"/>
+            </a:xfrm>
+            <a:prstGeom prst="rect">
+              <a:avLst/>
+            </a:prstGeom>
+          </p:spPr>
+          <p:style>
+            <a:lnRef idx="0">
+              <a:scrgbClr r="0" g="0" b="0"/>
+            </a:lnRef>
+            <a:fillRef idx="0">
+              <a:scrgbClr r="0" g="0" b="0"/>
+            </a:fillRef>
+            <a:effectRef idx="0">
+              <a:scrgbClr r="0" g="0" b="0"/>
+            </a:effectRef>
+            <a:fontRef idx="minor">
+              <a:schemeClr val="lt1"/>
+            </a:fontRef>
+          </p:style>
+          <p:txBody>
+            <a:bodyPr spcFirstLastPara="0" vert="horz" wrap="square" lIns="25400" tIns="25400" rIns="25400" bIns="25400" numCol="1" spcCol="1270" anchor="ctr" anchorCtr="0">
+              <a:noAutofit/>
+            </a:bodyPr>
+            <a:lstStyle/>
+            <a:p>
+              <a:pPr lvl="0" algn="ctr" defTabSz="889000">
+                <a:lnSpc>
+                  <a:spcPct val="90000"/>
+                </a:lnSpc>
+                <a:spcBef>
+                  <a:spcPct val="0"/>
+                </a:spcBef>
+                <a:spcAft>
+                  <a:spcPct val="35000"/>
+                </a:spcAft>
+              </a:pPr>
+              <a:endParaRPr lang="en-US" sz="2000" kern="1200"/>
+            </a:p>
+          </p:txBody>
+        </p:sp>
+      </p:grpSp>
+      <p:sp>
+        <p:nvSpPr>
+          <p:cNvPr id="10" name="Shape 9"/>
+          <p:cNvSpPr/>
+          <p:nvPr/>
+        </p:nvSpPr>
+        <p:spPr>
+          <a:xfrm>
+            <a:off x="3011906" y="2715553"/>
+            <a:ext cx="1598028" cy="1598028"/>
+          </a:xfrm>
+          <a:prstGeom prst="leftCircularArrow">
+            <a:avLst>
+              <a:gd name="adj1" fmla="val 6452"/>
+              <a:gd name="adj2" fmla="val 429999"/>
+              <a:gd name="adj3" fmla="val 10489124"/>
+              <a:gd name="adj4" fmla="val 14837806"/>
+              <a:gd name="adj5" fmla="val 7527"/>
+            </a:avLst>
+          </a:prstGeom>
+        </p:spPr>
+        <p:style>
+          <a:lnRef idx="0">
+            <a:schemeClr val="accent1">
+              <a:tint val="60000"/>
+              <a:hueOff val="0"/>
+              <a:satOff val="0"/>
+              <a:lumOff val="0"/>
+              <a:alphaOff val="0"/>
+            </a:schemeClr>
+          </a:lnRef>
+          <a:fillRef idx="1">
+            <a:schemeClr val="accent1">
+              <a:tint val="60000"/>
+              <a:hueOff val="0"/>
+              <a:satOff val="0"/>
+              <a:lumOff val="0"/>
+              <a:alphaOff val="0"/>
+            </a:schemeClr>
+          </a:fillRef>
+          <a:effectRef idx="0">
+            <a:schemeClr val="accent1">
+              <a:tint val="60000"/>
+              <a:hueOff val="0"/>
+              <a:satOff val="0"/>
+              <a:lumOff val="0"/>
+              <a:alphaOff val="0"/>
+            </a:schemeClr>
+          </a:effectRef>
+          <a:fontRef idx="minor">
+            <a:schemeClr val="lt1"/>
+          </a:fontRef>
+        </p:style>
+      </p:sp>
+      <p:sp>
+        <p:nvSpPr>
+          <p:cNvPr id="11" name="Circular Arrow 10"/>
+          <p:cNvSpPr/>
+          <p:nvPr/>
+        </p:nvSpPr>
+        <p:spPr>
+          <a:xfrm>
+            <a:off x="2380407" y="3529540"/>
+            <a:ext cx="1722996" cy="1722996"/>
+          </a:xfrm>
+          <a:prstGeom prst="circularArrow">
+            <a:avLst>
+              <a:gd name="adj1" fmla="val 5984"/>
+              <a:gd name="adj2" fmla="val 394124"/>
+              <a:gd name="adj3" fmla="val 13313824"/>
+              <a:gd name="adj4" fmla="val 10508221"/>
+              <a:gd name="adj5" fmla="val 6981"/>
+            </a:avLst>
+          </a:prstGeom>
+        </p:spPr>
+        <p:style>
+          <a:lnRef idx="0">
+            <a:schemeClr val="accent1">
+              <a:tint val="60000"/>
+              <a:hueOff val="0"/>
+              <a:satOff val="0"/>
+              <a:lumOff val="0"/>
+              <a:alphaOff val="0"/>
+            </a:schemeClr>
+          </a:lnRef>
+          <a:fillRef idx="1">
+            <a:schemeClr val="accent1">
+              <a:tint val="60000"/>
+              <a:hueOff val="0"/>
+              <a:satOff val="0"/>
+              <a:lumOff val="0"/>
+              <a:alphaOff val="0"/>
+            </a:schemeClr>
+          </a:fillRef>
+          <a:effectRef idx="0">
+            <a:schemeClr val="accent1">
+              <a:tint val="60000"/>
+              <a:hueOff val="0"/>
+              <a:satOff val="0"/>
+              <a:lumOff val="0"/>
+              <a:alphaOff val="0"/>
+            </a:schemeClr>
+          </a:effectRef>
+          <a:fontRef idx="minor">
+            <a:schemeClr val="lt1"/>
+          </a:fontRef>
+        </p:style>
+      </p:sp>
+      <p:grpSp>
+        <p:nvGrpSpPr>
+          <p:cNvPr id="18" name="Group 17"/>
+          <p:cNvGrpSpPr/>
+          <p:nvPr/>
+        </p:nvGrpSpPr>
+        <p:grpSpPr>
+          <a:xfrm>
+            <a:off x="2669746" y="3745244"/>
+            <a:ext cx="1249680" cy="1249680"/>
+            <a:chOff x="3234997" y="999744"/>
+            <a:chExt cx="1249680" cy="1249680"/>
+          </a:xfrm>
+        </p:grpSpPr>
+        <p:sp>
+          <p:nvSpPr>
+            <p:cNvPr id="19" name="Shape 18"/>
+            <p:cNvSpPr/>
+            <p:nvPr/>
+          </p:nvSpPr>
+          <p:spPr>
+            <a:xfrm>
+              <a:off x="3234997" y="999744"/>
+              <a:ext cx="1249680" cy="1249680"/>
+            </a:xfrm>
+            <a:prstGeom prst="gear6">
+              <a:avLst/>
+            </a:prstGeom>
+          </p:spPr>
+          <p:style>
+            <a:lnRef idx="2">
+              <a:schemeClr val="lt1">
+                <a:hueOff val="0"/>
+                <a:satOff val="0"/>
+                <a:lumOff val="0"/>
+                <a:alphaOff val="0"/>
+              </a:schemeClr>
+            </a:lnRef>
+            <a:fillRef idx="1">
+              <a:schemeClr val="accent1">
+                <a:hueOff val="0"/>
+                <a:satOff val="0"/>
+                <a:lumOff val="0"/>
+                <a:alphaOff val="0"/>
+              </a:schemeClr>
+            </a:fillRef>
+            <a:effectRef idx="0">
+              <a:schemeClr val="accent1">
+                <a:hueOff val="0"/>
+                <a:satOff val="0"/>
+                <a:lumOff val="0"/>
+                <a:alphaOff val="0"/>
+              </a:schemeClr>
+            </a:effectRef>
+            <a:fontRef idx="minor">
+              <a:schemeClr val="lt1"/>
+            </a:fontRef>
+          </p:style>
+        </p:sp>
+        <p:sp>
+          <p:nvSpPr>
+            <p:cNvPr id="20" name="Shape 4"/>
+            <p:cNvSpPr/>
+            <p:nvPr/>
+          </p:nvSpPr>
+          <p:spPr>
+            <a:xfrm>
+              <a:off x="3549608" y="1316256"/>
+              <a:ext cx="620458" cy="616656"/>
+            </a:xfrm>
+            <a:prstGeom prst="rect">
+              <a:avLst/>
+            </a:prstGeom>
+          </p:spPr>
+          <p:style>
+            <a:lnRef idx="0">
+              <a:scrgbClr r="0" g="0" b="0"/>
+            </a:lnRef>
+            <a:fillRef idx="0">
+              <a:scrgbClr r="0" g="0" b="0"/>
+            </a:fillRef>
+            <a:effectRef idx="0">
+              <a:scrgbClr r="0" g="0" b="0"/>
+            </a:effectRef>
+            <a:fontRef idx="minor">
+              <a:schemeClr val="lt1"/>
+            </a:fontRef>
+          </p:style>
+          <p:txBody>
+            <a:bodyPr spcFirstLastPara="0" vert="horz" wrap="square" lIns="17780" tIns="17780" rIns="17780" bIns="17780" numCol="1" spcCol="1270" anchor="ctr" anchorCtr="0">
+              <a:noAutofit/>
+            </a:bodyPr>
+            <a:lstStyle/>
+            <a:p>
+              <a:pPr lvl="0" algn="ctr" defTabSz="622300">
+                <a:lnSpc>
+                  <a:spcPct val="90000"/>
+                </a:lnSpc>
+                <a:spcBef>
+                  <a:spcPct val="0"/>
+                </a:spcBef>
+                <a:spcAft>
+                  <a:spcPct val="35000"/>
+                </a:spcAft>
+              </a:pPr>
+              <a:r>
+                <a:rPr lang="en-US" sz="1400" dirty="0" smtClean="0"/>
+                <a:t>Data</a:t>
+              </a:r>
+              <a:endParaRPr lang="en-US" sz="1400" kern="1200" dirty="0"/>
+            </a:p>
+          </p:txBody>
+        </p:sp>
+      </p:grpSp>
+      <p:grpSp>
+        <p:nvGrpSpPr>
+          <p:cNvPr id="21" name="Group 20"/>
+          <p:cNvGrpSpPr/>
+          <p:nvPr/>
+        </p:nvGrpSpPr>
+        <p:grpSpPr>
+          <a:xfrm>
+            <a:off x="3691770" y="4216864"/>
+            <a:ext cx="1718310" cy="1718310"/>
+            <a:chOff x="4234741" y="1405890"/>
+            <a:chExt cx="1718310" cy="1718310"/>
+          </a:xfrm>
+        </p:grpSpPr>
+        <p:sp>
+          <p:nvSpPr>
+            <p:cNvPr id="22" name="Shape 21"/>
+            <p:cNvSpPr/>
+            <p:nvPr/>
+          </p:nvSpPr>
+          <p:spPr>
+            <a:xfrm>
+              <a:off x="4234741" y="1405890"/>
+              <a:ext cx="1718310" cy="1718310"/>
+            </a:xfrm>
+            <a:prstGeom prst="gear9">
+              <a:avLst/>
+            </a:prstGeom>
+          </p:spPr>
+          <p:style>
+            <a:lnRef idx="2">
+              <a:schemeClr val="lt1">
+                <a:hueOff val="0"/>
+                <a:satOff val="0"/>
+                <a:lumOff val="0"/>
+                <a:alphaOff val="0"/>
+              </a:schemeClr>
+            </a:lnRef>
+            <a:fillRef idx="1">
+              <a:schemeClr val="accent1">
+                <a:hueOff val="0"/>
+                <a:satOff val="0"/>
+                <a:lumOff val="0"/>
+                <a:alphaOff val="0"/>
+              </a:schemeClr>
+            </a:fillRef>
+            <a:effectRef idx="0">
+              <a:schemeClr val="accent1">
+                <a:hueOff val="0"/>
+                <a:satOff val="0"/>
+                <a:lumOff val="0"/>
+                <a:alphaOff val="0"/>
+              </a:schemeClr>
+            </a:effectRef>
+            <a:fontRef idx="minor">
+              <a:schemeClr val="lt1"/>
+            </a:fontRef>
+          </p:style>
+        </p:sp>
+        <p:sp>
+          <p:nvSpPr>
+            <p:cNvPr id="23" name="Shape 4"/>
+            <p:cNvSpPr/>
+            <p:nvPr/>
+          </p:nvSpPr>
+          <p:spPr>
+            <a:xfrm>
+              <a:off x="4580198" y="1808396"/>
+              <a:ext cx="1088200" cy="883247"/>
+            </a:xfrm>
+            <a:prstGeom prst="rect">
+              <a:avLst/>
+            </a:prstGeom>
+          </p:spPr>
+          <p:style>
+            <a:lnRef idx="0">
+              <a:scrgbClr r="0" g="0" b="0"/>
+            </a:lnRef>
+            <a:fillRef idx="0">
+              <a:scrgbClr r="0" g="0" b="0"/>
+            </a:fillRef>
+            <a:effectRef idx="0">
+              <a:scrgbClr r="0" g="0" b="0"/>
+            </a:effectRef>
+            <a:fontRef idx="minor">
+              <a:schemeClr val="lt1"/>
+            </a:fontRef>
+          </p:style>
+          <p:txBody>
+            <a:bodyPr spcFirstLastPara="0" vert="horz" wrap="square" lIns="17780" tIns="17780" rIns="17780" bIns="17780" numCol="1" spcCol="1270" anchor="ctr" anchorCtr="0">
+              <a:noAutofit/>
+            </a:bodyPr>
+            <a:lstStyle/>
+            <a:p>
+              <a:pPr lvl="0" algn="ctr" defTabSz="622300">
+                <a:lnSpc>
+                  <a:spcPct val="90000"/>
+                </a:lnSpc>
+                <a:spcBef>
+                  <a:spcPct val="0"/>
+                </a:spcBef>
+                <a:spcAft>
+                  <a:spcPct val="35000"/>
+                </a:spcAft>
+              </a:pPr>
+              <a:r>
+                <a:rPr lang="en-US" sz="1400" kern="1200" dirty="0" smtClean="0"/>
+                <a:t>Compatibility</a:t>
+              </a:r>
+              <a:endParaRPr lang="en-US" sz="1400" kern="1200" dirty="0"/>
+            </a:p>
+          </p:txBody>
+        </p:sp>
+      </p:grpSp>
+      <p:grpSp>
+        <p:nvGrpSpPr>
+          <p:cNvPr id="24" name="Group 23"/>
+          <p:cNvGrpSpPr/>
+          <p:nvPr/>
+        </p:nvGrpSpPr>
+        <p:grpSpPr>
+          <a:xfrm>
+            <a:off x="7660178" y="3542818"/>
+            <a:ext cx="1249680" cy="1249680"/>
+            <a:chOff x="3234997" y="999744"/>
+            <a:chExt cx="1249680" cy="1249680"/>
+          </a:xfrm>
+        </p:grpSpPr>
+        <p:sp>
+          <p:nvSpPr>
+            <p:cNvPr id="25" name="Shape 24"/>
+            <p:cNvSpPr/>
+            <p:nvPr/>
+          </p:nvSpPr>
+          <p:spPr>
+            <a:xfrm>
+              <a:off x="3234997" y="999744"/>
+              <a:ext cx="1249680" cy="1249680"/>
+            </a:xfrm>
+            <a:prstGeom prst="gear6">
+              <a:avLst/>
+            </a:prstGeom>
+          </p:spPr>
+          <p:style>
+            <a:lnRef idx="2">
+              <a:schemeClr val="lt1">
+                <a:hueOff val="0"/>
+                <a:satOff val="0"/>
+                <a:lumOff val="0"/>
+                <a:alphaOff val="0"/>
+              </a:schemeClr>
+            </a:lnRef>
+            <a:fillRef idx="1">
+              <a:schemeClr val="accent1">
+                <a:hueOff val="0"/>
+                <a:satOff val="0"/>
+                <a:lumOff val="0"/>
+                <a:alphaOff val="0"/>
+              </a:schemeClr>
+            </a:fillRef>
+            <a:effectRef idx="0">
+              <a:schemeClr val="accent1">
+                <a:hueOff val="0"/>
+                <a:satOff val="0"/>
+                <a:lumOff val="0"/>
+                <a:alphaOff val="0"/>
+              </a:schemeClr>
+            </a:effectRef>
+            <a:fontRef idx="minor">
+              <a:schemeClr val="lt1"/>
+            </a:fontRef>
+          </p:style>
+        </p:sp>
+        <p:sp>
+          <p:nvSpPr>
+            <p:cNvPr id="26" name="Shape 4"/>
+            <p:cNvSpPr/>
+            <p:nvPr/>
+          </p:nvSpPr>
+          <p:spPr>
+            <a:xfrm>
+              <a:off x="3549608" y="1316256"/>
+              <a:ext cx="620458" cy="616656"/>
+            </a:xfrm>
+            <a:prstGeom prst="rect">
+              <a:avLst/>
+            </a:prstGeom>
+          </p:spPr>
+          <p:style>
+            <a:lnRef idx="0">
+              <a:scrgbClr r="0" g="0" b="0"/>
+            </a:lnRef>
+            <a:fillRef idx="0">
+              <a:scrgbClr r="0" g="0" b="0"/>
+            </a:fillRef>
+            <a:effectRef idx="0">
+              <a:scrgbClr r="0" g="0" b="0"/>
+            </a:effectRef>
+            <a:fontRef idx="minor">
+              <a:schemeClr val="lt1"/>
+            </a:fontRef>
+          </p:style>
+          <p:txBody>
+            <a:bodyPr spcFirstLastPara="0" vert="horz" wrap="square" lIns="17780" tIns="17780" rIns="17780" bIns="17780" numCol="1" spcCol="1270" anchor="ctr" anchorCtr="0">
+              <a:noAutofit/>
+            </a:bodyPr>
+            <a:lstStyle/>
+            <a:p>
+              <a:pPr lvl="0" algn="ctr" defTabSz="622300">
+                <a:lnSpc>
+                  <a:spcPct val="90000"/>
+                </a:lnSpc>
+                <a:spcBef>
+                  <a:spcPct val="0"/>
+                </a:spcBef>
+                <a:spcAft>
+                  <a:spcPct val="35000"/>
+                </a:spcAft>
+              </a:pPr>
+              <a:r>
+                <a:rPr lang="en-US" sz="1400" kern="1200" dirty="0" smtClean="0"/>
+                <a:t>Time</a:t>
+              </a:r>
+              <a:endParaRPr lang="en-US" sz="1400" kern="1200" dirty="0"/>
+            </a:p>
+          </p:txBody>
+        </p:sp>
+      </p:grpSp>
+      <p:grpSp>
+        <p:nvGrpSpPr>
+          <p:cNvPr id="30" name="Group 29"/>
+          <p:cNvGrpSpPr/>
+          <p:nvPr/>
+        </p:nvGrpSpPr>
+        <p:grpSpPr>
+          <a:xfrm>
+            <a:off x="8909858" y="3450584"/>
+            <a:ext cx="1718310" cy="1718310"/>
+            <a:chOff x="4234741" y="1405890"/>
+            <a:chExt cx="1718310" cy="1718310"/>
+          </a:xfrm>
+        </p:grpSpPr>
+        <p:sp>
+          <p:nvSpPr>
+            <p:cNvPr id="31" name="Shape 30"/>
+            <p:cNvSpPr/>
+            <p:nvPr/>
+          </p:nvSpPr>
+          <p:spPr>
+            <a:xfrm>
+              <a:off x="4234741" y="1405890"/>
+              <a:ext cx="1718310" cy="1718310"/>
+            </a:xfrm>
+            <a:prstGeom prst="gear9">
+              <a:avLst/>
+            </a:prstGeom>
+          </p:spPr>
+          <p:style>
+            <a:lnRef idx="2">
+              <a:schemeClr val="lt1">
+                <a:hueOff val="0"/>
+                <a:satOff val="0"/>
+                <a:lumOff val="0"/>
+                <a:alphaOff val="0"/>
+              </a:schemeClr>
+            </a:lnRef>
+            <a:fillRef idx="1">
+              <a:schemeClr val="accent1">
+                <a:hueOff val="0"/>
+                <a:satOff val="0"/>
+                <a:lumOff val="0"/>
+                <a:alphaOff val="0"/>
+              </a:schemeClr>
+            </a:fillRef>
+            <a:effectRef idx="0">
+              <a:schemeClr val="accent1">
+                <a:hueOff val="0"/>
+                <a:satOff val="0"/>
+                <a:lumOff val="0"/>
+                <a:alphaOff val="0"/>
+              </a:schemeClr>
+            </a:effectRef>
+            <a:fontRef idx="minor">
+              <a:schemeClr val="lt1"/>
+            </a:fontRef>
+          </p:style>
+        </p:sp>
+        <p:sp>
+          <p:nvSpPr>
+            <p:cNvPr id="32" name="Shape 4"/>
+            <p:cNvSpPr/>
+            <p:nvPr/>
+          </p:nvSpPr>
+          <p:spPr>
+            <a:xfrm>
+              <a:off x="4580198" y="1808396"/>
+              <a:ext cx="1027396" cy="883247"/>
+            </a:xfrm>
+            <a:prstGeom prst="rect">
+              <a:avLst/>
+            </a:prstGeom>
+          </p:spPr>
+          <p:style>
+            <a:lnRef idx="0">
+              <a:scrgbClr r="0" g="0" b="0"/>
+            </a:lnRef>
+            <a:fillRef idx="0">
+              <a:scrgbClr r="0" g="0" b="0"/>
+            </a:fillRef>
+            <a:effectRef idx="0">
+              <a:scrgbClr r="0" g="0" b="0"/>
+            </a:effectRef>
+            <a:fontRef idx="minor">
+              <a:schemeClr val="lt1"/>
+            </a:fontRef>
+          </p:style>
+          <p:txBody>
+            <a:bodyPr spcFirstLastPara="0" vert="horz" wrap="square" lIns="17780" tIns="17780" rIns="17780" bIns="17780" numCol="1" spcCol="1270" anchor="ctr" anchorCtr="0">
+              <a:noAutofit/>
+            </a:bodyPr>
+            <a:lstStyle/>
+            <a:p>
+              <a:pPr lvl="0" algn="ctr" defTabSz="622300">
+                <a:lnSpc>
+                  <a:spcPct val="90000"/>
+                </a:lnSpc>
+                <a:spcBef>
+                  <a:spcPct val="0"/>
+                </a:spcBef>
+                <a:spcAft>
+                  <a:spcPct val="35000"/>
+                </a:spcAft>
+              </a:pPr>
+              <a:r>
+                <a:rPr lang="en-US" sz="1400" kern="1200" dirty="0" smtClean="0"/>
+                <a:t>Performance</a:t>
+              </a:r>
+              <a:endParaRPr lang="en-US" sz="1400" kern="1200" dirty="0"/>
+            </a:p>
+          </p:txBody>
+        </p:sp>
+      </p:grpSp>
+      <p:sp>
+        <p:nvSpPr>
+          <p:cNvPr id="33" name="Circular Arrow 32"/>
+          <p:cNvSpPr/>
+          <p:nvPr/>
+        </p:nvSpPr>
+        <p:spPr>
+          <a:xfrm rot="1842631">
+            <a:off x="8948028" y="3256351"/>
+            <a:ext cx="2199436" cy="2199436"/>
+          </a:xfrm>
+          <a:prstGeom prst="circularArrow">
+            <a:avLst>
+              <a:gd name="adj1" fmla="val 4688"/>
+              <a:gd name="adj2" fmla="val 299029"/>
+              <a:gd name="adj3" fmla="val 2483756"/>
+              <a:gd name="adj4" fmla="val 15932946"/>
+              <a:gd name="adj5" fmla="val 5469"/>
+            </a:avLst>
+          </a:prstGeom>
+        </p:spPr>
+        <p:style>
+          <a:lnRef idx="0">
+            <a:schemeClr val="accent1">
+              <a:tint val="60000"/>
+              <a:hueOff val="0"/>
+              <a:satOff val="0"/>
+              <a:lumOff val="0"/>
+              <a:alphaOff val="0"/>
+            </a:schemeClr>
+          </a:lnRef>
+          <a:fillRef idx="1">
+            <a:schemeClr val="accent1">
+              <a:tint val="60000"/>
+              <a:hueOff val="0"/>
+              <a:satOff val="0"/>
+              <a:lumOff val="0"/>
+              <a:alphaOff val="0"/>
+            </a:schemeClr>
+          </a:fillRef>
+          <a:effectRef idx="0">
+            <a:schemeClr val="accent1">
+              <a:tint val="60000"/>
+              <a:hueOff val="0"/>
+              <a:satOff val="0"/>
+              <a:lumOff val="0"/>
+              <a:alphaOff val="0"/>
+            </a:schemeClr>
+          </a:effectRef>
+          <a:fontRef idx="minor">
+            <a:schemeClr val="lt1"/>
+          </a:fontRef>
+        </p:style>
+      </p:sp>
+      <p:sp>
+        <p:nvSpPr>
+          <p:cNvPr id="34" name="Circular Arrow 33"/>
+          <p:cNvSpPr/>
+          <p:nvPr/>
+        </p:nvSpPr>
+        <p:spPr>
+          <a:xfrm rot="17192828">
+            <a:off x="3414634" y="4541289"/>
+            <a:ext cx="1722996" cy="1722996"/>
+          </a:xfrm>
+          <a:prstGeom prst="circularArrow">
+            <a:avLst>
+              <a:gd name="adj1" fmla="val 5984"/>
+              <a:gd name="adj2" fmla="val 394124"/>
+              <a:gd name="adj3" fmla="val 13313824"/>
+              <a:gd name="adj4" fmla="val 10508221"/>
+              <a:gd name="adj5" fmla="val 6981"/>
+            </a:avLst>
+          </a:prstGeom>
+        </p:spPr>
+        <p:style>
+          <a:lnRef idx="0">
+            <a:schemeClr val="accent1">
+              <a:tint val="60000"/>
+              <a:hueOff val="0"/>
+              <a:satOff val="0"/>
+              <a:lumOff val="0"/>
+              <a:alphaOff val="0"/>
+            </a:schemeClr>
+          </a:lnRef>
+          <a:fillRef idx="1">
+            <a:schemeClr val="accent1">
+              <a:tint val="60000"/>
+              <a:hueOff val="0"/>
+              <a:satOff val="0"/>
+              <a:lumOff val="0"/>
+              <a:alphaOff val="0"/>
+            </a:schemeClr>
+          </a:fillRef>
+          <a:effectRef idx="0">
+            <a:schemeClr val="accent1">
+              <a:tint val="60000"/>
+              <a:hueOff val="0"/>
+              <a:satOff val="0"/>
+              <a:lumOff val="0"/>
+              <a:alphaOff val="0"/>
+            </a:schemeClr>
+          </a:effectRef>
+          <a:fontRef idx="minor">
+            <a:schemeClr val="lt1"/>
+          </a:fontRef>
+        </p:style>
+      </p:sp>
+      <p:sp>
+        <p:nvSpPr>
+          <p:cNvPr id="35" name="Shape 34"/>
+          <p:cNvSpPr/>
+          <p:nvPr/>
+        </p:nvSpPr>
+        <p:spPr>
+          <a:xfrm rot="3869363">
+            <a:off x="7471424" y="3115168"/>
+            <a:ext cx="1598028" cy="1598028"/>
+          </a:xfrm>
+          <a:prstGeom prst="leftCircularArrow">
+            <a:avLst>
+              <a:gd name="adj1" fmla="val 6452"/>
+              <a:gd name="adj2" fmla="val 429999"/>
+              <a:gd name="adj3" fmla="val 10489124"/>
+              <a:gd name="adj4" fmla="val 14837806"/>
+              <a:gd name="adj5" fmla="val 7527"/>
+            </a:avLst>
+          </a:prstGeom>
+        </p:spPr>
+        <p:style>
+          <a:lnRef idx="0">
+            <a:schemeClr val="accent1">
+              <a:tint val="60000"/>
+              <a:hueOff val="0"/>
+              <a:satOff val="0"/>
+              <a:lumOff val="0"/>
+              <a:alphaOff val="0"/>
+            </a:schemeClr>
+          </a:lnRef>
+          <a:fillRef idx="1">
+            <a:schemeClr val="accent1">
+              <a:tint val="60000"/>
+              <a:hueOff val="0"/>
+              <a:satOff val="0"/>
+              <a:lumOff val="0"/>
+              <a:alphaOff val="0"/>
+            </a:schemeClr>
+          </a:fillRef>
+          <a:effectRef idx="0">
+            <a:schemeClr val="accent1">
+              <a:tint val="60000"/>
+              <a:hueOff val="0"/>
+              <a:satOff val="0"/>
+              <a:lumOff val="0"/>
+              <a:alphaOff val="0"/>
+            </a:schemeClr>
+          </a:effectRef>
+          <a:fontRef idx="minor">
+            <a:schemeClr val="lt1"/>
+          </a:fontRef>
+        </p:style>
       </p:sp>
     </p:spTree>
     <p:extLst>
       <p:ext uri="{BB962C8B-B14F-4D97-AF65-F5344CB8AC3E}">
-        <p14:creationId xmlns:p14="http://schemas.microsoft.com/office/powerpoint/2010/main" val="1524164999"/>
+        <p14:creationId xmlns:p14="http://schemas.microsoft.com/office/powerpoint/2010/main" val="1258148647"/>
+      </p:ext>
+    </p:extLst>
+  </p:cSld>
+  <p:clrMapOvr>
+    <a:masterClrMapping/>
+  </p:clrMapOvr>
+  <p:timing>
+    <p:tnLst>
+      <p:par>
+        <p:cTn id="1" dur="indefinite" restart="never" nodeType="tmRoot"/>
+      </p:par>
+    </p:tnLst>
+  </p:timing>
+</p:sld>
+</file>
+
+<file path=ppt/slides/slide7.xml><?xml version="1.0" encoding="utf-8"?>
+<p:sld xmlns:a="http://schemas.openxmlformats.org/drawingml/2006/main" xmlns:r="http://schemas.openxmlformats.org/officeDocument/2006/relationships" xmlns:p="http://schemas.openxmlformats.org/presentationml/2006/main">
+  <p:cSld>
+    <p:spTree>
+      <p:nvGrpSpPr>
+        <p:cNvPr id="1" name=""/>
+        <p:cNvGrpSpPr/>
+        <p:nvPr/>
+      </p:nvGrpSpPr>
+      <p:grpSpPr>
+        <a:xfrm>
+          <a:off x="0" y="0"/>
+          <a:ext cx="0" cy="0"/>
+          <a:chOff x="0" y="0"/>
+          <a:chExt cx="0" cy="0"/>
+        </a:xfrm>
+      </p:grpSpPr>
+      <p:sp>
+        <p:nvSpPr>
+          <p:cNvPr id="2" name="Title 1"/>
+          <p:cNvSpPr>
+            <a:spLocks noGrp="1"/>
+          </p:cNvSpPr>
+          <p:nvPr>
+            <p:ph type="title"/>
+          </p:nvPr>
+        </p:nvSpPr>
+        <p:spPr/>
+        <p:txBody>
+          <a:bodyPr/>
+          <a:lstStyle/>
+          <a:p>
+            <a:r>
+              <a:rPr lang="en-US" dirty="0" smtClean="0"/>
+              <a:t>Bad Smells - Sizing</a:t>
+            </a:r>
+            <a:endParaRPr lang="en-US" dirty="0"/>
+          </a:p>
+        </p:txBody>
+      </p:sp>
+      <p:sp>
+        <p:nvSpPr>
+          <p:cNvPr id="3" name="Content Placeholder 2"/>
+          <p:cNvSpPr>
+            <a:spLocks noGrp="1"/>
+          </p:cNvSpPr>
+          <p:nvPr>
+            <p:ph idx="1"/>
+          </p:nvPr>
+        </p:nvSpPr>
+        <p:spPr/>
+        <p:txBody>
+          <a:bodyPr/>
+          <a:lstStyle/>
+          <a:p>
+            <a:r>
+              <a:rPr lang="en-US" dirty="0" smtClean="0"/>
+              <a:t>Duplicated Codes</a:t>
+            </a:r>
+          </a:p>
+          <a:p>
+            <a:r>
+              <a:rPr lang="en-US" dirty="0" smtClean="0"/>
+              <a:t>Alternative Classes with Different Interfaces</a:t>
+            </a:r>
+          </a:p>
+          <a:p>
+            <a:r>
+              <a:rPr lang="en-US" dirty="0" smtClean="0"/>
+              <a:t>Long Method</a:t>
+            </a:r>
+          </a:p>
+          <a:p>
+            <a:r>
+              <a:rPr lang="en-US" dirty="0" smtClean="0"/>
+              <a:t>Long Parameter List</a:t>
+            </a:r>
+          </a:p>
+          <a:p>
+            <a:r>
+              <a:rPr lang="en-US" dirty="0" smtClean="0"/>
+              <a:t>Large Class</a:t>
+            </a:r>
+          </a:p>
+          <a:p>
+            <a:r>
+              <a:rPr lang="en-US" dirty="0" smtClean="0"/>
+              <a:t>Speculative Generality</a:t>
+            </a:r>
+          </a:p>
+        </p:txBody>
+      </p:sp>
+    </p:spTree>
+    <p:extLst>
+      <p:ext uri="{BB962C8B-B14F-4D97-AF65-F5344CB8AC3E}">
+        <p14:creationId xmlns:p14="http://schemas.microsoft.com/office/powerpoint/2010/main" val="321863307"/>
+      </p:ext>
+    </p:extLst>
+  </p:cSld>
+  <p:clrMapOvr>
+    <a:masterClrMapping/>
+  </p:clrMapOvr>
+  <p:timing>
+    <p:tnLst>
+      <p:par>
+        <p:cTn id="1" dur="indefinite" restart="never" nodeType="tmRoot"/>
+      </p:par>
+    </p:tnLst>
+  </p:timing>
+</p:sld>
+</file>
+
+<file path=ppt/slides/slide8.xml><?xml version="1.0" encoding="utf-8"?>
+<p:sld xmlns:a="http://schemas.openxmlformats.org/drawingml/2006/main" xmlns:r="http://schemas.openxmlformats.org/officeDocument/2006/relationships" xmlns:p="http://schemas.openxmlformats.org/presentationml/2006/main">
+  <p:cSld>
+    <p:spTree>
+      <p:nvGrpSpPr>
+        <p:cNvPr id="1" name=""/>
+        <p:cNvGrpSpPr/>
+        <p:nvPr/>
+      </p:nvGrpSpPr>
+      <p:grpSpPr>
+        <a:xfrm>
+          <a:off x="0" y="0"/>
+          <a:ext cx="0" cy="0"/>
+          <a:chOff x="0" y="0"/>
+          <a:chExt cx="0" cy="0"/>
+        </a:xfrm>
+      </p:grpSpPr>
+      <p:sp>
+        <p:nvSpPr>
+          <p:cNvPr id="2" name="Title 1"/>
+          <p:cNvSpPr>
+            <a:spLocks noGrp="1"/>
+          </p:cNvSpPr>
+          <p:nvPr>
+            <p:ph type="title"/>
+          </p:nvPr>
+        </p:nvSpPr>
+        <p:spPr/>
+        <p:txBody>
+          <a:bodyPr/>
+          <a:lstStyle/>
+          <a:p>
+            <a:r>
+              <a:rPr lang="en-US" dirty="0" smtClean="0"/>
+              <a:t>Bad Smells - Coupling</a:t>
+            </a:r>
+            <a:endParaRPr lang="en-US" dirty="0"/>
+          </a:p>
+        </p:txBody>
+      </p:sp>
+      <p:sp>
+        <p:nvSpPr>
+          <p:cNvPr id="3" name="Content Placeholder 2"/>
+          <p:cNvSpPr>
+            <a:spLocks noGrp="1"/>
+          </p:cNvSpPr>
+          <p:nvPr>
+            <p:ph idx="1"/>
+          </p:nvPr>
+        </p:nvSpPr>
+        <p:spPr/>
+        <p:txBody>
+          <a:bodyPr>
+            <a:normAutofit fontScale="92500" lnSpcReduction="10000"/>
+          </a:bodyPr>
+          <a:lstStyle/>
+          <a:p>
+            <a:r>
+              <a:rPr lang="en-US" dirty="0" smtClean="0"/>
+              <a:t>Divergent Change</a:t>
+            </a:r>
+          </a:p>
+          <a:p>
+            <a:r>
+              <a:rPr lang="en-US" dirty="0" smtClean="0"/>
+              <a:t>Shotgun Surgery</a:t>
+            </a:r>
+          </a:p>
+          <a:p>
+            <a:r>
+              <a:rPr lang="en-US" dirty="0" smtClean="0"/>
+              <a:t>Feature Envy</a:t>
+            </a:r>
+          </a:p>
+          <a:p>
+            <a:r>
+              <a:rPr lang="en-US" dirty="0" smtClean="0"/>
+              <a:t>Data Clumps</a:t>
+            </a:r>
+          </a:p>
+          <a:p>
+            <a:r>
+              <a:rPr lang="en-US" dirty="0" smtClean="0"/>
+              <a:t>Parallel Inheritance Hierarchies [Remark]</a:t>
+            </a:r>
+          </a:p>
+          <a:p>
+            <a:r>
+              <a:rPr lang="en-US" dirty="0" smtClean="0"/>
+              <a:t>Message Chains</a:t>
+            </a:r>
+          </a:p>
+          <a:p>
+            <a:r>
+              <a:rPr lang="en-US" dirty="0" smtClean="0"/>
+              <a:t>Inappropriate Intimacy</a:t>
+            </a:r>
+            <a:endParaRPr lang="en-US" dirty="0"/>
+          </a:p>
+        </p:txBody>
+      </p:sp>
+    </p:spTree>
+    <p:extLst>
+      <p:ext uri="{BB962C8B-B14F-4D97-AF65-F5344CB8AC3E}">
+        <p14:creationId xmlns:p14="http://schemas.microsoft.com/office/powerpoint/2010/main" val="2276779503"/>
+      </p:ext>
+    </p:extLst>
+  </p:cSld>
+  <p:clrMapOvr>
+    <a:masterClrMapping/>
+  </p:clrMapOvr>
+  <p:timing>
+    <p:tnLst>
+      <p:par>
+        <p:cTn id="1" dur="indefinite" restart="never" nodeType="tmRoot"/>
+      </p:par>
+    </p:tnLst>
+  </p:timing>
+</p:sld>
+</file>
+
+<file path=ppt/slides/slide9.xml><?xml version="1.0" encoding="utf-8"?>
+<p:sld xmlns:a="http://schemas.openxmlformats.org/drawingml/2006/main" xmlns:r="http://schemas.openxmlformats.org/officeDocument/2006/relationships" xmlns:p="http://schemas.openxmlformats.org/presentationml/2006/main">
+  <p:cSld>
+    <p:spTree>
+      <p:nvGrpSpPr>
+        <p:cNvPr id="1" name=""/>
+        <p:cNvGrpSpPr/>
+        <p:nvPr/>
+      </p:nvGrpSpPr>
+      <p:grpSpPr>
+        <a:xfrm>
+          <a:off x="0" y="0"/>
+          <a:ext cx="0" cy="0"/>
+          <a:chOff x="0" y="0"/>
+          <a:chExt cx="0" cy="0"/>
+        </a:xfrm>
+      </p:grpSpPr>
+      <p:sp>
+        <p:nvSpPr>
+          <p:cNvPr id="2" name="Title 1"/>
+          <p:cNvSpPr>
+            <a:spLocks noGrp="1"/>
+          </p:cNvSpPr>
+          <p:nvPr>
+            <p:ph type="title"/>
+          </p:nvPr>
+        </p:nvSpPr>
+        <p:spPr/>
+        <p:txBody>
+          <a:bodyPr/>
+          <a:lstStyle/>
+          <a:p>
+            <a:r>
+              <a:rPr lang="en-US" dirty="0" smtClean="0"/>
+              <a:t>Bad Smell - Structural</a:t>
+            </a:r>
+            <a:endParaRPr lang="en-US" dirty="0"/>
+          </a:p>
+        </p:txBody>
+      </p:sp>
+      <p:sp>
+        <p:nvSpPr>
+          <p:cNvPr id="3" name="Content Placeholder 2"/>
+          <p:cNvSpPr>
+            <a:spLocks noGrp="1"/>
+          </p:cNvSpPr>
+          <p:nvPr>
+            <p:ph idx="1"/>
+          </p:nvPr>
+        </p:nvSpPr>
+        <p:spPr/>
+        <p:txBody>
+          <a:bodyPr/>
+          <a:lstStyle/>
+          <a:p>
+            <a:r>
+              <a:rPr lang="en-US" dirty="0" smtClean="0"/>
+              <a:t>Switch Statements</a:t>
+            </a:r>
+          </a:p>
+          <a:p>
+            <a:r>
+              <a:rPr lang="en-US" dirty="0" smtClean="0"/>
+              <a:t>Lazy Class</a:t>
+            </a:r>
+          </a:p>
+          <a:p>
+            <a:r>
+              <a:rPr lang="en-US" dirty="0" smtClean="0"/>
+              <a:t>Temporary Field</a:t>
+            </a:r>
+          </a:p>
+          <a:p>
+            <a:r>
+              <a:rPr lang="en-US" dirty="0" smtClean="0"/>
+              <a:t>Middle Man</a:t>
+            </a:r>
+          </a:p>
+          <a:p>
+            <a:r>
+              <a:rPr lang="en-US" dirty="0" smtClean="0"/>
+              <a:t>Incomplete Library Classes</a:t>
+            </a:r>
+          </a:p>
+          <a:p>
+            <a:r>
+              <a:rPr lang="en-US" dirty="0" smtClean="0"/>
+              <a:t>Refused Bequest</a:t>
+            </a:r>
+            <a:endParaRPr lang="en-US" dirty="0"/>
+          </a:p>
+        </p:txBody>
+      </p:sp>
+    </p:spTree>
+    <p:extLst>
+      <p:ext uri="{BB962C8B-B14F-4D97-AF65-F5344CB8AC3E}">
+        <p14:creationId xmlns:p14="http://schemas.microsoft.com/office/powerpoint/2010/main" val="1743365553"/>
       </p:ext>
     </p:extLst>
   </p:cSld>

--- a/Refactoring - Java/Refactoring.pptx
+++ b/Refactoring - Java/Refactoring.pptx
@@ -5788,7 +5788,7 @@
           <a:p>
             <a:fld id="{AAECA78F-AB46-4114-A470-8B3E424B638C}" type="datetimeFigureOut">
               <a:rPr lang="en-US" smtClean="0"/>
-              <a:t>10/24/2016</a:t>
+              <a:t>10/25/2016</a:t>
             </a:fld>
             <a:endParaRPr lang="en-US"/>
           </a:p>
@@ -6447,6 +6447,111 @@
           <a:bodyPr/>
           <a:lstStyle/>
           <a:p>
+            <a:pPr marL="228600" indent="-228600">
+              <a:buAutoNum type="arabicPeriod"/>
+            </a:pPr>
+            <a:r>
+              <a:rPr lang="zh-CN" altLang="en-US" dirty="0" smtClean="0"/>
+              <a:t>转移方法</a:t>
+            </a:r>
+            <a:r>
+              <a:rPr lang="en-US" altLang="zh-CN" dirty="0" smtClean="0"/>
+              <a:t>/</a:t>
+            </a:r>
+            <a:r>
+              <a:rPr lang="zh-CN" altLang="en-US" dirty="0" smtClean="0"/>
+              <a:t>字段，并且建立旧类到新类的代理（引用）。这么做通常是因为开始设计的时候抽象不佳。</a:t>
+            </a:r>
+            <a:endParaRPr lang="en-US" altLang="zh-CN" dirty="0" smtClean="0"/>
+          </a:p>
+          <a:p>
+            <a:pPr marL="228600" indent="-228600">
+              <a:buAutoNum type="arabicPeriod"/>
+            </a:pPr>
+            <a:r>
+              <a:rPr lang="zh-CN" altLang="en-US" dirty="0" smtClean="0"/>
+              <a:t>提炼新的类</a:t>
+            </a:r>
+            <a:r>
+              <a:rPr lang="zh-CN" altLang="en-US" baseline="0" dirty="0" smtClean="0"/>
+              <a:t> </a:t>
+            </a:r>
+            <a:r>
+              <a:rPr lang="en-US" altLang="zh-CN" baseline="0" dirty="0" smtClean="0"/>
+              <a:t>– </a:t>
+            </a:r>
+            <a:r>
+              <a:rPr lang="zh-CN" altLang="en-US" baseline="0" dirty="0" smtClean="0"/>
+              <a:t>常见于精简过于臃肿的类。比如用户类，有很多字段，但是很多字段本身可以组成</a:t>
+            </a:r>
+            <a:r>
+              <a:rPr lang="en-US" altLang="zh-CN" baseline="0" dirty="0" smtClean="0"/>
+              <a:t>Compound Type</a:t>
+            </a:r>
+            <a:r>
+              <a:rPr lang="zh-CN" altLang="en-US" baseline="0" dirty="0" smtClean="0"/>
+              <a:t>，比如地址，电话号码等。提炼这些新的类来替代原有的字段（比如</a:t>
+            </a:r>
+            <a:r>
+              <a:rPr lang="en-US" altLang="zh-CN" baseline="0" dirty="0" smtClean="0"/>
+              <a:t>String</a:t>
+            </a:r>
+            <a:r>
+              <a:rPr lang="zh-CN" altLang="en-US" baseline="0" dirty="0" smtClean="0"/>
+              <a:t>）可以获得更加的灵活性。</a:t>
+            </a:r>
+            <a:endParaRPr lang="en-US" altLang="zh-CN" baseline="0" dirty="0" smtClean="0"/>
+          </a:p>
+          <a:p>
+            <a:pPr marL="228600" indent="-228600">
+              <a:buAutoNum type="arabicPeriod"/>
+            </a:pPr>
+            <a:r>
+              <a:rPr lang="zh-CN" altLang="en-US" baseline="0" dirty="0" smtClean="0"/>
+              <a:t>移除中间人 </a:t>
+            </a:r>
+            <a:r>
+              <a:rPr lang="en-US" altLang="zh-CN" baseline="0" dirty="0" smtClean="0"/>
+              <a:t>– </a:t>
+            </a:r>
+            <a:r>
+              <a:rPr lang="zh-CN" altLang="en-US" baseline="0" dirty="0" smtClean="0"/>
+              <a:t>常见于</a:t>
+            </a:r>
+            <a:r>
+              <a:rPr lang="en-US" altLang="zh-CN" baseline="0" dirty="0" smtClean="0"/>
+              <a:t>over design</a:t>
+            </a:r>
+            <a:r>
+              <a:rPr lang="zh-CN" altLang="en-US" baseline="0" dirty="0" smtClean="0"/>
+              <a:t>。为了扩展性盲目的设计中间层 </a:t>
+            </a:r>
+            <a:r>
+              <a:rPr lang="en-US" altLang="zh-CN" baseline="0" dirty="0" smtClean="0"/>
+              <a:t>– </a:t>
+            </a:r>
+            <a:r>
+              <a:rPr lang="zh-CN" altLang="en-US" baseline="0" dirty="0" smtClean="0"/>
+              <a:t>它们并不做什么实际的工作，只是作为代理转发。当你看到很多这样的类的时候，考虑移除它们。</a:t>
+            </a:r>
+            <a:endParaRPr lang="en-US" altLang="zh-CN" baseline="0" dirty="0" smtClean="0"/>
+          </a:p>
+          <a:p>
+            <a:pPr marL="228600" indent="-228600">
+              <a:buAutoNum type="arabicPeriod"/>
+            </a:pPr>
+            <a:r>
+              <a:rPr lang="zh-CN" altLang="en-US" baseline="0" dirty="0" smtClean="0"/>
+              <a:t>隐藏委托 </a:t>
+            </a:r>
+            <a:r>
+              <a:rPr lang="en-US" altLang="zh-CN" baseline="0" dirty="0" smtClean="0"/>
+              <a:t>– </a:t>
+            </a:r>
+            <a:r>
+              <a:rPr lang="zh-CN" altLang="en-US" baseline="0" dirty="0" smtClean="0"/>
+              <a:t>类似于移除中间人。有时候过多的委托调用看起来冗长而多余。在抽象合理的情况下，尝试更加精简地类之间的关系。</a:t>
+            </a:r>
             <a:endParaRPr lang="en-US" dirty="0"/>
           </a:p>
         </p:txBody>
@@ -6536,6 +6641,213 @@
             </a:pPr>
             <a:r>
               <a:rPr lang="zh-CN" altLang="en-US" dirty="0" smtClean="0"/>
+              <a:t>子封装字段 </a:t>
+            </a:r>
+            <a:r>
+              <a:rPr lang="en-US" altLang="zh-CN" dirty="0" smtClean="0"/>
+              <a:t>– </a:t>
+            </a:r>
+            <a:r>
+              <a:rPr lang="zh-CN" altLang="en-US" dirty="0" smtClean="0"/>
+              <a:t>这是个颇有争议的方法，可以正向来做，也可以反向来做。我的经验是，如果这是一个</a:t>
+            </a:r>
+            <a:r>
+              <a:rPr lang="en-US" altLang="zh-CN" dirty="0" smtClean="0"/>
+              <a:t>POJO,</a:t>
+            </a:r>
+            <a:r>
+              <a:rPr lang="en-US" altLang="zh-CN" baseline="0" dirty="0" smtClean="0"/>
+              <a:t> </a:t>
+            </a:r>
+            <a:r>
+              <a:rPr lang="zh-CN" altLang="en-US" baseline="0" dirty="0" smtClean="0"/>
+              <a:t>那么让代码自动生成器帮助我们管理这些</a:t>
+            </a:r>
+            <a:r>
+              <a:rPr lang="en-US" altLang="zh-CN" baseline="0" dirty="0" smtClean="0"/>
+              <a:t>getters/setters</a:t>
+            </a:r>
+            <a:r>
+              <a:rPr lang="zh-CN" altLang="en-US" baseline="0" dirty="0" smtClean="0"/>
+              <a:t>。如果不是，那么我们需要统一调用；除非这个字段仅存在安全的读取写入（及任何读取写入都是合法的），我们才直接访问字段。否则，尝试生成</a:t>
+            </a:r>
+            <a:r>
+              <a:rPr lang="en-US" altLang="zh-CN" baseline="0" dirty="0" smtClean="0"/>
+              <a:t>getters/setters </a:t>
+            </a:r>
+            <a:r>
+              <a:rPr lang="zh-CN" altLang="en-US" baseline="0" dirty="0" smtClean="0"/>
+              <a:t>来保卫这些字段的读取。我们牺牲的仅仅是一点点可读性。</a:t>
+            </a:r>
+            <a:endParaRPr lang="en-US" altLang="zh-CN" baseline="0" dirty="0" smtClean="0"/>
+          </a:p>
+          <a:p>
+            <a:pPr marL="228600" indent="-228600">
+              <a:buAutoNum type="arabicPeriod"/>
+            </a:pPr>
+            <a:r>
+              <a:rPr lang="zh-CN" altLang="en-US" baseline="0" dirty="0" smtClean="0"/>
+              <a:t>用符号常量来替代纯数字 </a:t>
+            </a:r>
+            <a:r>
+              <a:rPr lang="en-US" altLang="zh-CN" baseline="0" dirty="0" smtClean="0"/>
+              <a:t>– </a:t>
+            </a:r>
+            <a:r>
+              <a:rPr lang="zh-CN" altLang="en-US" baseline="0" dirty="0" smtClean="0"/>
+              <a:t>好处显然易见：数字没有意义，但是符号有。</a:t>
+            </a:r>
+            <a:endParaRPr lang="en-US" altLang="zh-CN" baseline="0" dirty="0" smtClean="0"/>
+          </a:p>
+          <a:p>
+            <a:pPr marL="228600" indent="-228600">
+              <a:buAutoNum type="arabicPeriod"/>
+            </a:pPr>
+            <a:r>
+              <a:rPr lang="zh-CN" altLang="en-US" baseline="0" dirty="0" smtClean="0"/>
+              <a:t>用对象来替代如数组那样的符合类型。好处是我们得到了更好的灵活性，更少的重复代码。</a:t>
+            </a:r>
+            <a:endParaRPr lang="en-US" altLang="zh-CN" baseline="0" dirty="0" smtClean="0"/>
+          </a:p>
+          <a:p>
+            <a:pPr marL="228600" indent="-228600">
+              <a:buAutoNum type="arabicPeriod"/>
+            </a:pPr>
+            <a:r>
+              <a:rPr lang="zh-CN" altLang="en-US" baseline="0" dirty="0" smtClean="0"/>
+              <a:t>把单向关联改成双向 </a:t>
+            </a:r>
+            <a:r>
+              <a:rPr lang="en-US" altLang="zh-CN" baseline="0" dirty="0" smtClean="0"/>
+              <a:t>– </a:t>
+            </a:r>
+            <a:r>
+              <a:rPr lang="zh-CN" altLang="en-US" baseline="0" dirty="0" smtClean="0"/>
+              <a:t>这是把双刃剑。好处是我们把查询复杂度降低了一维。坏处是我们必须仔细维护这个双向关联。</a:t>
+            </a:r>
+            <a:endParaRPr lang="en-US" altLang="zh-CN" baseline="0" dirty="0" smtClean="0"/>
+          </a:p>
+          <a:p>
+            <a:pPr marL="228600" indent="-228600">
+              <a:buAutoNum type="arabicPeriod"/>
+            </a:pPr>
+            <a:r>
+              <a:rPr lang="zh-CN" altLang="en-US" baseline="0" dirty="0" smtClean="0"/>
+              <a:t>用子类来替代类型代码（比如类型枚举） </a:t>
+            </a:r>
+            <a:r>
+              <a:rPr lang="en-US" altLang="zh-CN" baseline="0" dirty="0" smtClean="0"/>
+              <a:t>- </a:t>
+            </a:r>
+            <a:r>
+              <a:rPr lang="zh-CN" altLang="en-US" baseline="0" dirty="0" smtClean="0"/>
+              <a:t>类似于</a:t>
+            </a:r>
+            <a:r>
+              <a:rPr lang="en-US" altLang="zh-CN" baseline="0" dirty="0" smtClean="0"/>
+              <a:t>switch case</a:t>
+            </a:r>
+            <a:r>
+              <a:rPr lang="zh-CN" altLang="en-US" baseline="0" dirty="0" smtClean="0"/>
+              <a:t>，类型枚举常常伴随着大量的条件语句和向下</a:t>
+            </a:r>
+            <a:r>
+              <a:rPr lang="en-US" altLang="zh-CN" baseline="0" dirty="0" smtClean="0"/>
+              <a:t>cast</a:t>
+            </a:r>
+            <a:r>
+              <a:rPr lang="zh-CN" altLang="en-US" baseline="0" smtClean="0"/>
+              <a:t>。</a:t>
+            </a:r>
+            <a:endParaRPr lang="en-US" altLang="zh-CN" baseline="0" dirty="0" smtClean="0"/>
+          </a:p>
+        </p:txBody>
+      </p:sp>
+      <p:sp>
+        <p:nvSpPr>
+          <p:cNvPr id="4" name="Slide Number Placeholder 3"/>
+          <p:cNvSpPr>
+            <a:spLocks noGrp="1"/>
+          </p:cNvSpPr>
+          <p:nvPr>
+            <p:ph type="sldNum" sz="quarter" idx="10"/>
+          </p:nvPr>
+        </p:nvSpPr>
+        <p:spPr/>
+        <p:txBody>
+          <a:bodyPr/>
+          <a:lstStyle/>
+          <a:p>
+            <a:fld id="{E3DC050E-6296-41DE-B64F-694CF55EA39F}" type="slidenum">
+              <a:rPr lang="en-US" smtClean="0"/>
+              <a:t>14</a:t>
+            </a:fld>
+            <a:endParaRPr lang="en-US"/>
+          </a:p>
+        </p:txBody>
+      </p:sp>
+    </p:spTree>
+    <p:extLst>
+      <p:ext uri="{BB962C8B-B14F-4D97-AF65-F5344CB8AC3E}">
+        <p14:creationId xmlns:p14="http://schemas.microsoft.com/office/powerpoint/2010/main" val="3331608055"/>
+      </p:ext>
+    </p:extLst>
+  </p:cSld>
+  <p:clrMapOvr>
+    <a:masterClrMapping/>
+  </p:clrMapOvr>
+</p:notes>
+</file>
+
+<file path=ppt/notesSlides/notesSlide13.xml><?xml version="1.0" encoding="utf-8"?>
+<p:notes xmlns:a="http://schemas.openxmlformats.org/drawingml/2006/main" xmlns:r="http://schemas.openxmlformats.org/officeDocument/2006/relationships" xmlns:p="http://schemas.openxmlformats.org/presentationml/2006/main">
+  <p:cSld>
+    <p:spTree>
+      <p:nvGrpSpPr>
+        <p:cNvPr id="1" name=""/>
+        <p:cNvGrpSpPr/>
+        <p:nvPr/>
+      </p:nvGrpSpPr>
+      <p:grpSpPr>
+        <a:xfrm>
+          <a:off x="0" y="0"/>
+          <a:ext cx="0" cy="0"/>
+          <a:chOff x="0" y="0"/>
+          <a:chExt cx="0" cy="0"/>
+        </a:xfrm>
+      </p:grpSpPr>
+      <p:sp>
+        <p:nvSpPr>
+          <p:cNvPr id="2" name="Slide Image Placeholder 1"/>
+          <p:cNvSpPr>
+            <a:spLocks noGrp="1" noRot="1" noChangeAspect="1"/>
+          </p:cNvSpPr>
+          <p:nvPr>
+            <p:ph type="sldImg"/>
+          </p:nvPr>
+        </p:nvSpPr>
+        <p:spPr/>
+      </p:sp>
+      <p:sp>
+        <p:nvSpPr>
+          <p:cNvPr id="3" name="Notes Placeholder 2"/>
+          <p:cNvSpPr>
+            <a:spLocks noGrp="1"/>
+          </p:cNvSpPr>
+          <p:nvPr>
+            <p:ph type="body" idx="1"/>
+          </p:nvPr>
+        </p:nvSpPr>
+        <p:spPr/>
+        <p:txBody>
+          <a:bodyPr/>
+          <a:lstStyle/>
+          <a:p>
+            <a:pPr marL="228600" indent="-228600">
+              <a:buAutoNum type="arabicPeriod"/>
+            </a:pPr>
+            <a:r>
+              <a:rPr lang="zh-CN" altLang="en-US" dirty="0" smtClean="0"/>
               <a:t>继承体系的重新设计</a:t>
             </a:r>
             <a:r>
@@ -6564,11 +6876,7 @@
             </a:r>
             <a:r>
               <a:rPr lang="zh-CN" altLang="en-US" baseline="0" dirty="0" smtClean="0"/>
-              <a:t>接口来更好的表达类之间的关</a:t>
-            </a:r>
-            <a:r>
-              <a:rPr lang="zh-CN" altLang="en-US" baseline="0" dirty="0" smtClean="0"/>
-              <a:t>系。</a:t>
+              <a:t>接口来更好的表达类之间的关系。</a:t>
             </a:r>
             <a:endParaRPr lang="en-US" altLang="zh-CN" baseline="0" dirty="0" smtClean="0"/>
           </a:p>
@@ -7139,23 +7447,11 @@
             </a:pPr>
             <a:r>
               <a:rPr lang="zh-CN" altLang="en-US" dirty="0" smtClean="0"/>
-              <a:t>重复代码：简直随处</a:t>
-            </a:r>
-            <a:r>
-              <a:rPr lang="zh-CN" altLang="en-US" smtClean="0"/>
-              <a:t>可</a:t>
-            </a:r>
-            <a:r>
-              <a:rPr lang="zh-CN" altLang="en-US" smtClean="0"/>
-              <a:t>见</a:t>
-            </a:r>
-            <a:r>
-              <a:rPr lang="zh-CN" altLang="en-US" baseline="0" smtClean="0"/>
-              <a:t>。</a:t>
+              <a:t>重复代码：简直随处可见</a:t>
             </a:r>
             <a:r>
               <a:rPr lang="zh-CN" altLang="en-US" baseline="0" dirty="0" smtClean="0"/>
-              <a:t>有个事不过三的原则。</a:t>
+              <a:t>。有个事不过三的原则。</a:t>
             </a:r>
             <a:endParaRPr lang="en-US" altLang="zh-CN" baseline="0" dirty="0" smtClean="0"/>
           </a:p>
@@ -7882,6 +8178,125 @@
           <a:bodyPr/>
           <a:lstStyle/>
           <a:p>
+            <a:pPr marL="228600" indent="-228600">
+              <a:buAutoNum type="arabicPeriod"/>
+            </a:pPr>
+            <a:r>
+              <a:rPr lang="zh-CN" altLang="en-US" baseline="0" dirty="0" smtClean="0"/>
+              <a:t>分解</a:t>
+            </a:r>
+            <a:r>
+              <a:rPr lang="en-US" altLang="zh-CN" baseline="0" dirty="0" smtClean="0"/>
+              <a:t>/</a:t>
+            </a:r>
+            <a:r>
+              <a:rPr lang="zh-CN" altLang="en-US" baseline="0" dirty="0" smtClean="0"/>
+              <a:t>合并条件表达式。通常运用于条件复杂的</a:t>
+            </a:r>
+            <a:r>
+              <a:rPr lang="en-US" altLang="zh-CN" baseline="0" dirty="0" smtClean="0"/>
+              <a:t>if else if blocks</a:t>
+            </a:r>
+            <a:r>
+              <a:rPr lang="zh-CN" altLang="en-US" baseline="0" dirty="0" smtClean="0"/>
+              <a:t>。条件本身可以抽象为一个或者多个函数</a:t>
+            </a:r>
+            <a:r>
+              <a:rPr lang="en-US" altLang="zh-CN" baseline="0" dirty="0" smtClean="0"/>
+              <a:t>/</a:t>
+            </a:r>
+            <a:r>
+              <a:rPr lang="zh-CN" altLang="en-US" baseline="0" dirty="0" smtClean="0"/>
+              <a:t>变量，条件执行体则可以抽象为另外的函数。</a:t>
+            </a:r>
+            <a:endParaRPr lang="en-US" altLang="zh-CN" baseline="0" dirty="0" smtClean="0"/>
+          </a:p>
+          <a:p>
+            <a:pPr marL="228600" indent="-228600">
+              <a:buAutoNum type="arabicPeriod"/>
+            </a:pPr>
+            <a:r>
+              <a:rPr lang="zh-CN" altLang="en-US" baseline="0" dirty="0" smtClean="0"/>
+              <a:t>用多态替换条件表达式（特指</a:t>
+            </a:r>
+            <a:r>
+              <a:rPr lang="en-US" altLang="zh-CN" baseline="0" dirty="0" smtClean="0"/>
+              <a:t>Switch Case</a:t>
+            </a:r>
+            <a:r>
+              <a:rPr lang="zh-CN" altLang="en-US" baseline="0" dirty="0" smtClean="0"/>
+              <a:t>）：</a:t>
+            </a:r>
+            <a:r>
+              <a:rPr lang="en-US" altLang="zh-CN" baseline="0" dirty="0" smtClean="0"/>
+              <a:t>switch </a:t>
+            </a:r>
+            <a:r>
+              <a:rPr lang="zh-CN" altLang="en-US" baseline="0" dirty="0" smtClean="0"/>
+              <a:t>一个</a:t>
+            </a:r>
+            <a:r>
+              <a:rPr lang="en-US" altLang="zh-CN" baseline="0" dirty="0" smtClean="0"/>
+              <a:t>type</a:t>
+            </a:r>
+            <a:r>
+              <a:rPr lang="zh-CN" altLang="en-US" baseline="0" dirty="0" smtClean="0"/>
+              <a:t>，然后做不同的事情，这是多态的典型应用场景。</a:t>
+            </a:r>
+            <a:endParaRPr lang="en-US" altLang="zh-CN" baseline="0" dirty="0" smtClean="0"/>
+          </a:p>
+          <a:p>
+            <a:pPr marL="228600" indent="-228600">
+              <a:buAutoNum type="arabicPeriod"/>
+            </a:pPr>
+            <a:r>
+              <a:rPr lang="zh-CN" altLang="en-US" baseline="0" dirty="0" smtClean="0"/>
+              <a:t>引入</a:t>
+            </a:r>
+            <a:r>
+              <a:rPr lang="en-US" altLang="zh-CN" baseline="0" dirty="0" smtClean="0"/>
+              <a:t>Null </a:t>
+            </a:r>
+            <a:r>
+              <a:rPr lang="zh-CN" altLang="en-US" baseline="0" dirty="0" smtClean="0"/>
+              <a:t>对象。我们经常写一些</a:t>
+            </a:r>
+            <a:r>
+              <a:rPr lang="en-US" altLang="zh-CN" baseline="0" dirty="0" smtClean="0"/>
+              <a:t>null check</a:t>
+            </a:r>
+            <a:r>
+              <a:rPr lang="zh-CN" altLang="en-US" baseline="0" dirty="0" smtClean="0"/>
+              <a:t>，如果引入</a:t>
+            </a:r>
+            <a:r>
+              <a:rPr lang="en-US" altLang="zh-CN" baseline="0" dirty="0" smtClean="0"/>
+              <a:t>Null Object</a:t>
+            </a:r>
+            <a:r>
+              <a:rPr lang="zh-CN" altLang="en-US" baseline="0" dirty="0" smtClean="0"/>
+              <a:t>，代码会简单的多，也更安全。典型场景</a:t>
+            </a:r>
+            <a:r>
+              <a:rPr lang="en-US" altLang="zh-CN" baseline="0" dirty="0" err="1" smtClean="0"/>
+              <a:t>NullObject.toString</a:t>
+            </a:r>
+            <a:r>
+              <a:rPr lang="en-US" altLang="zh-CN" baseline="0" dirty="0" smtClean="0"/>
+              <a:t>()</a:t>
+            </a:r>
+            <a:r>
+              <a:rPr lang="zh-CN" altLang="en-US" baseline="0" dirty="0" smtClean="0"/>
+              <a:t>。</a:t>
+            </a:r>
+            <a:r>
+              <a:rPr lang="en-US" altLang="zh-CN" baseline="0" dirty="0" smtClean="0"/>
+              <a:t>Option&lt;&gt; </a:t>
+            </a:r>
+            <a:r>
+              <a:rPr lang="zh-CN" altLang="en-US" baseline="0" dirty="0" smtClean="0"/>
+              <a:t>也可以起到类似作用。</a:t>
+            </a:r>
             <a:endParaRPr lang="en-US" dirty="0"/>
           </a:p>
         </p:txBody>
@@ -8603,7 +9018,7 @@
           <a:p>
             <a:fld id="{F8A4D076-D2B5-4777-B524-04547C8B7AAF}" type="datetimeFigureOut">
               <a:rPr lang="en-US" smtClean="0"/>
-              <a:t>10/24/2016</a:t>
+              <a:t>10/25/2016</a:t>
             </a:fld>
             <a:endParaRPr lang="en-US"/>
           </a:p>
@@ -8899,7 +9314,7 @@
           <a:p>
             <a:fld id="{F8A4D076-D2B5-4777-B524-04547C8B7AAF}" type="datetimeFigureOut">
               <a:rPr lang="en-US" smtClean="0"/>
-              <a:t>10/24/2016</a:t>
+              <a:t>10/25/2016</a:t>
             </a:fld>
             <a:endParaRPr lang="en-US"/>
           </a:p>
@@ -9147,7 +9562,7 @@
           <a:p>
             <a:fld id="{F8A4D076-D2B5-4777-B524-04547C8B7AAF}" type="datetimeFigureOut">
               <a:rPr lang="en-US" smtClean="0"/>
-              <a:t>10/24/2016</a:t>
+              <a:t>10/25/2016</a:t>
             </a:fld>
             <a:endParaRPr lang="en-US"/>
           </a:p>
@@ -9687,7 +10102,7 @@
           <a:p>
             <a:fld id="{F8A4D076-D2B5-4777-B524-04547C8B7AAF}" type="datetimeFigureOut">
               <a:rPr lang="en-US" smtClean="0"/>
-              <a:t>10/24/2016</a:t>
+              <a:t>10/25/2016</a:t>
             </a:fld>
             <a:endParaRPr lang="en-US"/>
           </a:p>
@@ -9935,7 +10350,7 @@
           <a:p>
             <a:fld id="{F8A4D076-D2B5-4777-B524-04547C8B7AAF}" type="datetimeFigureOut">
               <a:rPr lang="en-US" smtClean="0"/>
-              <a:t>10/24/2016</a:t>
+              <a:t>10/25/2016</a:t>
             </a:fld>
             <a:endParaRPr lang="en-US"/>
           </a:p>
@@ -10467,7 +10882,7 @@
           <a:p>
             <a:fld id="{F8A4D076-D2B5-4777-B524-04547C8B7AAF}" type="datetimeFigureOut">
               <a:rPr lang="en-US" smtClean="0"/>
-              <a:t>10/24/2016</a:t>
+              <a:t>10/25/2016</a:t>
             </a:fld>
             <a:endParaRPr lang="en-US"/>
           </a:p>
@@ -10764,7 +11179,7 @@
           <a:p>
             <a:fld id="{F8A4D076-D2B5-4777-B524-04547C8B7AAF}" type="datetimeFigureOut">
               <a:rPr lang="en-US" smtClean="0"/>
-              <a:t>10/24/2016</a:t>
+              <a:t>10/25/2016</a:t>
             </a:fld>
             <a:endParaRPr lang="en-US"/>
           </a:p>
@@ -10938,7 +11353,7 @@
           <a:p>
             <a:fld id="{F8A4D076-D2B5-4777-B524-04547C8B7AAF}" type="datetimeFigureOut">
               <a:rPr lang="en-US" smtClean="0"/>
-              <a:t>10/24/2016</a:t>
+              <a:t>10/25/2016</a:t>
             </a:fld>
             <a:endParaRPr lang="en-US"/>
           </a:p>
@@ -11118,7 +11533,7 @@
           <a:p>
             <a:fld id="{F8A4D076-D2B5-4777-B524-04547C8B7AAF}" type="datetimeFigureOut">
               <a:rPr lang="en-US" smtClean="0"/>
-              <a:t>10/24/2016</a:t>
+              <a:t>10/25/2016</a:t>
             </a:fld>
             <a:endParaRPr lang="en-US"/>
           </a:p>
@@ -11288,7 +11703,7 @@
           <a:p>
             <a:fld id="{F8A4D076-D2B5-4777-B524-04547C8B7AAF}" type="datetimeFigureOut">
               <a:rPr lang="en-US" smtClean="0"/>
-              <a:t>10/24/2016</a:t>
+              <a:t>10/25/2016</a:t>
             </a:fld>
             <a:endParaRPr lang="en-US"/>
           </a:p>
@@ -11539,7 +11954,7 @@
           <a:p>
             <a:fld id="{F8A4D076-D2B5-4777-B524-04547C8B7AAF}" type="datetimeFigureOut">
               <a:rPr lang="en-US" smtClean="0"/>
-              <a:t>10/24/2016</a:t>
+              <a:t>10/25/2016</a:t>
             </a:fld>
             <a:endParaRPr lang="en-US"/>
           </a:p>
@@ -11836,7 +12251,7 @@
           <a:p>
             <a:fld id="{F8A4D076-D2B5-4777-B524-04547C8B7AAF}" type="datetimeFigureOut">
               <a:rPr lang="en-US" smtClean="0"/>
-              <a:t>10/24/2016</a:t>
+              <a:t>10/25/2016</a:t>
             </a:fld>
             <a:endParaRPr lang="en-US"/>
           </a:p>
@@ -12278,7 +12693,7 @@
           <a:p>
             <a:fld id="{F8A4D076-D2B5-4777-B524-04547C8B7AAF}" type="datetimeFigureOut">
               <a:rPr lang="en-US" smtClean="0"/>
-              <a:t>10/24/2016</a:t>
+              <a:t>10/25/2016</a:t>
             </a:fld>
             <a:endParaRPr lang="en-US"/>
           </a:p>
@@ -12396,7 +12811,7 @@
           <a:p>
             <a:fld id="{F8A4D076-D2B5-4777-B524-04547C8B7AAF}" type="datetimeFigureOut">
               <a:rPr lang="en-US" smtClean="0"/>
-              <a:t>10/24/2016</a:t>
+              <a:t>10/25/2016</a:t>
             </a:fld>
             <a:endParaRPr lang="en-US"/>
           </a:p>
@@ -12491,7 +12906,7 @@
           <a:p>
             <a:fld id="{F8A4D076-D2B5-4777-B524-04547C8B7AAF}" type="datetimeFigureOut">
               <a:rPr lang="en-US" smtClean="0"/>
-              <a:t>10/24/2016</a:t>
+              <a:t>10/25/2016</a:t>
             </a:fld>
             <a:endParaRPr lang="en-US"/>
           </a:p>
@@ -12774,7 +13189,7 @@
           <a:p>
             <a:fld id="{F8A4D076-D2B5-4777-B524-04547C8B7AAF}" type="datetimeFigureOut">
               <a:rPr lang="en-US" smtClean="0"/>
-              <a:t>10/24/2016</a:t>
+              <a:t>10/25/2016</a:t>
             </a:fld>
             <a:endParaRPr lang="en-US"/>
           </a:p>
@@ -13065,7 +13480,7 @@
           <a:p>
             <a:fld id="{F8A4D076-D2B5-4777-B524-04547C8B7AAF}" type="datetimeFigureOut">
               <a:rPr lang="en-US" smtClean="0"/>
-              <a:t>10/24/2016</a:t>
+              <a:t>10/25/2016</a:t>
             </a:fld>
             <a:endParaRPr lang="en-US"/>
           </a:p>
@@ -13595,7 +14010,7 @@
           <a:p>
             <a:fld id="{F8A4D076-D2B5-4777-B524-04547C8B7AAF}" type="datetimeFigureOut">
               <a:rPr lang="en-US" smtClean="0"/>
-              <a:t>10/24/2016</a:t>
+              <a:t>10/25/2016</a:t>
             </a:fld>
             <a:endParaRPr lang="en-US"/>
           </a:p>
@@ -14257,7 +14672,19 @@
           <a:p>
             <a:r>
               <a:rPr lang="en-US" dirty="0" smtClean="0"/>
-              <a:t>Decompose Conditional</a:t>
+              <a:t>Decompose</a:t>
+            </a:r>
+            <a:r>
+              <a:rPr lang="en-US" altLang="zh-CN" dirty="0" smtClean="0"/>
+              <a:t>/Consolidate</a:t>
+            </a:r>
+            <a:r>
+              <a:rPr lang="en-US" dirty="0" smtClean="0"/>
+              <a:t> </a:t>
+            </a:r>
+            <a:r>
+              <a:rPr lang="en-US" dirty="0" smtClean="0"/>
+              <a:t>Conditional</a:t>
             </a:r>
           </a:p>
           <a:p>
